--- a/君王就在這裡.pptx
+++ b/君王就在這裡.pptx
@@ -2,7 +2,7 @@
 <file path=ppt/presentation.xml><?xml version="1.0" encoding="utf-8"?>
 <p:presentation xmlns:a="http://schemas.openxmlformats.org/drawingml/2006/main" xmlns:r="http://schemas.openxmlformats.org/officeDocument/2006/relationships" xmlns:p="http://schemas.openxmlformats.org/presentationml/2006/main" saveSubsetFonts="1">
   <p:sldMasterIdLst>
-    <p:sldMasterId id="2147483660" r:id="rId1"/>
+    <p:sldMasterId id="2147483672" r:id="rId1"/>
   </p:sldMasterIdLst>
   <p:sldIdLst>
     <p:sldId id="257" r:id="rId2"/>
@@ -10,7 +10,7 @@
     <p:sldId id="259" r:id="rId4"/>
     <p:sldId id="260" r:id="rId5"/>
   </p:sldIdLst>
-  <p:sldSz cx="9144000" cy="6858000" type="screen4x3"/>
+  <p:sldSz cx="12192000" cy="6858000"/>
   <p:notesSz cx="6858000" cy="9144000"/>
   <p:defaultTextStyle>
     <a:defPPr>
@@ -107,6 +107,22 @@
       </a:defRPr>
     </a:lvl9pPr>
   </p:defaultTextStyle>
+  <p:extLst>
+    <p:ext uri="{EFAFB233-063F-42B5-8137-9DF3F51BA10A}">
+      <p15:sldGuideLst xmlns:p15="http://schemas.microsoft.com/office/powerpoint/2012/main">
+        <p15:guide id="1" orient="horz" pos="2160" userDrawn="1">
+          <p15:clr>
+            <a:srgbClr val="A4A3A4"/>
+          </p15:clr>
+        </p15:guide>
+        <p15:guide id="2" pos="3840" userDrawn="1">
+          <p15:clr>
+            <a:srgbClr val="A4A3A4"/>
+          </p15:clr>
+        </p15:guide>
+      </p15:sldGuideLst>
+    </p:ext>
+  </p:extLst>
 </p:presentation>
 </file>
 
@@ -116,7 +132,7 @@
 
 <file path=ppt/slideLayouts/slideLayout1.xml><?xml version="1.0" encoding="utf-8"?>
 <p:sldLayout xmlns:a="http://schemas.openxmlformats.org/drawingml/2006/main" xmlns:r="http://schemas.openxmlformats.org/officeDocument/2006/relationships" xmlns:p="http://schemas.openxmlformats.org/presentationml/2006/main" type="title" preserve="1">
-  <p:cSld name="Title Slide">
+  <p:cSld name="標題投影片">
     <p:spTree>
       <p:nvGrpSpPr>
         <p:cNvPr id="1" name=""/>
@@ -133,7 +149,7 @@
       </p:grpSpPr>
       <p:sp>
         <p:nvSpPr>
-          <p:cNvPr id="2" name="Title 1"/>
+          <p:cNvPr id="2" name="標題 1"/>
           <p:cNvSpPr>
             <a:spLocks noGrp="1"/>
           </p:cNvSpPr>
@@ -143,29 +159,25 @@
         </p:nvSpPr>
         <p:spPr>
           <a:xfrm>
-            <a:off x="685800" y="1122363"/>
-            <a:ext cx="7772400" cy="2387600"/>
+            <a:off x="914400" y="2130426"/>
+            <a:ext cx="10363200" cy="1470025"/>
           </a:xfrm>
         </p:spPr>
         <p:txBody>
-          <a:bodyPr anchor="b"/>
-          <a:lstStyle>
-            <a:lvl1pPr algn="ctr">
-              <a:defRPr sz="6000"/>
-            </a:lvl1pPr>
-          </a:lstStyle>
-          <a:p>
-            <a:r>
-              <a:rPr lang="en-US"/>
-              <a:t>Click to edit Master title style</a:t>
-            </a:r>
-            <a:endParaRPr lang="en-US" dirty="0"/>
-          </a:p>
-        </p:txBody>
-      </p:sp>
-      <p:sp>
-        <p:nvSpPr>
-          <p:cNvPr id="3" name="Subtitle 2"/>
+          <a:bodyPr/>
+          <a:lstStyle/>
+          <a:p>
+            <a:r>
+              <a:rPr lang="zh-TW" altLang="en-US" smtClean="0"/>
+              <a:t>按一下以編輯母片標題樣式</a:t>
+            </a:r>
+            <a:endParaRPr lang="zh-TW" altLang="en-US"/>
+          </a:p>
+        </p:txBody>
+      </p:sp>
+      <p:sp>
+        <p:nvSpPr>
+          <p:cNvPr id="3" name="副標題 2"/>
           <p:cNvSpPr>
             <a:spLocks noGrp="1"/>
           </p:cNvSpPr>
@@ -175,8 +187,8 @@
         </p:nvSpPr>
         <p:spPr>
           <a:xfrm>
-            <a:off x="1143000" y="3602038"/>
-            <a:ext cx="6858000" cy="1655762"/>
+            <a:off x="1828800" y="3886200"/>
+            <a:ext cx="8534400" cy="1752600"/>
           </a:xfrm>
         </p:spPr>
         <p:txBody>
@@ -184,53 +196,107 @@
           <a:lstStyle>
             <a:lvl1pPr marL="0" indent="0" algn="ctr">
               <a:buNone/>
-              <a:defRPr sz="2400"/>
+              <a:defRPr>
+                <a:solidFill>
+                  <a:schemeClr val="tx1">
+                    <a:tint val="75000"/>
+                  </a:schemeClr>
+                </a:solidFill>
+              </a:defRPr>
             </a:lvl1pPr>
             <a:lvl2pPr marL="457200" indent="0" algn="ctr">
               <a:buNone/>
-              <a:defRPr sz="2000"/>
+              <a:defRPr>
+                <a:solidFill>
+                  <a:schemeClr val="tx1">
+                    <a:tint val="75000"/>
+                  </a:schemeClr>
+                </a:solidFill>
+              </a:defRPr>
             </a:lvl2pPr>
             <a:lvl3pPr marL="914400" indent="0" algn="ctr">
               <a:buNone/>
-              <a:defRPr sz="1800"/>
+              <a:defRPr>
+                <a:solidFill>
+                  <a:schemeClr val="tx1">
+                    <a:tint val="75000"/>
+                  </a:schemeClr>
+                </a:solidFill>
+              </a:defRPr>
             </a:lvl3pPr>
             <a:lvl4pPr marL="1371600" indent="0" algn="ctr">
               <a:buNone/>
-              <a:defRPr sz="1600"/>
+              <a:defRPr>
+                <a:solidFill>
+                  <a:schemeClr val="tx1">
+                    <a:tint val="75000"/>
+                  </a:schemeClr>
+                </a:solidFill>
+              </a:defRPr>
             </a:lvl4pPr>
             <a:lvl5pPr marL="1828800" indent="0" algn="ctr">
               <a:buNone/>
-              <a:defRPr sz="1600"/>
+              <a:defRPr>
+                <a:solidFill>
+                  <a:schemeClr val="tx1">
+                    <a:tint val="75000"/>
+                  </a:schemeClr>
+                </a:solidFill>
+              </a:defRPr>
             </a:lvl5pPr>
             <a:lvl6pPr marL="2286000" indent="0" algn="ctr">
               <a:buNone/>
-              <a:defRPr sz="1600"/>
+              <a:defRPr>
+                <a:solidFill>
+                  <a:schemeClr val="tx1">
+                    <a:tint val="75000"/>
+                  </a:schemeClr>
+                </a:solidFill>
+              </a:defRPr>
             </a:lvl6pPr>
             <a:lvl7pPr marL="2743200" indent="0" algn="ctr">
               <a:buNone/>
-              <a:defRPr sz="1600"/>
+              <a:defRPr>
+                <a:solidFill>
+                  <a:schemeClr val="tx1">
+                    <a:tint val="75000"/>
+                  </a:schemeClr>
+                </a:solidFill>
+              </a:defRPr>
             </a:lvl7pPr>
             <a:lvl8pPr marL="3200400" indent="0" algn="ctr">
               <a:buNone/>
-              <a:defRPr sz="1600"/>
+              <a:defRPr>
+                <a:solidFill>
+                  <a:schemeClr val="tx1">
+                    <a:tint val="75000"/>
+                  </a:schemeClr>
+                </a:solidFill>
+              </a:defRPr>
             </a:lvl8pPr>
             <a:lvl9pPr marL="3657600" indent="0" algn="ctr">
               <a:buNone/>
-              <a:defRPr sz="1600"/>
+              <a:defRPr>
+                <a:solidFill>
+                  <a:schemeClr val="tx1">
+                    <a:tint val="75000"/>
+                  </a:schemeClr>
+                </a:solidFill>
+              </a:defRPr>
             </a:lvl9pPr>
           </a:lstStyle>
           <a:p>
             <a:r>
-              <a:rPr lang="en-US"/>
-              <a:t>Click to edit Master subtitle style</a:t>
-            </a:r>
-            <a:endParaRPr lang="en-US" dirty="0"/>
-          </a:p>
-        </p:txBody>
-      </p:sp>
-      <p:sp>
-        <p:nvSpPr>
-          <p:cNvPr id="4" name="Date Placeholder 3"/>
+              <a:rPr lang="zh-TW" altLang="en-US" smtClean="0"/>
+              <a:t>按一下以編輯母片副標題樣式</a:t>
+            </a:r>
+            <a:endParaRPr lang="zh-TW" altLang="en-US"/>
+          </a:p>
+        </p:txBody>
+      </p:sp>
+      <p:sp>
+        <p:nvSpPr>
+          <p:cNvPr id="4" name="日期版面配置區 3"/>
           <p:cNvSpPr>
             <a:spLocks noGrp="1"/>
           </p:cNvSpPr>
@@ -246,7 +312,7 @@
             <a:fld id="{B4397B52-E6AB-4D37-B982-3B5B9DBDC60C}" type="datetimeFigureOut">
               <a:rPr lang="en-US" smtClean="0"/>
               <a:pPr/>
-              <a:t>10/31/2017</a:t>
+              <a:t>10/17/2019</a:t>
             </a:fld>
             <a:endParaRPr lang="en-US"/>
           </a:p>
@@ -254,7 +320,7 @@
       </p:sp>
       <p:sp>
         <p:nvSpPr>
-          <p:cNvPr id="5" name="Footer Placeholder 4"/>
+          <p:cNvPr id="5" name="頁尾版面配置區 4"/>
           <p:cNvSpPr>
             <a:spLocks noGrp="1"/>
           </p:cNvSpPr>
@@ -273,7 +339,7 @@
       </p:sp>
       <p:sp>
         <p:nvSpPr>
-          <p:cNvPr id="6" name="Slide Number Placeholder 5"/>
+          <p:cNvPr id="6" name="投影片編號版面配置區 5"/>
           <p:cNvSpPr>
             <a:spLocks noGrp="1"/>
           </p:cNvSpPr>
@@ -298,7 +364,7 @@
     </p:spTree>
     <p:extLst>
       <p:ext uri="{BB962C8B-B14F-4D97-AF65-F5344CB8AC3E}">
-        <p14:creationId xmlns:p14="http://schemas.microsoft.com/office/powerpoint/2010/main" xmlns="" val="3450973340"/>
+        <p14:creationId xmlns:p14="http://schemas.microsoft.com/office/powerpoint/2010/main" val="564002923"/>
       </p:ext>
     </p:extLst>
   </p:cSld>
@@ -310,7 +376,7 @@
 
 <file path=ppt/slideLayouts/slideLayout10.xml><?xml version="1.0" encoding="utf-8"?>
 <p:sldLayout xmlns:a="http://schemas.openxmlformats.org/drawingml/2006/main" xmlns:r="http://schemas.openxmlformats.org/officeDocument/2006/relationships" xmlns:p="http://schemas.openxmlformats.org/presentationml/2006/main" type="vertTx" preserve="1">
-  <p:cSld name="Title and Vertical Text">
+  <p:cSld name="標題及直排文字">
     <p:spTree>
       <p:nvGrpSpPr>
         <p:cNvPr id="1" name=""/>
@@ -327,7 +393,7 @@
       </p:grpSpPr>
       <p:sp>
         <p:nvSpPr>
-          <p:cNvPr id="2" name="Title 1"/>
+          <p:cNvPr id="2" name="標題 1"/>
           <p:cNvSpPr>
             <a:spLocks noGrp="1"/>
           </p:cNvSpPr>
@@ -341,16 +407,16 @@
           <a:lstStyle/>
           <a:p>
             <a:r>
-              <a:rPr lang="en-US"/>
-              <a:t>Click to edit Master title style</a:t>
-            </a:r>
-            <a:endParaRPr lang="en-US" dirty="0"/>
-          </a:p>
-        </p:txBody>
-      </p:sp>
-      <p:sp>
-        <p:nvSpPr>
-          <p:cNvPr id="3" name="Vertical Text Placeholder 2"/>
+              <a:rPr lang="zh-TW" altLang="en-US" smtClean="0"/>
+              <a:t>按一下以編輯母片標題樣式</a:t>
+            </a:r>
+            <a:endParaRPr lang="zh-TW" altLang="en-US"/>
+          </a:p>
+        </p:txBody>
+      </p:sp>
+      <p:sp>
+        <p:nvSpPr>
+          <p:cNvPr id="3" name="直排文字版面配置區 2"/>
           <p:cNvSpPr>
             <a:spLocks noGrp="1"/>
           </p:cNvSpPr>
@@ -365,44 +431,44 @@
           <a:p>
             <a:pPr lvl="0"/>
             <a:r>
-              <a:rPr lang="en-US"/>
-              <a:t>Edit Master text styles</a:t>
+              <a:rPr lang="zh-TW" altLang="en-US" smtClean="0"/>
+              <a:t>按一下以編輯母片文字樣式</a:t>
             </a:r>
           </a:p>
           <a:p>
             <a:pPr lvl="1"/>
             <a:r>
-              <a:rPr lang="en-US"/>
-              <a:t>Second level</a:t>
+              <a:rPr lang="zh-TW" altLang="en-US" smtClean="0"/>
+              <a:t>第二層</a:t>
             </a:r>
           </a:p>
           <a:p>
             <a:pPr lvl="2"/>
             <a:r>
-              <a:rPr lang="en-US"/>
-              <a:t>Third level</a:t>
+              <a:rPr lang="zh-TW" altLang="en-US" smtClean="0"/>
+              <a:t>第三層</a:t>
             </a:r>
           </a:p>
           <a:p>
             <a:pPr lvl="3"/>
             <a:r>
-              <a:rPr lang="en-US"/>
-              <a:t>Fourth level</a:t>
+              <a:rPr lang="zh-TW" altLang="en-US" smtClean="0"/>
+              <a:t>第四層</a:t>
             </a:r>
           </a:p>
           <a:p>
             <a:pPr lvl="4"/>
             <a:r>
-              <a:rPr lang="en-US"/>
-              <a:t>Fifth level</a:t>
-            </a:r>
-            <a:endParaRPr lang="en-US" dirty="0"/>
-          </a:p>
-        </p:txBody>
-      </p:sp>
-      <p:sp>
-        <p:nvSpPr>
-          <p:cNvPr id="4" name="Date Placeholder 3"/>
+              <a:rPr lang="zh-TW" altLang="en-US" smtClean="0"/>
+              <a:t>第五層</a:t>
+            </a:r>
+            <a:endParaRPr lang="zh-TW" altLang="en-US"/>
+          </a:p>
+        </p:txBody>
+      </p:sp>
+      <p:sp>
+        <p:nvSpPr>
+          <p:cNvPr id="4" name="日期版面配置區 3"/>
           <p:cNvSpPr>
             <a:spLocks noGrp="1"/>
           </p:cNvSpPr>
@@ -418,7 +484,7 @@
             <a:fld id="{B4397B52-E6AB-4D37-B982-3B5B9DBDC60C}" type="datetimeFigureOut">
               <a:rPr lang="en-US" smtClean="0"/>
               <a:pPr/>
-              <a:t>10/31/2017</a:t>
+              <a:t>10/17/2019</a:t>
             </a:fld>
             <a:endParaRPr lang="en-US"/>
           </a:p>
@@ -426,7 +492,7 @@
       </p:sp>
       <p:sp>
         <p:nvSpPr>
-          <p:cNvPr id="5" name="Footer Placeholder 4"/>
+          <p:cNvPr id="5" name="頁尾版面配置區 4"/>
           <p:cNvSpPr>
             <a:spLocks noGrp="1"/>
           </p:cNvSpPr>
@@ -445,7 +511,7 @@
       </p:sp>
       <p:sp>
         <p:nvSpPr>
-          <p:cNvPr id="6" name="Slide Number Placeholder 5"/>
+          <p:cNvPr id="6" name="投影片編號版面配置區 5"/>
           <p:cNvSpPr>
             <a:spLocks noGrp="1"/>
           </p:cNvSpPr>
@@ -470,7 +536,7 @@
     </p:spTree>
     <p:extLst>
       <p:ext uri="{BB962C8B-B14F-4D97-AF65-F5344CB8AC3E}">
-        <p14:creationId xmlns:p14="http://schemas.microsoft.com/office/powerpoint/2010/main" xmlns="" val="1490101159"/>
+        <p14:creationId xmlns:p14="http://schemas.microsoft.com/office/powerpoint/2010/main" val="1203237180"/>
       </p:ext>
     </p:extLst>
   </p:cSld>
@@ -482,7 +548,7 @@
 
 <file path=ppt/slideLayouts/slideLayout11.xml><?xml version="1.0" encoding="utf-8"?>
 <p:sldLayout xmlns:a="http://schemas.openxmlformats.org/drawingml/2006/main" xmlns:r="http://schemas.openxmlformats.org/officeDocument/2006/relationships" xmlns:p="http://schemas.openxmlformats.org/presentationml/2006/main" type="vertTitleAndTx" preserve="1">
-  <p:cSld name="Vertical Title and Text">
+  <p:cSld name="直排標題及文字">
     <p:spTree>
       <p:nvGrpSpPr>
         <p:cNvPr id="1" name=""/>
@@ -499,7 +565,7 @@
       </p:grpSpPr>
       <p:sp>
         <p:nvSpPr>
-          <p:cNvPr id="2" name="Vertical Title 1"/>
+          <p:cNvPr id="2" name="直排標題 1"/>
           <p:cNvSpPr>
             <a:spLocks noGrp="1"/>
           </p:cNvSpPr>
@@ -509,8 +575,8 @@
         </p:nvSpPr>
         <p:spPr>
           <a:xfrm>
-            <a:off x="6543675" y="365125"/>
-            <a:ext cx="1971675" cy="5811838"/>
+            <a:off x="8839200" y="274639"/>
+            <a:ext cx="2743200" cy="5851525"/>
           </a:xfrm>
         </p:spPr>
         <p:txBody>
@@ -518,16 +584,16 @@
           <a:lstStyle/>
           <a:p>
             <a:r>
-              <a:rPr lang="en-US"/>
-              <a:t>Click to edit Master title style</a:t>
-            </a:r>
-            <a:endParaRPr lang="en-US" dirty="0"/>
-          </a:p>
-        </p:txBody>
-      </p:sp>
-      <p:sp>
-        <p:nvSpPr>
-          <p:cNvPr id="3" name="Vertical Text Placeholder 2"/>
+              <a:rPr lang="zh-TW" altLang="en-US" smtClean="0"/>
+              <a:t>按一下以編輯母片標題樣式</a:t>
+            </a:r>
+            <a:endParaRPr lang="zh-TW" altLang="en-US"/>
+          </a:p>
+        </p:txBody>
+      </p:sp>
+      <p:sp>
+        <p:nvSpPr>
+          <p:cNvPr id="3" name="直排文字版面配置區 2"/>
           <p:cNvSpPr>
             <a:spLocks noGrp="1"/>
           </p:cNvSpPr>
@@ -537,8 +603,8 @@
         </p:nvSpPr>
         <p:spPr>
           <a:xfrm>
-            <a:off x="628650" y="365125"/>
-            <a:ext cx="5800725" cy="5811838"/>
+            <a:off x="609600" y="274639"/>
+            <a:ext cx="8026400" cy="5851525"/>
           </a:xfrm>
         </p:spPr>
         <p:txBody>
@@ -547,44 +613,44 @@
           <a:p>
             <a:pPr lvl="0"/>
             <a:r>
-              <a:rPr lang="en-US"/>
-              <a:t>Edit Master text styles</a:t>
+              <a:rPr lang="zh-TW" altLang="en-US" smtClean="0"/>
+              <a:t>按一下以編輯母片文字樣式</a:t>
             </a:r>
           </a:p>
           <a:p>
             <a:pPr lvl="1"/>
             <a:r>
-              <a:rPr lang="en-US"/>
-              <a:t>Second level</a:t>
+              <a:rPr lang="zh-TW" altLang="en-US" smtClean="0"/>
+              <a:t>第二層</a:t>
             </a:r>
           </a:p>
           <a:p>
             <a:pPr lvl="2"/>
             <a:r>
-              <a:rPr lang="en-US"/>
-              <a:t>Third level</a:t>
+              <a:rPr lang="zh-TW" altLang="en-US" smtClean="0"/>
+              <a:t>第三層</a:t>
             </a:r>
           </a:p>
           <a:p>
             <a:pPr lvl="3"/>
             <a:r>
-              <a:rPr lang="en-US"/>
-              <a:t>Fourth level</a:t>
+              <a:rPr lang="zh-TW" altLang="en-US" smtClean="0"/>
+              <a:t>第四層</a:t>
             </a:r>
           </a:p>
           <a:p>
             <a:pPr lvl="4"/>
             <a:r>
-              <a:rPr lang="en-US"/>
-              <a:t>Fifth level</a:t>
-            </a:r>
-            <a:endParaRPr lang="en-US" dirty="0"/>
-          </a:p>
-        </p:txBody>
-      </p:sp>
-      <p:sp>
-        <p:nvSpPr>
-          <p:cNvPr id="4" name="Date Placeholder 3"/>
+              <a:rPr lang="zh-TW" altLang="en-US" smtClean="0"/>
+              <a:t>第五層</a:t>
+            </a:r>
+            <a:endParaRPr lang="zh-TW" altLang="en-US"/>
+          </a:p>
+        </p:txBody>
+      </p:sp>
+      <p:sp>
+        <p:nvSpPr>
+          <p:cNvPr id="4" name="日期版面配置區 3"/>
           <p:cNvSpPr>
             <a:spLocks noGrp="1"/>
           </p:cNvSpPr>
@@ -600,7 +666,7 @@
             <a:fld id="{B4397B52-E6AB-4D37-B982-3B5B9DBDC60C}" type="datetimeFigureOut">
               <a:rPr lang="en-US" smtClean="0"/>
               <a:pPr/>
-              <a:t>10/31/2017</a:t>
+              <a:t>10/17/2019</a:t>
             </a:fld>
             <a:endParaRPr lang="en-US"/>
           </a:p>
@@ -608,7 +674,7 @@
       </p:sp>
       <p:sp>
         <p:nvSpPr>
-          <p:cNvPr id="5" name="Footer Placeholder 4"/>
+          <p:cNvPr id="5" name="頁尾版面配置區 4"/>
           <p:cNvSpPr>
             <a:spLocks noGrp="1"/>
           </p:cNvSpPr>
@@ -627,7 +693,7 @@
       </p:sp>
       <p:sp>
         <p:nvSpPr>
-          <p:cNvPr id="6" name="Slide Number Placeholder 5"/>
+          <p:cNvPr id="6" name="投影片編號版面配置區 5"/>
           <p:cNvSpPr>
             <a:spLocks noGrp="1"/>
           </p:cNvSpPr>
@@ -652,7 +718,7 @@
     </p:spTree>
     <p:extLst>
       <p:ext uri="{BB962C8B-B14F-4D97-AF65-F5344CB8AC3E}">
-        <p14:creationId xmlns:p14="http://schemas.microsoft.com/office/powerpoint/2010/main" xmlns="" val="3167203337"/>
+        <p14:creationId xmlns:p14="http://schemas.microsoft.com/office/powerpoint/2010/main" val="3313262176"/>
       </p:ext>
     </p:extLst>
   </p:cSld>
@@ -664,7 +730,7 @@
 
 <file path=ppt/slideLayouts/slideLayout2.xml><?xml version="1.0" encoding="utf-8"?>
 <p:sldLayout xmlns:a="http://schemas.openxmlformats.org/drawingml/2006/main" xmlns:r="http://schemas.openxmlformats.org/officeDocument/2006/relationships" xmlns:p="http://schemas.openxmlformats.org/presentationml/2006/main" type="obj" preserve="1">
-  <p:cSld name="Title and Content">
+  <p:cSld name="標題及物件">
     <p:spTree>
       <p:nvGrpSpPr>
         <p:cNvPr id="1" name=""/>
@@ -681,7 +747,7 @@
       </p:grpSpPr>
       <p:sp>
         <p:nvSpPr>
-          <p:cNvPr id="2" name="Title 1"/>
+          <p:cNvPr id="2" name="標題 1"/>
           <p:cNvSpPr>
             <a:spLocks noGrp="1"/>
           </p:cNvSpPr>
@@ -695,16 +761,16 @@
           <a:lstStyle/>
           <a:p>
             <a:r>
-              <a:rPr lang="en-US"/>
-              <a:t>Click to edit Master title style</a:t>
-            </a:r>
-            <a:endParaRPr lang="en-US" dirty="0"/>
-          </a:p>
-        </p:txBody>
-      </p:sp>
-      <p:sp>
-        <p:nvSpPr>
-          <p:cNvPr id="3" name="Content Placeholder 2"/>
+              <a:rPr lang="zh-TW" altLang="en-US" smtClean="0"/>
+              <a:t>按一下以編輯母片標題樣式</a:t>
+            </a:r>
+            <a:endParaRPr lang="zh-TW" altLang="en-US"/>
+          </a:p>
+        </p:txBody>
+      </p:sp>
+      <p:sp>
+        <p:nvSpPr>
+          <p:cNvPr id="3" name="內容版面配置區 2"/>
           <p:cNvSpPr>
             <a:spLocks noGrp="1"/>
           </p:cNvSpPr>
@@ -719,44 +785,44 @@
           <a:p>
             <a:pPr lvl="0"/>
             <a:r>
-              <a:rPr lang="en-US"/>
-              <a:t>Edit Master text styles</a:t>
+              <a:rPr lang="zh-TW" altLang="en-US" smtClean="0"/>
+              <a:t>按一下以編輯母片文字樣式</a:t>
             </a:r>
           </a:p>
           <a:p>
             <a:pPr lvl="1"/>
             <a:r>
-              <a:rPr lang="en-US"/>
-              <a:t>Second level</a:t>
+              <a:rPr lang="zh-TW" altLang="en-US" smtClean="0"/>
+              <a:t>第二層</a:t>
             </a:r>
           </a:p>
           <a:p>
             <a:pPr lvl="2"/>
             <a:r>
-              <a:rPr lang="en-US"/>
-              <a:t>Third level</a:t>
+              <a:rPr lang="zh-TW" altLang="en-US" smtClean="0"/>
+              <a:t>第三層</a:t>
             </a:r>
           </a:p>
           <a:p>
             <a:pPr lvl="3"/>
             <a:r>
-              <a:rPr lang="en-US"/>
-              <a:t>Fourth level</a:t>
+              <a:rPr lang="zh-TW" altLang="en-US" smtClean="0"/>
+              <a:t>第四層</a:t>
             </a:r>
           </a:p>
           <a:p>
             <a:pPr lvl="4"/>
             <a:r>
-              <a:rPr lang="en-US"/>
-              <a:t>Fifth level</a:t>
-            </a:r>
-            <a:endParaRPr lang="en-US" dirty="0"/>
-          </a:p>
-        </p:txBody>
-      </p:sp>
-      <p:sp>
-        <p:nvSpPr>
-          <p:cNvPr id="4" name="Date Placeholder 3"/>
+              <a:rPr lang="zh-TW" altLang="en-US" smtClean="0"/>
+              <a:t>第五層</a:t>
+            </a:r>
+            <a:endParaRPr lang="zh-TW" altLang="en-US"/>
+          </a:p>
+        </p:txBody>
+      </p:sp>
+      <p:sp>
+        <p:nvSpPr>
+          <p:cNvPr id="4" name="日期版面配置區 3"/>
           <p:cNvSpPr>
             <a:spLocks noGrp="1"/>
           </p:cNvSpPr>
@@ -772,7 +838,7 @@
             <a:fld id="{B4397B52-E6AB-4D37-B982-3B5B9DBDC60C}" type="datetimeFigureOut">
               <a:rPr lang="en-US" smtClean="0"/>
               <a:pPr/>
-              <a:t>10/31/2017</a:t>
+              <a:t>10/17/2019</a:t>
             </a:fld>
             <a:endParaRPr lang="en-US"/>
           </a:p>
@@ -780,7 +846,7 @@
       </p:sp>
       <p:sp>
         <p:nvSpPr>
-          <p:cNvPr id="5" name="Footer Placeholder 4"/>
+          <p:cNvPr id="5" name="頁尾版面配置區 4"/>
           <p:cNvSpPr>
             <a:spLocks noGrp="1"/>
           </p:cNvSpPr>
@@ -799,7 +865,7 @@
       </p:sp>
       <p:sp>
         <p:nvSpPr>
-          <p:cNvPr id="6" name="Slide Number Placeholder 5"/>
+          <p:cNvPr id="6" name="投影片編號版面配置區 5"/>
           <p:cNvSpPr>
             <a:spLocks noGrp="1"/>
           </p:cNvSpPr>
@@ -824,7 +890,7 @@
     </p:spTree>
     <p:extLst>
       <p:ext uri="{BB962C8B-B14F-4D97-AF65-F5344CB8AC3E}">
-        <p14:creationId xmlns:p14="http://schemas.microsoft.com/office/powerpoint/2010/main" xmlns="" val="1755173841"/>
+        <p14:creationId xmlns:p14="http://schemas.microsoft.com/office/powerpoint/2010/main" val="2534147719"/>
       </p:ext>
     </p:extLst>
   </p:cSld>
@@ -836,7 +902,7 @@
 
 <file path=ppt/slideLayouts/slideLayout3.xml><?xml version="1.0" encoding="utf-8"?>
 <p:sldLayout xmlns:a="http://schemas.openxmlformats.org/drawingml/2006/main" xmlns:r="http://schemas.openxmlformats.org/officeDocument/2006/relationships" xmlns:p="http://schemas.openxmlformats.org/presentationml/2006/main" type="secHead" preserve="1">
-  <p:cSld name="Section Header">
+  <p:cSld name="區段標題">
     <p:spTree>
       <p:nvGrpSpPr>
         <p:cNvPr id="1" name=""/>
@@ -853,7 +919,7 @@
       </p:grpSpPr>
       <p:sp>
         <p:nvSpPr>
-          <p:cNvPr id="2" name="Title 1"/>
+          <p:cNvPr id="2" name="標題 1"/>
           <p:cNvSpPr>
             <a:spLocks noGrp="1"/>
           </p:cNvSpPr>
@@ -863,56 +929,58 @@
         </p:nvSpPr>
         <p:spPr>
           <a:xfrm>
-            <a:off x="623888" y="1709739"/>
-            <a:ext cx="7886700" cy="2852737"/>
+            <a:off x="963084" y="4406901"/>
+            <a:ext cx="10363200" cy="1362075"/>
           </a:xfrm>
         </p:spPr>
         <p:txBody>
+          <a:bodyPr anchor="t"/>
+          <a:lstStyle>
+            <a:lvl1pPr algn="l">
+              <a:defRPr sz="4000" b="1" cap="all"/>
+            </a:lvl1pPr>
+          </a:lstStyle>
+          <a:p>
+            <a:r>
+              <a:rPr lang="zh-TW" altLang="en-US" smtClean="0"/>
+              <a:t>按一下以編輯母片標題樣式</a:t>
+            </a:r>
+            <a:endParaRPr lang="zh-TW" altLang="en-US"/>
+          </a:p>
+        </p:txBody>
+      </p:sp>
+      <p:sp>
+        <p:nvSpPr>
+          <p:cNvPr id="3" name="文字版面配置區 2"/>
+          <p:cNvSpPr>
+            <a:spLocks noGrp="1"/>
+          </p:cNvSpPr>
+          <p:nvPr>
+            <p:ph type="body" idx="1"/>
+          </p:nvPr>
+        </p:nvSpPr>
+        <p:spPr>
+          <a:xfrm>
+            <a:off x="963084" y="2906713"/>
+            <a:ext cx="10363200" cy="1500187"/>
+          </a:xfrm>
+        </p:spPr>
+        <p:txBody>
           <a:bodyPr anchor="b"/>
           <a:lstStyle>
-            <a:lvl1pPr>
-              <a:defRPr sz="6000"/>
-            </a:lvl1pPr>
-          </a:lstStyle>
-          <a:p>
-            <a:r>
-              <a:rPr lang="en-US"/>
-              <a:t>Click to edit Master title style</a:t>
-            </a:r>
-            <a:endParaRPr lang="en-US" dirty="0"/>
-          </a:p>
-        </p:txBody>
-      </p:sp>
-      <p:sp>
-        <p:nvSpPr>
-          <p:cNvPr id="3" name="Text Placeholder 2"/>
-          <p:cNvSpPr>
-            <a:spLocks noGrp="1"/>
-          </p:cNvSpPr>
-          <p:nvPr>
-            <p:ph type="body" idx="1"/>
-          </p:nvPr>
-        </p:nvSpPr>
-        <p:spPr>
-          <a:xfrm>
-            <a:off x="623888" y="4589464"/>
-            <a:ext cx="7886700" cy="1500187"/>
-          </a:xfrm>
-        </p:spPr>
-        <p:txBody>
-          <a:bodyPr/>
-          <a:lstStyle>
             <a:lvl1pPr marL="0" indent="0">
               <a:buNone/>
-              <a:defRPr sz="2400">
+              <a:defRPr sz="2000">
                 <a:solidFill>
-                  <a:schemeClr val="tx1"/>
+                  <a:schemeClr val="tx1">
+                    <a:tint val="75000"/>
+                  </a:schemeClr>
                 </a:solidFill>
               </a:defRPr>
             </a:lvl1pPr>
             <a:lvl2pPr marL="457200" indent="0">
               <a:buNone/>
-              <a:defRPr sz="2000">
+              <a:defRPr sz="1800">
                 <a:solidFill>
                   <a:schemeClr val="tx1">
                     <a:tint val="75000"/>
@@ -922,7 +990,7 @@
             </a:lvl2pPr>
             <a:lvl3pPr marL="914400" indent="0">
               <a:buNone/>
-              <a:defRPr sz="1800">
+              <a:defRPr sz="1600">
                 <a:solidFill>
                   <a:schemeClr val="tx1">
                     <a:tint val="75000"/>
@@ -932,7 +1000,7 @@
             </a:lvl3pPr>
             <a:lvl4pPr marL="1371600" indent="0">
               <a:buNone/>
-              <a:defRPr sz="1600">
+              <a:defRPr sz="1400">
                 <a:solidFill>
                   <a:schemeClr val="tx1">
                     <a:tint val="75000"/>
@@ -942,7 +1010,7 @@
             </a:lvl4pPr>
             <a:lvl5pPr marL="1828800" indent="0">
               <a:buNone/>
-              <a:defRPr sz="1600">
+              <a:defRPr sz="1400">
                 <a:solidFill>
                   <a:schemeClr val="tx1">
                     <a:tint val="75000"/>
@@ -952,7 +1020,7 @@
             </a:lvl5pPr>
             <a:lvl6pPr marL="2286000" indent="0">
               <a:buNone/>
-              <a:defRPr sz="1600">
+              <a:defRPr sz="1400">
                 <a:solidFill>
                   <a:schemeClr val="tx1">
                     <a:tint val="75000"/>
@@ -962,7 +1030,7 @@
             </a:lvl6pPr>
             <a:lvl7pPr marL="2743200" indent="0">
               <a:buNone/>
-              <a:defRPr sz="1600">
+              <a:defRPr sz="1400">
                 <a:solidFill>
                   <a:schemeClr val="tx1">
                     <a:tint val="75000"/>
@@ -972,7 +1040,7 @@
             </a:lvl7pPr>
             <a:lvl8pPr marL="3200400" indent="0">
               <a:buNone/>
-              <a:defRPr sz="1600">
+              <a:defRPr sz="1400">
                 <a:solidFill>
                   <a:schemeClr val="tx1">
                     <a:tint val="75000"/>
@@ -982,7 +1050,7 @@
             </a:lvl8pPr>
             <a:lvl9pPr marL="3657600" indent="0">
               <a:buNone/>
-              <a:defRPr sz="1600">
+              <a:defRPr sz="1400">
                 <a:solidFill>
                   <a:schemeClr val="tx1">
                     <a:tint val="75000"/>
@@ -994,15 +1062,15 @@
           <a:p>
             <a:pPr lvl="0"/>
             <a:r>
-              <a:rPr lang="en-US"/>
-              <a:t>Edit Master text styles</a:t>
-            </a:r>
-          </a:p>
-        </p:txBody>
-      </p:sp>
-      <p:sp>
-        <p:nvSpPr>
-          <p:cNvPr id="4" name="Date Placeholder 3"/>
+              <a:rPr lang="zh-TW" altLang="en-US" smtClean="0"/>
+              <a:t>按一下以編輯母片文字樣式</a:t>
+            </a:r>
+          </a:p>
+        </p:txBody>
+      </p:sp>
+      <p:sp>
+        <p:nvSpPr>
+          <p:cNvPr id="4" name="日期版面配置區 3"/>
           <p:cNvSpPr>
             <a:spLocks noGrp="1"/>
           </p:cNvSpPr>
@@ -1018,7 +1086,7 @@
             <a:fld id="{B4397B52-E6AB-4D37-B982-3B5B9DBDC60C}" type="datetimeFigureOut">
               <a:rPr lang="en-US" smtClean="0"/>
               <a:pPr/>
-              <a:t>10/31/2017</a:t>
+              <a:t>10/17/2019</a:t>
             </a:fld>
             <a:endParaRPr lang="en-US"/>
           </a:p>
@@ -1026,7 +1094,7 @@
       </p:sp>
       <p:sp>
         <p:nvSpPr>
-          <p:cNvPr id="5" name="Footer Placeholder 4"/>
+          <p:cNvPr id="5" name="頁尾版面配置區 4"/>
           <p:cNvSpPr>
             <a:spLocks noGrp="1"/>
           </p:cNvSpPr>
@@ -1045,7 +1113,7 @@
       </p:sp>
       <p:sp>
         <p:nvSpPr>
-          <p:cNvPr id="6" name="Slide Number Placeholder 5"/>
+          <p:cNvPr id="6" name="投影片編號版面配置區 5"/>
           <p:cNvSpPr>
             <a:spLocks noGrp="1"/>
           </p:cNvSpPr>
@@ -1070,7 +1138,7 @@
     </p:spTree>
     <p:extLst>
       <p:ext uri="{BB962C8B-B14F-4D97-AF65-F5344CB8AC3E}">
-        <p14:creationId xmlns:p14="http://schemas.microsoft.com/office/powerpoint/2010/main" xmlns="" val="1256148159"/>
+        <p14:creationId xmlns:p14="http://schemas.microsoft.com/office/powerpoint/2010/main" val="2138387205"/>
       </p:ext>
     </p:extLst>
   </p:cSld>
@@ -1082,7 +1150,7 @@
 
 <file path=ppt/slideLayouts/slideLayout4.xml><?xml version="1.0" encoding="utf-8"?>
 <p:sldLayout xmlns:a="http://schemas.openxmlformats.org/drawingml/2006/main" xmlns:r="http://schemas.openxmlformats.org/officeDocument/2006/relationships" xmlns:p="http://schemas.openxmlformats.org/presentationml/2006/main" type="twoObj" preserve="1">
-  <p:cSld name="Two Content">
+  <p:cSld name="兩項物件">
     <p:spTree>
       <p:nvGrpSpPr>
         <p:cNvPr id="1" name=""/>
@@ -1099,7 +1167,7 @@
       </p:grpSpPr>
       <p:sp>
         <p:nvSpPr>
-          <p:cNvPr id="2" name="Title 1"/>
+          <p:cNvPr id="2" name="標題 1"/>
           <p:cNvSpPr>
             <a:spLocks noGrp="1"/>
           </p:cNvSpPr>
@@ -1113,16 +1181,16 @@
           <a:lstStyle/>
           <a:p>
             <a:r>
-              <a:rPr lang="en-US"/>
-              <a:t>Click to edit Master title style</a:t>
-            </a:r>
-            <a:endParaRPr lang="en-US" dirty="0"/>
-          </a:p>
-        </p:txBody>
-      </p:sp>
-      <p:sp>
-        <p:nvSpPr>
-          <p:cNvPr id="3" name="Content Placeholder 2"/>
+              <a:rPr lang="zh-TW" altLang="en-US" smtClean="0"/>
+              <a:t>按一下以編輯母片標題樣式</a:t>
+            </a:r>
+            <a:endParaRPr lang="zh-TW" altLang="en-US"/>
+          </a:p>
+        </p:txBody>
+      </p:sp>
+      <p:sp>
+        <p:nvSpPr>
+          <p:cNvPr id="3" name="內容版面配置區 2"/>
           <p:cNvSpPr>
             <a:spLocks noGrp="1"/>
           </p:cNvSpPr>
@@ -1132,54 +1200,82 @@
         </p:nvSpPr>
         <p:spPr>
           <a:xfrm>
-            <a:off x="628650" y="1825625"/>
-            <a:ext cx="3886200" cy="4351338"/>
+            <a:off x="609600" y="1600201"/>
+            <a:ext cx="5384800" cy="4525963"/>
           </a:xfrm>
         </p:spPr>
         <p:txBody>
           <a:bodyPr/>
-          <a:lstStyle/>
+          <a:lstStyle>
+            <a:lvl1pPr>
+              <a:defRPr sz="2800"/>
+            </a:lvl1pPr>
+            <a:lvl2pPr>
+              <a:defRPr sz="2400"/>
+            </a:lvl2pPr>
+            <a:lvl3pPr>
+              <a:defRPr sz="2000"/>
+            </a:lvl3pPr>
+            <a:lvl4pPr>
+              <a:defRPr sz="1800"/>
+            </a:lvl4pPr>
+            <a:lvl5pPr>
+              <a:defRPr sz="1800"/>
+            </a:lvl5pPr>
+            <a:lvl6pPr>
+              <a:defRPr sz="1800"/>
+            </a:lvl6pPr>
+            <a:lvl7pPr>
+              <a:defRPr sz="1800"/>
+            </a:lvl7pPr>
+            <a:lvl8pPr>
+              <a:defRPr sz="1800"/>
+            </a:lvl8pPr>
+            <a:lvl9pPr>
+              <a:defRPr sz="1800"/>
+            </a:lvl9pPr>
+          </a:lstStyle>
           <a:p>
             <a:pPr lvl="0"/>
             <a:r>
-              <a:rPr lang="en-US"/>
-              <a:t>Edit Master text styles</a:t>
+              <a:rPr lang="zh-TW" altLang="en-US" smtClean="0"/>
+              <a:t>按一下以編輯母片文字樣式</a:t>
             </a:r>
           </a:p>
           <a:p>
             <a:pPr lvl="1"/>
             <a:r>
-              <a:rPr lang="en-US"/>
-              <a:t>Second level</a:t>
+              <a:rPr lang="zh-TW" altLang="en-US" smtClean="0"/>
+              <a:t>第二層</a:t>
             </a:r>
           </a:p>
           <a:p>
             <a:pPr lvl="2"/>
             <a:r>
-              <a:rPr lang="en-US"/>
-              <a:t>Third level</a:t>
+              <a:rPr lang="zh-TW" altLang="en-US" smtClean="0"/>
+              <a:t>第三層</a:t>
             </a:r>
           </a:p>
           <a:p>
             <a:pPr lvl="3"/>
             <a:r>
-              <a:rPr lang="en-US"/>
-              <a:t>Fourth level</a:t>
+              <a:rPr lang="zh-TW" altLang="en-US" smtClean="0"/>
+              <a:t>第四層</a:t>
             </a:r>
           </a:p>
           <a:p>
             <a:pPr lvl="4"/>
             <a:r>
-              <a:rPr lang="en-US"/>
-              <a:t>Fifth level</a:t>
-            </a:r>
-            <a:endParaRPr lang="en-US" dirty="0"/>
-          </a:p>
-        </p:txBody>
-      </p:sp>
-      <p:sp>
-        <p:nvSpPr>
-          <p:cNvPr id="4" name="Content Placeholder 3"/>
+              <a:rPr lang="zh-TW" altLang="en-US" smtClean="0"/>
+              <a:t>第五層</a:t>
+            </a:r>
+            <a:endParaRPr lang="zh-TW" altLang="en-US"/>
+          </a:p>
+        </p:txBody>
+      </p:sp>
+      <p:sp>
+        <p:nvSpPr>
+          <p:cNvPr id="4" name="內容版面配置區 3"/>
           <p:cNvSpPr>
             <a:spLocks noGrp="1"/>
           </p:cNvSpPr>
@@ -1189,54 +1285,82 @@
         </p:nvSpPr>
         <p:spPr>
           <a:xfrm>
-            <a:off x="4629150" y="1825625"/>
-            <a:ext cx="3886200" cy="4351338"/>
+            <a:off x="6197600" y="1600201"/>
+            <a:ext cx="5384800" cy="4525963"/>
           </a:xfrm>
         </p:spPr>
         <p:txBody>
           <a:bodyPr/>
-          <a:lstStyle/>
+          <a:lstStyle>
+            <a:lvl1pPr>
+              <a:defRPr sz="2800"/>
+            </a:lvl1pPr>
+            <a:lvl2pPr>
+              <a:defRPr sz="2400"/>
+            </a:lvl2pPr>
+            <a:lvl3pPr>
+              <a:defRPr sz="2000"/>
+            </a:lvl3pPr>
+            <a:lvl4pPr>
+              <a:defRPr sz="1800"/>
+            </a:lvl4pPr>
+            <a:lvl5pPr>
+              <a:defRPr sz="1800"/>
+            </a:lvl5pPr>
+            <a:lvl6pPr>
+              <a:defRPr sz="1800"/>
+            </a:lvl6pPr>
+            <a:lvl7pPr>
+              <a:defRPr sz="1800"/>
+            </a:lvl7pPr>
+            <a:lvl8pPr>
+              <a:defRPr sz="1800"/>
+            </a:lvl8pPr>
+            <a:lvl9pPr>
+              <a:defRPr sz="1800"/>
+            </a:lvl9pPr>
+          </a:lstStyle>
           <a:p>
             <a:pPr lvl="0"/>
             <a:r>
-              <a:rPr lang="en-US"/>
-              <a:t>Edit Master text styles</a:t>
+              <a:rPr lang="zh-TW" altLang="en-US" smtClean="0"/>
+              <a:t>按一下以編輯母片文字樣式</a:t>
             </a:r>
           </a:p>
           <a:p>
             <a:pPr lvl="1"/>
             <a:r>
-              <a:rPr lang="en-US"/>
-              <a:t>Second level</a:t>
+              <a:rPr lang="zh-TW" altLang="en-US" smtClean="0"/>
+              <a:t>第二層</a:t>
             </a:r>
           </a:p>
           <a:p>
             <a:pPr lvl="2"/>
             <a:r>
-              <a:rPr lang="en-US"/>
-              <a:t>Third level</a:t>
+              <a:rPr lang="zh-TW" altLang="en-US" smtClean="0"/>
+              <a:t>第三層</a:t>
             </a:r>
           </a:p>
           <a:p>
             <a:pPr lvl="3"/>
             <a:r>
-              <a:rPr lang="en-US"/>
-              <a:t>Fourth level</a:t>
+              <a:rPr lang="zh-TW" altLang="en-US" smtClean="0"/>
+              <a:t>第四層</a:t>
             </a:r>
           </a:p>
           <a:p>
             <a:pPr lvl="4"/>
             <a:r>
-              <a:rPr lang="en-US"/>
-              <a:t>Fifth level</a:t>
-            </a:r>
-            <a:endParaRPr lang="en-US" dirty="0"/>
-          </a:p>
-        </p:txBody>
-      </p:sp>
-      <p:sp>
-        <p:nvSpPr>
-          <p:cNvPr id="5" name="Date Placeholder 4"/>
+              <a:rPr lang="zh-TW" altLang="en-US" smtClean="0"/>
+              <a:t>第五層</a:t>
+            </a:r>
+            <a:endParaRPr lang="zh-TW" altLang="en-US"/>
+          </a:p>
+        </p:txBody>
+      </p:sp>
+      <p:sp>
+        <p:nvSpPr>
+          <p:cNvPr id="5" name="日期版面配置區 4"/>
           <p:cNvSpPr>
             <a:spLocks noGrp="1"/>
           </p:cNvSpPr>
@@ -1252,7 +1376,7 @@
             <a:fld id="{B4397B52-E6AB-4D37-B982-3B5B9DBDC60C}" type="datetimeFigureOut">
               <a:rPr lang="en-US" smtClean="0"/>
               <a:pPr/>
-              <a:t>10/31/2017</a:t>
+              <a:t>10/17/2019</a:t>
             </a:fld>
             <a:endParaRPr lang="en-US"/>
           </a:p>
@@ -1260,7 +1384,7 @@
       </p:sp>
       <p:sp>
         <p:nvSpPr>
-          <p:cNvPr id="6" name="Footer Placeholder 5"/>
+          <p:cNvPr id="6" name="頁尾版面配置區 5"/>
           <p:cNvSpPr>
             <a:spLocks noGrp="1"/>
           </p:cNvSpPr>
@@ -1279,7 +1403,7 @@
       </p:sp>
       <p:sp>
         <p:nvSpPr>
-          <p:cNvPr id="7" name="Slide Number Placeholder 6"/>
+          <p:cNvPr id="7" name="投影片編號版面配置區 6"/>
           <p:cNvSpPr>
             <a:spLocks noGrp="1"/>
           </p:cNvSpPr>
@@ -1304,7 +1428,7 @@
     </p:spTree>
     <p:extLst>
       <p:ext uri="{BB962C8B-B14F-4D97-AF65-F5344CB8AC3E}">
-        <p14:creationId xmlns:p14="http://schemas.microsoft.com/office/powerpoint/2010/main" xmlns="" val="1389499579"/>
+        <p14:creationId xmlns:p14="http://schemas.microsoft.com/office/powerpoint/2010/main" val="2424735610"/>
       </p:ext>
     </p:extLst>
   </p:cSld>
@@ -1316,7 +1440,7 @@
 
 <file path=ppt/slideLayouts/slideLayout5.xml><?xml version="1.0" encoding="utf-8"?>
 <p:sldLayout xmlns:a="http://schemas.openxmlformats.org/drawingml/2006/main" xmlns:r="http://schemas.openxmlformats.org/officeDocument/2006/relationships" xmlns:p="http://schemas.openxmlformats.org/presentationml/2006/main" type="twoTxTwoObj" preserve="1">
-  <p:cSld name="Comparison">
+  <p:cSld name="比對">
     <p:spTree>
       <p:nvGrpSpPr>
         <p:cNvPr id="1" name=""/>
@@ -1333,46 +1457,45 @@
       </p:grpSpPr>
       <p:sp>
         <p:nvSpPr>
-          <p:cNvPr id="2" name="Title 1"/>
+          <p:cNvPr id="2" name="標題 1"/>
           <p:cNvSpPr>
             <a:spLocks noGrp="1"/>
           </p:cNvSpPr>
           <p:nvPr>
             <p:ph type="title"/>
+          </p:nvPr>
+        </p:nvSpPr>
+        <p:spPr/>
+        <p:txBody>
+          <a:bodyPr/>
+          <a:lstStyle>
+            <a:lvl1pPr>
+              <a:defRPr/>
+            </a:lvl1pPr>
+          </a:lstStyle>
+          <a:p>
+            <a:r>
+              <a:rPr lang="zh-TW" altLang="en-US" smtClean="0"/>
+              <a:t>按一下以編輯母片標題樣式</a:t>
+            </a:r>
+            <a:endParaRPr lang="zh-TW" altLang="en-US"/>
+          </a:p>
+        </p:txBody>
+      </p:sp>
+      <p:sp>
+        <p:nvSpPr>
+          <p:cNvPr id="3" name="文字版面配置區 2"/>
+          <p:cNvSpPr>
+            <a:spLocks noGrp="1"/>
+          </p:cNvSpPr>
+          <p:nvPr>
+            <p:ph type="body" idx="1"/>
           </p:nvPr>
         </p:nvSpPr>
         <p:spPr>
           <a:xfrm>
-            <a:off x="629841" y="365126"/>
-            <a:ext cx="7886700" cy="1325563"/>
-          </a:xfrm>
-        </p:spPr>
-        <p:txBody>
-          <a:bodyPr/>
-          <a:lstStyle/>
-          <a:p>
-            <a:r>
-              <a:rPr lang="en-US"/>
-              <a:t>Click to edit Master title style</a:t>
-            </a:r>
-            <a:endParaRPr lang="en-US" dirty="0"/>
-          </a:p>
-        </p:txBody>
-      </p:sp>
-      <p:sp>
-        <p:nvSpPr>
-          <p:cNvPr id="3" name="Text Placeholder 2"/>
-          <p:cNvSpPr>
-            <a:spLocks noGrp="1"/>
-          </p:cNvSpPr>
-          <p:nvPr>
-            <p:ph type="body" idx="1"/>
-          </p:nvPr>
-        </p:nvSpPr>
-        <p:spPr>
-          <a:xfrm>
-            <a:off x="629842" y="1681163"/>
-            <a:ext cx="3868340" cy="823912"/>
+            <a:off x="609600" y="1535113"/>
+            <a:ext cx="5386917" cy="639762"/>
           </a:xfrm>
         </p:spPr>
         <p:txBody>
@@ -1418,15 +1541,15 @@
           <a:p>
             <a:pPr lvl="0"/>
             <a:r>
-              <a:rPr lang="en-US"/>
-              <a:t>Edit Master text styles</a:t>
-            </a:r>
-          </a:p>
-        </p:txBody>
-      </p:sp>
-      <p:sp>
-        <p:nvSpPr>
-          <p:cNvPr id="4" name="Content Placeholder 3"/>
+              <a:rPr lang="zh-TW" altLang="en-US" smtClean="0"/>
+              <a:t>按一下以編輯母片文字樣式</a:t>
+            </a:r>
+          </a:p>
+        </p:txBody>
+      </p:sp>
+      <p:sp>
+        <p:nvSpPr>
+          <p:cNvPr id="4" name="內容版面配置區 3"/>
           <p:cNvSpPr>
             <a:spLocks noGrp="1"/>
           </p:cNvSpPr>
@@ -1436,54 +1559,82 @@
         </p:nvSpPr>
         <p:spPr>
           <a:xfrm>
-            <a:off x="629842" y="2505075"/>
-            <a:ext cx="3868340" cy="3684588"/>
+            <a:off x="609600" y="2174875"/>
+            <a:ext cx="5386917" cy="3951288"/>
           </a:xfrm>
         </p:spPr>
         <p:txBody>
           <a:bodyPr/>
-          <a:lstStyle/>
+          <a:lstStyle>
+            <a:lvl1pPr>
+              <a:defRPr sz="2400"/>
+            </a:lvl1pPr>
+            <a:lvl2pPr>
+              <a:defRPr sz="2000"/>
+            </a:lvl2pPr>
+            <a:lvl3pPr>
+              <a:defRPr sz="1800"/>
+            </a:lvl3pPr>
+            <a:lvl4pPr>
+              <a:defRPr sz="1600"/>
+            </a:lvl4pPr>
+            <a:lvl5pPr>
+              <a:defRPr sz="1600"/>
+            </a:lvl5pPr>
+            <a:lvl6pPr>
+              <a:defRPr sz="1600"/>
+            </a:lvl6pPr>
+            <a:lvl7pPr>
+              <a:defRPr sz="1600"/>
+            </a:lvl7pPr>
+            <a:lvl8pPr>
+              <a:defRPr sz="1600"/>
+            </a:lvl8pPr>
+            <a:lvl9pPr>
+              <a:defRPr sz="1600"/>
+            </a:lvl9pPr>
+          </a:lstStyle>
           <a:p>
             <a:pPr lvl="0"/>
             <a:r>
-              <a:rPr lang="en-US"/>
-              <a:t>Edit Master text styles</a:t>
+              <a:rPr lang="zh-TW" altLang="en-US" smtClean="0"/>
+              <a:t>按一下以編輯母片文字樣式</a:t>
             </a:r>
           </a:p>
           <a:p>
             <a:pPr lvl="1"/>
             <a:r>
-              <a:rPr lang="en-US"/>
-              <a:t>Second level</a:t>
+              <a:rPr lang="zh-TW" altLang="en-US" smtClean="0"/>
+              <a:t>第二層</a:t>
             </a:r>
           </a:p>
           <a:p>
             <a:pPr lvl="2"/>
             <a:r>
-              <a:rPr lang="en-US"/>
-              <a:t>Third level</a:t>
+              <a:rPr lang="zh-TW" altLang="en-US" smtClean="0"/>
+              <a:t>第三層</a:t>
             </a:r>
           </a:p>
           <a:p>
             <a:pPr lvl="3"/>
             <a:r>
-              <a:rPr lang="en-US"/>
-              <a:t>Fourth level</a:t>
+              <a:rPr lang="zh-TW" altLang="en-US" smtClean="0"/>
+              <a:t>第四層</a:t>
             </a:r>
           </a:p>
           <a:p>
             <a:pPr lvl="4"/>
             <a:r>
-              <a:rPr lang="en-US"/>
-              <a:t>Fifth level</a:t>
-            </a:r>
-            <a:endParaRPr lang="en-US" dirty="0"/>
-          </a:p>
-        </p:txBody>
-      </p:sp>
-      <p:sp>
-        <p:nvSpPr>
-          <p:cNvPr id="5" name="Text Placeholder 4"/>
+              <a:rPr lang="zh-TW" altLang="en-US" smtClean="0"/>
+              <a:t>第五層</a:t>
+            </a:r>
+            <a:endParaRPr lang="zh-TW" altLang="en-US"/>
+          </a:p>
+        </p:txBody>
+      </p:sp>
+      <p:sp>
+        <p:nvSpPr>
+          <p:cNvPr id="5" name="文字版面配置區 4"/>
           <p:cNvSpPr>
             <a:spLocks noGrp="1"/>
           </p:cNvSpPr>
@@ -1493,8 +1644,8 @@
         </p:nvSpPr>
         <p:spPr>
           <a:xfrm>
-            <a:off x="4629150" y="1681163"/>
-            <a:ext cx="3887391" cy="823912"/>
+            <a:off x="6193368" y="1535113"/>
+            <a:ext cx="5389033" cy="639762"/>
           </a:xfrm>
         </p:spPr>
         <p:txBody>
@@ -1540,15 +1691,15 @@
           <a:p>
             <a:pPr lvl="0"/>
             <a:r>
-              <a:rPr lang="en-US"/>
-              <a:t>Edit Master text styles</a:t>
-            </a:r>
-          </a:p>
-        </p:txBody>
-      </p:sp>
-      <p:sp>
-        <p:nvSpPr>
-          <p:cNvPr id="6" name="Content Placeholder 5"/>
+              <a:rPr lang="zh-TW" altLang="en-US" smtClean="0"/>
+              <a:t>按一下以編輯母片文字樣式</a:t>
+            </a:r>
+          </a:p>
+        </p:txBody>
+      </p:sp>
+      <p:sp>
+        <p:nvSpPr>
+          <p:cNvPr id="6" name="內容版面配置區 5"/>
           <p:cNvSpPr>
             <a:spLocks noGrp="1"/>
           </p:cNvSpPr>
@@ -1558,54 +1709,82 @@
         </p:nvSpPr>
         <p:spPr>
           <a:xfrm>
-            <a:off x="4629150" y="2505075"/>
-            <a:ext cx="3887391" cy="3684588"/>
+            <a:off x="6193368" y="2174875"/>
+            <a:ext cx="5389033" cy="3951288"/>
           </a:xfrm>
         </p:spPr>
         <p:txBody>
           <a:bodyPr/>
-          <a:lstStyle/>
+          <a:lstStyle>
+            <a:lvl1pPr>
+              <a:defRPr sz="2400"/>
+            </a:lvl1pPr>
+            <a:lvl2pPr>
+              <a:defRPr sz="2000"/>
+            </a:lvl2pPr>
+            <a:lvl3pPr>
+              <a:defRPr sz="1800"/>
+            </a:lvl3pPr>
+            <a:lvl4pPr>
+              <a:defRPr sz="1600"/>
+            </a:lvl4pPr>
+            <a:lvl5pPr>
+              <a:defRPr sz="1600"/>
+            </a:lvl5pPr>
+            <a:lvl6pPr>
+              <a:defRPr sz="1600"/>
+            </a:lvl6pPr>
+            <a:lvl7pPr>
+              <a:defRPr sz="1600"/>
+            </a:lvl7pPr>
+            <a:lvl8pPr>
+              <a:defRPr sz="1600"/>
+            </a:lvl8pPr>
+            <a:lvl9pPr>
+              <a:defRPr sz="1600"/>
+            </a:lvl9pPr>
+          </a:lstStyle>
           <a:p>
             <a:pPr lvl="0"/>
             <a:r>
-              <a:rPr lang="en-US"/>
-              <a:t>Edit Master text styles</a:t>
+              <a:rPr lang="zh-TW" altLang="en-US" smtClean="0"/>
+              <a:t>按一下以編輯母片文字樣式</a:t>
             </a:r>
           </a:p>
           <a:p>
             <a:pPr lvl="1"/>
             <a:r>
-              <a:rPr lang="en-US"/>
-              <a:t>Second level</a:t>
+              <a:rPr lang="zh-TW" altLang="en-US" smtClean="0"/>
+              <a:t>第二層</a:t>
             </a:r>
           </a:p>
           <a:p>
             <a:pPr lvl="2"/>
             <a:r>
-              <a:rPr lang="en-US"/>
-              <a:t>Third level</a:t>
+              <a:rPr lang="zh-TW" altLang="en-US" smtClean="0"/>
+              <a:t>第三層</a:t>
             </a:r>
           </a:p>
           <a:p>
             <a:pPr lvl="3"/>
             <a:r>
-              <a:rPr lang="en-US"/>
-              <a:t>Fourth level</a:t>
+              <a:rPr lang="zh-TW" altLang="en-US" smtClean="0"/>
+              <a:t>第四層</a:t>
             </a:r>
           </a:p>
           <a:p>
             <a:pPr lvl="4"/>
             <a:r>
-              <a:rPr lang="en-US"/>
-              <a:t>Fifth level</a:t>
-            </a:r>
-            <a:endParaRPr lang="en-US" dirty="0"/>
-          </a:p>
-        </p:txBody>
-      </p:sp>
-      <p:sp>
-        <p:nvSpPr>
-          <p:cNvPr id="7" name="Date Placeholder 6"/>
+              <a:rPr lang="zh-TW" altLang="en-US" smtClean="0"/>
+              <a:t>第五層</a:t>
+            </a:r>
+            <a:endParaRPr lang="zh-TW" altLang="en-US"/>
+          </a:p>
+        </p:txBody>
+      </p:sp>
+      <p:sp>
+        <p:nvSpPr>
+          <p:cNvPr id="7" name="日期版面配置區 6"/>
           <p:cNvSpPr>
             <a:spLocks noGrp="1"/>
           </p:cNvSpPr>
@@ -1621,7 +1800,7 @@
             <a:fld id="{B4397B52-E6AB-4D37-B982-3B5B9DBDC60C}" type="datetimeFigureOut">
               <a:rPr lang="en-US" smtClean="0"/>
               <a:pPr/>
-              <a:t>10/31/2017</a:t>
+              <a:t>10/17/2019</a:t>
             </a:fld>
             <a:endParaRPr lang="en-US"/>
           </a:p>
@@ -1629,7 +1808,7 @@
       </p:sp>
       <p:sp>
         <p:nvSpPr>
-          <p:cNvPr id="8" name="Footer Placeholder 7"/>
+          <p:cNvPr id="8" name="頁尾版面配置區 7"/>
           <p:cNvSpPr>
             <a:spLocks noGrp="1"/>
           </p:cNvSpPr>
@@ -1648,7 +1827,7 @@
       </p:sp>
       <p:sp>
         <p:nvSpPr>
-          <p:cNvPr id="9" name="Slide Number Placeholder 8"/>
+          <p:cNvPr id="9" name="投影片編號版面配置區 8"/>
           <p:cNvSpPr>
             <a:spLocks noGrp="1"/>
           </p:cNvSpPr>
@@ -1673,7 +1852,7 @@
     </p:spTree>
     <p:extLst>
       <p:ext uri="{BB962C8B-B14F-4D97-AF65-F5344CB8AC3E}">
-        <p14:creationId xmlns:p14="http://schemas.microsoft.com/office/powerpoint/2010/main" xmlns="" val="4209074405"/>
+        <p14:creationId xmlns:p14="http://schemas.microsoft.com/office/powerpoint/2010/main" val="2680884968"/>
       </p:ext>
     </p:extLst>
   </p:cSld>
@@ -1685,7 +1864,7 @@
 
 <file path=ppt/slideLayouts/slideLayout6.xml><?xml version="1.0" encoding="utf-8"?>
 <p:sldLayout xmlns:a="http://schemas.openxmlformats.org/drawingml/2006/main" xmlns:r="http://schemas.openxmlformats.org/officeDocument/2006/relationships" xmlns:p="http://schemas.openxmlformats.org/presentationml/2006/main" type="titleOnly" preserve="1">
-  <p:cSld name="Title Only">
+  <p:cSld name="只有標題">
     <p:spTree>
       <p:nvGrpSpPr>
         <p:cNvPr id="1" name=""/>
@@ -1702,7 +1881,7 @@
       </p:grpSpPr>
       <p:sp>
         <p:nvSpPr>
-          <p:cNvPr id="2" name="Title 1"/>
+          <p:cNvPr id="2" name="標題 1"/>
           <p:cNvSpPr>
             <a:spLocks noGrp="1"/>
           </p:cNvSpPr>
@@ -1716,16 +1895,16 @@
           <a:lstStyle/>
           <a:p>
             <a:r>
-              <a:rPr lang="en-US"/>
-              <a:t>Click to edit Master title style</a:t>
-            </a:r>
-            <a:endParaRPr lang="en-US" dirty="0"/>
-          </a:p>
-        </p:txBody>
-      </p:sp>
-      <p:sp>
-        <p:nvSpPr>
-          <p:cNvPr id="3" name="Date Placeholder 2"/>
+              <a:rPr lang="zh-TW" altLang="en-US" smtClean="0"/>
+              <a:t>按一下以編輯母片標題樣式</a:t>
+            </a:r>
+            <a:endParaRPr lang="zh-TW" altLang="en-US"/>
+          </a:p>
+        </p:txBody>
+      </p:sp>
+      <p:sp>
+        <p:nvSpPr>
+          <p:cNvPr id="3" name="日期版面配置區 2"/>
           <p:cNvSpPr>
             <a:spLocks noGrp="1"/>
           </p:cNvSpPr>
@@ -1741,7 +1920,7 @@
             <a:fld id="{B4397B52-E6AB-4D37-B982-3B5B9DBDC60C}" type="datetimeFigureOut">
               <a:rPr lang="en-US" smtClean="0"/>
               <a:pPr/>
-              <a:t>10/31/2017</a:t>
+              <a:t>10/17/2019</a:t>
             </a:fld>
             <a:endParaRPr lang="en-US"/>
           </a:p>
@@ -1749,7 +1928,7 @@
       </p:sp>
       <p:sp>
         <p:nvSpPr>
-          <p:cNvPr id="4" name="Footer Placeholder 3"/>
+          <p:cNvPr id="4" name="頁尾版面配置區 3"/>
           <p:cNvSpPr>
             <a:spLocks noGrp="1"/>
           </p:cNvSpPr>
@@ -1768,7 +1947,7 @@
       </p:sp>
       <p:sp>
         <p:nvSpPr>
-          <p:cNvPr id="5" name="Slide Number Placeholder 4"/>
+          <p:cNvPr id="5" name="投影片編號版面配置區 4"/>
           <p:cNvSpPr>
             <a:spLocks noGrp="1"/>
           </p:cNvSpPr>
@@ -1793,7 +1972,7 @@
     </p:spTree>
     <p:extLst>
       <p:ext uri="{BB962C8B-B14F-4D97-AF65-F5344CB8AC3E}">
-        <p14:creationId xmlns:p14="http://schemas.microsoft.com/office/powerpoint/2010/main" xmlns="" val="1491312750"/>
+        <p14:creationId xmlns:p14="http://schemas.microsoft.com/office/powerpoint/2010/main" val="1570479887"/>
       </p:ext>
     </p:extLst>
   </p:cSld>
@@ -1805,7 +1984,7 @@
 
 <file path=ppt/slideLayouts/slideLayout7.xml><?xml version="1.0" encoding="utf-8"?>
 <p:sldLayout xmlns:a="http://schemas.openxmlformats.org/drawingml/2006/main" xmlns:r="http://schemas.openxmlformats.org/officeDocument/2006/relationships" xmlns:p="http://schemas.openxmlformats.org/presentationml/2006/main" type="blank" preserve="1">
-  <p:cSld name="Blank">
+  <p:cSld name="空白">
     <p:spTree>
       <p:nvGrpSpPr>
         <p:cNvPr id="1" name=""/>
@@ -1822,7 +2001,7 @@
       </p:grpSpPr>
       <p:sp>
         <p:nvSpPr>
-          <p:cNvPr id="2" name="Date Placeholder 1"/>
+          <p:cNvPr id="2" name="日期版面配置區 1"/>
           <p:cNvSpPr>
             <a:spLocks noGrp="1"/>
           </p:cNvSpPr>
@@ -1838,7 +2017,7 @@
             <a:fld id="{B4397B52-E6AB-4D37-B982-3B5B9DBDC60C}" type="datetimeFigureOut">
               <a:rPr lang="en-US" smtClean="0"/>
               <a:pPr/>
-              <a:t>10/31/2017</a:t>
+              <a:t>10/17/2019</a:t>
             </a:fld>
             <a:endParaRPr lang="en-US"/>
           </a:p>
@@ -1846,7 +2025,7 @@
       </p:sp>
       <p:sp>
         <p:nvSpPr>
-          <p:cNvPr id="3" name="Footer Placeholder 2"/>
+          <p:cNvPr id="3" name="頁尾版面配置區 2"/>
           <p:cNvSpPr>
             <a:spLocks noGrp="1"/>
           </p:cNvSpPr>
@@ -1865,7 +2044,7 @@
       </p:sp>
       <p:sp>
         <p:nvSpPr>
-          <p:cNvPr id="4" name="Slide Number Placeholder 3"/>
+          <p:cNvPr id="4" name="投影片編號版面配置區 3"/>
           <p:cNvSpPr>
             <a:spLocks noGrp="1"/>
           </p:cNvSpPr>
@@ -1890,7 +2069,7 @@
     </p:spTree>
     <p:extLst>
       <p:ext uri="{BB962C8B-B14F-4D97-AF65-F5344CB8AC3E}">
-        <p14:creationId xmlns:p14="http://schemas.microsoft.com/office/powerpoint/2010/main" xmlns="" val="2073816353"/>
+        <p14:creationId xmlns:p14="http://schemas.microsoft.com/office/powerpoint/2010/main" val="2678508546"/>
       </p:ext>
     </p:extLst>
   </p:cSld>
@@ -1902,7 +2081,7 @@
 
 <file path=ppt/slideLayouts/slideLayout8.xml><?xml version="1.0" encoding="utf-8"?>
 <p:sldLayout xmlns:a="http://schemas.openxmlformats.org/drawingml/2006/main" xmlns:r="http://schemas.openxmlformats.org/officeDocument/2006/relationships" xmlns:p="http://schemas.openxmlformats.org/presentationml/2006/main" type="objTx" preserve="1">
-  <p:cSld name="Content with Caption">
+  <p:cSld name="含標題的內容">
     <p:spTree>
       <p:nvGrpSpPr>
         <p:cNvPr id="1" name=""/>
@@ -1919,7 +2098,7 @@
       </p:grpSpPr>
       <p:sp>
         <p:nvSpPr>
-          <p:cNvPr id="2" name="Title 1"/>
+          <p:cNvPr id="2" name="標題 1"/>
           <p:cNvSpPr>
             <a:spLocks noGrp="1"/>
           </p:cNvSpPr>
@@ -1929,29 +2108,29 @@
         </p:nvSpPr>
         <p:spPr>
           <a:xfrm>
-            <a:off x="629841" y="457200"/>
-            <a:ext cx="2949178" cy="1600200"/>
+            <a:off x="609601" y="273050"/>
+            <a:ext cx="4011084" cy="1162050"/>
           </a:xfrm>
         </p:spPr>
         <p:txBody>
           <a:bodyPr anchor="b"/>
           <a:lstStyle>
-            <a:lvl1pPr>
-              <a:defRPr sz="3200"/>
+            <a:lvl1pPr algn="l">
+              <a:defRPr sz="2000" b="1"/>
             </a:lvl1pPr>
           </a:lstStyle>
           <a:p>
             <a:r>
-              <a:rPr lang="en-US"/>
-              <a:t>Click to edit Master title style</a:t>
-            </a:r>
-            <a:endParaRPr lang="en-US" dirty="0"/>
-          </a:p>
-        </p:txBody>
-      </p:sp>
-      <p:sp>
-        <p:nvSpPr>
-          <p:cNvPr id="3" name="Content Placeholder 2"/>
+              <a:rPr lang="zh-TW" altLang="en-US" smtClean="0"/>
+              <a:t>按一下以編輯母片標題樣式</a:t>
+            </a:r>
+            <a:endParaRPr lang="zh-TW" altLang="en-US"/>
+          </a:p>
+        </p:txBody>
+      </p:sp>
+      <p:sp>
+        <p:nvSpPr>
+          <p:cNvPr id="3" name="內容版面配置區 2"/>
           <p:cNvSpPr>
             <a:spLocks noGrp="1"/>
           </p:cNvSpPr>
@@ -1961,8 +2140,8 @@
         </p:nvSpPr>
         <p:spPr>
           <a:xfrm>
-            <a:off x="3887391" y="987426"/>
-            <a:ext cx="4629150" cy="4873625"/>
+            <a:off x="4766733" y="273051"/>
+            <a:ext cx="6815667" cy="5853113"/>
           </a:xfrm>
         </p:spPr>
         <p:txBody>
@@ -1999,44 +2178,44 @@
           <a:p>
             <a:pPr lvl="0"/>
             <a:r>
-              <a:rPr lang="en-US"/>
-              <a:t>Edit Master text styles</a:t>
+              <a:rPr lang="zh-TW" altLang="en-US" smtClean="0"/>
+              <a:t>按一下以編輯母片文字樣式</a:t>
             </a:r>
           </a:p>
           <a:p>
             <a:pPr lvl="1"/>
             <a:r>
-              <a:rPr lang="en-US"/>
-              <a:t>Second level</a:t>
+              <a:rPr lang="zh-TW" altLang="en-US" smtClean="0"/>
+              <a:t>第二層</a:t>
             </a:r>
           </a:p>
           <a:p>
             <a:pPr lvl="2"/>
             <a:r>
-              <a:rPr lang="en-US"/>
-              <a:t>Third level</a:t>
+              <a:rPr lang="zh-TW" altLang="en-US" smtClean="0"/>
+              <a:t>第三層</a:t>
             </a:r>
           </a:p>
           <a:p>
             <a:pPr lvl="3"/>
             <a:r>
-              <a:rPr lang="en-US"/>
-              <a:t>Fourth level</a:t>
+              <a:rPr lang="zh-TW" altLang="en-US" smtClean="0"/>
+              <a:t>第四層</a:t>
             </a:r>
           </a:p>
           <a:p>
             <a:pPr lvl="4"/>
             <a:r>
-              <a:rPr lang="en-US"/>
-              <a:t>Fifth level</a:t>
-            </a:r>
-            <a:endParaRPr lang="en-US" dirty="0"/>
-          </a:p>
-        </p:txBody>
-      </p:sp>
-      <p:sp>
-        <p:nvSpPr>
-          <p:cNvPr id="4" name="Text Placeholder 3"/>
+              <a:rPr lang="zh-TW" altLang="en-US" smtClean="0"/>
+              <a:t>第五層</a:t>
+            </a:r>
+            <a:endParaRPr lang="zh-TW" altLang="en-US"/>
+          </a:p>
+        </p:txBody>
+      </p:sp>
+      <p:sp>
+        <p:nvSpPr>
+          <p:cNvPr id="4" name="文字版面配置區 3"/>
           <p:cNvSpPr>
             <a:spLocks noGrp="1"/>
           </p:cNvSpPr>
@@ -2046,8 +2225,8 @@
         </p:nvSpPr>
         <p:spPr>
           <a:xfrm>
-            <a:off x="629841" y="2057400"/>
-            <a:ext cx="2949178" cy="3811588"/>
+            <a:off x="609601" y="1435101"/>
+            <a:ext cx="4011084" cy="4691063"/>
           </a:xfrm>
         </p:spPr>
         <p:txBody>
@@ -2055,53 +2234,53 @@
           <a:lstStyle>
             <a:lvl1pPr marL="0" indent="0">
               <a:buNone/>
-              <a:defRPr sz="1600"/>
+              <a:defRPr sz="1400"/>
             </a:lvl1pPr>
             <a:lvl2pPr marL="457200" indent="0">
               <a:buNone/>
-              <a:defRPr sz="1400"/>
+              <a:defRPr sz="1200"/>
             </a:lvl2pPr>
             <a:lvl3pPr marL="914400" indent="0">
               <a:buNone/>
-              <a:defRPr sz="1200"/>
+              <a:defRPr sz="1000"/>
             </a:lvl3pPr>
             <a:lvl4pPr marL="1371600" indent="0">
               <a:buNone/>
-              <a:defRPr sz="1000"/>
+              <a:defRPr sz="900"/>
             </a:lvl4pPr>
             <a:lvl5pPr marL="1828800" indent="0">
               <a:buNone/>
-              <a:defRPr sz="1000"/>
+              <a:defRPr sz="900"/>
             </a:lvl5pPr>
             <a:lvl6pPr marL="2286000" indent="0">
               <a:buNone/>
-              <a:defRPr sz="1000"/>
+              <a:defRPr sz="900"/>
             </a:lvl6pPr>
             <a:lvl7pPr marL="2743200" indent="0">
               <a:buNone/>
-              <a:defRPr sz="1000"/>
+              <a:defRPr sz="900"/>
             </a:lvl7pPr>
             <a:lvl8pPr marL="3200400" indent="0">
               <a:buNone/>
-              <a:defRPr sz="1000"/>
+              <a:defRPr sz="900"/>
             </a:lvl8pPr>
             <a:lvl9pPr marL="3657600" indent="0">
               <a:buNone/>
-              <a:defRPr sz="1000"/>
+              <a:defRPr sz="900"/>
             </a:lvl9pPr>
           </a:lstStyle>
           <a:p>
             <a:pPr lvl="0"/>
             <a:r>
-              <a:rPr lang="en-US"/>
-              <a:t>Edit Master text styles</a:t>
-            </a:r>
-          </a:p>
-        </p:txBody>
-      </p:sp>
-      <p:sp>
-        <p:nvSpPr>
-          <p:cNvPr id="5" name="Date Placeholder 4"/>
+              <a:rPr lang="zh-TW" altLang="en-US" smtClean="0"/>
+              <a:t>按一下以編輯母片文字樣式</a:t>
+            </a:r>
+          </a:p>
+        </p:txBody>
+      </p:sp>
+      <p:sp>
+        <p:nvSpPr>
+          <p:cNvPr id="5" name="日期版面配置區 4"/>
           <p:cNvSpPr>
             <a:spLocks noGrp="1"/>
           </p:cNvSpPr>
@@ -2117,7 +2296,7 @@
             <a:fld id="{B4397B52-E6AB-4D37-B982-3B5B9DBDC60C}" type="datetimeFigureOut">
               <a:rPr lang="en-US" smtClean="0"/>
               <a:pPr/>
-              <a:t>10/31/2017</a:t>
+              <a:t>10/17/2019</a:t>
             </a:fld>
             <a:endParaRPr lang="en-US"/>
           </a:p>
@@ -2125,7 +2304,7 @@
       </p:sp>
       <p:sp>
         <p:nvSpPr>
-          <p:cNvPr id="6" name="Footer Placeholder 5"/>
+          <p:cNvPr id="6" name="頁尾版面配置區 5"/>
           <p:cNvSpPr>
             <a:spLocks noGrp="1"/>
           </p:cNvSpPr>
@@ -2144,7 +2323,7 @@
       </p:sp>
       <p:sp>
         <p:nvSpPr>
-          <p:cNvPr id="7" name="Slide Number Placeholder 6"/>
+          <p:cNvPr id="7" name="投影片編號版面配置區 6"/>
           <p:cNvSpPr>
             <a:spLocks noGrp="1"/>
           </p:cNvSpPr>
@@ -2169,7 +2348,7 @@
     </p:spTree>
     <p:extLst>
       <p:ext uri="{BB962C8B-B14F-4D97-AF65-F5344CB8AC3E}">
-        <p14:creationId xmlns:p14="http://schemas.microsoft.com/office/powerpoint/2010/main" xmlns="" val="134900211"/>
+        <p14:creationId xmlns:p14="http://schemas.microsoft.com/office/powerpoint/2010/main" val="1939385693"/>
       </p:ext>
     </p:extLst>
   </p:cSld>
@@ -2181,7 +2360,7 @@
 
 <file path=ppt/slideLayouts/slideLayout9.xml><?xml version="1.0" encoding="utf-8"?>
 <p:sldLayout xmlns:a="http://schemas.openxmlformats.org/drawingml/2006/main" xmlns:r="http://schemas.openxmlformats.org/officeDocument/2006/relationships" xmlns:p="http://schemas.openxmlformats.org/presentationml/2006/main" type="picTx" preserve="1">
-  <p:cSld name="Picture with Caption">
+  <p:cSld name="含標題的圖片">
     <p:spTree>
       <p:nvGrpSpPr>
         <p:cNvPr id="1" name=""/>
@@ -2198,7 +2377,7 @@
       </p:grpSpPr>
       <p:sp>
         <p:nvSpPr>
-          <p:cNvPr id="2" name="Title 1"/>
+          <p:cNvPr id="2" name="標題 1"/>
           <p:cNvSpPr>
             <a:spLocks noGrp="1"/>
           </p:cNvSpPr>
@@ -2208,31 +2387,31 @@
         </p:nvSpPr>
         <p:spPr>
           <a:xfrm>
-            <a:off x="629841" y="457200"/>
-            <a:ext cx="2949178" cy="1600200"/>
+            <a:off x="2389717" y="4800600"/>
+            <a:ext cx="7315200" cy="566738"/>
           </a:xfrm>
         </p:spPr>
         <p:txBody>
           <a:bodyPr anchor="b"/>
           <a:lstStyle>
-            <a:lvl1pPr>
-              <a:defRPr sz="3200"/>
+            <a:lvl1pPr algn="l">
+              <a:defRPr sz="2000" b="1"/>
             </a:lvl1pPr>
           </a:lstStyle>
           <a:p>
             <a:r>
-              <a:rPr lang="en-US"/>
-              <a:t>Click to edit Master title style</a:t>
-            </a:r>
-            <a:endParaRPr lang="en-US" dirty="0"/>
-          </a:p>
-        </p:txBody>
-      </p:sp>
-      <p:sp>
-        <p:nvSpPr>
-          <p:cNvPr id="3" name="Picture Placeholder 2"/>
-          <p:cNvSpPr>
-            <a:spLocks noGrp="1" noChangeAspect="1"/>
+              <a:rPr lang="zh-TW" altLang="en-US" smtClean="0"/>
+              <a:t>按一下以編輯母片標題樣式</a:t>
+            </a:r>
+            <a:endParaRPr lang="zh-TW" altLang="en-US"/>
+          </a:p>
+        </p:txBody>
+      </p:sp>
+      <p:sp>
+        <p:nvSpPr>
+          <p:cNvPr id="3" name="圖片版面配置區 2"/>
+          <p:cNvSpPr>
+            <a:spLocks noGrp="1"/>
           </p:cNvSpPr>
           <p:nvPr>
             <p:ph type="pic" idx="1"/>
@@ -2240,12 +2419,12 @@
         </p:nvSpPr>
         <p:spPr>
           <a:xfrm>
-            <a:off x="3887391" y="987426"/>
-            <a:ext cx="4629150" cy="4873625"/>
+            <a:off x="2389717" y="612775"/>
+            <a:ext cx="7315200" cy="4114800"/>
           </a:xfrm>
         </p:spPr>
         <p:txBody>
-          <a:bodyPr anchor="t"/>
+          <a:bodyPr/>
           <a:lstStyle>
             <a:lvl1pPr marL="0" indent="0">
               <a:buNone/>
@@ -2286,16 +2465,16 @@
           </a:lstStyle>
           <a:p>
             <a:r>
-              <a:rPr lang="en-US"/>
-              <a:t>Click icon to add picture</a:t>
-            </a:r>
-            <a:endParaRPr lang="en-US" dirty="0"/>
-          </a:p>
-        </p:txBody>
-      </p:sp>
-      <p:sp>
-        <p:nvSpPr>
-          <p:cNvPr id="4" name="Text Placeholder 3"/>
+              <a:rPr lang="zh-TW" altLang="en-US" smtClean="0"/>
+              <a:t>按一下圖示以新增圖片</a:t>
+            </a:r>
+            <a:endParaRPr lang="zh-TW" altLang="en-US"/>
+          </a:p>
+        </p:txBody>
+      </p:sp>
+      <p:sp>
+        <p:nvSpPr>
+          <p:cNvPr id="4" name="文字版面配置區 3"/>
           <p:cNvSpPr>
             <a:spLocks noGrp="1"/>
           </p:cNvSpPr>
@@ -2305,8 +2484,8 @@
         </p:nvSpPr>
         <p:spPr>
           <a:xfrm>
-            <a:off x="629841" y="2057400"/>
-            <a:ext cx="2949178" cy="3811588"/>
+            <a:off x="2389717" y="5367338"/>
+            <a:ext cx="7315200" cy="804862"/>
           </a:xfrm>
         </p:spPr>
         <p:txBody>
@@ -2314,53 +2493,53 @@
           <a:lstStyle>
             <a:lvl1pPr marL="0" indent="0">
               <a:buNone/>
-              <a:defRPr sz="1600"/>
+              <a:defRPr sz="1400"/>
             </a:lvl1pPr>
             <a:lvl2pPr marL="457200" indent="0">
               <a:buNone/>
-              <a:defRPr sz="1400"/>
+              <a:defRPr sz="1200"/>
             </a:lvl2pPr>
             <a:lvl3pPr marL="914400" indent="0">
               <a:buNone/>
-              <a:defRPr sz="1200"/>
+              <a:defRPr sz="1000"/>
             </a:lvl3pPr>
             <a:lvl4pPr marL="1371600" indent="0">
               <a:buNone/>
-              <a:defRPr sz="1000"/>
+              <a:defRPr sz="900"/>
             </a:lvl4pPr>
             <a:lvl5pPr marL="1828800" indent="0">
               <a:buNone/>
-              <a:defRPr sz="1000"/>
+              <a:defRPr sz="900"/>
             </a:lvl5pPr>
             <a:lvl6pPr marL="2286000" indent="0">
               <a:buNone/>
-              <a:defRPr sz="1000"/>
+              <a:defRPr sz="900"/>
             </a:lvl6pPr>
             <a:lvl7pPr marL="2743200" indent="0">
               <a:buNone/>
-              <a:defRPr sz="1000"/>
+              <a:defRPr sz="900"/>
             </a:lvl7pPr>
             <a:lvl8pPr marL="3200400" indent="0">
               <a:buNone/>
-              <a:defRPr sz="1000"/>
+              <a:defRPr sz="900"/>
             </a:lvl8pPr>
             <a:lvl9pPr marL="3657600" indent="0">
               <a:buNone/>
-              <a:defRPr sz="1000"/>
+              <a:defRPr sz="900"/>
             </a:lvl9pPr>
           </a:lstStyle>
           <a:p>
             <a:pPr lvl="0"/>
             <a:r>
-              <a:rPr lang="en-US"/>
-              <a:t>Edit Master text styles</a:t>
-            </a:r>
-          </a:p>
-        </p:txBody>
-      </p:sp>
-      <p:sp>
-        <p:nvSpPr>
-          <p:cNvPr id="5" name="Date Placeholder 4"/>
+              <a:rPr lang="zh-TW" altLang="en-US" smtClean="0"/>
+              <a:t>按一下以編輯母片文字樣式</a:t>
+            </a:r>
+          </a:p>
+        </p:txBody>
+      </p:sp>
+      <p:sp>
+        <p:nvSpPr>
+          <p:cNvPr id="5" name="日期版面配置區 4"/>
           <p:cNvSpPr>
             <a:spLocks noGrp="1"/>
           </p:cNvSpPr>
@@ -2376,7 +2555,7 @@
             <a:fld id="{B4397B52-E6AB-4D37-B982-3B5B9DBDC60C}" type="datetimeFigureOut">
               <a:rPr lang="en-US" smtClean="0"/>
               <a:pPr/>
-              <a:t>10/31/2017</a:t>
+              <a:t>10/17/2019</a:t>
             </a:fld>
             <a:endParaRPr lang="en-US"/>
           </a:p>
@@ -2384,7 +2563,7 @@
       </p:sp>
       <p:sp>
         <p:nvSpPr>
-          <p:cNvPr id="6" name="Footer Placeholder 5"/>
+          <p:cNvPr id="6" name="頁尾版面配置區 5"/>
           <p:cNvSpPr>
             <a:spLocks noGrp="1"/>
           </p:cNvSpPr>
@@ -2403,7 +2582,7 @@
       </p:sp>
       <p:sp>
         <p:nvSpPr>
-          <p:cNvPr id="7" name="Slide Number Placeholder 6"/>
+          <p:cNvPr id="7" name="投影片編號版面配置區 6"/>
           <p:cNvSpPr>
             <a:spLocks noGrp="1"/>
           </p:cNvSpPr>
@@ -2428,7 +2607,7 @@
     </p:spTree>
     <p:extLst>
       <p:ext uri="{BB962C8B-B14F-4D97-AF65-F5344CB8AC3E}">
-        <p14:creationId xmlns:p14="http://schemas.microsoft.com/office/powerpoint/2010/main" xmlns="" val="2659348105"/>
+        <p14:creationId xmlns:p14="http://schemas.microsoft.com/office/powerpoint/2010/main" val="3011331480"/>
       </p:ext>
     </p:extLst>
   </p:cSld>
@@ -2442,9 +2621,14 @@
 <p:sldMaster xmlns:a="http://schemas.openxmlformats.org/drawingml/2006/main" xmlns:r="http://schemas.openxmlformats.org/officeDocument/2006/relationships" xmlns:p="http://schemas.openxmlformats.org/presentationml/2006/main">
   <p:cSld>
     <p:bg>
-      <p:bgRef idx="1001">
-        <a:schemeClr val="bg1"/>
-      </p:bgRef>
+      <p:bgPr>
+        <a:blipFill dpi="0" rotWithShape="1">
+          <a:blip r:embed="rId13"/>
+          <a:srcRect/>
+          <a:tile tx="0" ty="0" sx="100000" sy="100000" flip="none" algn="tl"/>
+        </a:blipFill>
+        <a:effectLst/>
+      </p:bgPr>
     </p:bg>
     <p:spTree>
       <p:nvGrpSpPr>
@@ -2462,7 +2646,7 @@
       </p:grpSpPr>
       <p:sp>
         <p:nvSpPr>
-          <p:cNvPr id="2" name="Title Placeholder 1"/>
+          <p:cNvPr id="2" name="標題版面配置區 1"/>
           <p:cNvSpPr>
             <a:spLocks noGrp="1"/>
           </p:cNvSpPr>
@@ -2472,8 +2656,8 @@
         </p:nvSpPr>
         <p:spPr>
           <a:xfrm>
-            <a:off x="628650" y="365126"/>
-            <a:ext cx="7886700" cy="1325563"/>
+            <a:off x="609600" y="274638"/>
+            <a:ext cx="10972800" cy="1143000"/>
           </a:xfrm>
           <a:prstGeom prst="rect">
             <a:avLst/>
@@ -2486,16 +2670,16 @@
           <a:lstStyle/>
           <a:p>
             <a:r>
-              <a:rPr lang="en-US"/>
-              <a:t>Click to edit Master title style</a:t>
-            </a:r>
-            <a:endParaRPr lang="en-US" dirty="0"/>
-          </a:p>
-        </p:txBody>
-      </p:sp>
-      <p:sp>
-        <p:nvSpPr>
-          <p:cNvPr id="3" name="Text Placeholder 2"/>
+              <a:rPr lang="zh-TW" altLang="en-US" smtClean="0"/>
+              <a:t>按一下以編輯母片標題樣式</a:t>
+            </a:r>
+            <a:endParaRPr lang="zh-TW" altLang="en-US"/>
+          </a:p>
+        </p:txBody>
+      </p:sp>
+      <p:sp>
+        <p:nvSpPr>
+          <p:cNvPr id="3" name="文字版面配置區 2"/>
           <p:cNvSpPr>
             <a:spLocks noGrp="1"/>
           </p:cNvSpPr>
@@ -2505,8 +2689,8 @@
         </p:nvSpPr>
         <p:spPr>
           <a:xfrm>
-            <a:off x="628650" y="1825625"/>
-            <a:ext cx="7886700" cy="4351338"/>
+            <a:off x="609600" y="1600201"/>
+            <a:ext cx="10972800" cy="4525963"/>
           </a:xfrm>
           <a:prstGeom prst="rect">
             <a:avLst/>
@@ -2520,44 +2704,44 @@
           <a:p>
             <a:pPr lvl="0"/>
             <a:r>
-              <a:rPr lang="en-US"/>
-              <a:t>Edit Master text styles</a:t>
+              <a:rPr lang="zh-TW" altLang="en-US" smtClean="0"/>
+              <a:t>按一下以編輯母片文字樣式</a:t>
             </a:r>
           </a:p>
           <a:p>
             <a:pPr lvl="1"/>
             <a:r>
-              <a:rPr lang="en-US"/>
-              <a:t>Second level</a:t>
+              <a:rPr lang="zh-TW" altLang="en-US" smtClean="0"/>
+              <a:t>第二層</a:t>
             </a:r>
           </a:p>
           <a:p>
             <a:pPr lvl="2"/>
             <a:r>
-              <a:rPr lang="en-US"/>
-              <a:t>Third level</a:t>
+              <a:rPr lang="zh-TW" altLang="en-US" smtClean="0"/>
+              <a:t>第三層</a:t>
             </a:r>
           </a:p>
           <a:p>
             <a:pPr lvl="3"/>
             <a:r>
-              <a:rPr lang="en-US"/>
-              <a:t>Fourth level</a:t>
+              <a:rPr lang="zh-TW" altLang="en-US" smtClean="0"/>
+              <a:t>第四層</a:t>
             </a:r>
           </a:p>
           <a:p>
             <a:pPr lvl="4"/>
             <a:r>
-              <a:rPr lang="en-US"/>
-              <a:t>Fifth level</a:t>
-            </a:r>
-            <a:endParaRPr lang="en-US" dirty="0"/>
-          </a:p>
-        </p:txBody>
-      </p:sp>
-      <p:sp>
-        <p:nvSpPr>
-          <p:cNvPr id="4" name="Date Placeholder 3"/>
+              <a:rPr lang="zh-TW" altLang="en-US" smtClean="0"/>
+              <a:t>第五層</a:t>
+            </a:r>
+            <a:endParaRPr lang="zh-TW" altLang="en-US"/>
+          </a:p>
+        </p:txBody>
+      </p:sp>
+      <p:sp>
+        <p:nvSpPr>
+          <p:cNvPr id="4" name="日期版面配置區 3"/>
           <p:cNvSpPr>
             <a:spLocks noGrp="1"/>
           </p:cNvSpPr>
@@ -2567,8 +2751,8 @@
         </p:nvSpPr>
         <p:spPr>
           <a:xfrm>
-            <a:off x="628650" y="6356351"/>
-            <a:ext cx="2057400" cy="365125"/>
+            <a:off x="609600" y="6356351"/>
+            <a:ext cx="2844800" cy="365125"/>
           </a:xfrm>
           <a:prstGeom prst="rect">
             <a:avLst/>
@@ -2591,7 +2775,7 @@
             <a:fld id="{B4397B52-E6AB-4D37-B982-3B5B9DBDC60C}" type="datetimeFigureOut">
               <a:rPr lang="en-US" smtClean="0"/>
               <a:pPr/>
-              <a:t>10/31/2017</a:t>
+              <a:t>10/17/2019</a:t>
             </a:fld>
             <a:endParaRPr lang="en-US"/>
           </a:p>
@@ -2599,7 +2783,7 @@
       </p:sp>
       <p:sp>
         <p:nvSpPr>
-          <p:cNvPr id="5" name="Footer Placeholder 4"/>
+          <p:cNvPr id="5" name="頁尾版面配置區 4"/>
           <p:cNvSpPr>
             <a:spLocks noGrp="1"/>
           </p:cNvSpPr>
@@ -2609,8 +2793,8 @@
         </p:nvSpPr>
         <p:spPr>
           <a:xfrm>
-            <a:off x="3028950" y="6356351"/>
-            <a:ext cx="3086100" cy="365125"/>
+            <a:off x="4165600" y="6356351"/>
+            <a:ext cx="3860800" cy="365125"/>
           </a:xfrm>
           <a:prstGeom prst="rect">
             <a:avLst/>
@@ -2636,7 +2820,7 @@
       </p:sp>
       <p:sp>
         <p:nvSpPr>
-          <p:cNvPr id="6" name="Slide Number Placeholder 5"/>
+          <p:cNvPr id="6" name="投影片編號版面配置區 5"/>
           <p:cNvSpPr>
             <a:spLocks noGrp="1"/>
           </p:cNvSpPr>
@@ -2646,8 +2830,8 @@
         </p:nvSpPr>
         <p:spPr>
           <a:xfrm>
-            <a:off x="6457950" y="6356351"/>
-            <a:ext cx="2057400" cy="365125"/>
+            <a:off x="8737600" y="6356351"/>
+            <a:ext cx="2844800" cy="365125"/>
           </a:xfrm>
           <a:prstGeom prst="rect">
             <a:avLst/>
@@ -2679,30 +2863,27 @@
     </p:spTree>
     <p:extLst>
       <p:ext uri="{BB962C8B-B14F-4D97-AF65-F5344CB8AC3E}">
-        <p14:creationId xmlns:p14="http://schemas.microsoft.com/office/powerpoint/2010/main" xmlns="" val="1872474263"/>
+        <p14:creationId xmlns:p14="http://schemas.microsoft.com/office/powerpoint/2010/main" val="14577905"/>
       </p:ext>
     </p:extLst>
   </p:cSld>
   <p:clrMap bg1="lt1" tx1="dk1" bg2="lt2" tx2="dk2" accent1="accent1" accent2="accent2" accent3="accent3" accent4="accent4" accent5="accent5" accent6="accent6" hlink="hlink" folHlink="folHlink"/>
   <p:sldLayoutIdLst>
-    <p:sldLayoutId id="2147483661" r:id="rId1"/>
-    <p:sldLayoutId id="2147483662" r:id="rId2"/>
-    <p:sldLayoutId id="2147483663" r:id="rId3"/>
-    <p:sldLayoutId id="2147483664" r:id="rId4"/>
-    <p:sldLayoutId id="2147483665" r:id="rId5"/>
-    <p:sldLayoutId id="2147483666" r:id="rId6"/>
-    <p:sldLayoutId id="2147483667" r:id="rId7"/>
-    <p:sldLayoutId id="2147483668" r:id="rId8"/>
-    <p:sldLayoutId id="2147483669" r:id="rId9"/>
-    <p:sldLayoutId id="2147483670" r:id="rId10"/>
-    <p:sldLayoutId id="2147483671" r:id="rId11"/>
+    <p:sldLayoutId id="2147483673" r:id="rId1"/>
+    <p:sldLayoutId id="2147483674" r:id="rId2"/>
+    <p:sldLayoutId id="2147483675" r:id="rId3"/>
+    <p:sldLayoutId id="2147483676" r:id="rId4"/>
+    <p:sldLayoutId id="2147483677" r:id="rId5"/>
+    <p:sldLayoutId id="2147483678" r:id="rId6"/>
+    <p:sldLayoutId id="2147483679" r:id="rId7"/>
+    <p:sldLayoutId id="2147483680" r:id="rId8"/>
+    <p:sldLayoutId id="2147483681" r:id="rId9"/>
+    <p:sldLayoutId id="2147483682" r:id="rId10"/>
+    <p:sldLayoutId id="2147483683" r:id="rId11"/>
   </p:sldLayoutIdLst>
   <p:txStyles>
     <p:titleStyle>
-      <a:lvl1pPr algn="l" defTabSz="914400" rtl="0" eaLnBrk="1" latinLnBrk="0" hangingPunct="1">
-        <a:lnSpc>
-          <a:spcPct val="90000"/>
-        </a:lnSpc>
+      <a:lvl1pPr algn="ctr" defTabSz="914400" rtl="0" eaLnBrk="1" latinLnBrk="0" hangingPunct="1">
         <a:spcBef>
           <a:spcPct val="0"/>
         </a:spcBef>
@@ -2718,15 +2899,27 @@
       </a:lvl1pPr>
     </p:titleStyle>
     <p:bodyStyle>
-      <a:lvl1pPr marL="228600" indent="-228600" algn="l" defTabSz="914400" rtl="0" eaLnBrk="1" latinLnBrk="0" hangingPunct="1">
-        <a:lnSpc>
-          <a:spcPct val="90000"/>
-        </a:lnSpc>
+      <a:lvl1pPr marL="342900" indent="-342900" algn="l" defTabSz="914400" rtl="0" eaLnBrk="1" latinLnBrk="0" hangingPunct="1">
         <a:spcBef>
-          <a:spcPts val="1000"/>
+          <a:spcPct val="20000"/>
         </a:spcBef>
-        <a:buFont typeface="Arial" panose="020B0604020202020204" pitchFamily="34" charset="0"/>
+        <a:buFont typeface="Arial" pitchFamily="34" charset="0"/>
         <a:buChar char="•"/>
+        <a:defRPr sz="3200" kern="1200">
+          <a:solidFill>
+            <a:schemeClr val="tx1"/>
+          </a:solidFill>
+          <a:latin typeface="+mn-lt"/>
+          <a:ea typeface="+mn-ea"/>
+          <a:cs typeface="+mn-cs"/>
+        </a:defRPr>
+      </a:lvl1pPr>
+      <a:lvl2pPr marL="742950" indent="-285750" algn="l" defTabSz="914400" rtl="0" eaLnBrk="1" latinLnBrk="0" hangingPunct="1">
+        <a:spcBef>
+          <a:spcPct val="20000"/>
+        </a:spcBef>
+        <a:buFont typeface="Arial" pitchFamily="34" charset="0"/>
+        <a:buChar char="–"/>
         <a:defRPr sz="2800" kern="1200">
           <a:solidFill>
             <a:schemeClr val="tx1"/>
@@ -2735,15 +2928,12 @@
           <a:ea typeface="+mn-ea"/>
           <a:cs typeface="+mn-cs"/>
         </a:defRPr>
-      </a:lvl1pPr>
-      <a:lvl2pPr marL="685800" indent="-228600" algn="l" defTabSz="914400" rtl="0" eaLnBrk="1" latinLnBrk="0" hangingPunct="1">
-        <a:lnSpc>
-          <a:spcPct val="90000"/>
-        </a:lnSpc>
+      </a:lvl2pPr>
+      <a:lvl3pPr marL="1143000" indent="-228600" algn="l" defTabSz="914400" rtl="0" eaLnBrk="1" latinLnBrk="0" hangingPunct="1">
         <a:spcBef>
-          <a:spcPts val="500"/>
+          <a:spcPct val="20000"/>
         </a:spcBef>
-        <a:buFont typeface="Arial" panose="020B0604020202020204" pitchFamily="34" charset="0"/>
+        <a:buFont typeface="Arial" pitchFamily="34" charset="0"/>
         <a:buChar char="•"/>
         <a:defRPr sz="2400" kern="1200">
           <a:solidFill>
@@ -2753,15 +2943,42 @@
           <a:ea typeface="+mn-ea"/>
           <a:cs typeface="+mn-cs"/>
         </a:defRPr>
-      </a:lvl2pPr>
-      <a:lvl3pPr marL="1143000" indent="-228600" algn="l" defTabSz="914400" rtl="0" eaLnBrk="1" latinLnBrk="0" hangingPunct="1">
-        <a:lnSpc>
-          <a:spcPct val="90000"/>
-        </a:lnSpc>
+      </a:lvl3pPr>
+      <a:lvl4pPr marL="1600200" indent="-228600" algn="l" defTabSz="914400" rtl="0" eaLnBrk="1" latinLnBrk="0" hangingPunct="1">
         <a:spcBef>
-          <a:spcPts val="500"/>
+          <a:spcPct val="20000"/>
         </a:spcBef>
-        <a:buFont typeface="Arial" panose="020B0604020202020204" pitchFamily="34" charset="0"/>
+        <a:buFont typeface="Arial" pitchFamily="34" charset="0"/>
+        <a:buChar char="–"/>
+        <a:defRPr sz="2000" kern="1200">
+          <a:solidFill>
+            <a:schemeClr val="tx1"/>
+          </a:solidFill>
+          <a:latin typeface="+mn-lt"/>
+          <a:ea typeface="+mn-ea"/>
+          <a:cs typeface="+mn-cs"/>
+        </a:defRPr>
+      </a:lvl4pPr>
+      <a:lvl5pPr marL="2057400" indent="-228600" algn="l" defTabSz="914400" rtl="0" eaLnBrk="1" latinLnBrk="0" hangingPunct="1">
+        <a:spcBef>
+          <a:spcPct val="20000"/>
+        </a:spcBef>
+        <a:buFont typeface="Arial" pitchFamily="34" charset="0"/>
+        <a:buChar char="»"/>
+        <a:defRPr sz="2000" kern="1200">
+          <a:solidFill>
+            <a:schemeClr val="tx1"/>
+          </a:solidFill>
+          <a:latin typeface="+mn-lt"/>
+          <a:ea typeface="+mn-ea"/>
+          <a:cs typeface="+mn-cs"/>
+        </a:defRPr>
+      </a:lvl5pPr>
+      <a:lvl6pPr marL="2514600" indent="-228600" algn="l" defTabSz="914400" rtl="0" eaLnBrk="1" latinLnBrk="0" hangingPunct="1">
+        <a:spcBef>
+          <a:spcPct val="20000"/>
+        </a:spcBef>
+        <a:buFont typeface="Arial" pitchFamily="34" charset="0"/>
         <a:buChar char="•"/>
         <a:defRPr sz="2000" kern="1200">
           <a:solidFill>
@@ -2771,71 +2988,14 @@
           <a:ea typeface="+mn-ea"/>
           <a:cs typeface="+mn-cs"/>
         </a:defRPr>
-      </a:lvl3pPr>
-      <a:lvl4pPr marL="1600200" indent="-228600" algn="l" defTabSz="914400" rtl="0" eaLnBrk="1" latinLnBrk="0" hangingPunct="1">
-        <a:lnSpc>
-          <a:spcPct val="90000"/>
-        </a:lnSpc>
-        <a:spcBef>
-          <a:spcPts val="500"/>
-        </a:spcBef>
-        <a:buFont typeface="Arial" panose="020B0604020202020204" pitchFamily="34" charset="0"/>
-        <a:buChar char="•"/>
-        <a:defRPr sz="1800" kern="1200">
-          <a:solidFill>
-            <a:schemeClr val="tx1"/>
-          </a:solidFill>
-          <a:latin typeface="+mn-lt"/>
-          <a:ea typeface="+mn-ea"/>
-          <a:cs typeface="+mn-cs"/>
-        </a:defRPr>
-      </a:lvl4pPr>
-      <a:lvl5pPr marL="2057400" indent="-228600" algn="l" defTabSz="914400" rtl="0" eaLnBrk="1" latinLnBrk="0" hangingPunct="1">
-        <a:lnSpc>
-          <a:spcPct val="90000"/>
-        </a:lnSpc>
-        <a:spcBef>
-          <a:spcPts val="500"/>
-        </a:spcBef>
-        <a:buFont typeface="Arial" panose="020B0604020202020204" pitchFamily="34" charset="0"/>
-        <a:buChar char="•"/>
-        <a:defRPr sz="1800" kern="1200">
-          <a:solidFill>
-            <a:schemeClr val="tx1"/>
-          </a:solidFill>
-          <a:latin typeface="+mn-lt"/>
-          <a:ea typeface="+mn-ea"/>
-          <a:cs typeface="+mn-cs"/>
-        </a:defRPr>
-      </a:lvl5pPr>
-      <a:lvl6pPr marL="2514600" indent="-228600" algn="l" defTabSz="914400" rtl="0" eaLnBrk="1" latinLnBrk="0" hangingPunct="1">
-        <a:lnSpc>
-          <a:spcPct val="90000"/>
-        </a:lnSpc>
-        <a:spcBef>
-          <a:spcPts val="500"/>
-        </a:spcBef>
-        <a:buFont typeface="Arial" panose="020B0604020202020204" pitchFamily="34" charset="0"/>
-        <a:buChar char="•"/>
-        <a:defRPr sz="1800" kern="1200">
-          <a:solidFill>
-            <a:schemeClr val="tx1"/>
-          </a:solidFill>
-          <a:latin typeface="+mn-lt"/>
-          <a:ea typeface="+mn-ea"/>
-          <a:cs typeface="+mn-cs"/>
-        </a:defRPr>
       </a:lvl6pPr>
       <a:lvl7pPr marL="2971800" indent="-228600" algn="l" defTabSz="914400" rtl="0" eaLnBrk="1" latinLnBrk="0" hangingPunct="1">
-        <a:lnSpc>
-          <a:spcPct val="90000"/>
-        </a:lnSpc>
         <a:spcBef>
-          <a:spcPts val="500"/>
+          <a:spcPct val="20000"/>
         </a:spcBef>
-        <a:buFont typeface="Arial" panose="020B0604020202020204" pitchFamily="34" charset="0"/>
+        <a:buFont typeface="Arial" pitchFamily="34" charset="0"/>
         <a:buChar char="•"/>
-        <a:defRPr sz="1800" kern="1200">
+        <a:defRPr sz="2000" kern="1200">
           <a:solidFill>
             <a:schemeClr val="tx1"/>
           </a:solidFill>
@@ -2845,15 +3005,12 @@
         </a:defRPr>
       </a:lvl7pPr>
       <a:lvl8pPr marL="3429000" indent="-228600" algn="l" defTabSz="914400" rtl="0" eaLnBrk="1" latinLnBrk="0" hangingPunct="1">
-        <a:lnSpc>
-          <a:spcPct val="90000"/>
-        </a:lnSpc>
         <a:spcBef>
-          <a:spcPts val="500"/>
+          <a:spcPct val="20000"/>
         </a:spcBef>
-        <a:buFont typeface="Arial" panose="020B0604020202020204" pitchFamily="34" charset="0"/>
+        <a:buFont typeface="Arial" pitchFamily="34" charset="0"/>
         <a:buChar char="•"/>
-        <a:defRPr sz="1800" kern="1200">
+        <a:defRPr sz="2000" kern="1200">
           <a:solidFill>
             <a:schemeClr val="tx1"/>
           </a:solidFill>
@@ -2863,15 +3020,12 @@
         </a:defRPr>
       </a:lvl8pPr>
       <a:lvl9pPr marL="3886200" indent="-228600" algn="l" defTabSz="914400" rtl="0" eaLnBrk="1" latinLnBrk="0" hangingPunct="1">
-        <a:lnSpc>
-          <a:spcPct val="90000"/>
-        </a:lnSpc>
         <a:spcBef>
-          <a:spcPts val="500"/>
+          <a:spcPct val="20000"/>
         </a:spcBef>
-        <a:buFont typeface="Arial" panose="020B0604020202020204" pitchFamily="34" charset="0"/>
+        <a:buFont typeface="Arial" pitchFamily="34" charset="0"/>
         <a:buChar char="•"/>
-        <a:defRPr sz="1800" kern="1200">
+        <a:defRPr sz="2000" kern="1200">
           <a:solidFill>
             <a:schemeClr val="tx1"/>
           </a:solidFill>
@@ -2883,7 +3037,7 @@
     </p:bodyStyle>
     <p:otherStyle>
       <a:defPPr>
-        <a:defRPr lang="en-US"/>
+        <a:defRPr lang="zh-TW"/>
       </a:defPPr>
       <a:lvl1pPr marL="0" algn="l" defTabSz="914400" rtl="0" eaLnBrk="1" latinLnBrk="0" hangingPunct="1">
         <a:defRPr sz="1800" kern="1200">
@@ -3002,7 +3156,7 @@
           <p:cNvPr id="2" name="Title 1">
             <a:extLst>
               <a:ext uri="{FF2B5EF4-FFF2-40B4-BE49-F238E27FC236}">
-                <a16:creationId xmlns:a16="http://schemas.microsoft.com/office/drawing/2014/main" xmlns="" id="{48BD1D8E-9BB3-4D96-928A-29F0C8229131}"/>
+                <a16:creationId xmlns="" xmlns:a16="http://schemas.microsoft.com/office/drawing/2014/main" id="{48BD1D8E-9BB3-4D96-928A-29F0C8229131}"/>
               </a:ext>
             </a:extLst>
           </p:cNvPr>
@@ -3038,7 +3192,7 @@
           <p:cNvPr id="3" name="Content Placeholder 2">
             <a:extLst>
               <a:ext uri="{FF2B5EF4-FFF2-40B4-BE49-F238E27FC236}">
-                <a16:creationId xmlns:a16="http://schemas.microsoft.com/office/drawing/2014/main" xmlns="" id="{E22CC9E4-8F8E-42EB-9D61-9016F65A0B41}"/>
+                <a16:creationId xmlns="" xmlns:a16="http://schemas.microsoft.com/office/drawing/2014/main" id="{E22CC9E4-8F8E-42EB-9D61-9016F65A0B41}"/>
               </a:ext>
             </a:extLst>
           </p:cNvPr>
@@ -3051,7 +3205,7 @@
         </p:nvSpPr>
         <p:spPr>
           <a:xfrm>
-            <a:off x="0" y="1825625"/>
+            <a:off x="1524000" y="1825625"/>
             <a:ext cx="9144000" cy="4351338"/>
           </a:xfrm>
         </p:spPr>
@@ -3129,7 +3283,7 @@
     </p:spTree>
     <p:extLst>
       <p:ext uri="{BB962C8B-B14F-4D97-AF65-F5344CB8AC3E}">
-        <p14:creationId xmlns:p14="http://schemas.microsoft.com/office/powerpoint/2010/main" xmlns="" val="3345349781"/>
+        <p14:creationId xmlns:p14="http://schemas.microsoft.com/office/powerpoint/2010/main" val="3345349781"/>
       </p:ext>
     </p:extLst>
   </p:cSld>
@@ -3161,7 +3315,7 @@
           <p:cNvPr id="2" name="Title 1">
             <a:extLst>
               <a:ext uri="{FF2B5EF4-FFF2-40B4-BE49-F238E27FC236}">
-                <a16:creationId xmlns:a16="http://schemas.microsoft.com/office/drawing/2014/main" xmlns="" id="{48BD1D8E-9BB3-4D96-928A-29F0C8229131}"/>
+                <a16:creationId xmlns="" xmlns:a16="http://schemas.microsoft.com/office/drawing/2014/main" id="{48BD1D8E-9BB3-4D96-928A-29F0C8229131}"/>
               </a:ext>
             </a:extLst>
           </p:cNvPr>
@@ -3197,7 +3351,7 @@
           <p:cNvPr id="3" name="Content Placeholder 2">
             <a:extLst>
               <a:ext uri="{FF2B5EF4-FFF2-40B4-BE49-F238E27FC236}">
-                <a16:creationId xmlns:a16="http://schemas.microsoft.com/office/drawing/2014/main" xmlns="" id="{E22CC9E4-8F8E-42EB-9D61-9016F65A0B41}"/>
+                <a16:creationId xmlns="" xmlns:a16="http://schemas.microsoft.com/office/drawing/2014/main" id="{E22CC9E4-8F8E-42EB-9D61-9016F65A0B41}"/>
               </a:ext>
             </a:extLst>
           </p:cNvPr>
@@ -3210,7 +3364,7 @@
         </p:nvSpPr>
         <p:spPr>
           <a:xfrm>
-            <a:off x="0" y="1825625"/>
+            <a:off x="1524000" y="1825625"/>
             <a:ext cx="9144000" cy="4351338"/>
           </a:xfrm>
         </p:spPr>
@@ -3296,7 +3450,7 @@
     </p:spTree>
     <p:extLst>
       <p:ext uri="{BB962C8B-B14F-4D97-AF65-F5344CB8AC3E}">
-        <p14:creationId xmlns:p14="http://schemas.microsoft.com/office/powerpoint/2010/main" xmlns="" val="1195095475"/>
+        <p14:creationId xmlns:p14="http://schemas.microsoft.com/office/powerpoint/2010/main" val="1195095475"/>
       </p:ext>
     </p:extLst>
   </p:cSld>
@@ -3328,7 +3482,7 @@
           <p:cNvPr id="2" name="Title 1">
             <a:extLst>
               <a:ext uri="{FF2B5EF4-FFF2-40B4-BE49-F238E27FC236}">
-                <a16:creationId xmlns:a16="http://schemas.microsoft.com/office/drawing/2014/main" xmlns="" id="{48BD1D8E-9BB3-4D96-928A-29F0C8229131}"/>
+                <a16:creationId xmlns="" xmlns:a16="http://schemas.microsoft.com/office/drawing/2014/main" id="{48BD1D8E-9BB3-4D96-928A-29F0C8229131}"/>
               </a:ext>
             </a:extLst>
           </p:cNvPr>
@@ -3364,7 +3518,7 @@
           <p:cNvPr id="3" name="Content Placeholder 2">
             <a:extLst>
               <a:ext uri="{FF2B5EF4-FFF2-40B4-BE49-F238E27FC236}">
-                <a16:creationId xmlns:a16="http://schemas.microsoft.com/office/drawing/2014/main" xmlns="" id="{E22CC9E4-8F8E-42EB-9D61-9016F65A0B41}"/>
+                <a16:creationId xmlns="" xmlns:a16="http://schemas.microsoft.com/office/drawing/2014/main" id="{E22CC9E4-8F8E-42EB-9D61-9016F65A0B41}"/>
               </a:ext>
             </a:extLst>
           </p:cNvPr>
@@ -3377,7 +3531,7 @@
         </p:nvSpPr>
         <p:spPr>
           <a:xfrm>
-            <a:off x="0" y="1825625"/>
+            <a:off x="1524000" y="1825625"/>
             <a:ext cx="9144000" cy="4351338"/>
           </a:xfrm>
         </p:spPr>
@@ -3463,7 +3617,7 @@
     </p:spTree>
     <p:extLst>
       <p:ext uri="{BB962C8B-B14F-4D97-AF65-F5344CB8AC3E}">
-        <p14:creationId xmlns:p14="http://schemas.microsoft.com/office/powerpoint/2010/main" xmlns="" val="2372209404"/>
+        <p14:creationId xmlns:p14="http://schemas.microsoft.com/office/powerpoint/2010/main" val="2372209404"/>
       </p:ext>
     </p:extLst>
   </p:cSld>
@@ -3495,7 +3649,7 @@
           <p:cNvPr id="2" name="Title 1">
             <a:extLst>
               <a:ext uri="{FF2B5EF4-FFF2-40B4-BE49-F238E27FC236}">
-                <a16:creationId xmlns:a16="http://schemas.microsoft.com/office/drawing/2014/main" xmlns="" id="{48BD1D8E-9BB3-4D96-928A-29F0C8229131}"/>
+                <a16:creationId xmlns="" xmlns:a16="http://schemas.microsoft.com/office/drawing/2014/main" id="{48BD1D8E-9BB3-4D96-928A-29F0C8229131}"/>
               </a:ext>
             </a:extLst>
           </p:cNvPr>
@@ -3531,7 +3685,7 @@
           <p:cNvPr id="3" name="Content Placeholder 2">
             <a:extLst>
               <a:ext uri="{FF2B5EF4-FFF2-40B4-BE49-F238E27FC236}">
-                <a16:creationId xmlns:a16="http://schemas.microsoft.com/office/drawing/2014/main" xmlns="" id="{E22CC9E4-8F8E-42EB-9D61-9016F65A0B41}"/>
+                <a16:creationId xmlns="" xmlns:a16="http://schemas.microsoft.com/office/drawing/2014/main" id="{E22CC9E4-8F8E-42EB-9D61-9016F65A0B41}"/>
               </a:ext>
             </a:extLst>
           </p:cNvPr>
@@ -3544,7 +3698,7 @@
         </p:nvSpPr>
         <p:spPr>
           <a:xfrm>
-            <a:off x="0" y="1825625"/>
+            <a:off x="1524000" y="1825625"/>
             <a:ext cx="9144000" cy="4351338"/>
           </a:xfrm>
         </p:spPr>
@@ -3584,7 +3738,7 @@
               <a:t>更多更多 </a:t>
             </a:r>
             <a:r>
-              <a:rPr lang="zh-TW" altLang="en-US" sz="5400" b="1" dirty="0" smtClean="0">
+              <a:rPr lang="zh-TW" altLang="en-US" sz="5400" b="1" dirty="0">
                 <a:latin typeface="Microsoft JhengHei" panose="020B0604030504040204" pitchFamily="34" charset="-120"/>
                 <a:ea typeface="Microsoft JhengHei" panose="020B0604030504040204" pitchFamily="34" charset="-120"/>
                 <a:cs typeface="+mj-cs"/>
@@ -3600,14 +3754,14 @@
               <a:t>你的</a:t>
             </a:r>
             <a:r>
-              <a:rPr lang="zh-TW" altLang="en-US" sz="5400" b="1" dirty="0" smtClean="0">
+              <a:rPr lang="zh-TW" altLang="en-US" sz="5400" b="1" dirty="0">
                 <a:latin typeface="Microsoft JhengHei" panose="020B0604030504040204" pitchFamily="34" charset="-120"/>
                 <a:ea typeface="Microsoft JhengHei" panose="020B0604030504040204" pitchFamily="34" charset="-120"/>
                 <a:cs typeface="+mj-cs"/>
               </a:rPr>
               <a:t>名</a:t>
             </a:r>
-            <a:endParaRPr lang="en-US" altLang="zh-TW" sz="5400" b="1" dirty="0" smtClean="0">
+            <a:endParaRPr lang="en-US" altLang="zh-TW" sz="5400" b="1" dirty="0">
               <a:latin typeface="Microsoft JhengHei" panose="020B0604030504040204" pitchFamily="34" charset="-120"/>
               <a:ea typeface="Microsoft JhengHei" panose="020B0604030504040204" pitchFamily="34" charset="-120"/>
               <a:cs typeface="+mj-cs"/>
@@ -3618,13 +3772,13 @@
               <a:buNone/>
             </a:pPr>
             <a:r>
-              <a:rPr lang="zh-TW" altLang="en-US" sz="5400" b="1" dirty="0" smtClean="0">
+              <a:rPr lang="zh-TW" altLang="en-US" sz="5400" b="1" dirty="0">
                 <a:latin typeface="Microsoft JhengHei" panose="020B0604030504040204" pitchFamily="34" charset="-120"/>
                 <a:ea typeface="Microsoft JhengHei" panose="020B0604030504040204" pitchFamily="34" charset="-120"/>
               </a:rPr>
               <a:t>更多更多 來高舉你的名 </a:t>
             </a:r>
-            <a:endParaRPr lang="en-US" altLang="zh-TW" sz="5400" b="1" dirty="0" smtClean="0">
+            <a:endParaRPr lang="en-US" altLang="zh-TW" sz="5400" b="1" dirty="0">
               <a:latin typeface="Microsoft JhengHei" panose="020B0604030504040204" pitchFamily="34" charset="-120"/>
               <a:ea typeface="Microsoft JhengHei" panose="020B0604030504040204" pitchFamily="34" charset="-120"/>
             </a:endParaRPr>
@@ -3634,14 +3788,14 @@
               <a:buNone/>
             </a:pPr>
             <a:r>
-              <a:rPr lang="zh-TW" altLang="en-US" sz="5400" b="1" dirty="0" smtClean="0">
+              <a:rPr lang="zh-TW" altLang="en-US" sz="5400" b="1" dirty="0">
                 <a:latin typeface="Microsoft JhengHei" panose="020B0604030504040204" pitchFamily="34" charset="-120"/>
                 <a:ea typeface="Microsoft JhengHei" panose="020B0604030504040204" pitchFamily="34" charset="-120"/>
               </a:rPr>
               <a:t>更多更多 來呼喊你的名 </a:t>
             </a:r>
             <a:r>
-              <a:rPr lang="zh-TW" altLang="en-US" sz="5400" b="1" dirty="0" smtClean="0">
+              <a:rPr lang="zh-TW" altLang="en-US" sz="5400" b="1" dirty="0">
                 <a:latin typeface="Microsoft JhengHei" panose="020B0604030504040204" pitchFamily="34" charset="-120"/>
                 <a:ea typeface="Microsoft JhengHei" panose="020B0604030504040204" pitchFamily="34" charset="-120"/>
                 <a:cs typeface="+mj-cs"/>
@@ -3659,7 +3813,7 @@
     </p:spTree>
     <p:extLst>
       <p:ext uri="{BB962C8B-B14F-4D97-AF65-F5344CB8AC3E}">
-        <p14:creationId xmlns:p14="http://schemas.microsoft.com/office/powerpoint/2010/main" xmlns="" val="2372209404"/>
+        <p14:creationId xmlns:p14="http://schemas.microsoft.com/office/powerpoint/2010/main" val="2372209404"/>
       </p:ext>
     </p:extLst>
   </p:cSld>
@@ -3670,9 +3824,9 @@
 </file>
 
 <file path=ppt/theme/theme1.xml><?xml version="1.0" encoding="utf-8"?>
-<a:theme xmlns:a="http://schemas.openxmlformats.org/drawingml/2006/main" name="Office Theme">
+<a:theme xmlns:a="http://schemas.openxmlformats.org/drawingml/2006/main" name="佈景主題1">
   <a:themeElements>
-    <a:clrScheme name="Office Theme">
+    <a:clrScheme name="Office">
       <a:dk1>
         <a:sysClr val="windowText" lastClr="000000"/>
       </a:dk1>
@@ -3680,44 +3834,44 @@
         <a:sysClr val="window" lastClr="FFFFFF"/>
       </a:lt1>
       <a:dk2>
-        <a:srgbClr val="44546A"/>
+        <a:srgbClr val="1F497D"/>
       </a:dk2>
       <a:lt2>
-        <a:srgbClr val="E7E6E6"/>
+        <a:srgbClr val="EEECE1"/>
       </a:lt2>
       <a:accent1>
-        <a:srgbClr val="4472C4"/>
+        <a:srgbClr val="4F81BD"/>
       </a:accent1>
       <a:accent2>
-        <a:srgbClr val="ED7D31"/>
+        <a:srgbClr val="C0504D"/>
       </a:accent2>
       <a:accent3>
-        <a:srgbClr val="A5A5A5"/>
+        <a:srgbClr val="9BBB59"/>
       </a:accent3>
       <a:accent4>
-        <a:srgbClr val="FFC000"/>
+        <a:srgbClr val="8064A2"/>
       </a:accent4>
       <a:accent5>
-        <a:srgbClr val="5B9BD5"/>
+        <a:srgbClr val="4BACC6"/>
       </a:accent5>
       <a:accent6>
-        <a:srgbClr val="70AD47"/>
+        <a:srgbClr val="F79646"/>
       </a:accent6>
       <a:hlink>
-        <a:srgbClr val="0563C1"/>
+        <a:srgbClr val="0000FF"/>
       </a:hlink>
       <a:folHlink>
-        <a:srgbClr val="954F72"/>
+        <a:srgbClr val="800080"/>
       </a:folHlink>
     </a:clrScheme>
-    <a:fontScheme name="Office Theme">
+    <a:fontScheme name="Office">
       <a:majorFont>
-        <a:latin typeface="Calibri Light"/>
+        <a:latin typeface="Calibri"/>
         <a:ea typeface=""/>
         <a:cs typeface=""/>
-        <a:font script="Jpan" typeface="游ゴシック Light"/>
+        <a:font script="Jpan" typeface="ＭＳ Ｐゴシック"/>
         <a:font script="Hang" typeface="맑은 고딕"/>
-        <a:font script="Hans" typeface="等线 Light"/>
+        <a:font script="Hans" typeface="宋体"/>
         <a:font script="Hant" typeface="新細明體"/>
         <a:font script="Arab" typeface="Times New Roman"/>
         <a:font script="Hebr" typeface="Times New Roman"/>
@@ -3744,15 +3898,14 @@
         <a:font script="Mong" typeface="Mongolian Baiti"/>
         <a:font script="Viet" typeface="Times New Roman"/>
         <a:font script="Uigh" typeface="Microsoft Uighur"/>
-        <a:font script="Geor" typeface="Sylfaen"/>
       </a:majorFont>
       <a:minorFont>
         <a:latin typeface="Calibri"/>
         <a:ea typeface=""/>
         <a:cs typeface=""/>
-        <a:font script="Jpan" typeface="游ゴシック"/>
+        <a:font script="Jpan" typeface="ＭＳ Ｐゴシック"/>
         <a:font script="Hang" typeface="맑은 고딕"/>
-        <a:font script="Hans" typeface="等线"/>
+        <a:font script="Hans" typeface="宋体"/>
         <a:font script="Hant" typeface="新細明體"/>
         <a:font script="Arab" typeface="Arial"/>
         <a:font script="Hebr" typeface="Arial"/>
@@ -3779,10 +3932,9 @@
         <a:font script="Mong" typeface="Mongolian Baiti"/>
         <a:font script="Viet" typeface="Arial"/>
         <a:font script="Uigh" typeface="Microsoft Uighur"/>
-        <a:font script="Geor" typeface="Sylfaen"/>
       </a:minorFont>
     </a:fontScheme>
-    <a:fmtScheme name="Office Theme">
+    <a:fmtScheme name="Office">
       <a:fillStyleLst>
         <a:solidFill>
           <a:schemeClr val="phClr"/>
@@ -3791,141 +3943,165 @@
           <a:gsLst>
             <a:gs pos="0">
               <a:schemeClr val="phClr">
-                <a:lumMod val="110000"/>
-                <a:satMod val="105000"/>
-                <a:tint val="67000"/>
+                <a:tint val="50000"/>
+                <a:satMod val="300000"/>
               </a:schemeClr>
             </a:gs>
-            <a:gs pos="50000">
+            <a:gs pos="35000">
               <a:schemeClr val="phClr">
-                <a:lumMod val="105000"/>
-                <a:satMod val="103000"/>
-                <a:tint val="73000"/>
+                <a:tint val="37000"/>
+                <a:satMod val="300000"/>
               </a:schemeClr>
             </a:gs>
             <a:gs pos="100000">
               <a:schemeClr val="phClr">
-                <a:lumMod val="105000"/>
-                <a:satMod val="109000"/>
-                <a:tint val="81000"/>
+                <a:tint val="15000"/>
+                <a:satMod val="350000"/>
               </a:schemeClr>
             </a:gs>
           </a:gsLst>
-          <a:lin ang="5400000" scaled="0"/>
+          <a:lin ang="16200000" scaled="1"/>
         </a:gradFill>
         <a:gradFill rotWithShape="1">
           <a:gsLst>
             <a:gs pos="0">
               <a:schemeClr val="phClr">
-                <a:satMod val="103000"/>
-                <a:lumMod val="102000"/>
-                <a:tint val="94000"/>
+                <a:shade val="51000"/>
+                <a:satMod val="130000"/>
               </a:schemeClr>
             </a:gs>
-            <a:gs pos="50000">
+            <a:gs pos="80000">
               <a:schemeClr val="phClr">
-                <a:satMod val="110000"/>
-                <a:lumMod val="100000"/>
-                <a:shade val="100000"/>
+                <a:shade val="93000"/>
+                <a:satMod val="130000"/>
               </a:schemeClr>
             </a:gs>
             <a:gs pos="100000">
               <a:schemeClr val="phClr">
-                <a:lumMod val="99000"/>
-                <a:satMod val="120000"/>
-                <a:shade val="78000"/>
+                <a:shade val="94000"/>
+                <a:satMod val="135000"/>
               </a:schemeClr>
             </a:gs>
           </a:gsLst>
-          <a:lin ang="5400000" scaled="0"/>
+          <a:lin ang="16200000" scaled="0"/>
         </a:gradFill>
       </a:fillStyleLst>
       <a:lnStyleLst>
-        <a:ln w="6350" cap="flat" cmpd="sng" algn="ctr">
+        <a:ln w="9525" cap="flat" cmpd="sng" algn="ctr">
+          <a:solidFill>
+            <a:schemeClr val="phClr">
+              <a:shade val="95000"/>
+              <a:satMod val="105000"/>
+            </a:schemeClr>
+          </a:solidFill>
+          <a:prstDash val="solid"/>
+        </a:ln>
+        <a:ln w="25400" cap="flat" cmpd="sng" algn="ctr">
           <a:solidFill>
             <a:schemeClr val="phClr"/>
           </a:solidFill>
           <a:prstDash val="solid"/>
-          <a:miter lim="800000"/>
         </a:ln>
-        <a:ln w="12700" cap="flat" cmpd="sng" algn="ctr">
+        <a:ln w="38100" cap="flat" cmpd="sng" algn="ctr">
           <a:solidFill>
             <a:schemeClr val="phClr"/>
           </a:solidFill>
           <a:prstDash val="solid"/>
-          <a:miter lim="800000"/>
-        </a:ln>
-        <a:ln w="19050" cap="flat" cmpd="sng" algn="ctr">
-          <a:solidFill>
-            <a:schemeClr val="phClr"/>
-          </a:solidFill>
-          <a:prstDash val="solid"/>
-          <a:miter lim="800000"/>
         </a:ln>
       </a:lnStyleLst>
       <a:effectStyleLst>
         <a:effectStyle>
-          <a:effectLst/>
-        </a:effectStyle>
-        <a:effectStyle>
-          <a:effectLst/>
+          <a:effectLst>
+            <a:outerShdw blurRad="40000" dist="20000" dir="5400000" rotWithShape="0">
+              <a:srgbClr val="000000">
+                <a:alpha val="38000"/>
+              </a:srgbClr>
+            </a:outerShdw>
+          </a:effectLst>
         </a:effectStyle>
         <a:effectStyle>
           <a:effectLst>
-            <a:outerShdw blurRad="57150" dist="19050" dir="5400000" algn="ctr" rotWithShape="0">
+            <a:outerShdw blurRad="40000" dist="23000" dir="5400000" rotWithShape="0">
               <a:srgbClr val="000000">
-                <a:alpha val="63000"/>
+                <a:alpha val="35000"/>
               </a:srgbClr>
             </a:outerShdw>
           </a:effectLst>
+        </a:effectStyle>
+        <a:effectStyle>
+          <a:effectLst>
+            <a:outerShdw blurRad="40000" dist="23000" dir="5400000" rotWithShape="0">
+              <a:srgbClr val="000000">
+                <a:alpha val="35000"/>
+              </a:srgbClr>
+            </a:outerShdw>
+          </a:effectLst>
+          <a:scene3d>
+            <a:camera prst="orthographicFront">
+              <a:rot lat="0" lon="0" rev="0"/>
+            </a:camera>
+            <a:lightRig rig="threePt" dir="t">
+              <a:rot lat="0" lon="0" rev="1200000"/>
+            </a:lightRig>
+          </a:scene3d>
+          <a:sp3d>
+            <a:bevelT w="63500" h="25400"/>
+          </a:sp3d>
         </a:effectStyle>
       </a:effectStyleLst>
       <a:bgFillStyleLst>
         <a:solidFill>
           <a:schemeClr val="phClr"/>
         </a:solidFill>
-        <a:solidFill>
-          <a:schemeClr val="phClr">
-            <a:tint val="95000"/>
-            <a:satMod val="170000"/>
-          </a:schemeClr>
-        </a:solidFill>
         <a:gradFill rotWithShape="1">
           <a:gsLst>
             <a:gs pos="0">
               <a:schemeClr val="phClr">
-                <a:tint val="93000"/>
-                <a:satMod val="150000"/>
-                <a:shade val="98000"/>
-                <a:lumMod val="102000"/>
+                <a:tint val="40000"/>
+                <a:satMod val="350000"/>
               </a:schemeClr>
             </a:gs>
-            <a:gs pos="50000">
+            <a:gs pos="40000">
               <a:schemeClr val="phClr">
-                <a:tint val="98000"/>
-                <a:satMod val="130000"/>
-                <a:shade val="90000"/>
-                <a:lumMod val="103000"/>
+                <a:tint val="45000"/>
+                <a:shade val="99000"/>
+                <a:satMod val="350000"/>
               </a:schemeClr>
             </a:gs>
             <a:gs pos="100000">
               <a:schemeClr val="phClr">
-                <a:shade val="63000"/>
-                <a:satMod val="120000"/>
+                <a:shade val="20000"/>
+                <a:satMod val="255000"/>
               </a:schemeClr>
             </a:gs>
           </a:gsLst>
-          <a:lin ang="5400000" scaled="0"/>
+          <a:path path="circle">
+            <a:fillToRect l="50000" t="-80000" r="50000" b="180000"/>
+          </a:path>
+        </a:gradFill>
+        <a:gradFill rotWithShape="1">
+          <a:gsLst>
+            <a:gs pos="0">
+              <a:schemeClr val="phClr">
+                <a:tint val="80000"/>
+                <a:satMod val="300000"/>
+              </a:schemeClr>
+            </a:gs>
+            <a:gs pos="100000">
+              <a:schemeClr val="phClr">
+                <a:shade val="30000"/>
+                <a:satMod val="200000"/>
+              </a:schemeClr>
+            </a:gs>
+          </a:gsLst>
+          <a:path path="circle">
+            <a:fillToRect l="50000" t="50000" r="50000" b="50000"/>
+          </a:path>
         </a:gradFill>
       </a:bgFillStyleLst>
     </a:fmtScheme>
   </a:themeElements>
   <a:objectDefaults/>
   <a:extraClrSchemeLst/>
-  <a:extLst>
-    <a:ext uri="{05A4C25C-085E-4340-85A3-A5531E510DB2}">
-      <thm15:themeFamily xmlns:thm15="http://schemas.microsoft.com/office/thememl/2012/main" xmlns="" name="Office Theme" id="{62F939B6-93AF-4DB8-9C6B-D6C7DFDC589F}" vid="{4A3C46E8-61CC-4603-A589-7422A47A8E4A}"/>
-    </a:ext>
-  </a:extLst>
 </a:theme>
 </file>
--- a/君王就在這裡.pptx
+++ b/君王就在這裡.pptx
@@ -8,7 +8,6 @@
     <p:sldId id="257" r:id="rId2"/>
     <p:sldId id="258" r:id="rId3"/>
     <p:sldId id="259" r:id="rId4"/>
-    <p:sldId id="260" r:id="rId5"/>
   </p:sldIdLst>
   <p:sldSz cx="12192000" cy="6858000"/>
   <p:notesSz cx="6858000" cy="9144000"/>
@@ -312,7 +311,7 @@
             <a:fld id="{B4397B52-E6AB-4D37-B982-3B5B9DBDC60C}" type="datetimeFigureOut">
               <a:rPr lang="en-US" smtClean="0"/>
               <a:pPr/>
-              <a:t>10/17/2019</a:t>
+              <a:t>3/28/2020</a:t>
             </a:fld>
             <a:endParaRPr lang="en-US"/>
           </a:p>
@@ -484,7 +483,7 @@
             <a:fld id="{B4397B52-E6AB-4D37-B982-3B5B9DBDC60C}" type="datetimeFigureOut">
               <a:rPr lang="en-US" smtClean="0"/>
               <a:pPr/>
-              <a:t>10/17/2019</a:t>
+              <a:t>3/28/2020</a:t>
             </a:fld>
             <a:endParaRPr lang="en-US"/>
           </a:p>
@@ -666,7 +665,7 @@
             <a:fld id="{B4397B52-E6AB-4D37-B982-3B5B9DBDC60C}" type="datetimeFigureOut">
               <a:rPr lang="en-US" smtClean="0"/>
               <a:pPr/>
-              <a:t>10/17/2019</a:t>
+              <a:t>3/28/2020</a:t>
             </a:fld>
             <a:endParaRPr lang="en-US"/>
           </a:p>
@@ -838,7 +837,7 @@
             <a:fld id="{B4397B52-E6AB-4D37-B982-3B5B9DBDC60C}" type="datetimeFigureOut">
               <a:rPr lang="en-US" smtClean="0"/>
               <a:pPr/>
-              <a:t>10/17/2019</a:t>
+              <a:t>3/28/2020</a:t>
             </a:fld>
             <a:endParaRPr lang="en-US"/>
           </a:p>
@@ -1086,7 +1085,7 @@
             <a:fld id="{B4397B52-E6AB-4D37-B982-3B5B9DBDC60C}" type="datetimeFigureOut">
               <a:rPr lang="en-US" smtClean="0"/>
               <a:pPr/>
-              <a:t>10/17/2019</a:t>
+              <a:t>3/28/2020</a:t>
             </a:fld>
             <a:endParaRPr lang="en-US"/>
           </a:p>
@@ -1376,7 +1375,7 @@
             <a:fld id="{B4397B52-E6AB-4D37-B982-3B5B9DBDC60C}" type="datetimeFigureOut">
               <a:rPr lang="en-US" smtClean="0"/>
               <a:pPr/>
-              <a:t>10/17/2019</a:t>
+              <a:t>3/28/2020</a:t>
             </a:fld>
             <a:endParaRPr lang="en-US"/>
           </a:p>
@@ -1800,7 +1799,7 @@
             <a:fld id="{B4397B52-E6AB-4D37-B982-3B5B9DBDC60C}" type="datetimeFigureOut">
               <a:rPr lang="en-US" smtClean="0"/>
               <a:pPr/>
-              <a:t>10/17/2019</a:t>
+              <a:t>3/28/2020</a:t>
             </a:fld>
             <a:endParaRPr lang="en-US"/>
           </a:p>
@@ -1920,7 +1919,7 @@
             <a:fld id="{B4397B52-E6AB-4D37-B982-3B5B9DBDC60C}" type="datetimeFigureOut">
               <a:rPr lang="en-US" smtClean="0"/>
               <a:pPr/>
-              <a:t>10/17/2019</a:t>
+              <a:t>3/28/2020</a:t>
             </a:fld>
             <a:endParaRPr lang="en-US"/>
           </a:p>
@@ -2017,7 +2016,7 @@
             <a:fld id="{B4397B52-E6AB-4D37-B982-3B5B9DBDC60C}" type="datetimeFigureOut">
               <a:rPr lang="en-US" smtClean="0"/>
               <a:pPr/>
-              <a:t>10/17/2019</a:t>
+              <a:t>3/28/2020</a:t>
             </a:fld>
             <a:endParaRPr lang="en-US"/>
           </a:p>
@@ -2296,7 +2295,7 @@
             <a:fld id="{B4397B52-E6AB-4D37-B982-3B5B9DBDC60C}" type="datetimeFigureOut">
               <a:rPr lang="en-US" smtClean="0"/>
               <a:pPr/>
-              <a:t>10/17/2019</a:t>
+              <a:t>3/28/2020</a:t>
             </a:fld>
             <a:endParaRPr lang="en-US"/>
           </a:p>
@@ -2555,7 +2554,7 @@
             <a:fld id="{B4397B52-E6AB-4D37-B982-3B5B9DBDC60C}" type="datetimeFigureOut">
               <a:rPr lang="en-US" smtClean="0"/>
               <a:pPr/>
-              <a:t>10/17/2019</a:t>
+              <a:t>3/28/2020</a:t>
             </a:fld>
             <a:endParaRPr lang="en-US"/>
           </a:p>
@@ -2775,7 +2774,7 @@
             <a:fld id="{B4397B52-E6AB-4D37-B982-3B5B9DBDC60C}" type="datetimeFigureOut">
               <a:rPr lang="en-US" smtClean="0"/>
               <a:pPr/>
-              <a:t>10/17/2019</a:t>
+              <a:t>3/28/2020</a:t>
             </a:fld>
             <a:endParaRPr lang="en-US"/>
           </a:p>
@@ -3156,7 +3155,7 @@
           <p:cNvPr id="2" name="Title 1">
             <a:extLst>
               <a:ext uri="{FF2B5EF4-FFF2-40B4-BE49-F238E27FC236}">
-                <a16:creationId xmlns="" xmlns:a16="http://schemas.microsoft.com/office/drawing/2014/main" id="{48BD1D8E-9BB3-4D96-928A-29F0C8229131}"/>
+                <a16:creationId xmlns:a16="http://schemas.microsoft.com/office/drawing/2014/main" id="{48BD1D8E-9BB3-4D96-928A-29F0C8229131}"/>
               </a:ext>
             </a:extLst>
           </p:cNvPr>
@@ -3169,18 +3168,20 @@
         </p:nvSpPr>
         <p:spPr/>
         <p:txBody>
-          <a:bodyPr/>
+          <a:bodyPr>
+            <a:normAutofit/>
+          </a:bodyPr>
           <a:lstStyle/>
           <a:p>
             <a:pPr algn="ctr"/>
             <a:r>
-              <a:rPr lang="zh-TW" altLang="en-US" b="1" dirty="0">
+              <a:rPr lang="zh-TW" altLang="en-US" sz="4800" b="1" dirty="0">
                 <a:latin typeface="Microsoft JhengHei" panose="020B0604030504040204" pitchFamily="34" charset="-120"/>
                 <a:ea typeface="Microsoft JhengHei" panose="020B0604030504040204" pitchFamily="34" charset="-120"/>
               </a:rPr>
               <a:t>君王就在這裡</a:t>
             </a:r>
-            <a:endParaRPr lang="en-US" b="1" dirty="0">
+            <a:endParaRPr lang="en-US" sz="4800" b="1" dirty="0">
               <a:latin typeface="Microsoft JhengHei" panose="020B0604030504040204" pitchFamily="34" charset="-120"/>
               <a:ea typeface="Microsoft JhengHei" panose="020B0604030504040204" pitchFamily="34" charset="-120"/>
             </a:endParaRPr>
@@ -3192,7 +3193,7 @@
           <p:cNvPr id="3" name="Content Placeholder 2">
             <a:extLst>
               <a:ext uri="{FF2B5EF4-FFF2-40B4-BE49-F238E27FC236}">
-                <a16:creationId xmlns="" xmlns:a16="http://schemas.microsoft.com/office/drawing/2014/main" id="{E22CC9E4-8F8E-42EB-9D61-9016F65A0B41}"/>
+                <a16:creationId xmlns:a16="http://schemas.microsoft.com/office/drawing/2014/main" id="{E22CC9E4-8F8E-42EB-9D61-9016F65A0B41}"/>
               </a:ext>
             </a:extLst>
           </p:cNvPr>
@@ -3223,7 +3224,28 @@
                 <a:latin typeface="Microsoft JhengHei" panose="020B0604030504040204" pitchFamily="34" charset="-120"/>
                 <a:ea typeface="Microsoft JhengHei" panose="020B0604030504040204" pitchFamily="34" charset="-120"/>
               </a:rPr>
-              <a:t>聖潔耶穌 你寶座在這裡 </a:t>
+              <a:t>聖潔耶穌 </a:t>
+            </a:r>
+            <a:r>
+              <a:rPr lang="zh-CN" altLang="en-US" sz="5400" b="1" dirty="0" smtClean="0">
+                <a:latin typeface="Microsoft JhengHei" panose="020B0604030504040204" pitchFamily="34" charset="-120"/>
+                <a:ea typeface="Microsoft JhengHei" panose="020B0604030504040204" pitchFamily="34" charset="-120"/>
+              </a:rPr>
+              <a:t>袮</a:t>
+            </a:r>
+            <a:r>
+              <a:rPr lang="zh-TW" altLang="en-US" sz="5400" b="1" dirty="0" smtClean="0">
+                <a:latin typeface="Microsoft JhengHei" panose="020B0604030504040204" pitchFamily="34" charset="-120"/>
+                <a:ea typeface="Microsoft JhengHei" panose="020B0604030504040204" pitchFamily="34" charset="-120"/>
+              </a:rPr>
+              <a:t>寶</a:t>
+            </a:r>
+            <a:r>
+              <a:rPr lang="zh-TW" altLang="en-US" sz="5400" b="1" dirty="0">
+                <a:latin typeface="Microsoft JhengHei" panose="020B0604030504040204" pitchFamily="34" charset="-120"/>
+                <a:ea typeface="Microsoft JhengHei" panose="020B0604030504040204" pitchFamily="34" charset="-120"/>
+              </a:rPr>
+              <a:t>座在這裡 </a:t>
             </a:r>
             <a:endParaRPr lang="en-US" altLang="zh-TW" sz="5400" b="1" dirty="0">
               <a:latin typeface="Microsoft JhengHei" panose="020B0604030504040204" pitchFamily="34" charset="-120"/>
@@ -3239,7 +3261,35 @@
                 <a:latin typeface="Microsoft JhengHei" panose="020B0604030504040204" pitchFamily="34" charset="-120"/>
                 <a:ea typeface="Microsoft JhengHei" panose="020B0604030504040204" pitchFamily="34" charset="-120"/>
               </a:rPr>
-              <a:t>哈利路亞 你榮耀在這裡 </a:t>
+              <a:t>哈利路</a:t>
+            </a:r>
+            <a:r>
+              <a:rPr lang="zh-TW" altLang="en-US" sz="5400" b="1" dirty="0" smtClean="0">
+                <a:latin typeface="Microsoft JhengHei" panose="020B0604030504040204" pitchFamily="34" charset="-120"/>
+                <a:ea typeface="Microsoft JhengHei" panose="020B0604030504040204" pitchFamily="34" charset="-120"/>
+              </a:rPr>
+              <a:t>亞 </a:t>
+            </a:r>
+            <a:r>
+              <a:rPr lang="zh-CN" altLang="en-US" sz="5400" b="1" dirty="0" smtClean="0">
+                <a:latin typeface="Microsoft JhengHei" panose="020B0604030504040204" pitchFamily="34" charset="-120"/>
+                <a:ea typeface="Microsoft JhengHei" panose="020B0604030504040204" pitchFamily="34" charset="-120"/>
+              </a:rPr>
+              <a:t>袮</a:t>
+            </a:r>
+            <a:r>
+              <a:rPr lang="zh-TW" altLang="en-US" sz="5400" b="1" dirty="0" smtClean="0">
+                <a:latin typeface="Microsoft JhengHei" panose="020B0604030504040204" pitchFamily="34" charset="-120"/>
+                <a:ea typeface="Microsoft JhengHei" panose="020B0604030504040204" pitchFamily="34" charset="-120"/>
+              </a:rPr>
+              <a:t>榮</a:t>
+            </a:r>
+            <a:r>
+              <a:rPr lang="zh-TW" altLang="en-US" sz="5400" b="1" dirty="0">
+                <a:latin typeface="Microsoft JhengHei" panose="020B0604030504040204" pitchFamily="34" charset="-120"/>
+                <a:ea typeface="Microsoft JhengHei" panose="020B0604030504040204" pitchFamily="34" charset="-120"/>
+              </a:rPr>
+              <a:t>耀在這裡 </a:t>
             </a:r>
             <a:endParaRPr lang="en-US" altLang="zh-TW" sz="5400" b="1" dirty="0">
               <a:latin typeface="Microsoft JhengHei" panose="020B0604030504040204" pitchFamily="34" charset="-120"/>
@@ -3255,7 +3305,35 @@
                 <a:latin typeface="Microsoft JhengHei" panose="020B0604030504040204" pitchFamily="34" charset="-120"/>
                 <a:ea typeface="Microsoft JhengHei" panose="020B0604030504040204" pitchFamily="34" charset="-120"/>
               </a:rPr>
-              <a:t>聖潔耶穌 你寶座在這裡 </a:t>
+              <a:t>聖潔耶</a:t>
+            </a:r>
+            <a:r>
+              <a:rPr lang="zh-TW" altLang="en-US" sz="5400" b="1" dirty="0" smtClean="0">
+                <a:latin typeface="Microsoft JhengHei" panose="020B0604030504040204" pitchFamily="34" charset="-120"/>
+                <a:ea typeface="Microsoft JhengHei" panose="020B0604030504040204" pitchFamily="34" charset="-120"/>
+              </a:rPr>
+              <a:t>穌 </a:t>
+            </a:r>
+            <a:r>
+              <a:rPr lang="zh-CN" altLang="en-US" sz="5400" b="1" dirty="0" smtClean="0">
+                <a:latin typeface="Microsoft JhengHei" panose="020B0604030504040204" pitchFamily="34" charset="-120"/>
+                <a:ea typeface="Microsoft JhengHei" panose="020B0604030504040204" pitchFamily="34" charset="-120"/>
+              </a:rPr>
+              <a:t>袮</a:t>
+            </a:r>
+            <a:r>
+              <a:rPr lang="zh-TW" altLang="en-US" sz="5400" b="1" dirty="0" smtClean="0">
+                <a:latin typeface="Microsoft JhengHei" panose="020B0604030504040204" pitchFamily="34" charset="-120"/>
+                <a:ea typeface="Microsoft JhengHei" panose="020B0604030504040204" pitchFamily="34" charset="-120"/>
+              </a:rPr>
+              <a:t>寶</a:t>
+            </a:r>
+            <a:r>
+              <a:rPr lang="zh-TW" altLang="en-US" sz="5400" b="1" dirty="0">
+                <a:latin typeface="Microsoft JhengHei" panose="020B0604030504040204" pitchFamily="34" charset="-120"/>
+                <a:ea typeface="Microsoft JhengHei" panose="020B0604030504040204" pitchFamily="34" charset="-120"/>
+              </a:rPr>
+              <a:t>座在這裡 </a:t>
             </a:r>
             <a:endParaRPr lang="en-US" altLang="zh-TW" sz="5400" b="1" dirty="0">
               <a:latin typeface="Microsoft JhengHei" panose="020B0604030504040204" pitchFamily="34" charset="-120"/>
@@ -3271,7 +3349,35 @@
                 <a:latin typeface="Microsoft JhengHei" panose="020B0604030504040204" pitchFamily="34" charset="-120"/>
                 <a:ea typeface="Microsoft JhengHei" panose="020B0604030504040204" pitchFamily="34" charset="-120"/>
               </a:rPr>
-              <a:t>哈利路亞 你榮耀在這裡</a:t>
+              <a:t>哈利路</a:t>
+            </a:r>
+            <a:r>
+              <a:rPr lang="zh-TW" altLang="en-US" sz="5400" b="1" dirty="0" smtClean="0">
+                <a:latin typeface="Microsoft JhengHei" panose="020B0604030504040204" pitchFamily="34" charset="-120"/>
+                <a:ea typeface="Microsoft JhengHei" panose="020B0604030504040204" pitchFamily="34" charset="-120"/>
+              </a:rPr>
+              <a:t>亞 </a:t>
+            </a:r>
+            <a:r>
+              <a:rPr lang="zh-CN" altLang="en-US" sz="5400" b="1" dirty="0" smtClean="0">
+                <a:latin typeface="Microsoft JhengHei" panose="020B0604030504040204" pitchFamily="34" charset="-120"/>
+                <a:ea typeface="Microsoft JhengHei" panose="020B0604030504040204" pitchFamily="34" charset="-120"/>
+              </a:rPr>
+              <a:t>袮</a:t>
+            </a:r>
+            <a:r>
+              <a:rPr lang="zh-TW" altLang="en-US" sz="5400" b="1" dirty="0" smtClean="0">
+                <a:latin typeface="Microsoft JhengHei" panose="020B0604030504040204" pitchFamily="34" charset="-120"/>
+                <a:ea typeface="Microsoft JhengHei" panose="020B0604030504040204" pitchFamily="34" charset="-120"/>
+              </a:rPr>
+              <a:t>榮</a:t>
+            </a:r>
+            <a:r>
+              <a:rPr lang="zh-TW" altLang="en-US" sz="5400" b="1" dirty="0">
+                <a:latin typeface="Microsoft JhengHei" panose="020B0604030504040204" pitchFamily="34" charset="-120"/>
+                <a:ea typeface="Microsoft JhengHei" panose="020B0604030504040204" pitchFamily="34" charset="-120"/>
+              </a:rPr>
+              <a:t>耀在這裡</a:t>
             </a:r>
             <a:endParaRPr lang="en-US" sz="5400" b="1" dirty="0">
               <a:latin typeface="Microsoft JhengHei" panose="020B0604030504040204" pitchFamily="34" charset="-120"/>
@@ -3315,7 +3421,7 @@
           <p:cNvPr id="2" name="Title 1">
             <a:extLst>
               <a:ext uri="{FF2B5EF4-FFF2-40B4-BE49-F238E27FC236}">
-                <a16:creationId xmlns="" xmlns:a16="http://schemas.microsoft.com/office/drawing/2014/main" id="{48BD1D8E-9BB3-4D96-928A-29F0C8229131}"/>
+                <a16:creationId xmlns:a16="http://schemas.microsoft.com/office/drawing/2014/main" id="{48BD1D8E-9BB3-4D96-928A-29F0C8229131}"/>
               </a:ext>
             </a:extLst>
           </p:cNvPr>
@@ -3328,18 +3434,20 @@
         </p:nvSpPr>
         <p:spPr/>
         <p:txBody>
-          <a:bodyPr/>
+          <a:bodyPr>
+            <a:normAutofit/>
+          </a:bodyPr>
           <a:lstStyle/>
           <a:p>
             <a:pPr algn="ctr"/>
             <a:r>
-              <a:rPr lang="zh-TW" altLang="en-US" b="1" dirty="0">
+              <a:rPr lang="zh-TW" altLang="en-US" sz="4800" b="1" dirty="0">
                 <a:latin typeface="Microsoft JhengHei" panose="020B0604030504040204" pitchFamily="34" charset="-120"/>
                 <a:ea typeface="Microsoft JhengHei" panose="020B0604030504040204" pitchFamily="34" charset="-120"/>
               </a:rPr>
               <a:t>君王就在這裡</a:t>
             </a:r>
-            <a:endParaRPr lang="en-US" b="1" dirty="0">
+            <a:endParaRPr lang="en-US" sz="4800" b="1" dirty="0">
               <a:latin typeface="Microsoft JhengHei" panose="020B0604030504040204" pitchFamily="34" charset="-120"/>
               <a:ea typeface="Microsoft JhengHei" panose="020B0604030504040204" pitchFamily="34" charset="-120"/>
             </a:endParaRPr>
@@ -3351,7 +3459,7 @@
           <p:cNvPr id="3" name="Content Placeholder 2">
             <a:extLst>
               <a:ext uri="{FF2B5EF4-FFF2-40B4-BE49-F238E27FC236}">
-                <a16:creationId xmlns="" xmlns:a16="http://schemas.microsoft.com/office/drawing/2014/main" id="{E22CC9E4-8F8E-42EB-9D61-9016F65A0B41}"/>
+                <a16:creationId xmlns:a16="http://schemas.microsoft.com/office/drawing/2014/main" id="{E22CC9E4-8F8E-42EB-9D61-9016F65A0B41}"/>
               </a:ext>
             </a:extLst>
           </p:cNvPr>
@@ -3401,7 +3509,54 @@
                 <a:ea typeface="Microsoft JhengHei" panose="020B0604030504040204" pitchFamily="34" charset="-120"/>
                 <a:cs typeface="+mj-cs"/>
               </a:rPr>
-              <a:t>擁戴你為王 榮耀都歸於你 </a:t>
+              <a:t>擁</a:t>
+            </a:r>
+            <a:r>
+              <a:rPr lang="zh-TW" altLang="en-US" sz="5400" b="1" dirty="0" smtClean="0">
+                <a:latin typeface="Microsoft JhengHei" panose="020B0604030504040204" pitchFamily="34" charset="-120"/>
+                <a:ea typeface="Microsoft JhengHei" panose="020B0604030504040204" pitchFamily="34" charset="-120"/>
+                <a:cs typeface="+mj-cs"/>
+              </a:rPr>
+              <a:t>戴</a:t>
+            </a:r>
+            <a:r>
+              <a:rPr lang="zh-CN" altLang="en-US" sz="5400" b="1" dirty="0" smtClean="0">
+                <a:latin typeface="Microsoft JhengHei" panose="020B0604030504040204" pitchFamily="34" charset="-120"/>
+                <a:ea typeface="Microsoft JhengHei" panose="020B0604030504040204" pitchFamily="34" charset="-120"/>
+                <a:cs typeface="+mj-cs"/>
+              </a:rPr>
+              <a:t>袮</a:t>
+            </a:r>
+            <a:r>
+              <a:rPr lang="zh-TW" altLang="en-US" sz="5400" b="1" dirty="0" smtClean="0">
+                <a:latin typeface="Microsoft JhengHei" panose="020B0604030504040204" pitchFamily="34" charset="-120"/>
+                <a:ea typeface="Microsoft JhengHei" panose="020B0604030504040204" pitchFamily="34" charset="-120"/>
+                <a:cs typeface="+mj-cs"/>
+              </a:rPr>
+              <a:t>為</a:t>
+            </a:r>
+            <a:r>
+              <a:rPr lang="zh-TW" altLang="en-US" sz="5400" b="1" dirty="0">
+                <a:latin typeface="Microsoft JhengHei" panose="020B0604030504040204" pitchFamily="34" charset="-120"/>
+                <a:ea typeface="Microsoft JhengHei" panose="020B0604030504040204" pitchFamily="34" charset="-120"/>
+                <a:cs typeface="+mj-cs"/>
+              </a:rPr>
+              <a:t>王 榮耀都歸</a:t>
+            </a:r>
+            <a:r>
+              <a:rPr lang="zh-TW" altLang="en-US" sz="5400" b="1" dirty="0" smtClean="0">
+                <a:latin typeface="Microsoft JhengHei" panose="020B0604030504040204" pitchFamily="34" charset="-120"/>
+                <a:ea typeface="Microsoft JhengHei" panose="020B0604030504040204" pitchFamily="34" charset="-120"/>
+                <a:cs typeface="+mj-cs"/>
+              </a:rPr>
+              <a:t>於</a:t>
+            </a:r>
+            <a:r>
+              <a:rPr lang="zh-CN" altLang="en-US" sz="5400" b="1" dirty="0">
+                <a:latin typeface="Microsoft JhengHei" panose="020B0604030504040204" pitchFamily="34" charset="-120"/>
+                <a:ea typeface="Microsoft JhengHei" panose="020B0604030504040204" pitchFamily="34" charset="-120"/>
+              </a:rPr>
+              <a:t>袮</a:t>
             </a:r>
             <a:endParaRPr lang="en-US" altLang="zh-TW" sz="5400" b="1" dirty="0">
               <a:latin typeface="Microsoft JhengHei" panose="020B0604030504040204" pitchFamily="34" charset="-120"/>
@@ -3482,7 +3637,7 @@
           <p:cNvPr id="2" name="Title 1">
             <a:extLst>
               <a:ext uri="{FF2B5EF4-FFF2-40B4-BE49-F238E27FC236}">
-                <a16:creationId xmlns="" xmlns:a16="http://schemas.microsoft.com/office/drawing/2014/main" id="{48BD1D8E-9BB3-4D96-928A-29F0C8229131}"/>
+                <a16:creationId xmlns:a16="http://schemas.microsoft.com/office/drawing/2014/main" id="{48BD1D8E-9BB3-4D96-928A-29F0C8229131}"/>
               </a:ext>
             </a:extLst>
           </p:cNvPr>
@@ -3495,18 +3650,20 @@
         </p:nvSpPr>
         <p:spPr/>
         <p:txBody>
-          <a:bodyPr/>
+          <a:bodyPr>
+            <a:normAutofit/>
+          </a:bodyPr>
           <a:lstStyle/>
           <a:p>
             <a:pPr algn="ctr"/>
             <a:r>
-              <a:rPr lang="zh-TW" altLang="en-US" b="1" dirty="0">
+              <a:rPr lang="zh-TW" altLang="en-US" sz="4800" b="1" dirty="0">
                 <a:latin typeface="Microsoft JhengHei" panose="020B0604030504040204" pitchFamily="34" charset="-120"/>
                 <a:ea typeface="Microsoft JhengHei" panose="020B0604030504040204" pitchFamily="34" charset="-120"/>
               </a:rPr>
               <a:t>君王就在這裡</a:t>
             </a:r>
-            <a:endParaRPr lang="en-US" b="1" dirty="0">
+            <a:endParaRPr lang="en-US" sz="4800" b="1" dirty="0">
               <a:latin typeface="Microsoft JhengHei" panose="020B0604030504040204" pitchFamily="34" charset="-120"/>
               <a:ea typeface="Microsoft JhengHei" panose="020B0604030504040204" pitchFamily="34" charset="-120"/>
             </a:endParaRPr>
@@ -3518,7 +3675,7 @@
           <p:cNvPr id="3" name="Content Placeholder 2">
             <a:extLst>
               <a:ext uri="{FF2B5EF4-FFF2-40B4-BE49-F238E27FC236}">
-                <a16:creationId xmlns="" xmlns:a16="http://schemas.microsoft.com/office/drawing/2014/main" id="{E22CC9E4-8F8E-42EB-9D61-9016F65A0B41}"/>
+                <a16:creationId xmlns:a16="http://schemas.microsoft.com/office/drawing/2014/main" id="{E22CC9E4-8F8E-42EB-9D61-9016F65A0B41}"/>
               </a:ext>
             </a:extLst>
           </p:cNvPr>
@@ -3550,7 +3707,38 @@
                 <a:ea typeface="Microsoft JhengHei" panose="020B0604030504040204" pitchFamily="34" charset="-120"/>
                 <a:cs typeface="+mj-cs"/>
               </a:rPr>
-              <a:t>更多更多 來高舉你的名 </a:t>
+              <a:t>更多更多 來高</a:t>
+            </a:r>
+            <a:r>
+              <a:rPr lang="zh-TW" altLang="en-US" sz="5400" b="1" dirty="0" smtClean="0">
+                <a:latin typeface="Microsoft JhengHei" panose="020B0604030504040204" pitchFamily="34" charset="-120"/>
+                <a:ea typeface="Microsoft JhengHei" panose="020B0604030504040204" pitchFamily="34" charset="-120"/>
+                <a:cs typeface="+mj-cs"/>
+              </a:rPr>
+              <a:t>舉</a:t>
+            </a:r>
+            <a:r>
+              <a:rPr lang="zh-CN" altLang="en-US" sz="5400" b="1" dirty="0">
+                <a:latin typeface="Microsoft JhengHei" panose="020B0604030504040204" pitchFamily="34" charset="-120"/>
+                <a:ea typeface="Microsoft JhengHei" panose="020B0604030504040204" pitchFamily="34" charset="-120"/>
+              </a:rPr>
+              <a:t>袮</a:t>
+            </a:r>
+            <a:r>
+              <a:rPr lang="zh-TW" altLang="en-US" sz="5400" b="1" dirty="0" smtClean="0">
+                <a:latin typeface="Microsoft JhengHei" panose="020B0604030504040204" pitchFamily="34" charset="-120"/>
+                <a:ea typeface="Microsoft JhengHei" panose="020B0604030504040204" pitchFamily="34" charset="-120"/>
+                <a:cs typeface="+mj-cs"/>
+              </a:rPr>
+              <a:t>的</a:t>
+            </a:r>
+            <a:r>
+              <a:rPr lang="zh-TW" altLang="en-US" sz="5400" b="1" dirty="0">
+                <a:latin typeface="Microsoft JhengHei" panose="020B0604030504040204" pitchFamily="34" charset="-120"/>
+                <a:ea typeface="Microsoft JhengHei" panose="020B0604030504040204" pitchFamily="34" charset="-120"/>
+                <a:cs typeface="+mj-cs"/>
+              </a:rPr>
+              <a:t>名 </a:t>
             </a:r>
             <a:endParaRPr lang="en-US" altLang="zh-TW" sz="5400" b="1" dirty="0">
               <a:latin typeface="Microsoft JhengHei" panose="020B0604030504040204" pitchFamily="34" charset="-120"/>
@@ -3568,7 +3756,38 @@
                 <a:ea typeface="Microsoft JhengHei" panose="020B0604030504040204" pitchFamily="34" charset="-120"/>
                 <a:cs typeface="+mj-cs"/>
               </a:rPr>
-              <a:t>更多更多 來呼喊你的名 </a:t>
+              <a:t>更多更多 來呼</a:t>
+            </a:r>
+            <a:r>
+              <a:rPr lang="zh-TW" altLang="en-US" sz="5400" b="1" dirty="0" smtClean="0">
+                <a:latin typeface="Microsoft JhengHei" panose="020B0604030504040204" pitchFamily="34" charset="-120"/>
+                <a:ea typeface="Microsoft JhengHei" panose="020B0604030504040204" pitchFamily="34" charset="-120"/>
+                <a:cs typeface="+mj-cs"/>
+              </a:rPr>
+              <a:t>喊</a:t>
+            </a:r>
+            <a:r>
+              <a:rPr lang="zh-CN" altLang="en-US" sz="5400" b="1" dirty="0">
+                <a:latin typeface="Microsoft JhengHei" panose="020B0604030504040204" pitchFamily="34" charset="-120"/>
+                <a:ea typeface="Microsoft JhengHei" panose="020B0604030504040204" pitchFamily="34" charset="-120"/>
+              </a:rPr>
+              <a:t>袮</a:t>
+            </a:r>
+            <a:r>
+              <a:rPr lang="zh-TW" altLang="en-US" sz="5400" b="1" dirty="0" smtClean="0">
+                <a:latin typeface="Microsoft JhengHei" panose="020B0604030504040204" pitchFamily="34" charset="-120"/>
+                <a:ea typeface="Microsoft JhengHei" panose="020B0604030504040204" pitchFamily="34" charset="-120"/>
+                <a:cs typeface="+mj-cs"/>
+              </a:rPr>
+              <a:t>的</a:t>
+            </a:r>
+            <a:r>
+              <a:rPr lang="zh-TW" altLang="en-US" sz="5400" b="1" dirty="0">
+                <a:latin typeface="Microsoft JhengHei" panose="020B0604030504040204" pitchFamily="34" charset="-120"/>
+                <a:ea typeface="Microsoft JhengHei" panose="020B0604030504040204" pitchFamily="34" charset="-120"/>
+                <a:cs typeface="+mj-cs"/>
+              </a:rPr>
+              <a:t>名 </a:t>
             </a:r>
             <a:endParaRPr lang="en-US" altLang="zh-TW" sz="5400" b="1" dirty="0">
               <a:latin typeface="Microsoft JhengHei" panose="020B0604030504040204" pitchFamily="34" charset="-120"/>
@@ -3586,7 +3805,38 @@
                 <a:ea typeface="Microsoft JhengHei" panose="020B0604030504040204" pitchFamily="34" charset="-120"/>
                 <a:cs typeface="+mj-cs"/>
               </a:rPr>
-              <a:t>更多更多 來承認你是主 </a:t>
+              <a:t>更多更多 來承</a:t>
+            </a:r>
+            <a:r>
+              <a:rPr lang="zh-TW" altLang="en-US" sz="5400" b="1" dirty="0" smtClean="0">
+                <a:latin typeface="Microsoft JhengHei" panose="020B0604030504040204" pitchFamily="34" charset="-120"/>
+                <a:ea typeface="Microsoft JhengHei" panose="020B0604030504040204" pitchFamily="34" charset="-120"/>
+                <a:cs typeface="+mj-cs"/>
+              </a:rPr>
+              <a:t>認</a:t>
+            </a:r>
+            <a:r>
+              <a:rPr lang="zh-CN" altLang="en-US" sz="5400" b="1" dirty="0">
+                <a:latin typeface="Microsoft JhengHei" panose="020B0604030504040204" pitchFamily="34" charset="-120"/>
+                <a:ea typeface="Microsoft JhengHei" panose="020B0604030504040204" pitchFamily="34" charset="-120"/>
+              </a:rPr>
+              <a:t>袮</a:t>
+            </a:r>
+            <a:r>
+              <a:rPr lang="zh-TW" altLang="en-US" sz="5400" b="1" dirty="0" smtClean="0">
+                <a:latin typeface="Microsoft JhengHei" panose="020B0604030504040204" pitchFamily="34" charset="-120"/>
+                <a:ea typeface="Microsoft JhengHei" panose="020B0604030504040204" pitchFamily="34" charset="-120"/>
+                <a:cs typeface="+mj-cs"/>
+              </a:rPr>
+              <a:t>是</a:t>
+            </a:r>
+            <a:r>
+              <a:rPr lang="zh-TW" altLang="en-US" sz="5400" b="1" dirty="0">
+                <a:latin typeface="Microsoft JhengHei" panose="020B0604030504040204" pitchFamily="34" charset="-120"/>
+                <a:ea typeface="Microsoft JhengHei" panose="020B0604030504040204" pitchFamily="34" charset="-120"/>
+                <a:cs typeface="+mj-cs"/>
+              </a:rPr>
+              <a:t>主 </a:t>
             </a:r>
             <a:endParaRPr lang="en-US" altLang="zh-TW" sz="5400" b="1" dirty="0">
               <a:latin typeface="Microsoft JhengHei" panose="020B0604030504040204" pitchFamily="34" charset="-120"/>
@@ -3604,205 +3854,40 @@
                 <a:ea typeface="Microsoft JhengHei" panose="020B0604030504040204" pitchFamily="34" charset="-120"/>
                 <a:cs typeface="+mj-cs"/>
               </a:rPr>
-              <a:t>直到那日 我再見你的面</a:t>
+              <a:t>直到那日 我再</a:t>
+            </a:r>
+            <a:r>
+              <a:rPr lang="zh-TW" altLang="en-US" sz="5400" b="1" dirty="0" smtClean="0">
+                <a:latin typeface="Microsoft JhengHei" panose="020B0604030504040204" pitchFamily="34" charset="-120"/>
+                <a:ea typeface="Microsoft JhengHei" panose="020B0604030504040204" pitchFamily="34" charset="-120"/>
+                <a:cs typeface="+mj-cs"/>
+              </a:rPr>
+              <a:t>見</a:t>
+            </a:r>
+            <a:r>
+              <a:rPr lang="zh-CN" altLang="en-US" sz="5400" b="1" dirty="0">
+                <a:latin typeface="Microsoft JhengHei" panose="020B0604030504040204" pitchFamily="34" charset="-120"/>
+                <a:ea typeface="Microsoft JhengHei" panose="020B0604030504040204" pitchFamily="34" charset="-120"/>
+              </a:rPr>
+              <a:t>袮</a:t>
+            </a:r>
+            <a:r>
+              <a:rPr lang="zh-TW" altLang="en-US" sz="5400" b="1" dirty="0" smtClean="0">
+                <a:latin typeface="Microsoft JhengHei" panose="020B0604030504040204" pitchFamily="34" charset="-120"/>
+                <a:ea typeface="Microsoft JhengHei" panose="020B0604030504040204" pitchFamily="34" charset="-120"/>
+                <a:cs typeface="+mj-cs"/>
+              </a:rPr>
+              <a:t>的</a:t>
+            </a:r>
+            <a:r>
+              <a:rPr lang="zh-TW" altLang="en-US" sz="5400" b="1" dirty="0">
+                <a:latin typeface="Microsoft JhengHei" panose="020B0604030504040204" pitchFamily="34" charset="-120"/>
+                <a:ea typeface="Microsoft JhengHei" panose="020B0604030504040204" pitchFamily="34" charset="-120"/>
+                <a:cs typeface="+mj-cs"/>
+              </a:rPr>
+              <a:t>面</a:t>
             </a:r>
             <a:endParaRPr lang="en-US" sz="5400" b="1" dirty="0">
-              <a:latin typeface="Microsoft JhengHei" panose="020B0604030504040204" pitchFamily="34" charset="-120"/>
-              <a:ea typeface="Microsoft JhengHei" panose="020B0604030504040204" pitchFamily="34" charset="-120"/>
-              <a:cs typeface="+mj-cs"/>
-            </a:endParaRPr>
-          </a:p>
-        </p:txBody>
-      </p:sp>
-    </p:spTree>
-    <p:extLst>
-      <p:ext uri="{BB962C8B-B14F-4D97-AF65-F5344CB8AC3E}">
-        <p14:creationId xmlns:p14="http://schemas.microsoft.com/office/powerpoint/2010/main" val="2372209404"/>
-      </p:ext>
-    </p:extLst>
-  </p:cSld>
-  <p:clrMapOvr>
-    <a:masterClrMapping/>
-  </p:clrMapOvr>
-</p:sld>
-</file>
-
-<file path=ppt/slides/slide4.xml><?xml version="1.0" encoding="utf-8"?>
-<p:sld xmlns:a="http://schemas.openxmlformats.org/drawingml/2006/main" xmlns:r="http://schemas.openxmlformats.org/officeDocument/2006/relationships" xmlns:p="http://schemas.openxmlformats.org/presentationml/2006/main">
-  <p:cSld>
-    <p:spTree>
-      <p:nvGrpSpPr>
-        <p:cNvPr id="1" name=""/>
-        <p:cNvGrpSpPr/>
-        <p:nvPr/>
-      </p:nvGrpSpPr>
-      <p:grpSpPr>
-        <a:xfrm>
-          <a:off x="0" y="0"/>
-          <a:ext cx="0" cy="0"/>
-          <a:chOff x="0" y="0"/>
-          <a:chExt cx="0" cy="0"/>
-        </a:xfrm>
-      </p:grpSpPr>
-      <p:sp>
-        <p:nvSpPr>
-          <p:cNvPr id="2" name="Title 1">
-            <a:extLst>
-              <a:ext uri="{FF2B5EF4-FFF2-40B4-BE49-F238E27FC236}">
-                <a16:creationId xmlns="" xmlns:a16="http://schemas.microsoft.com/office/drawing/2014/main" id="{48BD1D8E-9BB3-4D96-928A-29F0C8229131}"/>
-              </a:ext>
-            </a:extLst>
-          </p:cNvPr>
-          <p:cNvSpPr>
-            <a:spLocks noGrp="1"/>
-          </p:cNvSpPr>
-          <p:nvPr>
-            <p:ph type="title"/>
-          </p:nvPr>
-        </p:nvSpPr>
-        <p:spPr/>
-        <p:txBody>
-          <a:bodyPr/>
-          <a:lstStyle/>
-          <a:p>
-            <a:pPr algn="ctr"/>
-            <a:r>
-              <a:rPr lang="zh-TW" altLang="en-US" b="1" dirty="0">
-                <a:latin typeface="Microsoft JhengHei" panose="020B0604030504040204" pitchFamily="34" charset="-120"/>
-                <a:ea typeface="Microsoft JhengHei" panose="020B0604030504040204" pitchFamily="34" charset="-120"/>
-              </a:rPr>
-              <a:t>君王就在這裡</a:t>
-            </a:r>
-            <a:endParaRPr lang="en-US" b="1" dirty="0">
-              <a:latin typeface="Microsoft JhengHei" panose="020B0604030504040204" pitchFamily="34" charset="-120"/>
-              <a:ea typeface="Microsoft JhengHei" panose="020B0604030504040204" pitchFamily="34" charset="-120"/>
-            </a:endParaRPr>
-          </a:p>
-        </p:txBody>
-      </p:sp>
-      <p:sp>
-        <p:nvSpPr>
-          <p:cNvPr id="3" name="Content Placeholder 2">
-            <a:extLst>
-              <a:ext uri="{FF2B5EF4-FFF2-40B4-BE49-F238E27FC236}">
-                <a16:creationId xmlns="" xmlns:a16="http://schemas.microsoft.com/office/drawing/2014/main" id="{E22CC9E4-8F8E-42EB-9D61-9016F65A0B41}"/>
-              </a:ext>
-            </a:extLst>
-          </p:cNvPr>
-          <p:cNvSpPr>
-            <a:spLocks noGrp="1"/>
-          </p:cNvSpPr>
-          <p:nvPr>
-            <p:ph idx="1"/>
-          </p:nvPr>
-        </p:nvSpPr>
-        <p:spPr>
-          <a:xfrm>
-            <a:off x="1524000" y="1825625"/>
-            <a:ext cx="9144000" cy="4351338"/>
-          </a:xfrm>
-        </p:spPr>
-        <p:txBody>
-          <a:bodyPr>
-            <a:normAutofit/>
-          </a:bodyPr>
-          <a:lstStyle/>
-          <a:p>
-            <a:pPr marL="0" indent="0" algn="ctr">
-              <a:buNone/>
-            </a:pPr>
-            <a:r>
-              <a:rPr lang="zh-TW" altLang="en-US" sz="5400" b="1" dirty="0">
-                <a:latin typeface="Microsoft JhengHei" panose="020B0604030504040204" pitchFamily="34" charset="-120"/>
-                <a:ea typeface="Microsoft JhengHei" panose="020B0604030504040204" pitchFamily="34" charset="-120"/>
-                <a:cs typeface="+mj-cs"/>
-              </a:rPr>
-              <a:t>更多更多 來高舉你的名 </a:t>
-            </a:r>
-            <a:endParaRPr lang="en-US" altLang="zh-TW" sz="5400" b="1" dirty="0">
-              <a:latin typeface="Microsoft JhengHei" panose="020B0604030504040204" pitchFamily="34" charset="-120"/>
-              <a:ea typeface="Microsoft JhengHei" panose="020B0604030504040204" pitchFamily="34" charset="-120"/>
-              <a:cs typeface="+mj-cs"/>
-            </a:endParaRPr>
-          </a:p>
-          <a:p>
-            <a:pPr marL="0" indent="0" algn="ctr">
-              <a:buNone/>
-            </a:pPr>
-            <a:r>
-              <a:rPr lang="zh-TW" altLang="en-US" sz="5400" b="1" dirty="0">
-                <a:latin typeface="Microsoft JhengHei" panose="020B0604030504040204" pitchFamily="34" charset="-120"/>
-                <a:ea typeface="Microsoft JhengHei" panose="020B0604030504040204" pitchFamily="34" charset="-120"/>
-                <a:cs typeface="+mj-cs"/>
-              </a:rPr>
-              <a:t>更多更多 </a:t>
-            </a:r>
-            <a:r>
-              <a:rPr lang="zh-TW" altLang="en-US" sz="5400" b="1" dirty="0">
-                <a:latin typeface="Microsoft JhengHei" panose="020B0604030504040204" pitchFamily="34" charset="-120"/>
-                <a:ea typeface="Microsoft JhengHei" panose="020B0604030504040204" pitchFamily="34" charset="-120"/>
-                <a:cs typeface="+mj-cs"/>
-              </a:rPr>
-              <a:t>來呼喊</a:t>
-            </a:r>
-            <a:r>
-              <a:rPr lang="zh-TW" altLang="en-US" sz="5400" b="1" dirty="0">
-                <a:latin typeface="Microsoft JhengHei" panose="020B0604030504040204" pitchFamily="34" charset="-120"/>
-                <a:ea typeface="Microsoft JhengHei" panose="020B0604030504040204" pitchFamily="34" charset="-120"/>
-                <a:cs typeface="+mj-cs"/>
-              </a:rPr>
-              <a:t>你的</a:t>
-            </a:r>
-            <a:r>
-              <a:rPr lang="zh-TW" altLang="en-US" sz="5400" b="1" dirty="0">
-                <a:latin typeface="Microsoft JhengHei" panose="020B0604030504040204" pitchFamily="34" charset="-120"/>
-                <a:ea typeface="Microsoft JhengHei" panose="020B0604030504040204" pitchFamily="34" charset="-120"/>
-                <a:cs typeface="+mj-cs"/>
-              </a:rPr>
-              <a:t>名</a:t>
-            </a:r>
-            <a:endParaRPr lang="en-US" altLang="zh-TW" sz="5400" b="1" dirty="0">
-              <a:latin typeface="Microsoft JhengHei" panose="020B0604030504040204" pitchFamily="34" charset="-120"/>
-              <a:ea typeface="Microsoft JhengHei" panose="020B0604030504040204" pitchFamily="34" charset="-120"/>
-              <a:cs typeface="+mj-cs"/>
-            </a:endParaRPr>
-          </a:p>
-          <a:p>
-            <a:pPr marL="0" indent="0" algn="ctr">
-              <a:buNone/>
-            </a:pPr>
-            <a:r>
-              <a:rPr lang="zh-TW" altLang="en-US" sz="5400" b="1" dirty="0">
-                <a:latin typeface="Microsoft JhengHei" panose="020B0604030504040204" pitchFamily="34" charset="-120"/>
-                <a:ea typeface="Microsoft JhengHei" panose="020B0604030504040204" pitchFamily="34" charset="-120"/>
-              </a:rPr>
-              <a:t>更多更多 來高舉你的名 </a:t>
-            </a:r>
-            <a:endParaRPr lang="en-US" altLang="zh-TW" sz="5400" b="1" dirty="0">
-              <a:latin typeface="Microsoft JhengHei" panose="020B0604030504040204" pitchFamily="34" charset="-120"/>
-              <a:ea typeface="Microsoft JhengHei" panose="020B0604030504040204" pitchFamily="34" charset="-120"/>
-            </a:endParaRPr>
-          </a:p>
-          <a:p>
-            <a:pPr marL="0" indent="0" algn="ctr">
-              <a:buNone/>
-            </a:pPr>
-            <a:r>
-              <a:rPr lang="zh-TW" altLang="en-US" sz="5400" b="1" dirty="0">
-                <a:latin typeface="Microsoft JhengHei" panose="020B0604030504040204" pitchFamily="34" charset="-120"/>
-                <a:ea typeface="Microsoft JhengHei" panose="020B0604030504040204" pitchFamily="34" charset="-120"/>
-              </a:rPr>
-              <a:t>更多更多 來呼喊你的名 </a:t>
-            </a:r>
-            <a:r>
-              <a:rPr lang="zh-TW" altLang="en-US" sz="5400" b="1" dirty="0">
-                <a:latin typeface="Microsoft JhengHei" panose="020B0604030504040204" pitchFamily="34" charset="-120"/>
-                <a:ea typeface="Microsoft JhengHei" panose="020B0604030504040204" pitchFamily="34" charset="-120"/>
-                <a:cs typeface="+mj-cs"/>
-              </a:rPr>
-              <a:t> </a:t>
-            </a:r>
-            <a:endParaRPr lang="en-US" altLang="zh-TW" sz="5400" b="1" dirty="0">
               <a:latin typeface="Microsoft JhengHei" panose="020B0604030504040204" pitchFamily="34" charset="-120"/>
               <a:ea typeface="Microsoft JhengHei" panose="020B0604030504040204" pitchFamily="34" charset="-120"/>
               <a:cs typeface="+mj-cs"/>

--- a/君王就在這裡.pptx
+++ b/君王就在這裡.pptx
@@ -5,9 +5,12 @@
     <p:sldMasterId id="2147483672" r:id="rId1"/>
   </p:sldMasterIdLst>
   <p:sldIdLst>
-    <p:sldId id="257" r:id="rId2"/>
-    <p:sldId id="258" r:id="rId3"/>
-    <p:sldId id="259" r:id="rId4"/>
+    <p:sldId id="260" r:id="rId2"/>
+    <p:sldId id="261" r:id="rId3"/>
+    <p:sldId id="262" r:id="rId4"/>
+    <p:sldId id="263" r:id="rId5"/>
+    <p:sldId id="264" r:id="rId6"/>
+    <p:sldId id="265" r:id="rId7"/>
   </p:sldIdLst>
   <p:sldSz cx="12192000" cy="6858000"/>
   <p:notesSz cx="6858000" cy="9144000"/>
@@ -311,7 +314,7 @@
             <a:fld id="{B4397B52-E6AB-4D37-B982-3B5B9DBDC60C}" type="datetimeFigureOut">
               <a:rPr lang="en-US" smtClean="0"/>
               <a:pPr/>
-              <a:t>3/28/2020</a:t>
+              <a:t>1/30/2021</a:t>
             </a:fld>
             <a:endParaRPr lang="en-US"/>
           </a:p>
@@ -483,7 +486,7 @@
             <a:fld id="{B4397B52-E6AB-4D37-B982-3B5B9DBDC60C}" type="datetimeFigureOut">
               <a:rPr lang="en-US" smtClean="0"/>
               <a:pPr/>
-              <a:t>3/28/2020</a:t>
+              <a:t>1/30/2021</a:t>
             </a:fld>
             <a:endParaRPr lang="en-US"/>
           </a:p>
@@ -665,7 +668,7 @@
             <a:fld id="{B4397B52-E6AB-4D37-B982-3B5B9DBDC60C}" type="datetimeFigureOut">
               <a:rPr lang="en-US" smtClean="0"/>
               <a:pPr/>
-              <a:t>3/28/2020</a:t>
+              <a:t>1/30/2021</a:t>
             </a:fld>
             <a:endParaRPr lang="en-US"/>
           </a:p>
@@ -837,7 +840,7 @@
             <a:fld id="{B4397B52-E6AB-4D37-B982-3B5B9DBDC60C}" type="datetimeFigureOut">
               <a:rPr lang="en-US" smtClean="0"/>
               <a:pPr/>
-              <a:t>3/28/2020</a:t>
+              <a:t>1/30/2021</a:t>
             </a:fld>
             <a:endParaRPr lang="en-US"/>
           </a:p>
@@ -1085,7 +1088,7 @@
             <a:fld id="{B4397B52-E6AB-4D37-B982-3B5B9DBDC60C}" type="datetimeFigureOut">
               <a:rPr lang="en-US" smtClean="0"/>
               <a:pPr/>
-              <a:t>3/28/2020</a:t>
+              <a:t>1/30/2021</a:t>
             </a:fld>
             <a:endParaRPr lang="en-US"/>
           </a:p>
@@ -1375,7 +1378,7 @@
             <a:fld id="{B4397B52-E6AB-4D37-B982-3B5B9DBDC60C}" type="datetimeFigureOut">
               <a:rPr lang="en-US" smtClean="0"/>
               <a:pPr/>
-              <a:t>3/28/2020</a:t>
+              <a:t>1/30/2021</a:t>
             </a:fld>
             <a:endParaRPr lang="en-US"/>
           </a:p>
@@ -1799,7 +1802,7 @@
             <a:fld id="{B4397B52-E6AB-4D37-B982-3B5B9DBDC60C}" type="datetimeFigureOut">
               <a:rPr lang="en-US" smtClean="0"/>
               <a:pPr/>
-              <a:t>3/28/2020</a:t>
+              <a:t>1/30/2021</a:t>
             </a:fld>
             <a:endParaRPr lang="en-US"/>
           </a:p>
@@ -1919,7 +1922,7 @@
             <a:fld id="{B4397B52-E6AB-4D37-B982-3B5B9DBDC60C}" type="datetimeFigureOut">
               <a:rPr lang="en-US" smtClean="0"/>
               <a:pPr/>
-              <a:t>3/28/2020</a:t>
+              <a:t>1/30/2021</a:t>
             </a:fld>
             <a:endParaRPr lang="en-US"/>
           </a:p>
@@ -2016,7 +2019,7 @@
             <a:fld id="{B4397B52-E6AB-4D37-B982-3B5B9DBDC60C}" type="datetimeFigureOut">
               <a:rPr lang="en-US" smtClean="0"/>
               <a:pPr/>
-              <a:t>3/28/2020</a:t>
+              <a:t>1/30/2021</a:t>
             </a:fld>
             <a:endParaRPr lang="en-US"/>
           </a:p>
@@ -2295,7 +2298,7 @@
             <a:fld id="{B4397B52-E6AB-4D37-B982-3B5B9DBDC60C}" type="datetimeFigureOut">
               <a:rPr lang="en-US" smtClean="0"/>
               <a:pPr/>
-              <a:t>3/28/2020</a:t>
+              <a:t>1/30/2021</a:t>
             </a:fld>
             <a:endParaRPr lang="en-US"/>
           </a:p>
@@ -2554,7 +2557,7 @@
             <a:fld id="{B4397B52-E6AB-4D37-B982-3B5B9DBDC60C}" type="datetimeFigureOut">
               <a:rPr lang="en-US" smtClean="0"/>
               <a:pPr/>
-              <a:t>3/28/2020</a:t>
+              <a:t>1/30/2021</a:t>
             </a:fld>
             <a:endParaRPr lang="en-US"/>
           </a:p>
@@ -2774,7 +2777,7 @@
             <a:fld id="{B4397B52-E6AB-4D37-B982-3B5B9DBDC60C}" type="datetimeFigureOut">
               <a:rPr lang="en-US" smtClean="0"/>
               <a:pPr/>
-              <a:t>3/28/2020</a:t>
+              <a:t>1/30/2021</a:t>
             </a:fld>
             <a:endParaRPr lang="en-US"/>
           </a:p>
@@ -3152,244 +3155,67 @@
       </p:grpSpPr>
       <p:sp>
         <p:nvSpPr>
-          <p:cNvPr id="2" name="Title 1">
-            <a:extLst>
-              <a:ext uri="{FF2B5EF4-FFF2-40B4-BE49-F238E27FC236}">
-                <a16:creationId xmlns:a16="http://schemas.microsoft.com/office/drawing/2014/main" id="{48BD1D8E-9BB3-4D96-928A-29F0C8229131}"/>
-              </a:ext>
-            </a:extLst>
-          </p:cNvPr>
+          <p:cNvPr id="4" name="標題 3"/>
           <p:cNvSpPr>
             <a:spLocks noGrp="1"/>
           </p:cNvSpPr>
           <p:nvPr>
             <p:ph type="title"/>
-          </p:nvPr>
-        </p:nvSpPr>
-        <p:spPr/>
-        <p:txBody>
-          <a:bodyPr>
-            <a:normAutofit/>
-          </a:bodyPr>
-          <a:lstStyle/>
-          <a:p>
-            <a:pPr algn="ctr"/>
-            <a:r>
-              <a:rPr lang="zh-TW" altLang="en-US" sz="4800" b="1" dirty="0">
-                <a:latin typeface="Microsoft JhengHei" panose="020B0604030504040204" pitchFamily="34" charset="-120"/>
-                <a:ea typeface="Microsoft JhengHei" panose="020B0604030504040204" pitchFamily="34" charset="-120"/>
-              </a:rPr>
-              <a:t>君王就在這裡</a:t>
-            </a:r>
-            <a:endParaRPr lang="en-US" sz="4800" b="1" dirty="0">
-              <a:latin typeface="Microsoft JhengHei" panose="020B0604030504040204" pitchFamily="34" charset="-120"/>
-              <a:ea typeface="Microsoft JhengHei" panose="020B0604030504040204" pitchFamily="34" charset="-120"/>
-            </a:endParaRPr>
-          </a:p>
-        </p:txBody>
-      </p:sp>
-      <p:sp>
-        <p:nvSpPr>
-          <p:cNvPr id="3" name="Content Placeholder 2">
-            <a:extLst>
-              <a:ext uri="{FF2B5EF4-FFF2-40B4-BE49-F238E27FC236}">
-                <a16:creationId xmlns:a16="http://schemas.microsoft.com/office/drawing/2014/main" id="{E22CC9E4-8F8E-42EB-9D61-9016F65A0B41}"/>
-              </a:ext>
-            </a:extLst>
-          </p:cNvPr>
-          <p:cNvSpPr>
-            <a:spLocks noGrp="1"/>
-          </p:cNvSpPr>
-          <p:nvPr>
-            <p:ph idx="1"/>
           </p:nvPr>
         </p:nvSpPr>
         <p:spPr>
           <a:xfrm>
-            <a:off x="1524000" y="1825625"/>
-            <a:ext cx="9144000" cy="4351338"/>
+            <a:off x="0" y="2857513"/>
+            <a:ext cx="12192000" cy="1143000"/>
           </a:xfrm>
         </p:spPr>
         <p:txBody>
           <a:bodyPr>
-            <a:normAutofit/>
+            <a:noAutofit/>
           </a:bodyPr>
           <a:lstStyle/>
           <a:p>
-            <a:pPr marL="0" indent="0" algn="ctr">
-              <a:buNone/>
-            </a:pPr>
-            <a:r>
-              <a:rPr lang="zh-TW" altLang="en-US" sz="5400" b="1" dirty="0">
-                <a:latin typeface="Microsoft JhengHei" panose="020B0604030504040204" pitchFamily="34" charset="-120"/>
-                <a:ea typeface="Microsoft JhengHei" panose="020B0604030504040204" pitchFamily="34" charset="-120"/>
+            <a:r>
+              <a:rPr lang="zh-TW" altLang="en-US" sz="7200" b="1" i="1" dirty="0">
+                <a:solidFill>
+                  <a:srgbClr val="000066"/>
+                </a:solidFill>
+                <a:effectLst>
+                  <a:outerShdw blurRad="38100" dist="38100" dir="2700000" algn="tl">
+                    <a:srgbClr val="000000">
+                      <a:alpha val="43137"/>
+                    </a:srgbClr>
+                  </a:outerShdw>
+                </a:effectLst>
+                <a:latin typeface="微軟正黑體" pitchFamily="34" charset="-120"/>
+                <a:ea typeface="微軟正黑體" pitchFamily="34" charset="-120"/>
               </a:rPr>
-              <a:t>聖潔耶穌 </a:t>
-            </a:r>
-            <a:r>
-              <a:rPr lang="zh-CN" altLang="en-US" sz="5400" b="1" dirty="0" smtClean="0">
-                <a:latin typeface="Microsoft JhengHei" panose="020B0604030504040204" pitchFamily="34" charset="-120"/>
-                <a:ea typeface="Microsoft JhengHei" panose="020B0604030504040204" pitchFamily="34" charset="-120"/>
+              <a:t>君</a:t>
+            </a:r>
+            <a:r>
+              <a:rPr lang="zh-TW" altLang="en-US" sz="7200" b="1" i="1" dirty="0">
+                <a:solidFill>
+                  <a:srgbClr val="000066"/>
+                </a:solidFill>
+                <a:effectLst>
+                  <a:outerShdw blurRad="38100" dist="38100" dir="2700000" algn="tl">
+                    <a:srgbClr val="000000">
+                      <a:alpha val="43137"/>
+                    </a:srgbClr>
+                  </a:outerShdw>
+                </a:effectLst>
+                <a:latin typeface="微軟正黑體" pitchFamily="34" charset="-120"/>
+                <a:ea typeface="微軟正黑體" pitchFamily="34" charset="-120"/>
               </a:rPr>
-              <a:t>袮</a:t>
-            </a:r>
-            <a:r>
-              <a:rPr lang="zh-TW" altLang="en-US" sz="5400" b="1" dirty="0" smtClean="0">
-                <a:latin typeface="Microsoft JhengHei" panose="020B0604030504040204" pitchFamily="34" charset="-120"/>
-                <a:ea typeface="Microsoft JhengHei" panose="020B0604030504040204" pitchFamily="34" charset="-120"/>
-              </a:rPr>
-              <a:t>寶</a:t>
-            </a:r>
-            <a:r>
-              <a:rPr lang="zh-TW" altLang="en-US" sz="5400" b="1" dirty="0">
-                <a:latin typeface="Microsoft JhengHei" panose="020B0604030504040204" pitchFamily="34" charset="-120"/>
-                <a:ea typeface="Microsoft JhengHei" panose="020B0604030504040204" pitchFamily="34" charset="-120"/>
-              </a:rPr>
-              <a:t>座在這裡 </a:t>
-            </a:r>
-            <a:endParaRPr lang="en-US" altLang="zh-TW" sz="5400" b="1" dirty="0">
-              <a:latin typeface="Microsoft JhengHei" panose="020B0604030504040204" pitchFamily="34" charset="-120"/>
-              <a:ea typeface="Microsoft JhengHei" panose="020B0604030504040204" pitchFamily="34" charset="-120"/>
-            </a:endParaRPr>
-          </a:p>
-          <a:p>
-            <a:pPr marL="0" indent="0" algn="ctr">
-              <a:buNone/>
-            </a:pPr>
-            <a:r>
-              <a:rPr lang="zh-TW" altLang="en-US" sz="5400" b="1" dirty="0">
-                <a:latin typeface="Microsoft JhengHei" panose="020B0604030504040204" pitchFamily="34" charset="-120"/>
-                <a:ea typeface="Microsoft JhengHei" panose="020B0604030504040204" pitchFamily="34" charset="-120"/>
-              </a:rPr>
-              <a:t>哈利路</a:t>
-            </a:r>
-            <a:r>
-              <a:rPr lang="zh-TW" altLang="en-US" sz="5400" b="1" dirty="0" smtClean="0">
-                <a:latin typeface="Microsoft JhengHei" panose="020B0604030504040204" pitchFamily="34" charset="-120"/>
-                <a:ea typeface="Microsoft JhengHei" panose="020B0604030504040204" pitchFamily="34" charset="-120"/>
-              </a:rPr>
-              <a:t>亞 </a:t>
-            </a:r>
-            <a:r>
-              <a:rPr lang="zh-CN" altLang="en-US" sz="5400" b="1" dirty="0" smtClean="0">
-                <a:latin typeface="Microsoft JhengHei" panose="020B0604030504040204" pitchFamily="34" charset="-120"/>
-                <a:ea typeface="Microsoft JhengHei" panose="020B0604030504040204" pitchFamily="34" charset="-120"/>
-              </a:rPr>
-              <a:t>袮</a:t>
-            </a:r>
-            <a:r>
-              <a:rPr lang="zh-TW" altLang="en-US" sz="5400" b="1" dirty="0" smtClean="0">
-                <a:latin typeface="Microsoft JhengHei" panose="020B0604030504040204" pitchFamily="34" charset="-120"/>
-                <a:ea typeface="Microsoft JhengHei" panose="020B0604030504040204" pitchFamily="34" charset="-120"/>
-              </a:rPr>
-              <a:t>榮</a:t>
-            </a:r>
-            <a:r>
-              <a:rPr lang="zh-TW" altLang="en-US" sz="5400" b="1" dirty="0">
-                <a:latin typeface="Microsoft JhengHei" panose="020B0604030504040204" pitchFamily="34" charset="-120"/>
-                <a:ea typeface="Microsoft JhengHei" panose="020B0604030504040204" pitchFamily="34" charset="-120"/>
-              </a:rPr>
-              <a:t>耀在這裡 </a:t>
-            </a:r>
-            <a:endParaRPr lang="en-US" altLang="zh-TW" sz="5400" b="1" dirty="0">
-              <a:latin typeface="Microsoft JhengHei" panose="020B0604030504040204" pitchFamily="34" charset="-120"/>
-              <a:ea typeface="Microsoft JhengHei" panose="020B0604030504040204" pitchFamily="34" charset="-120"/>
-            </a:endParaRPr>
-          </a:p>
-          <a:p>
-            <a:pPr marL="0" indent="0" algn="ctr">
-              <a:buNone/>
-            </a:pPr>
-            <a:r>
-              <a:rPr lang="zh-TW" altLang="en-US" sz="5400" b="1" dirty="0">
-                <a:latin typeface="Microsoft JhengHei" panose="020B0604030504040204" pitchFamily="34" charset="-120"/>
-                <a:ea typeface="Microsoft JhengHei" panose="020B0604030504040204" pitchFamily="34" charset="-120"/>
-              </a:rPr>
-              <a:t>聖潔耶</a:t>
-            </a:r>
-            <a:r>
-              <a:rPr lang="zh-TW" altLang="en-US" sz="5400" b="1" dirty="0" smtClean="0">
-                <a:latin typeface="Microsoft JhengHei" panose="020B0604030504040204" pitchFamily="34" charset="-120"/>
-                <a:ea typeface="Microsoft JhengHei" panose="020B0604030504040204" pitchFamily="34" charset="-120"/>
-              </a:rPr>
-              <a:t>穌 </a:t>
-            </a:r>
-            <a:r>
-              <a:rPr lang="zh-CN" altLang="en-US" sz="5400" b="1" dirty="0" smtClean="0">
-                <a:latin typeface="Microsoft JhengHei" panose="020B0604030504040204" pitchFamily="34" charset="-120"/>
-                <a:ea typeface="Microsoft JhengHei" panose="020B0604030504040204" pitchFamily="34" charset="-120"/>
-              </a:rPr>
-              <a:t>袮</a:t>
-            </a:r>
-            <a:r>
-              <a:rPr lang="zh-TW" altLang="en-US" sz="5400" b="1" dirty="0" smtClean="0">
-                <a:latin typeface="Microsoft JhengHei" panose="020B0604030504040204" pitchFamily="34" charset="-120"/>
-                <a:ea typeface="Microsoft JhengHei" panose="020B0604030504040204" pitchFamily="34" charset="-120"/>
-              </a:rPr>
-              <a:t>寶</a:t>
-            </a:r>
-            <a:r>
-              <a:rPr lang="zh-TW" altLang="en-US" sz="5400" b="1" dirty="0">
-                <a:latin typeface="Microsoft JhengHei" panose="020B0604030504040204" pitchFamily="34" charset="-120"/>
-                <a:ea typeface="Microsoft JhengHei" panose="020B0604030504040204" pitchFamily="34" charset="-120"/>
-              </a:rPr>
-              <a:t>座在這裡 </a:t>
-            </a:r>
-            <a:endParaRPr lang="en-US" altLang="zh-TW" sz="5400" b="1" dirty="0">
-              <a:latin typeface="Microsoft JhengHei" panose="020B0604030504040204" pitchFamily="34" charset="-120"/>
-              <a:ea typeface="Microsoft JhengHei" panose="020B0604030504040204" pitchFamily="34" charset="-120"/>
-            </a:endParaRPr>
-          </a:p>
-          <a:p>
-            <a:pPr marL="0" indent="0" algn="ctr">
-              <a:buNone/>
-            </a:pPr>
-            <a:r>
-              <a:rPr lang="zh-TW" altLang="en-US" sz="5400" b="1" dirty="0">
-                <a:latin typeface="Microsoft JhengHei" panose="020B0604030504040204" pitchFamily="34" charset="-120"/>
-                <a:ea typeface="Microsoft JhengHei" panose="020B0604030504040204" pitchFamily="34" charset="-120"/>
-              </a:rPr>
-              <a:t>哈利路</a:t>
-            </a:r>
-            <a:r>
-              <a:rPr lang="zh-TW" altLang="en-US" sz="5400" b="1" dirty="0" smtClean="0">
-                <a:latin typeface="Microsoft JhengHei" panose="020B0604030504040204" pitchFamily="34" charset="-120"/>
-                <a:ea typeface="Microsoft JhengHei" panose="020B0604030504040204" pitchFamily="34" charset="-120"/>
-              </a:rPr>
-              <a:t>亞 </a:t>
-            </a:r>
-            <a:r>
-              <a:rPr lang="zh-CN" altLang="en-US" sz="5400" b="1" dirty="0" smtClean="0">
-                <a:latin typeface="Microsoft JhengHei" panose="020B0604030504040204" pitchFamily="34" charset="-120"/>
-                <a:ea typeface="Microsoft JhengHei" panose="020B0604030504040204" pitchFamily="34" charset="-120"/>
-              </a:rPr>
-              <a:t>袮</a:t>
-            </a:r>
-            <a:r>
-              <a:rPr lang="zh-TW" altLang="en-US" sz="5400" b="1" dirty="0" smtClean="0">
-                <a:latin typeface="Microsoft JhengHei" panose="020B0604030504040204" pitchFamily="34" charset="-120"/>
-                <a:ea typeface="Microsoft JhengHei" panose="020B0604030504040204" pitchFamily="34" charset="-120"/>
-              </a:rPr>
-              <a:t>榮</a:t>
-            </a:r>
-            <a:r>
-              <a:rPr lang="zh-TW" altLang="en-US" sz="5400" b="1" dirty="0">
-                <a:latin typeface="Microsoft JhengHei" panose="020B0604030504040204" pitchFamily="34" charset="-120"/>
-                <a:ea typeface="Microsoft JhengHei" panose="020B0604030504040204" pitchFamily="34" charset="-120"/>
-              </a:rPr>
-              <a:t>耀在這裡</a:t>
-            </a:r>
-            <a:endParaRPr lang="en-US" sz="5400" b="1" dirty="0">
-              <a:latin typeface="Microsoft JhengHei" panose="020B0604030504040204" pitchFamily="34" charset="-120"/>
-              <a:ea typeface="Microsoft JhengHei" panose="020B0604030504040204" pitchFamily="34" charset="-120"/>
-            </a:endParaRPr>
+              <a:t>王就在這裡</a:t>
+            </a:r>
           </a:p>
         </p:txBody>
       </p:sp>
     </p:spTree>
     <p:extLst>
       <p:ext uri="{BB962C8B-B14F-4D97-AF65-F5344CB8AC3E}">
-        <p14:creationId xmlns:p14="http://schemas.microsoft.com/office/powerpoint/2010/main" val="3345349781"/>
+        <p14:creationId xmlns:p14="http://schemas.microsoft.com/office/powerpoint/2010/main" val="2391683012"/>
       </p:ext>
     </p:extLst>
   </p:cSld>
@@ -3418,150 +3244,65 @@
       </p:grpSpPr>
       <p:sp>
         <p:nvSpPr>
-          <p:cNvPr id="2" name="Title 1">
-            <a:extLst>
-              <a:ext uri="{FF2B5EF4-FFF2-40B4-BE49-F238E27FC236}">
-                <a16:creationId xmlns:a16="http://schemas.microsoft.com/office/drawing/2014/main" id="{48BD1D8E-9BB3-4D96-928A-29F0C8229131}"/>
-              </a:ext>
-            </a:extLst>
-          </p:cNvPr>
-          <p:cNvSpPr>
-            <a:spLocks noGrp="1"/>
-          </p:cNvSpPr>
-          <p:nvPr>
-            <p:ph type="title"/>
-          </p:nvPr>
-        </p:nvSpPr>
-        <p:spPr/>
-        <p:txBody>
-          <a:bodyPr>
+          <p:cNvPr id="5" name="內容版面配置區 4"/>
+          <p:cNvSpPr>
+            <a:spLocks noGrp="1"/>
+          </p:cNvSpPr>
+          <p:nvPr>
+            <p:ph idx="1"/>
+          </p:nvPr>
+        </p:nvSpPr>
+        <p:spPr>
+          <a:xfrm>
+            <a:off x="0" y="2084853"/>
+            <a:ext cx="12192000" cy="2404863"/>
+          </a:xfrm>
+        </p:spPr>
+        <p:txBody>
+          <a:bodyPr anchor="ctr">
             <a:normAutofit/>
           </a:bodyPr>
           <a:lstStyle/>
           <a:p>
-            <a:pPr algn="ctr"/>
-            <a:r>
-              <a:rPr lang="zh-TW" altLang="en-US" sz="4800" b="1" dirty="0">
+            <a:pPr marL="0" indent="0" algn="ctr">
+              <a:buNone/>
+            </a:pPr>
+            <a:r>
+              <a:rPr lang="zh-TW" altLang="en-US" sz="6400" b="1" dirty="0">
+                <a:solidFill>
+                  <a:srgbClr val="000066"/>
+                </a:solidFill>
                 <a:latin typeface="Microsoft JhengHei" panose="020B0604030504040204" pitchFamily="34" charset="-120"/>
                 <a:ea typeface="Microsoft JhengHei" panose="020B0604030504040204" pitchFamily="34" charset="-120"/>
               </a:rPr>
-              <a:t>君王就在這裡</a:t>
-            </a:r>
-            <a:endParaRPr lang="en-US" sz="4800" b="1" dirty="0">
-              <a:latin typeface="Microsoft JhengHei" panose="020B0604030504040204" pitchFamily="34" charset="-120"/>
-              <a:ea typeface="Microsoft JhengHei" panose="020B0604030504040204" pitchFamily="34" charset="-120"/>
-            </a:endParaRPr>
-          </a:p>
-        </p:txBody>
-      </p:sp>
-      <p:sp>
-        <p:nvSpPr>
-          <p:cNvPr id="3" name="Content Placeholder 2">
-            <a:extLst>
-              <a:ext uri="{FF2B5EF4-FFF2-40B4-BE49-F238E27FC236}">
-                <a16:creationId xmlns:a16="http://schemas.microsoft.com/office/drawing/2014/main" id="{E22CC9E4-8F8E-42EB-9D61-9016F65A0B41}"/>
-              </a:ext>
-            </a:extLst>
-          </p:cNvPr>
-          <p:cNvSpPr>
-            <a:spLocks noGrp="1"/>
-          </p:cNvSpPr>
-          <p:nvPr>
-            <p:ph idx="1"/>
-          </p:nvPr>
-        </p:nvSpPr>
-        <p:spPr>
-          <a:xfrm>
-            <a:off x="1524000" y="1825625"/>
-            <a:ext cx="9144000" cy="4351338"/>
-          </a:xfrm>
-        </p:spPr>
-        <p:txBody>
-          <a:bodyPr>
-            <a:normAutofit/>
-          </a:bodyPr>
-          <a:lstStyle/>
-          <a:p>
-            <a:pPr marL="0" indent="0" algn="ctr">
-              <a:buNone/>
-            </a:pPr>
-            <a:r>
-              <a:rPr lang="zh-TW" altLang="en-US" sz="5400" b="1" dirty="0">
-                <a:latin typeface="Microsoft JhengHei" panose="020B0604030504040204" pitchFamily="34" charset="-120"/>
-                <a:ea typeface="Microsoft JhengHei" panose="020B0604030504040204" pitchFamily="34" charset="-120"/>
-                <a:cs typeface="+mj-cs"/>
-              </a:rPr>
-              <a:t>君王就在這裡 我們歡然獻祭 </a:t>
-            </a:r>
-            <a:endParaRPr lang="en-US" altLang="zh-TW" sz="5400" b="1" dirty="0">
-              <a:latin typeface="Microsoft JhengHei" panose="020B0604030504040204" pitchFamily="34" charset="-120"/>
-              <a:ea typeface="Microsoft JhengHei" panose="020B0604030504040204" pitchFamily="34" charset="-120"/>
-              <a:cs typeface="+mj-cs"/>
-            </a:endParaRPr>
-          </a:p>
-          <a:p>
-            <a:pPr marL="0" indent="0" algn="ctr">
-              <a:buNone/>
-            </a:pPr>
-            <a:r>
-              <a:rPr lang="zh-TW" altLang="en-US" sz="5400" b="1" dirty="0">
-                <a:latin typeface="Microsoft JhengHei" panose="020B0604030504040204" pitchFamily="34" charset="-120"/>
-                <a:ea typeface="Microsoft JhengHei" panose="020B0604030504040204" pitchFamily="34" charset="-120"/>
-                <a:cs typeface="+mj-cs"/>
-              </a:rPr>
-              <a:t>擁</a:t>
-            </a:r>
-            <a:r>
-              <a:rPr lang="zh-TW" altLang="en-US" sz="5400" b="1" dirty="0" smtClean="0">
-                <a:latin typeface="Microsoft JhengHei" panose="020B0604030504040204" pitchFamily="34" charset="-120"/>
-                <a:ea typeface="Microsoft JhengHei" panose="020B0604030504040204" pitchFamily="34" charset="-120"/>
-                <a:cs typeface="+mj-cs"/>
-              </a:rPr>
-              <a:t>戴</a:t>
-            </a:r>
-            <a:r>
-              <a:rPr lang="zh-CN" altLang="en-US" sz="5400" b="1" dirty="0" smtClean="0">
-                <a:latin typeface="Microsoft JhengHei" panose="020B0604030504040204" pitchFamily="34" charset="-120"/>
-                <a:ea typeface="Microsoft JhengHei" panose="020B0604030504040204" pitchFamily="34" charset="-120"/>
-                <a:cs typeface="+mj-cs"/>
-              </a:rPr>
-              <a:t>袮</a:t>
-            </a:r>
-            <a:r>
-              <a:rPr lang="zh-TW" altLang="en-US" sz="5400" b="1" dirty="0" smtClean="0">
-                <a:latin typeface="Microsoft JhengHei" panose="020B0604030504040204" pitchFamily="34" charset="-120"/>
-                <a:ea typeface="Microsoft JhengHei" panose="020B0604030504040204" pitchFamily="34" charset="-120"/>
-                <a:cs typeface="+mj-cs"/>
-              </a:rPr>
-              <a:t>為</a:t>
-            </a:r>
-            <a:r>
-              <a:rPr lang="zh-TW" altLang="en-US" sz="5400" b="1" dirty="0">
-                <a:latin typeface="Microsoft JhengHei" panose="020B0604030504040204" pitchFamily="34" charset="-120"/>
-                <a:ea typeface="Microsoft JhengHei" panose="020B0604030504040204" pitchFamily="34" charset="-120"/>
-                <a:cs typeface="+mj-cs"/>
-              </a:rPr>
-              <a:t>王 榮耀都歸</a:t>
-            </a:r>
-            <a:r>
-              <a:rPr lang="zh-TW" altLang="en-US" sz="5400" b="1" dirty="0" smtClean="0">
-                <a:latin typeface="Microsoft JhengHei" panose="020B0604030504040204" pitchFamily="34" charset="-120"/>
-                <a:ea typeface="Microsoft JhengHei" panose="020B0604030504040204" pitchFamily="34" charset="-120"/>
-                <a:cs typeface="+mj-cs"/>
-              </a:rPr>
-              <a:t>於</a:t>
-            </a:r>
-            <a:r>
-              <a:rPr lang="zh-CN" altLang="en-US" sz="5400" b="1" dirty="0">
+              <a:t>聖潔耶穌  </a:t>
+            </a:r>
+            <a:r>
+              <a:rPr lang="zh-CN" altLang="en-US" sz="6400" b="1" dirty="0">
+                <a:solidFill>
+                  <a:srgbClr val="000066"/>
+                </a:solidFill>
                 <a:latin typeface="Microsoft JhengHei" panose="020B0604030504040204" pitchFamily="34" charset="-120"/>
                 <a:ea typeface="Microsoft JhengHei" panose="020B0604030504040204" pitchFamily="34" charset="-120"/>
               </a:rPr>
               <a:t>袮</a:t>
             </a:r>
-            <a:endParaRPr lang="en-US" altLang="zh-TW" sz="5400" b="1" dirty="0">
+            <a:r>
+              <a:rPr lang="zh-TW" altLang="en-US" sz="6400" b="1" dirty="0">
+                <a:solidFill>
+                  <a:srgbClr val="000066"/>
+                </a:solidFill>
+                <a:latin typeface="Microsoft JhengHei" panose="020B0604030504040204" pitchFamily="34" charset="-120"/>
+                <a:ea typeface="Microsoft JhengHei" panose="020B0604030504040204" pitchFamily="34" charset="-120"/>
+              </a:rPr>
+              <a:t>寶座在這裡 </a:t>
+            </a:r>
+            <a:endParaRPr lang="en-US" altLang="zh-TW" sz="6400" b="1" dirty="0">
+              <a:solidFill>
+                <a:srgbClr val="000066"/>
+              </a:solidFill>
               <a:latin typeface="Microsoft JhengHei" panose="020B0604030504040204" pitchFamily="34" charset="-120"/>
               <a:ea typeface="Microsoft JhengHei" panose="020B0604030504040204" pitchFamily="34" charset="-120"/>
-              <a:cs typeface="+mj-cs"/>
             </a:endParaRPr>
           </a:p>
           <a:p>
@@ -3569,35 +3310,80 @@
               <a:buNone/>
             </a:pPr>
             <a:r>
-              <a:rPr lang="zh-TW" altLang="en-US" sz="5400" b="1" dirty="0">
+              <a:rPr lang="zh-TW" altLang="en-US" sz="6400" b="1" dirty="0">
+                <a:solidFill>
+                  <a:srgbClr val="000066"/>
+                </a:solidFill>
                 <a:latin typeface="Microsoft JhengHei" panose="020B0604030504040204" pitchFamily="34" charset="-120"/>
                 <a:ea typeface="Microsoft JhengHei" panose="020B0604030504040204" pitchFamily="34" charset="-120"/>
-                <a:cs typeface="+mj-cs"/>
               </a:rPr>
-              <a:t>君王就在這裡 大能彰顯這地 </a:t>
-            </a:r>
-            <a:endParaRPr lang="en-US" altLang="zh-TW" sz="5400" b="1" dirty="0">
+              <a:t>哈利路亞  </a:t>
+            </a:r>
+            <a:r>
+              <a:rPr lang="zh-CN" altLang="en-US" sz="6400" b="1" dirty="0">
+                <a:solidFill>
+                  <a:srgbClr val="000066"/>
+                </a:solidFill>
+                <a:latin typeface="Microsoft JhengHei" panose="020B0604030504040204" pitchFamily="34" charset="-120"/>
+                <a:ea typeface="Microsoft JhengHei" panose="020B0604030504040204" pitchFamily="34" charset="-120"/>
+              </a:rPr>
+              <a:t>袮</a:t>
+            </a:r>
+            <a:r>
+              <a:rPr lang="zh-TW" altLang="en-US" sz="6400" b="1" dirty="0">
+                <a:solidFill>
+                  <a:srgbClr val="000066"/>
+                </a:solidFill>
+                <a:latin typeface="Microsoft JhengHei" panose="020B0604030504040204" pitchFamily="34" charset="-120"/>
+                <a:ea typeface="Microsoft JhengHei" panose="020B0604030504040204" pitchFamily="34" charset="-120"/>
+              </a:rPr>
+              <a:t>榮耀在這裡 </a:t>
+            </a:r>
+            <a:endParaRPr lang="en-US" altLang="zh-TW" sz="6400" b="1" dirty="0">
+              <a:solidFill>
+                <a:srgbClr val="000066"/>
+              </a:solidFill>
               <a:latin typeface="Microsoft JhengHei" panose="020B0604030504040204" pitchFamily="34" charset="-120"/>
               <a:ea typeface="Microsoft JhengHei" panose="020B0604030504040204" pitchFamily="34" charset="-120"/>
-              <a:cs typeface="+mj-cs"/>
             </a:endParaRPr>
           </a:p>
-          <a:p>
-            <a:pPr marL="0" indent="0" algn="ctr">
-              <a:buNone/>
-            </a:pPr>
-            <a:r>
-              <a:rPr lang="zh-TW" altLang="en-US" sz="5400" b="1" dirty="0">
-                <a:latin typeface="Microsoft JhengHei" panose="020B0604030504040204" pitchFamily="34" charset="-120"/>
-                <a:ea typeface="Microsoft JhengHei" panose="020B0604030504040204" pitchFamily="34" charset="-120"/>
-                <a:cs typeface="+mj-cs"/>
+        </p:txBody>
+      </p:sp>
+      <p:sp>
+        <p:nvSpPr>
+          <p:cNvPr id="4" name="TextBox 3"/>
+          <p:cNvSpPr txBox="1"/>
+          <p:nvPr/>
+        </p:nvSpPr>
+        <p:spPr>
+          <a:xfrm>
+            <a:off x="0" y="5253203"/>
+            <a:ext cx="12192000" cy="830997"/>
+          </a:xfrm>
+          <a:prstGeom prst="rect">
+            <a:avLst/>
+          </a:prstGeom>
+          <a:noFill/>
+        </p:spPr>
+        <p:txBody>
+          <a:bodyPr wrap="square" rtlCol="0">
+            <a:spAutoFit/>
+          </a:bodyPr>
+          <a:lstStyle/>
+          <a:p>
+            <a:pPr algn="ctr"/>
+            <a:r>
+              <a:rPr lang="en-US" sz="4800" b="1" dirty="0">
+                <a:solidFill>
+                  <a:srgbClr val="000066"/>
+                </a:solidFill>
               </a:rPr>
-              <a:t>和散那歸於 至高神主耶穌</a:t>
-            </a:r>
-            <a:endParaRPr lang="en-US" sz="5400" b="1" dirty="0">
-              <a:latin typeface="Microsoft JhengHei" panose="020B0604030504040204" pitchFamily="34" charset="-120"/>
-              <a:ea typeface="Microsoft JhengHei" panose="020B0604030504040204" pitchFamily="34" charset="-120"/>
-              <a:cs typeface="+mj-cs"/>
+              <a:t>( x2 )</a:t>
+            </a:r>
+            <a:endParaRPr lang="vi-VN" sz="4800" b="1" dirty="0">
+              <a:solidFill>
+                <a:srgbClr val="000066"/>
+              </a:solidFill>
             </a:endParaRPr>
           </a:p>
         </p:txBody>
@@ -3605,7 +3391,7 @@
     </p:spTree>
     <p:extLst>
       <p:ext uri="{BB962C8B-B14F-4D97-AF65-F5344CB8AC3E}">
-        <p14:creationId xmlns:p14="http://schemas.microsoft.com/office/powerpoint/2010/main" val="1195095475"/>
+        <p14:creationId xmlns:p14="http://schemas.microsoft.com/office/powerpoint/2010/main" val="869698481"/>
       </p:ext>
     </p:extLst>
   </p:cSld>
@@ -3634,165 +3420,232 @@
       </p:grpSpPr>
       <p:sp>
         <p:nvSpPr>
-          <p:cNvPr id="2" name="Title 1">
-            <a:extLst>
-              <a:ext uri="{FF2B5EF4-FFF2-40B4-BE49-F238E27FC236}">
-                <a16:creationId xmlns:a16="http://schemas.microsoft.com/office/drawing/2014/main" id="{48BD1D8E-9BB3-4D96-928A-29F0C8229131}"/>
-              </a:ext>
-            </a:extLst>
-          </p:cNvPr>
-          <p:cNvSpPr>
-            <a:spLocks noGrp="1"/>
-          </p:cNvSpPr>
-          <p:nvPr>
-            <p:ph type="title"/>
-          </p:nvPr>
-        </p:nvSpPr>
-        <p:spPr/>
-        <p:txBody>
-          <a:bodyPr>
+          <p:cNvPr id="5" name="內容版面配置區 4"/>
+          <p:cNvSpPr>
+            <a:spLocks noGrp="1"/>
+          </p:cNvSpPr>
+          <p:nvPr>
+            <p:ph idx="1"/>
+          </p:nvPr>
+        </p:nvSpPr>
+        <p:spPr>
+          <a:xfrm>
+            <a:off x="0" y="2084853"/>
+            <a:ext cx="12192000" cy="2404863"/>
+          </a:xfrm>
+        </p:spPr>
+        <p:txBody>
+          <a:bodyPr anchor="ctr">
             <a:normAutofit/>
           </a:bodyPr>
           <a:lstStyle/>
           <a:p>
-            <a:pPr algn="ctr"/>
-            <a:r>
-              <a:rPr lang="zh-TW" altLang="en-US" sz="4800" b="1" dirty="0">
+            <a:pPr marL="0" indent="0" algn="ctr">
+              <a:buNone/>
+            </a:pPr>
+            <a:r>
+              <a:rPr lang="zh-TW" altLang="en-US" sz="6400" b="1" dirty="0">
+                <a:solidFill>
+                  <a:srgbClr val="000066"/>
+                </a:solidFill>
                 <a:latin typeface="Microsoft JhengHei" panose="020B0604030504040204" pitchFamily="34" charset="-120"/>
                 <a:ea typeface="Microsoft JhengHei" panose="020B0604030504040204" pitchFamily="34" charset="-120"/>
               </a:rPr>
-              <a:t>君王就在這裡</a:t>
-            </a:r>
-            <a:endParaRPr lang="en-US" sz="4800" b="1" dirty="0">
+              <a:t>君王就在這</a:t>
+            </a:r>
+            <a:r>
+              <a:rPr lang="zh-TW" altLang="en-US" sz="6400" b="1" dirty="0">
+                <a:solidFill>
+                  <a:srgbClr val="000066"/>
+                </a:solidFill>
+                <a:latin typeface="Microsoft JhengHei" panose="020B0604030504040204" pitchFamily="34" charset="-120"/>
+                <a:ea typeface="Microsoft JhengHei" panose="020B0604030504040204" pitchFamily="34" charset="-120"/>
+              </a:rPr>
+              <a:t>裡  </a:t>
+            </a:r>
+            <a:r>
+              <a:rPr lang="zh-TW" altLang="en-US" sz="6400" b="1" dirty="0">
+                <a:solidFill>
+                  <a:srgbClr val="000066"/>
+                </a:solidFill>
+                <a:latin typeface="Microsoft JhengHei" panose="020B0604030504040204" pitchFamily="34" charset="-120"/>
+                <a:ea typeface="Microsoft JhengHei" panose="020B0604030504040204" pitchFamily="34" charset="-120"/>
+              </a:rPr>
+              <a:t>我們歡然獻祭 </a:t>
+            </a:r>
+            <a:endParaRPr lang="en-US" altLang="zh-TW" sz="6400" b="1" dirty="0">
+              <a:solidFill>
+                <a:srgbClr val="000066"/>
+              </a:solidFill>
               <a:latin typeface="Microsoft JhengHei" panose="020B0604030504040204" pitchFamily="34" charset="-120"/>
               <a:ea typeface="Microsoft JhengHei" panose="020B0604030504040204" pitchFamily="34" charset="-120"/>
             </a:endParaRPr>
           </a:p>
-        </p:txBody>
-      </p:sp>
-      <p:sp>
-        <p:nvSpPr>
-          <p:cNvPr id="3" name="Content Placeholder 2">
-            <a:extLst>
-              <a:ext uri="{FF2B5EF4-FFF2-40B4-BE49-F238E27FC236}">
-                <a16:creationId xmlns:a16="http://schemas.microsoft.com/office/drawing/2014/main" id="{E22CC9E4-8F8E-42EB-9D61-9016F65A0B41}"/>
-              </a:ext>
-            </a:extLst>
-          </p:cNvPr>
-          <p:cNvSpPr>
-            <a:spLocks noGrp="1"/>
-          </p:cNvSpPr>
-          <p:nvPr>
-            <p:ph idx="1"/>
-          </p:nvPr>
-        </p:nvSpPr>
-        <p:spPr>
-          <a:xfrm>
-            <a:off x="1524000" y="1825625"/>
-            <a:ext cx="9144000" cy="4351338"/>
-          </a:xfrm>
-        </p:spPr>
-        <p:txBody>
-          <a:bodyPr>
-            <a:normAutofit/>
-          </a:bodyPr>
-          <a:lstStyle/>
           <a:p>
             <a:pPr marL="0" indent="0" algn="ctr">
               <a:buNone/>
             </a:pPr>
             <a:r>
-              <a:rPr lang="zh-TW" altLang="en-US" sz="5400" b="1" dirty="0">
+              <a:rPr lang="zh-TW" altLang="en-US" sz="6400" b="1" dirty="0">
+                <a:solidFill>
+                  <a:srgbClr val="000066"/>
+                </a:solidFill>
                 <a:latin typeface="Microsoft JhengHei" panose="020B0604030504040204" pitchFamily="34" charset="-120"/>
                 <a:ea typeface="Microsoft JhengHei" panose="020B0604030504040204" pitchFamily="34" charset="-120"/>
-                <a:cs typeface="+mj-cs"/>
               </a:rPr>
-              <a:t>更多更多 來高</a:t>
-            </a:r>
-            <a:r>
-              <a:rPr lang="zh-TW" altLang="en-US" sz="5400" b="1" dirty="0" smtClean="0">
-                <a:latin typeface="Microsoft JhengHei" panose="020B0604030504040204" pitchFamily="34" charset="-120"/>
-                <a:ea typeface="Microsoft JhengHei" panose="020B0604030504040204" pitchFamily="34" charset="-120"/>
-                <a:cs typeface="+mj-cs"/>
-              </a:rPr>
-              <a:t>舉</a:t>
-            </a:r>
-            <a:r>
-              <a:rPr lang="zh-CN" altLang="en-US" sz="5400" b="1" dirty="0">
+              <a:t>擁戴</a:t>
+            </a:r>
+            <a:r>
+              <a:rPr lang="zh-CN" altLang="en-US" sz="6400" b="1" dirty="0">
+                <a:solidFill>
+                  <a:srgbClr val="000066"/>
+                </a:solidFill>
                 <a:latin typeface="Microsoft JhengHei" panose="020B0604030504040204" pitchFamily="34" charset="-120"/>
                 <a:ea typeface="Microsoft JhengHei" panose="020B0604030504040204" pitchFamily="34" charset="-120"/>
               </a:rPr>
               <a:t>袮</a:t>
             </a:r>
             <a:r>
-              <a:rPr lang="zh-TW" altLang="en-US" sz="5400" b="1" dirty="0" smtClean="0">
+              <a:rPr lang="zh-TW" altLang="en-US" sz="6400" b="1" dirty="0">
+                <a:solidFill>
+                  <a:srgbClr val="000066"/>
+                </a:solidFill>
                 <a:latin typeface="Microsoft JhengHei" panose="020B0604030504040204" pitchFamily="34" charset="-120"/>
                 <a:ea typeface="Microsoft JhengHei" panose="020B0604030504040204" pitchFamily="34" charset="-120"/>
-                <a:cs typeface="+mj-cs"/>
               </a:rPr>
-              <a:t>的</a:t>
-            </a:r>
-            <a:r>
-              <a:rPr lang="zh-TW" altLang="en-US" sz="5400" b="1" dirty="0">
+              <a:t>為王 </a:t>
+            </a:r>
+            <a:r>
+              <a:rPr lang="zh-TW" altLang="en-US" sz="6400" b="1" dirty="0">
+                <a:solidFill>
+                  <a:srgbClr val="000066"/>
+                </a:solidFill>
                 <a:latin typeface="Microsoft JhengHei" panose="020B0604030504040204" pitchFamily="34" charset="-120"/>
                 <a:ea typeface="Microsoft JhengHei" panose="020B0604030504040204" pitchFamily="34" charset="-120"/>
-                <a:cs typeface="+mj-cs"/>
               </a:rPr>
-              <a:t>名 </a:t>
-            </a:r>
-            <a:endParaRPr lang="en-US" altLang="zh-TW" sz="5400" b="1" dirty="0">
-              <a:latin typeface="Microsoft JhengHei" panose="020B0604030504040204" pitchFamily="34" charset="-120"/>
-              <a:ea typeface="Microsoft JhengHei" panose="020B0604030504040204" pitchFamily="34" charset="-120"/>
-              <a:cs typeface="+mj-cs"/>
-            </a:endParaRPr>
-          </a:p>
-          <a:p>
-            <a:pPr marL="0" indent="0" algn="ctr">
-              <a:buNone/>
-            </a:pPr>
-            <a:r>
-              <a:rPr lang="zh-TW" altLang="en-US" sz="5400" b="1" dirty="0">
+              <a:t> 榮</a:t>
+            </a:r>
+            <a:r>
+              <a:rPr lang="zh-TW" altLang="en-US" sz="6400" b="1" dirty="0">
+                <a:solidFill>
+                  <a:srgbClr val="000066"/>
+                </a:solidFill>
                 <a:latin typeface="Microsoft JhengHei" panose="020B0604030504040204" pitchFamily="34" charset="-120"/>
                 <a:ea typeface="Microsoft JhengHei" panose="020B0604030504040204" pitchFamily="34" charset="-120"/>
-                <a:cs typeface="+mj-cs"/>
               </a:rPr>
-              <a:t>更多更多 來呼</a:t>
-            </a:r>
-            <a:r>
-              <a:rPr lang="zh-TW" altLang="en-US" sz="5400" b="1" dirty="0" smtClean="0">
-                <a:latin typeface="Microsoft JhengHei" panose="020B0604030504040204" pitchFamily="34" charset="-120"/>
-                <a:ea typeface="Microsoft JhengHei" panose="020B0604030504040204" pitchFamily="34" charset="-120"/>
-                <a:cs typeface="+mj-cs"/>
-              </a:rPr>
-              <a:t>喊</a:t>
-            </a:r>
-            <a:r>
-              <a:rPr lang="zh-CN" altLang="en-US" sz="5400" b="1" dirty="0">
+              <a:t>耀都歸於</a:t>
+            </a:r>
+            <a:r>
+              <a:rPr lang="zh-CN" altLang="en-US" sz="6400" b="1" dirty="0">
+                <a:solidFill>
+                  <a:srgbClr val="000066"/>
+                </a:solidFill>
                 <a:latin typeface="Microsoft JhengHei" panose="020B0604030504040204" pitchFamily="34" charset="-120"/>
                 <a:ea typeface="Microsoft JhengHei" panose="020B0604030504040204" pitchFamily="34" charset="-120"/>
               </a:rPr>
               <a:t>袮</a:t>
             </a:r>
-            <a:r>
-              <a:rPr lang="zh-TW" altLang="en-US" sz="5400" b="1" dirty="0" smtClean="0">
+            <a:endParaRPr lang="en-US" altLang="zh-TW" sz="6400" b="1" dirty="0">
+              <a:solidFill>
+                <a:srgbClr val="000066"/>
+              </a:solidFill>
+              <a:latin typeface="Microsoft JhengHei" panose="020B0604030504040204" pitchFamily="34" charset="-120"/>
+              <a:ea typeface="Microsoft JhengHei" panose="020B0604030504040204" pitchFamily="34" charset="-120"/>
+            </a:endParaRPr>
+          </a:p>
+        </p:txBody>
+      </p:sp>
+    </p:spTree>
+    <p:extLst>
+      <p:ext uri="{BB962C8B-B14F-4D97-AF65-F5344CB8AC3E}">
+        <p14:creationId xmlns:p14="http://schemas.microsoft.com/office/powerpoint/2010/main" val="851525145"/>
+      </p:ext>
+    </p:extLst>
+  </p:cSld>
+  <p:clrMapOvr>
+    <a:masterClrMapping/>
+  </p:clrMapOvr>
+</p:sld>
+</file>
+
+<file path=ppt/slides/slide4.xml><?xml version="1.0" encoding="utf-8"?>
+<p:sld xmlns:a="http://schemas.openxmlformats.org/drawingml/2006/main" xmlns:r="http://schemas.openxmlformats.org/officeDocument/2006/relationships" xmlns:p="http://schemas.openxmlformats.org/presentationml/2006/main">
+  <p:cSld>
+    <p:spTree>
+      <p:nvGrpSpPr>
+        <p:cNvPr id="1" name=""/>
+        <p:cNvGrpSpPr/>
+        <p:nvPr/>
+      </p:nvGrpSpPr>
+      <p:grpSpPr>
+        <a:xfrm>
+          <a:off x="0" y="0"/>
+          <a:ext cx="0" cy="0"/>
+          <a:chOff x="0" y="0"/>
+          <a:chExt cx="0" cy="0"/>
+        </a:xfrm>
+      </p:grpSpPr>
+      <p:sp>
+        <p:nvSpPr>
+          <p:cNvPr id="5" name="內容版面配置區 4"/>
+          <p:cNvSpPr>
+            <a:spLocks noGrp="1"/>
+          </p:cNvSpPr>
+          <p:nvPr>
+            <p:ph idx="1"/>
+          </p:nvPr>
+        </p:nvSpPr>
+        <p:spPr>
+          <a:xfrm>
+            <a:off x="0" y="2084853"/>
+            <a:ext cx="12192000" cy="2404863"/>
+          </a:xfrm>
+        </p:spPr>
+        <p:txBody>
+          <a:bodyPr anchor="ctr">
+            <a:normAutofit/>
+          </a:bodyPr>
+          <a:lstStyle/>
+          <a:p>
+            <a:pPr marL="0" indent="0" algn="ctr">
+              <a:buNone/>
+            </a:pPr>
+            <a:r>
+              <a:rPr lang="zh-TW" altLang="en-US" sz="6400" b="1" dirty="0">
+                <a:solidFill>
+                  <a:srgbClr val="000066"/>
+                </a:solidFill>
                 <a:latin typeface="Microsoft JhengHei" panose="020B0604030504040204" pitchFamily="34" charset="-120"/>
                 <a:ea typeface="Microsoft JhengHei" panose="020B0604030504040204" pitchFamily="34" charset="-120"/>
-                <a:cs typeface="+mj-cs"/>
               </a:rPr>
-              <a:t>的</a:t>
-            </a:r>
-            <a:r>
-              <a:rPr lang="zh-TW" altLang="en-US" sz="5400" b="1" dirty="0">
+              <a:t>君王就在這裡 </a:t>
+            </a:r>
+            <a:r>
+              <a:rPr lang="zh-TW" altLang="en-US" sz="6400" b="1" dirty="0">
+                <a:solidFill>
+                  <a:srgbClr val="000066"/>
+                </a:solidFill>
                 <a:latin typeface="Microsoft JhengHei" panose="020B0604030504040204" pitchFamily="34" charset="-120"/>
                 <a:ea typeface="Microsoft JhengHei" panose="020B0604030504040204" pitchFamily="34" charset="-120"/>
-                <a:cs typeface="+mj-cs"/>
               </a:rPr>
-              <a:t>名 </a:t>
-            </a:r>
-            <a:endParaRPr lang="en-US" altLang="zh-TW" sz="5400" b="1" dirty="0">
+              <a:t> 大</a:t>
+            </a:r>
+            <a:r>
+              <a:rPr lang="zh-TW" altLang="en-US" sz="6400" b="1" dirty="0">
+                <a:solidFill>
+                  <a:srgbClr val="000066"/>
+                </a:solidFill>
+                <a:latin typeface="Microsoft JhengHei" panose="020B0604030504040204" pitchFamily="34" charset="-120"/>
+                <a:ea typeface="Microsoft JhengHei" panose="020B0604030504040204" pitchFamily="34" charset="-120"/>
+              </a:rPr>
+              <a:t>能彰顯這地 </a:t>
+            </a:r>
+            <a:endParaRPr lang="en-US" altLang="zh-TW" sz="6400" b="1" dirty="0">
+              <a:solidFill>
+                <a:srgbClr val="000066"/>
+              </a:solidFill>
               <a:latin typeface="Microsoft JhengHei" panose="020B0604030504040204" pitchFamily="34" charset="-120"/>
               <a:ea typeface="Microsoft JhengHei" panose="020B0604030504040204" pitchFamily="34" charset="-120"/>
-              <a:cs typeface="+mj-cs"/>
             </a:endParaRPr>
           </a:p>
           <a:p>
@@ -3800,97 +3653,218 @@
               <a:buNone/>
             </a:pPr>
             <a:r>
-              <a:rPr lang="zh-TW" altLang="en-US" sz="5400" b="1" dirty="0">
+              <a:rPr lang="zh-TW" altLang="en-US" sz="6400" b="1" dirty="0">
+                <a:solidFill>
+                  <a:srgbClr val="000066"/>
+                </a:solidFill>
                 <a:latin typeface="Microsoft JhengHei" panose="020B0604030504040204" pitchFamily="34" charset="-120"/>
                 <a:ea typeface="Microsoft JhengHei" panose="020B0604030504040204" pitchFamily="34" charset="-120"/>
-                <a:cs typeface="+mj-cs"/>
               </a:rPr>
-              <a:t>更多更多 來承</a:t>
-            </a:r>
-            <a:r>
-              <a:rPr lang="zh-TW" altLang="en-US" sz="5400" b="1" dirty="0" smtClean="0">
+              <a:t>和散那歸於 </a:t>
+            </a:r>
+            <a:r>
+              <a:rPr lang="zh-TW" altLang="en-US" sz="6400" b="1" dirty="0">
+                <a:solidFill>
+                  <a:srgbClr val="000066"/>
+                </a:solidFill>
                 <a:latin typeface="Microsoft JhengHei" panose="020B0604030504040204" pitchFamily="34" charset="-120"/>
                 <a:ea typeface="Microsoft JhengHei" panose="020B0604030504040204" pitchFamily="34" charset="-120"/>
-                <a:cs typeface="+mj-cs"/>
               </a:rPr>
-              <a:t>認</a:t>
-            </a:r>
-            <a:r>
-              <a:rPr lang="zh-CN" altLang="en-US" sz="5400" b="1" dirty="0">
+              <a:t> 至</a:t>
+            </a:r>
+            <a:r>
+              <a:rPr lang="zh-TW" altLang="en-US" sz="6400" b="1" dirty="0">
+                <a:solidFill>
+                  <a:srgbClr val="000066"/>
+                </a:solidFill>
+                <a:latin typeface="Microsoft JhengHei" panose="020B0604030504040204" pitchFamily="34" charset="-120"/>
+                <a:ea typeface="Microsoft JhengHei" panose="020B0604030504040204" pitchFamily="34" charset="-120"/>
+              </a:rPr>
+              <a:t>高神主耶穌</a:t>
+            </a:r>
+            <a:endParaRPr lang="en-US" sz="6400" b="1" dirty="0">
+              <a:solidFill>
+                <a:srgbClr val="000066"/>
+              </a:solidFill>
+              <a:latin typeface="Microsoft JhengHei" panose="020B0604030504040204" pitchFamily="34" charset="-120"/>
+              <a:ea typeface="Microsoft JhengHei" panose="020B0604030504040204" pitchFamily="34" charset="-120"/>
+            </a:endParaRPr>
+          </a:p>
+        </p:txBody>
+      </p:sp>
+    </p:spTree>
+    <p:extLst>
+      <p:ext uri="{BB962C8B-B14F-4D97-AF65-F5344CB8AC3E}">
+        <p14:creationId xmlns:p14="http://schemas.microsoft.com/office/powerpoint/2010/main" val="3528037899"/>
+      </p:ext>
+    </p:extLst>
+  </p:cSld>
+  <p:clrMapOvr>
+    <a:masterClrMapping/>
+  </p:clrMapOvr>
+</p:sld>
+</file>
+
+<file path=ppt/slides/slide5.xml><?xml version="1.0" encoding="utf-8"?>
+<p:sld xmlns:a="http://schemas.openxmlformats.org/drawingml/2006/main" xmlns:r="http://schemas.openxmlformats.org/officeDocument/2006/relationships" xmlns:p="http://schemas.openxmlformats.org/presentationml/2006/main">
+  <p:cSld>
+    <p:spTree>
+      <p:nvGrpSpPr>
+        <p:cNvPr id="1" name=""/>
+        <p:cNvGrpSpPr/>
+        <p:nvPr/>
+      </p:nvGrpSpPr>
+      <p:grpSpPr>
+        <a:xfrm>
+          <a:off x="0" y="0"/>
+          <a:ext cx="0" cy="0"/>
+          <a:chOff x="0" y="0"/>
+          <a:chExt cx="0" cy="0"/>
+        </a:xfrm>
+      </p:grpSpPr>
+      <p:sp>
+        <p:nvSpPr>
+          <p:cNvPr id="5" name="內容版面配置區 4"/>
+          <p:cNvSpPr>
+            <a:spLocks noGrp="1"/>
+          </p:cNvSpPr>
+          <p:nvPr>
+            <p:ph idx="1"/>
+          </p:nvPr>
+        </p:nvSpPr>
+        <p:spPr>
+          <a:xfrm>
+            <a:off x="0" y="2084853"/>
+            <a:ext cx="12192000" cy="2404863"/>
+          </a:xfrm>
+        </p:spPr>
+        <p:txBody>
+          <a:bodyPr anchor="ctr">
+            <a:normAutofit/>
+          </a:bodyPr>
+          <a:lstStyle/>
+          <a:p>
+            <a:pPr marL="0" indent="0" algn="ctr">
+              <a:buNone/>
+            </a:pPr>
+            <a:r>
+              <a:rPr lang="zh-TW" altLang="en-US" sz="6400" b="1" dirty="0">
+                <a:solidFill>
+                  <a:srgbClr val="000066"/>
+                </a:solidFill>
+                <a:latin typeface="Microsoft JhengHei" panose="020B0604030504040204" pitchFamily="34" charset="-120"/>
+                <a:ea typeface="Microsoft JhengHei" panose="020B0604030504040204" pitchFamily="34" charset="-120"/>
+              </a:rPr>
+              <a:t>更多更多 </a:t>
+            </a:r>
+            <a:r>
+              <a:rPr lang="zh-TW" altLang="en-US" sz="6400" b="1" dirty="0">
+                <a:solidFill>
+                  <a:srgbClr val="000066"/>
+                </a:solidFill>
+                <a:latin typeface="Microsoft JhengHei" panose="020B0604030504040204" pitchFamily="34" charset="-120"/>
+                <a:ea typeface="Microsoft JhengHei" panose="020B0604030504040204" pitchFamily="34" charset="-120"/>
+              </a:rPr>
+              <a:t> 來</a:t>
+            </a:r>
+            <a:r>
+              <a:rPr lang="zh-TW" altLang="en-US" sz="6400" b="1" dirty="0">
+                <a:solidFill>
+                  <a:srgbClr val="000066"/>
+                </a:solidFill>
+                <a:latin typeface="Microsoft JhengHei" panose="020B0604030504040204" pitchFamily="34" charset="-120"/>
+                <a:ea typeface="Microsoft JhengHei" panose="020B0604030504040204" pitchFamily="34" charset="-120"/>
+              </a:rPr>
+              <a:t>高舉</a:t>
+            </a:r>
+            <a:r>
+              <a:rPr lang="zh-CN" altLang="en-US" sz="6400" b="1" dirty="0">
+                <a:solidFill>
+                  <a:srgbClr val="000066"/>
+                </a:solidFill>
                 <a:latin typeface="Microsoft JhengHei" panose="020B0604030504040204" pitchFamily="34" charset="-120"/>
                 <a:ea typeface="Microsoft JhengHei" panose="020B0604030504040204" pitchFamily="34" charset="-120"/>
               </a:rPr>
               <a:t>袮</a:t>
             </a:r>
             <a:r>
-              <a:rPr lang="zh-TW" altLang="en-US" sz="5400" b="1" dirty="0" smtClean="0">
+              <a:rPr lang="zh-TW" altLang="en-US" sz="6400" b="1" dirty="0">
+                <a:solidFill>
+                  <a:srgbClr val="000066"/>
+                </a:solidFill>
                 <a:latin typeface="Microsoft JhengHei" panose="020B0604030504040204" pitchFamily="34" charset="-120"/>
                 <a:ea typeface="Microsoft JhengHei" panose="020B0604030504040204" pitchFamily="34" charset="-120"/>
-                <a:cs typeface="+mj-cs"/>
               </a:rPr>
-              <a:t>是</a:t>
-            </a:r>
-            <a:r>
-              <a:rPr lang="zh-TW" altLang="en-US" sz="5400" b="1" dirty="0">
+              <a:t>的名 </a:t>
+            </a:r>
+            <a:endParaRPr lang="en-US" altLang="zh-TW" sz="6400" b="1" dirty="0">
+              <a:solidFill>
+                <a:srgbClr val="000066"/>
+              </a:solidFill>
+              <a:latin typeface="Microsoft JhengHei" panose="020B0604030504040204" pitchFamily="34" charset="-120"/>
+              <a:ea typeface="Microsoft JhengHei" panose="020B0604030504040204" pitchFamily="34" charset="-120"/>
+            </a:endParaRPr>
+          </a:p>
+          <a:p>
+            <a:pPr marL="0" indent="0" algn="ctr">
+              <a:buNone/>
+            </a:pPr>
+            <a:r>
+              <a:rPr lang="zh-TW" altLang="en-US" sz="6400" b="1" dirty="0">
+                <a:solidFill>
+                  <a:srgbClr val="000066"/>
+                </a:solidFill>
                 <a:latin typeface="Microsoft JhengHei" panose="020B0604030504040204" pitchFamily="34" charset="-120"/>
                 <a:ea typeface="Microsoft JhengHei" panose="020B0604030504040204" pitchFamily="34" charset="-120"/>
-                <a:cs typeface="+mj-cs"/>
               </a:rPr>
-              <a:t>主 </a:t>
-            </a:r>
-            <a:endParaRPr lang="en-US" altLang="zh-TW" sz="5400" b="1" dirty="0">
-              <a:latin typeface="Microsoft JhengHei" panose="020B0604030504040204" pitchFamily="34" charset="-120"/>
-              <a:ea typeface="Microsoft JhengHei" panose="020B0604030504040204" pitchFamily="34" charset="-120"/>
-              <a:cs typeface="+mj-cs"/>
-            </a:endParaRPr>
-          </a:p>
-          <a:p>
-            <a:pPr marL="0" indent="0" algn="ctr">
-              <a:buNone/>
-            </a:pPr>
-            <a:r>
-              <a:rPr lang="zh-TW" altLang="en-US" sz="5400" b="1" dirty="0">
+              <a:t>更多更多 </a:t>
+            </a:r>
+            <a:r>
+              <a:rPr lang="zh-TW" altLang="en-US" sz="6400" b="1" dirty="0">
+                <a:solidFill>
+                  <a:srgbClr val="000066"/>
+                </a:solidFill>
                 <a:latin typeface="Microsoft JhengHei" panose="020B0604030504040204" pitchFamily="34" charset="-120"/>
                 <a:ea typeface="Microsoft JhengHei" panose="020B0604030504040204" pitchFamily="34" charset="-120"/>
-                <a:cs typeface="+mj-cs"/>
               </a:rPr>
-              <a:t>直到那日 我再</a:t>
-            </a:r>
-            <a:r>
-              <a:rPr lang="zh-TW" altLang="en-US" sz="5400" b="1" dirty="0" smtClean="0">
+              <a:t> 來</a:t>
+            </a:r>
+            <a:r>
+              <a:rPr lang="zh-TW" altLang="en-US" sz="6400" b="1" dirty="0">
+                <a:solidFill>
+                  <a:srgbClr val="000066"/>
+                </a:solidFill>
                 <a:latin typeface="Microsoft JhengHei" panose="020B0604030504040204" pitchFamily="34" charset="-120"/>
                 <a:ea typeface="Microsoft JhengHei" panose="020B0604030504040204" pitchFamily="34" charset="-120"/>
-                <a:cs typeface="+mj-cs"/>
               </a:rPr>
-              <a:t>見</a:t>
-            </a:r>
-            <a:r>
-              <a:rPr lang="zh-CN" altLang="en-US" sz="5400" b="1" dirty="0">
+              <a:t>呼喊</a:t>
+            </a:r>
+            <a:r>
+              <a:rPr lang="zh-CN" altLang="en-US" sz="6400" b="1" dirty="0">
+                <a:solidFill>
+                  <a:srgbClr val="000066"/>
+                </a:solidFill>
                 <a:latin typeface="Microsoft JhengHei" panose="020B0604030504040204" pitchFamily="34" charset="-120"/>
                 <a:ea typeface="Microsoft JhengHei" panose="020B0604030504040204" pitchFamily="34" charset="-120"/>
               </a:rPr>
               <a:t>袮</a:t>
             </a:r>
             <a:r>
-              <a:rPr lang="zh-TW" altLang="en-US" sz="5400" b="1" dirty="0" smtClean="0">
+              <a:rPr lang="zh-TW" altLang="en-US" sz="6400" b="1" dirty="0">
+                <a:solidFill>
+                  <a:srgbClr val="000066"/>
+                </a:solidFill>
                 <a:latin typeface="Microsoft JhengHei" panose="020B0604030504040204" pitchFamily="34" charset="-120"/>
                 <a:ea typeface="Microsoft JhengHei" panose="020B0604030504040204" pitchFamily="34" charset="-120"/>
-                <a:cs typeface="+mj-cs"/>
               </a:rPr>
-              <a:t>的</a:t>
-            </a:r>
-            <a:r>
-              <a:rPr lang="zh-TW" altLang="en-US" sz="5400" b="1" dirty="0">
-                <a:latin typeface="Microsoft JhengHei" panose="020B0604030504040204" pitchFamily="34" charset="-120"/>
-                <a:ea typeface="Microsoft JhengHei" panose="020B0604030504040204" pitchFamily="34" charset="-120"/>
-                <a:cs typeface="+mj-cs"/>
-              </a:rPr>
-              <a:t>面</a:t>
-            </a:r>
-            <a:endParaRPr lang="en-US" sz="5400" b="1" dirty="0">
+              <a:t>的名 </a:t>
+            </a:r>
+            <a:endParaRPr lang="en-US" altLang="zh-TW" sz="6400" b="1" dirty="0">
+              <a:solidFill>
+                <a:srgbClr val="000066"/>
+              </a:solidFill>
               <a:latin typeface="Microsoft JhengHei" panose="020B0604030504040204" pitchFamily="34" charset="-120"/>
               <a:ea typeface="Microsoft JhengHei" panose="020B0604030504040204" pitchFamily="34" charset="-120"/>
-              <a:cs typeface="+mj-cs"/>
             </a:endParaRPr>
           </a:p>
         </p:txBody>
@@ -3898,7 +3872,184 @@
     </p:spTree>
     <p:extLst>
       <p:ext uri="{BB962C8B-B14F-4D97-AF65-F5344CB8AC3E}">
-        <p14:creationId xmlns:p14="http://schemas.microsoft.com/office/powerpoint/2010/main" val="2372209404"/>
+        <p14:creationId xmlns:p14="http://schemas.microsoft.com/office/powerpoint/2010/main" val="593643957"/>
+      </p:ext>
+    </p:extLst>
+  </p:cSld>
+  <p:clrMapOvr>
+    <a:masterClrMapping/>
+  </p:clrMapOvr>
+</p:sld>
+</file>
+
+<file path=ppt/slides/slide6.xml><?xml version="1.0" encoding="utf-8"?>
+<p:sld xmlns:a="http://schemas.openxmlformats.org/drawingml/2006/main" xmlns:r="http://schemas.openxmlformats.org/officeDocument/2006/relationships" xmlns:p="http://schemas.openxmlformats.org/presentationml/2006/main">
+  <p:cSld>
+    <p:spTree>
+      <p:nvGrpSpPr>
+        <p:cNvPr id="1" name=""/>
+        <p:cNvGrpSpPr/>
+        <p:nvPr/>
+      </p:nvGrpSpPr>
+      <p:grpSpPr>
+        <a:xfrm>
+          <a:off x="0" y="0"/>
+          <a:ext cx="0" cy="0"/>
+          <a:chOff x="0" y="0"/>
+          <a:chExt cx="0" cy="0"/>
+        </a:xfrm>
+      </p:grpSpPr>
+      <p:sp>
+        <p:nvSpPr>
+          <p:cNvPr id="5" name="內容版面配置區 4"/>
+          <p:cNvSpPr>
+            <a:spLocks noGrp="1"/>
+          </p:cNvSpPr>
+          <p:nvPr>
+            <p:ph idx="1"/>
+          </p:nvPr>
+        </p:nvSpPr>
+        <p:spPr>
+          <a:xfrm>
+            <a:off x="0" y="2084853"/>
+            <a:ext cx="12192000" cy="2404863"/>
+          </a:xfrm>
+        </p:spPr>
+        <p:txBody>
+          <a:bodyPr anchor="ctr">
+            <a:normAutofit/>
+          </a:bodyPr>
+          <a:lstStyle/>
+          <a:p>
+            <a:pPr marL="0" indent="0" algn="ctr">
+              <a:buNone/>
+            </a:pPr>
+            <a:r>
+              <a:rPr lang="zh-TW" altLang="en-US" sz="6400" b="1" dirty="0">
+                <a:solidFill>
+                  <a:srgbClr val="000066"/>
+                </a:solidFill>
+                <a:latin typeface="Microsoft JhengHei" panose="020B0604030504040204" pitchFamily="34" charset="-120"/>
+                <a:ea typeface="Microsoft JhengHei" panose="020B0604030504040204" pitchFamily="34" charset="-120"/>
+              </a:rPr>
+              <a:t>更多更多 </a:t>
+            </a:r>
+            <a:r>
+              <a:rPr lang="zh-TW" altLang="en-US" sz="6400" b="1" dirty="0">
+                <a:solidFill>
+                  <a:srgbClr val="000066"/>
+                </a:solidFill>
+                <a:latin typeface="Microsoft JhengHei" panose="020B0604030504040204" pitchFamily="34" charset="-120"/>
+                <a:ea typeface="Microsoft JhengHei" panose="020B0604030504040204" pitchFamily="34" charset="-120"/>
+              </a:rPr>
+              <a:t> 來</a:t>
+            </a:r>
+            <a:r>
+              <a:rPr lang="zh-TW" altLang="en-US" sz="6400" b="1" dirty="0">
+                <a:solidFill>
+                  <a:srgbClr val="000066"/>
+                </a:solidFill>
+                <a:latin typeface="Microsoft JhengHei" panose="020B0604030504040204" pitchFamily="34" charset="-120"/>
+                <a:ea typeface="Microsoft JhengHei" panose="020B0604030504040204" pitchFamily="34" charset="-120"/>
+              </a:rPr>
+              <a:t>承認</a:t>
+            </a:r>
+            <a:r>
+              <a:rPr lang="zh-CN" altLang="en-US" sz="6400" b="1" dirty="0">
+                <a:solidFill>
+                  <a:srgbClr val="000066"/>
+                </a:solidFill>
+                <a:latin typeface="Microsoft JhengHei" panose="020B0604030504040204" pitchFamily="34" charset="-120"/>
+                <a:ea typeface="Microsoft JhengHei" panose="020B0604030504040204" pitchFamily="34" charset="-120"/>
+              </a:rPr>
+              <a:t>袮</a:t>
+            </a:r>
+            <a:r>
+              <a:rPr lang="zh-TW" altLang="en-US" sz="6400" b="1" dirty="0">
+                <a:solidFill>
+                  <a:srgbClr val="000066"/>
+                </a:solidFill>
+                <a:latin typeface="Microsoft JhengHei" panose="020B0604030504040204" pitchFamily="34" charset="-120"/>
+                <a:ea typeface="Microsoft JhengHei" panose="020B0604030504040204" pitchFamily="34" charset="-120"/>
+              </a:rPr>
+              <a:t>是主 </a:t>
+            </a:r>
+            <a:endParaRPr lang="en-US" altLang="zh-TW" sz="6400" b="1" dirty="0">
+              <a:solidFill>
+                <a:srgbClr val="000066"/>
+              </a:solidFill>
+              <a:latin typeface="Microsoft JhengHei" panose="020B0604030504040204" pitchFamily="34" charset="-120"/>
+              <a:ea typeface="Microsoft JhengHei" panose="020B0604030504040204" pitchFamily="34" charset="-120"/>
+            </a:endParaRPr>
+          </a:p>
+          <a:p>
+            <a:pPr marL="0" indent="0" algn="ctr">
+              <a:buNone/>
+            </a:pPr>
+            <a:r>
+              <a:rPr lang="zh-TW" altLang="en-US" sz="6400" b="1" dirty="0">
+                <a:solidFill>
+                  <a:srgbClr val="000066"/>
+                </a:solidFill>
+                <a:latin typeface="Microsoft JhengHei" panose="020B0604030504040204" pitchFamily="34" charset="-120"/>
+                <a:ea typeface="Microsoft JhengHei" panose="020B0604030504040204" pitchFamily="34" charset="-120"/>
+              </a:rPr>
+              <a:t>直到那日 </a:t>
+            </a:r>
+            <a:r>
+              <a:rPr lang="zh-TW" altLang="en-US" sz="6400" b="1" dirty="0">
+                <a:solidFill>
+                  <a:srgbClr val="000066"/>
+                </a:solidFill>
+                <a:latin typeface="Microsoft JhengHei" panose="020B0604030504040204" pitchFamily="34" charset="-120"/>
+                <a:ea typeface="Microsoft JhengHei" panose="020B0604030504040204" pitchFamily="34" charset="-120"/>
+              </a:rPr>
+              <a:t> 我</a:t>
+            </a:r>
+            <a:r>
+              <a:rPr lang="zh-TW" altLang="en-US" sz="6400" b="1" dirty="0">
+                <a:solidFill>
+                  <a:srgbClr val="000066"/>
+                </a:solidFill>
+                <a:latin typeface="Microsoft JhengHei" panose="020B0604030504040204" pitchFamily="34" charset="-120"/>
+                <a:ea typeface="Microsoft JhengHei" panose="020B0604030504040204" pitchFamily="34" charset="-120"/>
+              </a:rPr>
+              <a:t>再見</a:t>
+            </a:r>
+            <a:r>
+              <a:rPr lang="zh-CN" altLang="en-US" sz="6400" b="1" dirty="0">
+                <a:solidFill>
+                  <a:srgbClr val="000066"/>
+                </a:solidFill>
+                <a:latin typeface="Microsoft JhengHei" panose="020B0604030504040204" pitchFamily="34" charset="-120"/>
+                <a:ea typeface="Microsoft JhengHei" panose="020B0604030504040204" pitchFamily="34" charset="-120"/>
+              </a:rPr>
+              <a:t>袮</a:t>
+            </a:r>
+            <a:r>
+              <a:rPr lang="zh-TW" altLang="en-US" sz="6400" b="1" dirty="0">
+                <a:solidFill>
+                  <a:srgbClr val="000066"/>
+                </a:solidFill>
+                <a:latin typeface="Microsoft JhengHei" panose="020B0604030504040204" pitchFamily="34" charset="-120"/>
+                <a:ea typeface="Microsoft JhengHei" panose="020B0604030504040204" pitchFamily="34" charset="-120"/>
+              </a:rPr>
+              <a:t>的面</a:t>
+            </a:r>
+            <a:endParaRPr lang="en-US" sz="6400" b="1" dirty="0">
+              <a:solidFill>
+                <a:srgbClr val="000066"/>
+              </a:solidFill>
+              <a:latin typeface="Microsoft JhengHei" panose="020B0604030504040204" pitchFamily="34" charset="-120"/>
+              <a:ea typeface="Microsoft JhengHei" panose="020B0604030504040204" pitchFamily="34" charset="-120"/>
+            </a:endParaRPr>
+          </a:p>
+        </p:txBody>
+      </p:sp>
+    </p:spTree>
+    <p:extLst>
+      <p:ext uri="{BB962C8B-B14F-4D97-AF65-F5344CB8AC3E}">
+        <p14:creationId xmlns:p14="http://schemas.microsoft.com/office/powerpoint/2010/main" val="1369522668"/>
       </p:ext>
     </p:extLst>
   </p:cSld>

--- a/君王就在這裡.pptx
+++ b/君王就在這裡.pptx
@@ -6,8 +6,13 @@
   </p:sldMasterIdLst>
   <p:sldIdLst>
     <p:sldId id="257" r:id="rId2"/>
-    <p:sldId id="258" r:id="rId3"/>
-    <p:sldId id="259" r:id="rId4"/>
+    <p:sldId id="262" r:id="rId3"/>
+    <p:sldId id="258" r:id="rId4"/>
+    <p:sldId id="260" r:id="rId5"/>
+    <p:sldId id="261" r:id="rId6"/>
+    <p:sldId id="264" r:id="rId7"/>
+    <p:sldId id="263" r:id="rId8"/>
+    <p:sldId id="265" r:id="rId9"/>
   </p:sldIdLst>
   <p:sldSz cx="12192000" cy="6858000"/>
   <p:notesSz cx="6858000" cy="9144000"/>
@@ -108,7 +113,7 @@
   </p:defaultTextStyle>
   <p:extLst>
     <p:ext uri="{EFAFB233-063F-42B5-8137-9DF3F51BA10A}">
-      <p15:sldGuideLst xmlns:p15="http://schemas.microsoft.com/office/powerpoint/2012/main">
+      <p15:sldGuideLst xmlns="" xmlns:p15="http://schemas.microsoft.com/office/powerpoint/2012/main">
         <p15:guide id="1" orient="horz" pos="2160" userDrawn="1">
           <p15:clr>
             <a:srgbClr val="A4A3A4"/>
@@ -311,7 +316,7 @@
             <a:fld id="{B4397B52-E6AB-4D37-B982-3B5B9DBDC60C}" type="datetimeFigureOut">
               <a:rPr lang="en-US" smtClean="0"/>
               <a:pPr/>
-              <a:t>3/28/2020</a:t>
+              <a:t>2/7/2021</a:t>
             </a:fld>
             <a:endParaRPr lang="en-US"/>
           </a:p>
@@ -363,7 +368,7 @@
     </p:spTree>
     <p:extLst>
       <p:ext uri="{BB962C8B-B14F-4D97-AF65-F5344CB8AC3E}">
-        <p14:creationId xmlns:p14="http://schemas.microsoft.com/office/powerpoint/2010/main" val="564002923"/>
+        <p14:creationId xmlns="" xmlns:p14="http://schemas.microsoft.com/office/powerpoint/2010/main" val="564002923"/>
       </p:ext>
     </p:extLst>
   </p:cSld>
@@ -483,7 +488,7 @@
             <a:fld id="{B4397B52-E6AB-4D37-B982-3B5B9DBDC60C}" type="datetimeFigureOut">
               <a:rPr lang="en-US" smtClean="0"/>
               <a:pPr/>
-              <a:t>3/28/2020</a:t>
+              <a:t>2/7/2021</a:t>
             </a:fld>
             <a:endParaRPr lang="en-US"/>
           </a:p>
@@ -535,7 +540,7 @@
     </p:spTree>
     <p:extLst>
       <p:ext uri="{BB962C8B-B14F-4D97-AF65-F5344CB8AC3E}">
-        <p14:creationId xmlns:p14="http://schemas.microsoft.com/office/powerpoint/2010/main" val="1203237180"/>
+        <p14:creationId xmlns="" xmlns:p14="http://schemas.microsoft.com/office/powerpoint/2010/main" val="1203237180"/>
       </p:ext>
     </p:extLst>
   </p:cSld>
@@ -665,7 +670,7 @@
             <a:fld id="{B4397B52-E6AB-4D37-B982-3B5B9DBDC60C}" type="datetimeFigureOut">
               <a:rPr lang="en-US" smtClean="0"/>
               <a:pPr/>
-              <a:t>3/28/2020</a:t>
+              <a:t>2/7/2021</a:t>
             </a:fld>
             <a:endParaRPr lang="en-US"/>
           </a:p>
@@ -717,7 +722,7 @@
     </p:spTree>
     <p:extLst>
       <p:ext uri="{BB962C8B-B14F-4D97-AF65-F5344CB8AC3E}">
-        <p14:creationId xmlns:p14="http://schemas.microsoft.com/office/powerpoint/2010/main" val="3313262176"/>
+        <p14:creationId xmlns="" xmlns:p14="http://schemas.microsoft.com/office/powerpoint/2010/main" val="3313262176"/>
       </p:ext>
     </p:extLst>
   </p:cSld>
@@ -837,7 +842,7 @@
             <a:fld id="{B4397B52-E6AB-4D37-B982-3B5B9DBDC60C}" type="datetimeFigureOut">
               <a:rPr lang="en-US" smtClean="0"/>
               <a:pPr/>
-              <a:t>3/28/2020</a:t>
+              <a:t>2/7/2021</a:t>
             </a:fld>
             <a:endParaRPr lang="en-US"/>
           </a:p>
@@ -889,7 +894,7 @@
     </p:spTree>
     <p:extLst>
       <p:ext uri="{BB962C8B-B14F-4D97-AF65-F5344CB8AC3E}">
-        <p14:creationId xmlns:p14="http://schemas.microsoft.com/office/powerpoint/2010/main" val="2534147719"/>
+        <p14:creationId xmlns="" xmlns:p14="http://schemas.microsoft.com/office/powerpoint/2010/main" val="2534147719"/>
       </p:ext>
     </p:extLst>
   </p:cSld>
@@ -1085,7 +1090,7 @@
             <a:fld id="{B4397B52-E6AB-4D37-B982-3B5B9DBDC60C}" type="datetimeFigureOut">
               <a:rPr lang="en-US" smtClean="0"/>
               <a:pPr/>
-              <a:t>3/28/2020</a:t>
+              <a:t>2/7/2021</a:t>
             </a:fld>
             <a:endParaRPr lang="en-US"/>
           </a:p>
@@ -1137,7 +1142,7 @@
     </p:spTree>
     <p:extLst>
       <p:ext uri="{BB962C8B-B14F-4D97-AF65-F5344CB8AC3E}">
-        <p14:creationId xmlns:p14="http://schemas.microsoft.com/office/powerpoint/2010/main" val="2138387205"/>
+        <p14:creationId xmlns="" xmlns:p14="http://schemas.microsoft.com/office/powerpoint/2010/main" val="2138387205"/>
       </p:ext>
     </p:extLst>
   </p:cSld>
@@ -1375,7 +1380,7 @@
             <a:fld id="{B4397B52-E6AB-4D37-B982-3B5B9DBDC60C}" type="datetimeFigureOut">
               <a:rPr lang="en-US" smtClean="0"/>
               <a:pPr/>
-              <a:t>3/28/2020</a:t>
+              <a:t>2/7/2021</a:t>
             </a:fld>
             <a:endParaRPr lang="en-US"/>
           </a:p>
@@ -1427,7 +1432,7 @@
     </p:spTree>
     <p:extLst>
       <p:ext uri="{BB962C8B-B14F-4D97-AF65-F5344CB8AC3E}">
-        <p14:creationId xmlns:p14="http://schemas.microsoft.com/office/powerpoint/2010/main" val="2424735610"/>
+        <p14:creationId xmlns="" xmlns:p14="http://schemas.microsoft.com/office/powerpoint/2010/main" val="2424735610"/>
       </p:ext>
     </p:extLst>
   </p:cSld>
@@ -1799,7 +1804,7 @@
             <a:fld id="{B4397B52-E6AB-4D37-B982-3B5B9DBDC60C}" type="datetimeFigureOut">
               <a:rPr lang="en-US" smtClean="0"/>
               <a:pPr/>
-              <a:t>3/28/2020</a:t>
+              <a:t>2/7/2021</a:t>
             </a:fld>
             <a:endParaRPr lang="en-US"/>
           </a:p>
@@ -1851,7 +1856,7 @@
     </p:spTree>
     <p:extLst>
       <p:ext uri="{BB962C8B-B14F-4D97-AF65-F5344CB8AC3E}">
-        <p14:creationId xmlns:p14="http://schemas.microsoft.com/office/powerpoint/2010/main" val="2680884968"/>
+        <p14:creationId xmlns="" xmlns:p14="http://schemas.microsoft.com/office/powerpoint/2010/main" val="2680884968"/>
       </p:ext>
     </p:extLst>
   </p:cSld>
@@ -1919,7 +1924,7 @@
             <a:fld id="{B4397B52-E6AB-4D37-B982-3B5B9DBDC60C}" type="datetimeFigureOut">
               <a:rPr lang="en-US" smtClean="0"/>
               <a:pPr/>
-              <a:t>3/28/2020</a:t>
+              <a:t>2/7/2021</a:t>
             </a:fld>
             <a:endParaRPr lang="en-US"/>
           </a:p>
@@ -1971,7 +1976,7 @@
     </p:spTree>
     <p:extLst>
       <p:ext uri="{BB962C8B-B14F-4D97-AF65-F5344CB8AC3E}">
-        <p14:creationId xmlns:p14="http://schemas.microsoft.com/office/powerpoint/2010/main" val="1570479887"/>
+        <p14:creationId xmlns="" xmlns:p14="http://schemas.microsoft.com/office/powerpoint/2010/main" val="1570479887"/>
       </p:ext>
     </p:extLst>
   </p:cSld>
@@ -2016,7 +2021,7 @@
             <a:fld id="{B4397B52-E6AB-4D37-B982-3B5B9DBDC60C}" type="datetimeFigureOut">
               <a:rPr lang="en-US" smtClean="0"/>
               <a:pPr/>
-              <a:t>3/28/2020</a:t>
+              <a:t>2/7/2021</a:t>
             </a:fld>
             <a:endParaRPr lang="en-US"/>
           </a:p>
@@ -2068,7 +2073,7 @@
     </p:spTree>
     <p:extLst>
       <p:ext uri="{BB962C8B-B14F-4D97-AF65-F5344CB8AC3E}">
-        <p14:creationId xmlns:p14="http://schemas.microsoft.com/office/powerpoint/2010/main" val="2678508546"/>
+        <p14:creationId xmlns="" xmlns:p14="http://schemas.microsoft.com/office/powerpoint/2010/main" val="2678508546"/>
       </p:ext>
     </p:extLst>
   </p:cSld>
@@ -2295,7 +2300,7 @@
             <a:fld id="{B4397B52-E6AB-4D37-B982-3B5B9DBDC60C}" type="datetimeFigureOut">
               <a:rPr lang="en-US" smtClean="0"/>
               <a:pPr/>
-              <a:t>3/28/2020</a:t>
+              <a:t>2/7/2021</a:t>
             </a:fld>
             <a:endParaRPr lang="en-US"/>
           </a:p>
@@ -2347,7 +2352,7 @@
     </p:spTree>
     <p:extLst>
       <p:ext uri="{BB962C8B-B14F-4D97-AF65-F5344CB8AC3E}">
-        <p14:creationId xmlns:p14="http://schemas.microsoft.com/office/powerpoint/2010/main" val="1939385693"/>
+        <p14:creationId xmlns="" xmlns:p14="http://schemas.microsoft.com/office/powerpoint/2010/main" val="1939385693"/>
       </p:ext>
     </p:extLst>
   </p:cSld>
@@ -2554,7 +2559,7 @@
             <a:fld id="{B4397B52-E6AB-4D37-B982-3B5B9DBDC60C}" type="datetimeFigureOut">
               <a:rPr lang="en-US" smtClean="0"/>
               <a:pPr/>
-              <a:t>3/28/2020</a:t>
+              <a:t>2/7/2021</a:t>
             </a:fld>
             <a:endParaRPr lang="en-US"/>
           </a:p>
@@ -2606,7 +2611,7 @@
     </p:spTree>
     <p:extLst>
       <p:ext uri="{BB962C8B-B14F-4D97-AF65-F5344CB8AC3E}">
-        <p14:creationId xmlns:p14="http://schemas.microsoft.com/office/powerpoint/2010/main" val="3011331480"/>
+        <p14:creationId xmlns="" xmlns:p14="http://schemas.microsoft.com/office/powerpoint/2010/main" val="3011331480"/>
       </p:ext>
     </p:extLst>
   </p:cSld>
@@ -2774,7 +2779,7 @@
             <a:fld id="{B4397B52-E6AB-4D37-B982-3B5B9DBDC60C}" type="datetimeFigureOut">
               <a:rPr lang="en-US" smtClean="0"/>
               <a:pPr/>
-              <a:t>3/28/2020</a:t>
+              <a:t>2/7/2021</a:t>
             </a:fld>
             <a:endParaRPr lang="en-US"/>
           </a:p>
@@ -2862,7 +2867,7 @@
     </p:spTree>
     <p:extLst>
       <p:ext uri="{BB962C8B-B14F-4D97-AF65-F5344CB8AC3E}">
-        <p14:creationId xmlns:p14="http://schemas.microsoft.com/office/powerpoint/2010/main" val="14577905"/>
+        <p14:creationId xmlns="" xmlns:p14="http://schemas.microsoft.com/office/powerpoint/2010/main" val="14577905"/>
       </p:ext>
     </p:extLst>
   </p:cSld>
@@ -3155,7 +3160,7 @@
           <p:cNvPr id="2" name="Title 1">
             <a:extLst>
               <a:ext uri="{FF2B5EF4-FFF2-40B4-BE49-F238E27FC236}">
-                <a16:creationId xmlns:a16="http://schemas.microsoft.com/office/drawing/2014/main" id="{48BD1D8E-9BB3-4D96-928A-29F0C8229131}"/>
+                <a16:creationId xmlns="" xmlns:a16="http://schemas.microsoft.com/office/drawing/2014/main" id="{48BD1D8E-9BB3-4D96-928A-29F0C8229131}"/>
               </a:ext>
             </a:extLst>
           </p:cNvPr>
@@ -3193,7 +3198,7 @@
           <p:cNvPr id="3" name="Content Placeholder 2">
             <a:extLst>
               <a:ext uri="{FF2B5EF4-FFF2-40B4-BE49-F238E27FC236}">
-                <a16:creationId xmlns:a16="http://schemas.microsoft.com/office/drawing/2014/main" id="{E22CC9E4-8F8E-42EB-9D61-9016F65A0B41}"/>
+                <a16:creationId xmlns="" xmlns:a16="http://schemas.microsoft.com/office/drawing/2014/main" id="{E22CC9E4-8F8E-42EB-9D61-9016F65A0B41}"/>
               </a:ext>
             </a:extLst>
           </p:cNvPr>
@@ -3389,7 +3394,7 @@
     </p:spTree>
     <p:extLst>
       <p:ext uri="{BB962C8B-B14F-4D97-AF65-F5344CB8AC3E}">
-        <p14:creationId xmlns:p14="http://schemas.microsoft.com/office/powerpoint/2010/main" val="3345349781"/>
+        <p14:creationId xmlns="" xmlns:p14="http://schemas.microsoft.com/office/powerpoint/2010/main" val="3345349781"/>
       </p:ext>
     </p:extLst>
   </p:cSld>
@@ -3421,7 +3426,7 @@
           <p:cNvPr id="2" name="Title 1">
             <a:extLst>
               <a:ext uri="{FF2B5EF4-FFF2-40B4-BE49-F238E27FC236}">
-                <a16:creationId xmlns:a16="http://schemas.microsoft.com/office/drawing/2014/main" id="{48BD1D8E-9BB3-4D96-928A-29F0C8229131}"/>
+                <a16:creationId xmlns="" xmlns:a16="http://schemas.microsoft.com/office/drawing/2014/main" id="{48BD1D8E-9BB3-4D96-928A-29F0C8229131}"/>
               </a:ext>
             </a:extLst>
           </p:cNvPr>
@@ -3459,7 +3464,7 @@
           <p:cNvPr id="3" name="Content Placeholder 2">
             <a:extLst>
               <a:ext uri="{FF2B5EF4-FFF2-40B4-BE49-F238E27FC236}">
-                <a16:creationId xmlns:a16="http://schemas.microsoft.com/office/drawing/2014/main" id="{E22CC9E4-8F8E-42EB-9D61-9016F65A0B41}"/>
+                <a16:creationId xmlns="" xmlns:a16="http://schemas.microsoft.com/office/drawing/2014/main" id="{E22CC9E4-8F8E-42EB-9D61-9016F65A0B41}"/>
               </a:ext>
             </a:extLst>
           </p:cNvPr>
@@ -3489,14 +3494,33 @@
               <a:rPr lang="zh-TW" altLang="en-US" sz="5400" b="1" dirty="0">
                 <a:latin typeface="Microsoft JhengHei" panose="020B0604030504040204" pitchFamily="34" charset="-120"/>
                 <a:ea typeface="Microsoft JhengHei" panose="020B0604030504040204" pitchFamily="34" charset="-120"/>
-                <a:cs typeface="+mj-cs"/>
-              </a:rPr>
-              <a:t>君王就在這裡 我們歡然獻祭 </a:t>
+              </a:rPr>
+              <a:t>聖潔耶穌 </a:t>
+            </a:r>
+            <a:r>
+              <a:rPr lang="zh-CN" altLang="en-US" sz="5400" b="1" dirty="0" smtClean="0">
+                <a:latin typeface="Microsoft JhengHei" panose="020B0604030504040204" pitchFamily="34" charset="-120"/>
+                <a:ea typeface="Microsoft JhengHei" panose="020B0604030504040204" pitchFamily="34" charset="-120"/>
+              </a:rPr>
+              <a:t>袮</a:t>
+            </a:r>
+            <a:r>
+              <a:rPr lang="zh-TW" altLang="en-US" sz="5400" b="1" dirty="0" smtClean="0">
+                <a:latin typeface="Microsoft JhengHei" panose="020B0604030504040204" pitchFamily="34" charset="-120"/>
+                <a:ea typeface="Microsoft JhengHei" panose="020B0604030504040204" pitchFamily="34" charset="-120"/>
+              </a:rPr>
+              <a:t>寶</a:t>
+            </a:r>
+            <a:r>
+              <a:rPr lang="zh-TW" altLang="en-US" sz="5400" b="1" dirty="0">
+                <a:latin typeface="Microsoft JhengHei" panose="020B0604030504040204" pitchFamily="34" charset="-120"/>
+                <a:ea typeface="Microsoft JhengHei" panose="020B0604030504040204" pitchFamily="34" charset="-120"/>
+              </a:rPr>
+              <a:t>座在這裡 </a:t>
             </a:r>
             <a:endParaRPr lang="en-US" altLang="zh-TW" sz="5400" b="1" dirty="0">
               <a:latin typeface="Microsoft JhengHei" panose="020B0604030504040204" pitchFamily="34" charset="-120"/>
               <a:ea typeface="Microsoft JhengHei" panose="020B0604030504040204" pitchFamily="34" charset="-120"/>
-              <a:cs typeface="+mj-cs"/>
             </a:endParaRPr>
           </a:p>
           <a:p>
@@ -3507,23 +3531,20 @@
               <a:rPr lang="zh-TW" altLang="en-US" sz="5400" b="1" dirty="0">
                 <a:latin typeface="Microsoft JhengHei" panose="020B0604030504040204" pitchFamily="34" charset="-120"/>
                 <a:ea typeface="Microsoft JhengHei" panose="020B0604030504040204" pitchFamily="34" charset="-120"/>
-                <a:cs typeface="+mj-cs"/>
-              </a:rPr>
-              <a:t>擁</a:t>
+              </a:rPr>
+              <a:t>哈利路</a:t>
             </a:r>
             <a:r>
               <a:rPr lang="zh-TW" altLang="en-US" sz="5400" b="1" dirty="0" smtClean="0">
                 <a:latin typeface="Microsoft JhengHei" panose="020B0604030504040204" pitchFamily="34" charset="-120"/>
                 <a:ea typeface="Microsoft JhengHei" panose="020B0604030504040204" pitchFamily="34" charset="-120"/>
-                <a:cs typeface="+mj-cs"/>
-              </a:rPr>
-              <a:t>戴</a:t>
+              </a:rPr>
+              <a:t>亞 </a:t>
             </a:r>
             <a:r>
               <a:rPr lang="zh-CN" altLang="en-US" sz="5400" b="1" dirty="0" smtClean="0">
                 <a:latin typeface="Microsoft JhengHei" panose="020B0604030504040204" pitchFamily="34" charset="-120"/>
                 <a:ea typeface="Microsoft JhengHei" panose="020B0604030504040204" pitchFamily="34" charset="-120"/>
-                <a:cs typeface="+mj-cs"/>
               </a:rPr>
               <a:t>袮</a:t>
             </a:r>
@@ -3531,37 +3552,19 @@
               <a:rPr lang="zh-TW" altLang="en-US" sz="5400" b="1" dirty="0" smtClean="0">
                 <a:latin typeface="Microsoft JhengHei" panose="020B0604030504040204" pitchFamily="34" charset="-120"/>
                 <a:ea typeface="Microsoft JhengHei" panose="020B0604030504040204" pitchFamily="34" charset="-120"/>
-                <a:cs typeface="+mj-cs"/>
-              </a:rPr>
-              <a:t>為</a:t>
+              </a:rPr>
+              <a:t>榮</a:t>
             </a:r>
             <a:r>
               <a:rPr lang="zh-TW" altLang="en-US" sz="5400" b="1" dirty="0">
                 <a:latin typeface="Microsoft JhengHei" panose="020B0604030504040204" pitchFamily="34" charset="-120"/>
                 <a:ea typeface="Microsoft JhengHei" panose="020B0604030504040204" pitchFamily="34" charset="-120"/>
-                <a:cs typeface="+mj-cs"/>
-              </a:rPr>
-              <a:t>王 榮耀都歸</a:t>
-            </a:r>
-            <a:r>
-              <a:rPr lang="zh-TW" altLang="en-US" sz="5400" b="1" dirty="0" smtClean="0">
-                <a:latin typeface="Microsoft JhengHei" panose="020B0604030504040204" pitchFamily="34" charset="-120"/>
-                <a:ea typeface="Microsoft JhengHei" panose="020B0604030504040204" pitchFamily="34" charset="-120"/>
-                <a:cs typeface="+mj-cs"/>
-              </a:rPr>
-              <a:t>於</a:t>
-            </a:r>
-            <a:r>
-              <a:rPr lang="zh-CN" altLang="en-US" sz="5400" b="1" dirty="0">
-                <a:latin typeface="Microsoft JhengHei" panose="020B0604030504040204" pitchFamily="34" charset="-120"/>
-                <a:ea typeface="Microsoft JhengHei" panose="020B0604030504040204" pitchFamily="34" charset="-120"/>
-              </a:rPr>
-              <a:t>袮</a:t>
+              </a:rPr>
+              <a:t>耀在這裡 </a:t>
             </a:r>
             <a:endParaRPr lang="en-US" altLang="zh-TW" sz="5400" b="1" dirty="0">
               <a:latin typeface="Microsoft JhengHei" panose="020B0604030504040204" pitchFamily="34" charset="-120"/>
               <a:ea typeface="Microsoft JhengHei" panose="020B0604030504040204" pitchFamily="34" charset="-120"/>
-              <a:cs typeface="+mj-cs"/>
             </a:endParaRPr>
           </a:p>
           <a:p>
@@ -3572,14 +3575,40 @@
               <a:rPr lang="zh-TW" altLang="en-US" sz="5400" b="1" dirty="0">
                 <a:latin typeface="Microsoft JhengHei" panose="020B0604030504040204" pitchFamily="34" charset="-120"/>
                 <a:ea typeface="Microsoft JhengHei" panose="020B0604030504040204" pitchFamily="34" charset="-120"/>
-                <a:cs typeface="+mj-cs"/>
-              </a:rPr>
-              <a:t>君王就在這裡 大能彰顯這地 </a:t>
+              </a:rPr>
+              <a:t>聖潔耶</a:t>
+            </a:r>
+            <a:r>
+              <a:rPr lang="zh-TW" altLang="en-US" sz="5400" b="1" dirty="0" smtClean="0">
+                <a:latin typeface="Microsoft JhengHei" panose="020B0604030504040204" pitchFamily="34" charset="-120"/>
+                <a:ea typeface="Microsoft JhengHei" panose="020B0604030504040204" pitchFamily="34" charset="-120"/>
+              </a:rPr>
+              <a:t>穌 </a:t>
+            </a:r>
+            <a:r>
+              <a:rPr lang="zh-CN" altLang="en-US" sz="5400" b="1" dirty="0" smtClean="0">
+                <a:latin typeface="Microsoft JhengHei" panose="020B0604030504040204" pitchFamily="34" charset="-120"/>
+                <a:ea typeface="Microsoft JhengHei" panose="020B0604030504040204" pitchFamily="34" charset="-120"/>
+              </a:rPr>
+              <a:t>袮</a:t>
+            </a:r>
+            <a:r>
+              <a:rPr lang="zh-TW" altLang="en-US" sz="5400" b="1" dirty="0" smtClean="0">
+                <a:latin typeface="Microsoft JhengHei" panose="020B0604030504040204" pitchFamily="34" charset="-120"/>
+                <a:ea typeface="Microsoft JhengHei" panose="020B0604030504040204" pitchFamily="34" charset="-120"/>
+              </a:rPr>
+              <a:t>寶</a:t>
+            </a:r>
+            <a:r>
+              <a:rPr lang="zh-TW" altLang="en-US" sz="5400" b="1" dirty="0">
+                <a:latin typeface="Microsoft JhengHei" panose="020B0604030504040204" pitchFamily="34" charset="-120"/>
+                <a:ea typeface="Microsoft JhengHei" panose="020B0604030504040204" pitchFamily="34" charset="-120"/>
+              </a:rPr>
+              <a:t>座在這裡 </a:t>
             </a:r>
             <a:endParaRPr lang="en-US" altLang="zh-TW" sz="5400" b="1" dirty="0">
               <a:latin typeface="Microsoft JhengHei" panose="020B0604030504040204" pitchFamily="34" charset="-120"/>
               <a:ea typeface="Microsoft JhengHei" panose="020B0604030504040204" pitchFamily="34" charset="-120"/>
-              <a:cs typeface="+mj-cs"/>
             </a:endParaRPr>
           </a:p>
           <a:p>
@@ -3590,14 +3619,40 @@
               <a:rPr lang="zh-TW" altLang="en-US" sz="5400" b="1" dirty="0">
                 <a:latin typeface="Microsoft JhengHei" panose="020B0604030504040204" pitchFamily="34" charset="-120"/>
                 <a:ea typeface="Microsoft JhengHei" panose="020B0604030504040204" pitchFamily="34" charset="-120"/>
-                <a:cs typeface="+mj-cs"/>
-              </a:rPr>
-              <a:t>和散那歸於 至高神主耶穌</a:t>
+              </a:rPr>
+              <a:t>哈利路</a:t>
+            </a:r>
+            <a:r>
+              <a:rPr lang="zh-TW" altLang="en-US" sz="5400" b="1" dirty="0" smtClean="0">
+                <a:latin typeface="Microsoft JhengHei" panose="020B0604030504040204" pitchFamily="34" charset="-120"/>
+                <a:ea typeface="Microsoft JhengHei" panose="020B0604030504040204" pitchFamily="34" charset="-120"/>
+              </a:rPr>
+              <a:t>亞 </a:t>
+            </a:r>
+            <a:r>
+              <a:rPr lang="zh-CN" altLang="en-US" sz="5400" b="1" dirty="0" smtClean="0">
+                <a:latin typeface="Microsoft JhengHei" panose="020B0604030504040204" pitchFamily="34" charset="-120"/>
+                <a:ea typeface="Microsoft JhengHei" panose="020B0604030504040204" pitchFamily="34" charset="-120"/>
+              </a:rPr>
+              <a:t>袮</a:t>
+            </a:r>
+            <a:r>
+              <a:rPr lang="zh-TW" altLang="en-US" sz="5400" b="1" dirty="0" smtClean="0">
+                <a:latin typeface="Microsoft JhengHei" panose="020B0604030504040204" pitchFamily="34" charset="-120"/>
+                <a:ea typeface="Microsoft JhengHei" panose="020B0604030504040204" pitchFamily="34" charset="-120"/>
+              </a:rPr>
+              <a:t>榮</a:t>
+            </a:r>
+            <a:r>
+              <a:rPr lang="zh-TW" altLang="en-US" sz="5400" b="1" dirty="0">
+                <a:latin typeface="Microsoft JhengHei" panose="020B0604030504040204" pitchFamily="34" charset="-120"/>
+                <a:ea typeface="Microsoft JhengHei" panose="020B0604030504040204" pitchFamily="34" charset="-120"/>
+              </a:rPr>
+              <a:t>耀在這裡</a:t>
             </a:r>
             <a:endParaRPr lang="en-US" sz="5400" b="1" dirty="0">
               <a:latin typeface="Microsoft JhengHei" panose="020B0604030504040204" pitchFamily="34" charset="-120"/>
               <a:ea typeface="Microsoft JhengHei" panose="020B0604030504040204" pitchFamily="34" charset="-120"/>
-              <a:cs typeface="+mj-cs"/>
             </a:endParaRPr>
           </a:p>
         </p:txBody>
@@ -3605,7 +3660,7 @@
     </p:spTree>
     <p:extLst>
       <p:ext uri="{BB962C8B-B14F-4D97-AF65-F5344CB8AC3E}">
-        <p14:creationId xmlns:p14="http://schemas.microsoft.com/office/powerpoint/2010/main" val="1195095475"/>
+        <p14:creationId xmlns="" xmlns:p14="http://schemas.microsoft.com/office/powerpoint/2010/main" val="3345349781"/>
       </p:ext>
     </p:extLst>
   </p:cSld>
@@ -3637,7 +3692,7 @@
           <p:cNvPr id="2" name="Title 1">
             <a:extLst>
               <a:ext uri="{FF2B5EF4-FFF2-40B4-BE49-F238E27FC236}">
-                <a16:creationId xmlns:a16="http://schemas.microsoft.com/office/drawing/2014/main" id="{48BD1D8E-9BB3-4D96-928A-29F0C8229131}"/>
+                <a16:creationId xmlns="" xmlns:a16="http://schemas.microsoft.com/office/drawing/2014/main" id="{48BD1D8E-9BB3-4D96-928A-29F0C8229131}"/>
               </a:ext>
             </a:extLst>
           </p:cNvPr>
@@ -3675,7 +3730,7 @@
           <p:cNvPr id="3" name="Content Placeholder 2">
             <a:extLst>
               <a:ext uri="{FF2B5EF4-FFF2-40B4-BE49-F238E27FC236}">
-                <a16:creationId xmlns:a16="http://schemas.microsoft.com/office/drawing/2014/main" id="{E22CC9E4-8F8E-42EB-9D61-9016F65A0B41}"/>
+                <a16:creationId xmlns="" xmlns:a16="http://schemas.microsoft.com/office/drawing/2014/main" id="{E22CC9E4-8F8E-42EB-9D61-9016F65A0B41}"/>
               </a:ext>
             </a:extLst>
           </p:cNvPr>
@@ -3707,38 +3762,7 @@
                 <a:ea typeface="Microsoft JhengHei" panose="020B0604030504040204" pitchFamily="34" charset="-120"/>
                 <a:cs typeface="+mj-cs"/>
               </a:rPr>
-              <a:t>更多更多 來高</a:t>
-            </a:r>
-            <a:r>
-              <a:rPr lang="zh-TW" altLang="en-US" sz="5400" b="1" dirty="0" smtClean="0">
-                <a:latin typeface="Microsoft JhengHei" panose="020B0604030504040204" pitchFamily="34" charset="-120"/>
-                <a:ea typeface="Microsoft JhengHei" panose="020B0604030504040204" pitchFamily="34" charset="-120"/>
-                <a:cs typeface="+mj-cs"/>
-              </a:rPr>
-              <a:t>舉</a:t>
-            </a:r>
-            <a:r>
-              <a:rPr lang="zh-CN" altLang="en-US" sz="5400" b="1" dirty="0">
-                <a:latin typeface="Microsoft JhengHei" panose="020B0604030504040204" pitchFamily="34" charset="-120"/>
-                <a:ea typeface="Microsoft JhengHei" panose="020B0604030504040204" pitchFamily="34" charset="-120"/>
-              </a:rPr>
-              <a:t>袮</a:t>
-            </a:r>
-            <a:r>
-              <a:rPr lang="zh-TW" altLang="en-US" sz="5400" b="1" dirty="0" smtClean="0">
-                <a:latin typeface="Microsoft JhengHei" panose="020B0604030504040204" pitchFamily="34" charset="-120"/>
-                <a:ea typeface="Microsoft JhengHei" panose="020B0604030504040204" pitchFamily="34" charset="-120"/>
-                <a:cs typeface="+mj-cs"/>
-              </a:rPr>
-              <a:t>的</a:t>
-            </a:r>
-            <a:r>
-              <a:rPr lang="zh-TW" altLang="en-US" sz="5400" b="1" dirty="0">
-                <a:latin typeface="Microsoft JhengHei" panose="020B0604030504040204" pitchFamily="34" charset="-120"/>
-                <a:ea typeface="Microsoft JhengHei" panose="020B0604030504040204" pitchFamily="34" charset="-120"/>
-                <a:cs typeface="+mj-cs"/>
-              </a:rPr>
-              <a:t>名 </a:t>
+              <a:t>君王就在這裡 我們歡然獻祭 </a:t>
             </a:r>
             <a:endParaRPr lang="en-US" altLang="zh-TW" sz="5400" b="1" dirty="0">
               <a:latin typeface="Microsoft JhengHei" panose="020B0604030504040204" pitchFamily="34" charset="-120"/>
@@ -3756,7 +3780,7 @@
                 <a:ea typeface="Microsoft JhengHei" panose="020B0604030504040204" pitchFamily="34" charset="-120"/>
                 <a:cs typeface="+mj-cs"/>
               </a:rPr>
-              <a:t>更多更多 來呼</a:t>
+              <a:t>擁</a:t>
             </a:r>
             <a:r>
               <a:rPr lang="zh-TW" altLang="en-US" sz="5400" b="1" dirty="0" smtClean="0">
@@ -3764,7 +3788,39 @@
                 <a:ea typeface="Microsoft JhengHei" panose="020B0604030504040204" pitchFamily="34" charset="-120"/>
                 <a:cs typeface="+mj-cs"/>
               </a:rPr>
-              <a:t>喊</a:t>
+              <a:t>戴</a:t>
+            </a:r>
+            <a:r>
+              <a:rPr lang="zh-CN" altLang="en-US" sz="5400" b="1" dirty="0" smtClean="0">
+                <a:latin typeface="Microsoft JhengHei" panose="020B0604030504040204" pitchFamily="34" charset="-120"/>
+                <a:ea typeface="Microsoft JhengHei" panose="020B0604030504040204" pitchFamily="34" charset="-120"/>
+                <a:cs typeface="+mj-cs"/>
+              </a:rPr>
+              <a:t>袮</a:t>
+            </a:r>
+            <a:r>
+              <a:rPr lang="zh-TW" altLang="en-US" sz="5400" b="1" dirty="0" smtClean="0">
+                <a:latin typeface="Microsoft JhengHei" panose="020B0604030504040204" pitchFamily="34" charset="-120"/>
+                <a:ea typeface="Microsoft JhengHei" panose="020B0604030504040204" pitchFamily="34" charset="-120"/>
+                <a:cs typeface="+mj-cs"/>
+              </a:rPr>
+              <a:t>為</a:t>
+            </a:r>
+            <a:r>
+              <a:rPr lang="zh-TW" altLang="en-US" sz="5400" b="1" dirty="0">
+                <a:latin typeface="Microsoft JhengHei" panose="020B0604030504040204" pitchFamily="34" charset="-120"/>
+                <a:ea typeface="Microsoft JhengHei" panose="020B0604030504040204" pitchFamily="34" charset="-120"/>
+                <a:cs typeface="+mj-cs"/>
+              </a:rPr>
+              <a:t>王 榮耀都歸</a:t>
+            </a:r>
+            <a:r>
+              <a:rPr lang="zh-TW" altLang="en-US" sz="5400" b="1" dirty="0" smtClean="0">
+                <a:latin typeface="Microsoft JhengHei" panose="020B0604030504040204" pitchFamily="34" charset="-120"/>
+                <a:ea typeface="Microsoft JhengHei" panose="020B0604030504040204" pitchFamily="34" charset="-120"/>
+                <a:cs typeface="+mj-cs"/>
+              </a:rPr>
+              <a:t>於</a:t>
             </a:r>
             <a:r>
               <a:rPr lang="zh-CN" altLang="en-US" sz="5400" b="1" dirty="0">
@@ -3772,22 +3828,6 @@
                 <a:ea typeface="Microsoft JhengHei" panose="020B0604030504040204" pitchFamily="34" charset="-120"/>
               </a:rPr>
               <a:t>袮</a:t>
-            </a:r>
-            <a:r>
-              <a:rPr lang="zh-TW" altLang="en-US" sz="5400" b="1" dirty="0" smtClean="0">
-                <a:latin typeface="Microsoft JhengHei" panose="020B0604030504040204" pitchFamily="34" charset="-120"/>
-                <a:ea typeface="Microsoft JhengHei" panose="020B0604030504040204" pitchFamily="34" charset="-120"/>
-                <a:cs typeface="+mj-cs"/>
-              </a:rPr>
-              <a:t>的</a:t>
-            </a:r>
-            <a:r>
-              <a:rPr lang="zh-TW" altLang="en-US" sz="5400" b="1" dirty="0">
-                <a:latin typeface="Microsoft JhengHei" panose="020B0604030504040204" pitchFamily="34" charset="-120"/>
-                <a:ea typeface="Microsoft JhengHei" panose="020B0604030504040204" pitchFamily="34" charset="-120"/>
-                <a:cs typeface="+mj-cs"/>
-              </a:rPr>
-              <a:t>名 </a:t>
             </a:r>
             <a:endParaRPr lang="en-US" altLang="zh-TW" sz="5400" b="1" dirty="0">
               <a:latin typeface="Microsoft JhengHei" panose="020B0604030504040204" pitchFamily="34" charset="-120"/>
@@ -3805,38 +3845,7 @@
                 <a:ea typeface="Microsoft JhengHei" panose="020B0604030504040204" pitchFamily="34" charset="-120"/>
                 <a:cs typeface="+mj-cs"/>
               </a:rPr>
-              <a:t>更多更多 來承</a:t>
-            </a:r>
-            <a:r>
-              <a:rPr lang="zh-TW" altLang="en-US" sz="5400" b="1" dirty="0" smtClean="0">
-                <a:latin typeface="Microsoft JhengHei" panose="020B0604030504040204" pitchFamily="34" charset="-120"/>
-                <a:ea typeface="Microsoft JhengHei" panose="020B0604030504040204" pitchFamily="34" charset="-120"/>
-                <a:cs typeface="+mj-cs"/>
-              </a:rPr>
-              <a:t>認</a:t>
-            </a:r>
-            <a:r>
-              <a:rPr lang="zh-CN" altLang="en-US" sz="5400" b="1" dirty="0">
-                <a:latin typeface="Microsoft JhengHei" panose="020B0604030504040204" pitchFamily="34" charset="-120"/>
-                <a:ea typeface="Microsoft JhengHei" panose="020B0604030504040204" pitchFamily="34" charset="-120"/>
-              </a:rPr>
-              <a:t>袮</a:t>
-            </a:r>
-            <a:r>
-              <a:rPr lang="zh-TW" altLang="en-US" sz="5400" b="1" dirty="0" smtClean="0">
-                <a:latin typeface="Microsoft JhengHei" panose="020B0604030504040204" pitchFamily="34" charset="-120"/>
-                <a:ea typeface="Microsoft JhengHei" panose="020B0604030504040204" pitchFamily="34" charset="-120"/>
-                <a:cs typeface="+mj-cs"/>
-              </a:rPr>
-              <a:t>是</a:t>
-            </a:r>
-            <a:r>
-              <a:rPr lang="zh-TW" altLang="en-US" sz="5400" b="1" dirty="0">
-                <a:latin typeface="Microsoft JhengHei" panose="020B0604030504040204" pitchFamily="34" charset="-120"/>
-                <a:ea typeface="Microsoft JhengHei" panose="020B0604030504040204" pitchFamily="34" charset="-120"/>
-                <a:cs typeface="+mj-cs"/>
-              </a:rPr>
-              <a:t>主 </a:t>
+              <a:t>君王就在這裡 大能彰顯這地 </a:t>
             </a:r>
             <a:endParaRPr lang="en-US" altLang="zh-TW" sz="5400" b="1" dirty="0">
               <a:latin typeface="Microsoft JhengHei" panose="020B0604030504040204" pitchFamily="34" charset="-120"/>
@@ -3854,38 +3863,7 @@
                 <a:ea typeface="Microsoft JhengHei" panose="020B0604030504040204" pitchFamily="34" charset="-120"/>
                 <a:cs typeface="+mj-cs"/>
               </a:rPr>
-              <a:t>直到那日 我再</a:t>
-            </a:r>
-            <a:r>
-              <a:rPr lang="zh-TW" altLang="en-US" sz="5400" b="1" dirty="0" smtClean="0">
-                <a:latin typeface="Microsoft JhengHei" panose="020B0604030504040204" pitchFamily="34" charset="-120"/>
-                <a:ea typeface="Microsoft JhengHei" panose="020B0604030504040204" pitchFamily="34" charset="-120"/>
-                <a:cs typeface="+mj-cs"/>
-              </a:rPr>
-              <a:t>見</a:t>
-            </a:r>
-            <a:r>
-              <a:rPr lang="zh-CN" altLang="en-US" sz="5400" b="1" dirty="0">
-                <a:latin typeface="Microsoft JhengHei" panose="020B0604030504040204" pitchFamily="34" charset="-120"/>
-                <a:ea typeface="Microsoft JhengHei" panose="020B0604030504040204" pitchFamily="34" charset="-120"/>
-              </a:rPr>
-              <a:t>袮</a:t>
-            </a:r>
-            <a:r>
-              <a:rPr lang="zh-TW" altLang="en-US" sz="5400" b="1" dirty="0" smtClean="0">
-                <a:latin typeface="Microsoft JhengHei" panose="020B0604030504040204" pitchFamily="34" charset="-120"/>
-                <a:ea typeface="Microsoft JhengHei" panose="020B0604030504040204" pitchFamily="34" charset="-120"/>
-                <a:cs typeface="+mj-cs"/>
-              </a:rPr>
-              <a:t>的</a:t>
-            </a:r>
-            <a:r>
-              <a:rPr lang="zh-TW" altLang="en-US" sz="5400" b="1" dirty="0">
-                <a:latin typeface="Microsoft JhengHei" panose="020B0604030504040204" pitchFamily="34" charset="-120"/>
-                <a:ea typeface="Microsoft JhengHei" panose="020B0604030504040204" pitchFamily="34" charset="-120"/>
-                <a:cs typeface="+mj-cs"/>
-              </a:rPr>
-              <a:t>面</a:t>
+              <a:t>和散那歸於 至高神主耶穌</a:t>
             </a:r>
             <a:endParaRPr lang="en-US" sz="5400" b="1" dirty="0">
               <a:latin typeface="Microsoft JhengHei" panose="020B0604030504040204" pitchFamily="34" charset="-120"/>
@@ -3898,7 +3876,1214 @@
     </p:spTree>
     <p:extLst>
       <p:ext uri="{BB962C8B-B14F-4D97-AF65-F5344CB8AC3E}">
-        <p14:creationId xmlns:p14="http://schemas.microsoft.com/office/powerpoint/2010/main" val="2372209404"/>
+        <p14:creationId xmlns="" xmlns:p14="http://schemas.microsoft.com/office/powerpoint/2010/main" val="1195095475"/>
+      </p:ext>
+    </p:extLst>
+  </p:cSld>
+  <p:clrMapOvr>
+    <a:masterClrMapping/>
+  </p:clrMapOvr>
+</p:sld>
+</file>
+
+<file path=ppt/slides/slide4.xml><?xml version="1.0" encoding="utf-8"?>
+<p:sld xmlns:a="http://schemas.openxmlformats.org/drawingml/2006/main" xmlns:r="http://schemas.openxmlformats.org/officeDocument/2006/relationships" xmlns:p="http://schemas.openxmlformats.org/presentationml/2006/main">
+  <p:cSld>
+    <p:spTree>
+      <p:nvGrpSpPr>
+        <p:cNvPr id="1" name=""/>
+        <p:cNvGrpSpPr/>
+        <p:nvPr/>
+      </p:nvGrpSpPr>
+      <p:grpSpPr>
+        <a:xfrm>
+          <a:off x="0" y="0"/>
+          <a:ext cx="0" cy="0"/>
+          <a:chOff x="0" y="0"/>
+          <a:chExt cx="0" cy="0"/>
+        </a:xfrm>
+      </p:grpSpPr>
+      <p:sp>
+        <p:nvSpPr>
+          <p:cNvPr id="2" name="Title 1">
+            <a:extLst>
+              <a:ext uri="{FF2B5EF4-FFF2-40B4-BE49-F238E27FC236}">
+                <a16:creationId xmlns="" xmlns:a16="http://schemas.microsoft.com/office/drawing/2014/main" id="{48BD1D8E-9BB3-4D96-928A-29F0C8229131}"/>
+              </a:ext>
+            </a:extLst>
+          </p:cNvPr>
+          <p:cNvSpPr>
+            <a:spLocks noGrp="1"/>
+          </p:cNvSpPr>
+          <p:nvPr>
+            <p:ph type="title"/>
+          </p:nvPr>
+        </p:nvSpPr>
+        <p:spPr/>
+        <p:txBody>
+          <a:bodyPr>
+            <a:normAutofit/>
+          </a:bodyPr>
+          <a:lstStyle/>
+          <a:p>
+            <a:pPr algn="ctr"/>
+            <a:r>
+              <a:rPr lang="zh-TW" altLang="en-US" sz="4800" b="1" dirty="0">
+                <a:latin typeface="Microsoft JhengHei" panose="020B0604030504040204" pitchFamily="34" charset="-120"/>
+                <a:ea typeface="Microsoft JhengHei" panose="020B0604030504040204" pitchFamily="34" charset="-120"/>
+              </a:rPr>
+              <a:t>君王就在這裡</a:t>
+            </a:r>
+            <a:endParaRPr lang="en-US" sz="4800" b="1" dirty="0">
+              <a:latin typeface="Microsoft JhengHei" panose="020B0604030504040204" pitchFamily="34" charset="-120"/>
+              <a:ea typeface="Microsoft JhengHei" panose="020B0604030504040204" pitchFamily="34" charset="-120"/>
+            </a:endParaRPr>
+          </a:p>
+        </p:txBody>
+      </p:sp>
+      <p:sp>
+        <p:nvSpPr>
+          <p:cNvPr id="3" name="Content Placeholder 2">
+            <a:extLst>
+              <a:ext uri="{FF2B5EF4-FFF2-40B4-BE49-F238E27FC236}">
+                <a16:creationId xmlns="" xmlns:a16="http://schemas.microsoft.com/office/drawing/2014/main" id="{E22CC9E4-8F8E-42EB-9D61-9016F65A0B41}"/>
+              </a:ext>
+            </a:extLst>
+          </p:cNvPr>
+          <p:cNvSpPr>
+            <a:spLocks noGrp="1"/>
+          </p:cNvSpPr>
+          <p:nvPr>
+            <p:ph idx="1"/>
+          </p:nvPr>
+        </p:nvSpPr>
+        <p:spPr>
+          <a:xfrm>
+            <a:off x="1524000" y="1825625"/>
+            <a:ext cx="9144000" cy="4351338"/>
+          </a:xfrm>
+        </p:spPr>
+        <p:txBody>
+          <a:bodyPr>
+            <a:normAutofit/>
+          </a:bodyPr>
+          <a:lstStyle/>
+          <a:p>
+            <a:pPr marL="0" indent="0" algn="ctr">
+              <a:buNone/>
+            </a:pPr>
+            <a:r>
+              <a:rPr lang="zh-TW" altLang="en-US" sz="5400" b="1" dirty="0">
+                <a:latin typeface="Microsoft JhengHei" panose="020B0604030504040204" pitchFamily="34" charset="-120"/>
+                <a:ea typeface="Microsoft JhengHei" panose="020B0604030504040204" pitchFamily="34" charset="-120"/>
+              </a:rPr>
+              <a:t>聖潔耶穌 </a:t>
+            </a:r>
+            <a:r>
+              <a:rPr lang="zh-CN" altLang="en-US" sz="5400" b="1" dirty="0" smtClean="0">
+                <a:latin typeface="Microsoft JhengHei" panose="020B0604030504040204" pitchFamily="34" charset="-120"/>
+                <a:ea typeface="Microsoft JhengHei" panose="020B0604030504040204" pitchFamily="34" charset="-120"/>
+              </a:rPr>
+              <a:t>袮</a:t>
+            </a:r>
+            <a:r>
+              <a:rPr lang="zh-TW" altLang="en-US" sz="5400" b="1" dirty="0" smtClean="0">
+                <a:latin typeface="Microsoft JhengHei" panose="020B0604030504040204" pitchFamily="34" charset="-120"/>
+                <a:ea typeface="Microsoft JhengHei" panose="020B0604030504040204" pitchFamily="34" charset="-120"/>
+              </a:rPr>
+              <a:t>寶</a:t>
+            </a:r>
+            <a:r>
+              <a:rPr lang="zh-TW" altLang="en-US" sz="5400" b="1" dirty="0">
+                <a:latin typeface="Microsoft JhengHei" panose="020B0604030504040204" pitchFamily="34" charset="-120"/>
+                <a:ea typeface="Microsoft JhengHei" panose="020B0604030504040204" pitchFamily="34" charset="-120"/>
+              </a:rPr>
+              <a:t>座在這裡 </a:t>
+            </a:r>
+            <a:endParaRPr lang="en-US" altLang="zh-TW" sz="5400" b="1" dirty="0">
+              <a:latin typeface="Microsoft JhengHei" panose="020B0604030504040204" pitchFamily="34" charset="-120"/>
+              <a:ea typeface="Microsoft JhengHei" panose="020B0604030504040204" pitchFamily="34" charset="-120"/>
+            </a:endParaRPr>
+          </a:p>
+          <a:p>
+            <a:pPr marL="0" indent="0" algn="ctr">
+              <a:buNone/>
+            </a:pPr>
+            <a:r>
+              <a:rPr lang="zh-TW" altLang="en-US" sz="5400" b="1" dirty="0">
+                <a:latin typeface="Microsoft JhengHei" panose="020B0604030504040204" pitchFamily="34" charset="-120"/>
+                <a:ea typeface="Microsoft JhengHei" panose="020B0604030504040204" pitchFamily="34" charset="-120"/>
+              </a:rPr>
+              <a:t>哈利路</a:t>
+            </a:r>
+            <a:r>
+              <a:rPr lang="zh-TW" altLang="en-US" sz="5400" b="1" dirty="0" smtClean="0">
+                <a:latin typeface="Microsoft JhengHei" panose="020B0604030504040204" pitchFamily="34" charset="-120"/>
+                <a:ea typeface="Microsoft JhengHei" panose="020B0604030504040204" pitchFamily="34" charset="-120"/>
+              </a:rPr>
+              <a:t>亞 </a:t>
+            </a:r>
+            <a:r>
+              <a:rPr lang="zh-CN" altLang="en-US" sz="5400" b="1" dirty="0" smtClean="0">
+                <a:latin typeface="Microsoft JhengHei" panose="020B0604030504040204" pitchFamily="34" charset="-120"/>
+                <a:ea typeface="Microsoft JhengHei" panose="020B0604030504040204" pitchFamily="34" charset="-120"/>
+              </a:rPr>
+              <a:t>袮</a:t>
+            </a:r>
+            <a:r>
+              <a:rPr lang="zh-TW" altLang="en-US" sz="5400" b="1" dirty="0" smtClean="0">
+                <a:latin typeface="Microsoft JhengHei" panose="020B0604030504040204" pitchFamily="34" charset="-120"/>
+                <a:ea typeface="Microsoft JhengHei" panose="020B0604030504040204" pitchFamily="34" charset="-120"/>
+              </a:rPr>
+              <a:t>榮</a:t>
+            </a:r>
+            <a:r>
+              <a:rPr lang="zh-TW" altLang="en-US" sz="5400" b="1" dirty="0">
+                <a:latin typeface="Microsoft JhengHei" panose="020B0604030504040204" pitchFamily="34" charset="-120"/>
+                <a:ea typeface="Microsoft JhengHei" panose="020B0604030504040204" pitchFamily="34" charset="-120"/>
+              </a:rPr>
+              <a:t>耀在這裡 </a:t>
+            </a:r>
+            <a:endParaRPr lang="en-US" altLang="zh-TW" sz="5400" b="1" dirty="0">
+              <a:latin typeface="Microsoft JhengHei" panose="020B0604030504040204" pitchFamily="34" charset="-120"/>
+              <a:ea typeface="Microsoft JhengHei" panose="020B0604030504040204" pitchFamily="34" charset="-120"/>
+            </a:endParaRPr>
+          </a:p>
+          <a:p>
+            <a:pPr marL="0" indent="0" algn="ctr">
+              <a:buNone/>
+            </a:pPr>
+            <a:r>
+              <a:rPr lang="zh-TW" altLang="en-US" sz="5400" b="1" dirty="0">
+                <a:latin typeface="Microsoft JhengHei" panose="020B0604030504040204" pitchFamily="34" charset="-120"/>
+                <a:ea typeface="Microsoft JhengHei" panose="020B0604030504040204" pitchFamily="34" charset="-120"/>
+              </a:rPr>
+              <a:t>聖潔耶</a:t>
+            </a:r>
+            <a:r>
+              <a:rPr lang="zh-TW" altLang="en-US" sz="5400" b="1" dirty="0" smtClean="0">
+                <a:latin typeface="Microsoft JhengHei" panose="020B0604030504040204" pitchFamily="34" charset="-120"/>
+                <a:ea typeface="Microsoft JhengHei" panose="020B0604030504040204" pitchFamily="34" charset="-120"/>
+              </a:rPr>
+              <a:t>穌 </a:t>
+            </a:r>
+            <a:r>
+              <a:rPr lang="zh-CN" altLang="en-US" sz="5400" b="1" dirty="0" smtClean="0">
+                <a:latin typeface="Microsoft JhengHei" panose="020B0604030504040204" pitchFamily="34" charset="-120"/>
+                <a:ea typeface="Microsoft JhengHei" panose="020B0604030504040204" pitchFamily="34" charset="-120"/>
+              </a:rPr>
+              <a:t>袮</a:t>
+            </a:r>
+            <a:r>
+              <a:rPr lang="zh-TW" altLang="en-US" sz="5400" b="1" dirty="0" smtClean="0">
+                <a:latin typeface="Microsoft JhengHei" panose="020B0604030504040204" pitchFamily="34" charset="-120"/>
+                <a:ea typeface="Microsoft JhengHei" panose="020B0604030504040204" pitchFamily="34" charset="-120"/>
+              </a:rPr>
+              <a:t>寶</a:t>
+            </a:r>
+            <a:r>
+              <a:rPr lang="zh-TW" altLang="en-US" sz="5400" b="1" dirty="0">
+                <a:latin typeface="Microsoft JhengHei" panose="020B0604030504040204" pitchFamily="34" charset="-120"/>
+                <a:ea typeface="Microsoft JhengHei" panose="020B0604030504040204" pitchFamily="34" charset="-120"/>
+              </a:rPr>
+              <a:t>座在這裡 </a:t>
+            </a:r>
+            <a:endParaRPr lang="en-US" altLang="zh-TW" sz="5400" b="1" dirty="0">
+              <a:latin typeface="Microsoft JhengHei" panose="020B0604030504040204" pitchFamily="34" charset="-120"/>
+              <a:ea typeface="Microsoft JhengHei" panose="020B0604030504040204" pitchFamily="34" charset="-120"/>
+            </a:endParaRPr>
+          </a:p>
+          <a:p>
+            <a:pPr marL="0" indent="0" algn="ctr">
+              <a:buNone/>
+            </a:pPr>
+            <a:r>
+              <a:rPr lang="zh-TW" altLang="en-US" sz="5400" b="1" dirty="0">
+                <a:latin typeface="Microsoft JhengHei" panose="020B0604030504040204" pitchFamily="34" charset="-120"/>
+                <a:ea typeface="Microsoft JhengHei" panose="020B0604030504040204" pitchFamily="34" charset="-120"/>
+              </a:rPr>
+              <a:t>哈利路</a:t>
+            </a:r>
+            <a:r>
+              <a:rPr lang="zh-TW" altLang="en-US" sz="5400" b="1" dirty="0" smtClean="0">
+                <a:latin typeface="Microsoft JhengHei" panose="020B0604030504040204" pitchFamily="34" charset="-120"/>
+                <a:ea typeface="Microsoft JhengHei" panose="020B0604030504040204" pitchFamily="34" charset="-120"/>
+              </a:rPr>
+              <a:t>亞 </a:t>
+            </a:r>
+            <a:r>
+              <a:rPr lang="zh-CN" altLang="en-US" sz="5400" b="1" dirty="0" smtClean="0">
+                <a:latin typeface="Microsoft JhengHei" panose="020B0604030504040204" pitchFamily="34" charset="-120"/>
+                <a:ea typeface="Microsoft JhengHei" panose="020B0604030504040204" pitchFamily="34" charset="-120"/>
+              </a:rPr>
+              <a:t>袮</a:t>
+            </a:r>
+            <a:r>
+              <a:rPr lang="zh-TW" altLang="en-US" sz="5400" b="1" dirty="0" smtClean="0">
+                <a:latin typeface="Microsoft JhengHei" panose="020B0604030504040204" pitchFamily="34" charset="-120"/>
+                <a:ea typeface="Microsoft JhengHei" panose="020B0604030504040204" pitchFamily="34" charset="-120"/>
+              </a:rPr>
+              <a:t>榮</a:t>
+            </a:r>
+            <a:r>
+              <a:rPr lang="zh-TW" altLang="en-US" sz="5400" b="1" dirty="0">
+                <a:latin typeface="Microsoft JhengHei" panose="020B0604030504040204" pitchFamily="34" charset="-120"/>
+                <a:ea typeface="Microsoft JhengHei" panose="020B0604030504040204" pitchFamily="34" charset="-120"/>
+              </a:rPr>
+              <a:t>耀在這裡</a:t>
+            </a:r>
+            <a:endParaRPr lang="en-US" sz="5400" b="1" dirty="0">
+              <a:latin typeface="Microsoft JhengHei" panose="020B0604030504040204" pitchFamily="34" charset="-120"/>
+              <a:ea typeface="Microsoft JhengHei" panose="020B0604030504040204" pitchFamily="34" charset="-120"/>
+            </a:endParaRPr>
+          </a:p>
+        </p:txBody>
+      </p:sp>
+    </p:spTree>
+    <p:extLst>
+      <p:ext uri="{BB962C8B-B14F-4D97-AF65-F5344CB8AC3E}">
+        <p14:creationId xmlns="" xmlns:p14="http://schemas.microsoft.com/office/powerpoint/2010/main" val="3345349781"/>
+      </p:ext>
+    </p:extLst>
+  </p:cSld>
+  <p:clrMapOvr>
+    <a:masterClrMapping/>
+  </p:clrMapOvr>
+</p:sld>
+</file>
+
+<file path=ppt/slides/slide5.xml><?xml version="1.0" encoding="utf-8"?>
+<p:sld xmlns:a="http://schemas.openxmlformats.org/drawingml/2006/main" xmlns:r="http://schemas.openxmlformats.org/officeDocument/2006/relationships" xmlns:p="http://schemas.openxmlformats.org/presentationml/2006/main">
+  <p:cSld>
+    <p:spTree>
+      <p:nvGrpSpPr>
+        <p:cNvPr id="1" name=""/>
+        <p:cNvGrpSpPr/>
+        <p:nvPr/>
+      </p:nvGrpSpPr>
+      <p:grpSpPr>
+        <a:xfrm>
+          <a:off x="0" y="0"/>
+          <a:ext cx="0" cy="0"/>
+          <a:chOff x="0" y="0"/>
+          <a:chExt cx="0" cy="0"/>
+        </a:xfrm>
+      </p:grpSpPr>
+      <p:sp>
+        <p:nvSpPr>
+          <p:cNvPr id="2" name="Title 1">
+            <a:extLst>
+              <a:ext uri="{FF2B5EF4-FFF2-40B4-BE49-F238E27FC236}">
+                <a16:creationId xmlns="" xmlns:a16="http://schemas.microsoft.com/office/drawing/2014/main" id="{48BD1D8E-9BB3-4D96-928A-29F0C8229131}"/>
+              </a:ext>
+            </a:extLst>
+          </p:cNvPr>
+          <p:cNvSpPr>
+            <a:spLocks noGrp="1"/>
+          </p:cNvSpPr>
+          <p:nvPr>
+            <p:ph type="title"/>
+          </p:nvPr>
+        </p:nvSpPr>
+        <p:spPr/>
+        <p:txBody>
+          <a:bodyPr>
+            <a:normAutofit/>
+          </a:bodyPr>
+          <a:lstStyle/>
+          <a:p>
+            <a:pPr algn="ctr"/>
+            <a:r>
+              <a:rPr lang="zh-TW" altLang="en-US" sz="4800" b="1" dirty="0">
+                <a:latin typeface="Microsoft JhengHei" panose="020B0604030504040204" pitchFamily="34" charset="-120"/>
+                <a:ea typeface="Microsoft JhengHei" panose="020B0604030504040204" pitchFamily="34" charset="-120"/>
+              </a:rPr>
+              <a:t>君王就在這裡</a:t>
+            </a:r>
+            <a:endParaRPr lang="en-US" sz="4800" b="1" dirty="0">
+              <a:latin typeface="Microsoft JhengHei" panose="020B0604030504040204" pitchFamily="34" charset="-120"/>
+              <a:ea typeface="Microsoft JhengHei" panose="020B0604030504040204" pitchFamily="34" charset="-120"/>
+            </a:endParaRPr>
+          </a:p>
+        </p:txBody>
+      </p:sp>
+      <p:sp>
+        <p:nvSpPr>
+          <p:cNvPr id="3" name="Content Placeholder 2">
+            <a:extLst>
+              <a:ext uri="{FF2B5EF4-FFF2-40B4-BE49-F238E27FC236}">
+                <a16:creationId xmlns="" xmlns:a16="http://schemas.microsoft.com/office/drawing/2014/main" id="{E22CC9E4-8F8E-42EB-9D61-9016F65A0B41}"/>
+              </a:ext>
+            </a:extLst>
+          </p:cNvPr>
+          <p:cNvSpPr>
+            <a:spLocks noGrp="1"/>
+          </p:cNvSpPr>
+          <p:nvPr>
+            <p:ph idx="1"/>
+          </p:nvPr>
+        </p:nvSpPr>
+        <p:spPr>
+          <a:xfrm>
+            <a:off x="1524000" y="1825625"/>
+            <a:ext cx="9144000" cy="4351338"/>
+          </a:xfrm>
+        </p:spPr>
+        <p:txBody>
+          <a:bodyPr>
+            <a:normAutofit/>
+          </a:bodyPr>
+          <a:lstStyle/>
+          <a:p>
+            <a:pPr marL="0" indent="0" algn="ctr">
+              <a:buNone/>
+            </a:pPr>
+            <a:r>
+              <a:rPr lang="zh-TW" altLang="en-US" sz="5400" b="1" dirty="0">
+                <a:latin typeface="Microsoft JhengHei" panose="020B0604030504040204" pitchFamily="34" charset="-120"/>
+                <a:ea typeface="Microsoft JhengHei" panose="020B0604030504040204" pitchFamily="34" charset="-120"/>
+                <a:cs typeface="+mj-cs"/>
+              </a:rPr>
+              <a:t>君王就在這裡 我們歡然獻祭 </a:t>
+            </a:r>
+            <a:endParaRPr lang="en-US" altLang="zh-TW" sz="5400" b="1" dirty="0">
+              <a:latin typeface="Microsoft JhengHei" panose="020B0604030504040204" pitchFamily="34" charset="-120"/>
+              <a:ea typeface="Microsoft JhengHei" panose="020B0604030504040204" pitchFamily="34" charset="-120"/>
+              <a:cs typeface="+mj-cs"/>
+            </a:endParaRPr>
+          </a:p>
+          <a:p>
+            <a:pPr marL="0" indent="0" algn="ctr">
+              <a:buNone/>
+            </a:pPr>
+            <a:r>
+              <a:rPr lang="zh-TW" altLang="en-US" sz="5400" b="1" dirty="0">
+                <a:latin typeface="Microsoft JhengHei" panose="020B0604030504040204" pitchFamily="34" charset="-120"/>
+                <a:ea typeface="Microsoft JhengHei" panose="020B0604030504040204" pitchFamily="34" charset="-120"/>
+                <a:cs typeface="+mj-cs"/>
+              </a:rPr>
+              <a:t>擁</a:t>
+            </a:r>
+            <a:r>
+              <a:rPr lang="zh-TW" altLang="en-US" sz="5400" b="1" dirty="0" smtClean="0">
+                <a:latin typeface="Microsoft JhengHei" panose="020B0604030504040204" pitchFamily="34" charset="-120"/>
+                <a:ea typeface="Microsoft JhengHei" panose="020B0604030504040204" pitchFamily="34" charset="-120"/>
+                <a:cs typeface="+mj-cs"/>
+              </a:rPr>
+              <a:t>戴</a:t>
+            </a:r>
+            <a:r>
+              <a:rPr lang="zh-CN" altLang="en-US" sz="5400" b="1" dirty="0" smtClean="0">
+                <a:latin typeface="Microsoft JhengHei" panose="020B0604030504040204" pitchFamily="34" charset="-120"/>
+                <a:ea typeface="Microsoft JhengHei" panose="020B0604030504040204" pitchFamily="34" charset="-120"/>
+                <a:cs typeface="+mj-cs"/>
+              </a:rPr>
+              <a:t>袮</a:t>
+            </a:r>
+            <a:r>
+              <a:rPr lang="zh-TW" altLang="en-US" sz="5400" b="1" dirty="0" smtClean="0">
+                <a:latin typeface="Microsoft JhengHei" panose="020B0604030504040204" pitchFamily="34" charset="-120"/>
+                <a:ea typeface="Microsoft JhengHei" panose="020B0604030504040204" pitchFamily="34" charset="-120"/>
+                <a:cs typeface="+mj-cs"/>
+              </a:rPr>
+              <a:t>為</a:t>
+            </a:r>
+            <a:r>
+              <a:rPr lang="zh-TW" altLang="en-US" sz="5400" b="1" dirty="0">
+                <a:latin typeface="Microsoft JhengHei" panose="020B0604030504040204" pitchFamily="34" charset="-120"/>
+                <a:ea typeface="Microsoft JhengHei" panose="020B0604030504040204" pitchFamily="34" charset="-120"/>
+                <a:cs typeface="+mj-cs"/>
+              </a:rPr>
+              <a:t>王 榮耀都歸</a:t>
+            </a:r>
+            <a:r>
+              <a:rPr lang="zh-TW" altLang="en-US" sz="5400" b="1" dirty="0" smtClean="0">
+                <a:latin typeface="Microsoft JhengHei" panose="020B0604030504040204" pitchFamily="34" charset="-120"/>
+                <a:ea typeface="Microsoft JhengHei" panose="020B0604030504040204" pitchFamily="34" charset="-120"/>
+                <a:cs typeface="+mj-cs"/>
+              </a:rPr>
+              <a:t>於</a:t>
+            </a:r>
+            <a:r>
+              <a:rPr lang="zh-CN" altLang="en-US" sz="5400" b="1" dirty="0">
+                <a:latin typeface="Microsoft JhengHei" panose="020B0604030504040204" pitchFamily="34" charset="-120"/>
+                <a:ea typeface="Microsoft JhengHei" panose="020B0604030504040204" pitchFamily="34" charset="-120"/>
+              </a:rPr>
+              <a:t>袮</a:t>
+            </a:r>
+            <a:endParaRPr lang="en-US" altLang="zh-TW" sz="5400" b="1" dirty="0">
+              <a:latin typeface="Microsoft JhengHei" panose="020B0604030504040204" pitchFamily="34" charset="-120"/>
+              <a:ea typeface="Microsoft JhengHei" panose="020B0604030504040204" pitchFamily="34" charset="-120"/>
+              <a:cs typeface="+mj-cs"/>
+            </a:endParaRPr>
+          </a:p>
+          <a:p>
+            <a:pPr marL="0" indent="0" algn="ctr">
+              <a:buNone/>
+            </a:pPr>
+            <a:r>
+              <a:rPr lang="zh-TW" altLang="en-US" sz="5400" b="1" dirty="0">
+                <a:latin typeface="Microsoft JhengHei" panose="020B0604030504040204" pitchFamily="34" charset="-120"/>
+                <a:ea typeface="Microsoft JhengHei" panose="020B0604030504040204" pitchFamily="34" charset="-120"/>
+                <a:cs typeface="+mj-cs"/>
+              </a:rPr>
+              <a:t>君王就在這裡 大能彰顯這地 </a:t>
+            </a:r>
+            <a:endParaRPr lang="en-US" altLang="zh-TW" sz="5400" b="1" dirty="0">
+              <a:latin typeface="Microsoft JhengHei" panose="020B0604030504040204" pitchFamily="34" charset="-120"/>
+              <a:ea typeface="Microsoft JhengHei" panose="020B0604030504040204" pitchFamily="34" charset="-120"/>
+              <a:cs typeface="+mj-cs"/>
+            </a:endParaRPr>
+          </a:p>
+          <a:p>
+            <a:pPr marL="0" indent="0" algn="ctr">
+              <a:buNone/>
+            </a:pPr>
+            <a:r>
+              <a:rPr lang="zh-TW" altLang="en-US" sz="5400" b="1" dirty="0">
+                <a:latin typeface="Microsoft JhengHei" panose="020B0604030504040204" pitchFamily="34" charset="-120"/>
+                <a:ea typeface="Microsoft JhengHei" panose="020B0604030504040204" pitchFamily="34" charset="-120"/>
+                <a:cs typeface="+mj-cs"/>
+              </a:rPr>
+              <a:t>和散那歸於 至高神主耶穌</a:t>
+            </a:r>
+            <a:endParaRPr lang="en-US" sz="5400" b="1" dirty="0">
+              <a:latin typeface="Microsoft JhengHei" panose="020B0604030504040204" pitchFamily="34" charset="-120"/>
+              <a:ea typeface="Microsoft JhengHei" panose="020B0604030504040204" pitchFamily="34" charset="-120"/>
+              <a:cs typeface="+mj-cs"/>
+            </a:endParaRPr>
+          </a:p>
+        </p:txBody>
+      </p:sp>
+    </p:spTree>
+    <p:extLst>
+      <p:ext uri="{BB962C8B-B14F-4D97-AF65-F5344CB8AC3E}">
+        <p14:creationId xmlns="" xmlns:p14="http://schemas.microsoft.com/office/powerpoint/2010/main" val="1195095475"/>
+      </p:ext>
+    </p:extLst>
+  </p:cSld>
+  <p:clrMapOvr>
+    <a:masterClrMapping/>
+  </p:clrMapOvr>
+</p:sld>
+</file>
+
+<file path=ppt/slides/slide6.xml><?xml version="1.0" encoding="utf-8"?>
+<p:sld xmlns:a="http://schemas.openxmlformats.org/drawingml/2006/main" xmlns:r="http://schemas.openxmlformats.org/officeDocument/2006/relationships" xmlns:p="http://schemas.openxmlformats.org/presentationml/2006/main">
+  <p:cSld>
+    <p:spTree>
+      <p:nvGrpSpPr>
+        <p:cNvPr id="1" name=""/>
+        <p:cNvGrpSpPr/>
+        <p:nvPr/>
+      </p:nvGrpSpPr>
+      <p:grpSpPr>
+        <a:xfrm>
+          <a:off x="0" y="0"/>
+          <a:ext cx="0" cy="0"/>
+          <a:chOff x="0" y="0"/>
+          <a:chExt cx="0" cy="0"/>
+        </a:xfrm>
+      </p:grpSpPr>
+      <p:sp>
+        <p:nvSpPr>
+          <p:cNvPr id="2" name="Title 1">
+            <a:extLst>
+              <a:ext uri="{FF2B5EF4-FFF2-40B4-BE49-F238E27FC236}">
+                <a16:creationId xmlns="" xmlns:a16="http://schemas.microsoft.com/office/drawing/2014/main" id="{48BD1D8E-9BB3-4D96-928A-29F0C8229131}"/>
+              </a:ext>
+            </a:extLst>
+          </p:cNvPr>
+          <p:cNvSpPr>
+            <a:spLocks noGrp="1"/>
+          </p:cNvSpPr>
+          <p:nvPr>
+            <p:ph type="title"/>
+          </p:nvPr>
+        </p:nvSpPr>
+        <p:spPr/>
+        <p:txBody>
+          <a:bodyPr>
+            <a:normAutofit/>
+          </a:bodyPr>
+          <a:lstStyle/>
+          <a:p>
+            <a:pPr algn="ctr"/>
+            <a:r>
+              <a:rPr lang="zh-TW" altLang="en-US" sz="4800" b="1" dirty="0">
+                <a:latin typeface="Microsoft JhengHei" panose="020B0604030504040204" pitchFamily="34" charset="-120"/>
+                <a:ea typeface="Microsoft JhengHei" panose="020B0604030504040204" pitchFamily="34" charset="-120"/>
+              </a:rPr>
+              <a:t>君王就在這裡</a:t>
+            </a:r>
+            <a:endParaRPr lang="en-US" sz="4800" b="1" dirty="0">
+              <a:latin typeface="Microsoft JhengHei" panose="020B0604030504040204" pitchFamily="34" charset="-120"/>
+              <a:ea typeface="Microsoft JhengHei" panose="020B0604030504040204" pitchFamily="34" charset="-120"/>
+            </a:endParaRPr>
+          </a:p>
+        </p:txBody>
+      </p:sp>
+      <p:sp>
+        <p:nvSpPr>
+          <p:cNvPr id="3" name="Content Placeholder 2">
+            <a:extLst>
+              <a:ext uri="{FF2B5EF4-FFF2-40B4-BE49-F238E27FC236}">
+                <a16:creationId xmlns="" xmlns:a16="http://schemas.microsoft.com/office/drawing/2014/main" id="{E22CC9E4-8F8E-42EB-9D61-9016F65A0B41}"/>
+              </a:ext>
+            </a:extLst>
+          </p:cNvPr>
+          <p:cNvSpPr>
+            <a:spLocks noGrp="1"/>
+          </p:cNvSpPr>
+          <p:nvPr>
+            <p:ph idx="1"/>
+          </p:nvPr>
+        </p:nvSpPr>
+        <p:spPr>
+          <a:xfrm>
+            <a:off x="1524000" y="1825625"/>
+            <a:ext cx="9144000" cy="4351338"/>
+          </a:xfrm>
+        </p:spPr>
+        <p:txBody>
+          <a:bodyPr>
+            <a:normAutofit/>
+          </a:bodyPr>
+          <a:lstStyle/>
+          <a:p>
+            <a:pPr marL="0" indent="0" algn="ctr">
+              <a:buNone/>
+            </a:pPr>
+            <a:r>
+              <a:rPr lang="zh-TW" altLang="en-US" sz="5400" b="1" dirty="0">
+                <a:latin typeface="Microsoft JhengHei" panose="020B0604030504040204" pitchFamily="34" charset="-120"/>
+                <a:ea typeface="Microsoft JhengHei" panose="020B0604030504040204" pitchFamily="34" charset="-120"/>
+                <a:cs typeface="+mj-cs"/>
+              </a:rPr>
+              <a:t>君王就在這裡 我們歡然獻祭 </a:t>
+            </a:r>
+            <a:endParaRPr lang="en-US" altLang="zh-TW" sz="5400" b="1" dirty="0">
+              <a:latin typeface="Microsoft JhengHei" panose="020B0604030504040204" pitchFamily="34" charset="-120"/>
+              <a:ea typeface="Microsoft JhengHei" panose="020B0604030504040204" pitchFamily="34" charset="-120"/>
+              <a:cs typeface="+mj-cs"/>
+            </a:endParaRPr>
+          </a:p>
+          <a:p>
+            <a:pPr marL="0" indent="0" algn="ctr">
+              <a:buNone/>
+            </a:pPr>
+            <a:r>
+              <a:rPr lang="zh-TW" altLang="en-US" sz="5400" b="1" dirty="0">
+                <a:latin typeface="Microsoft JhengHei" panose="020B0604030504040204" pitchFamily="34" charset="-120"/>
+                <a:ea typeface="Microsoft JhengHei" panose="020B0604030504040204" pitchFamily="34" charset="-120"/>
+                <a:cs typeface="+mj-cs"/>
+              </a:rPr>
+              <a:t>擁</a:t>
+            </a:r>
+            <a:r>
+              <a:rPr lang="zh-TW" altLang="en-US" sz="5400" b="1" dirty="0" smtClean="0">
+                <a:latin typeface="Microsoft JhengHei" panose="020B0604030504040204" pitchFamily="34" charset="-120"/>
+                <a:ea typeface="Microsoft JhengHei" panose="020B0604030504040204" pitchFamily="34" charset="-120"/>
+                <a:cs typeface="+mj-cs"/>
+              </a:rPr>
+              <a:t>戴</a:t>
+            </a:r>
+            <a:r>
+              <a:rPr lang="zh-CN" altLang="en-US" sz="5400" b="1" dirty="0" smtClean="0">
+                <a:latin typeface="Microsoft JhengHei" panose="020B0604030504040204" pitchFamily="34" charset="-120"/>
+                <a:ea typeface="Microsoft JhengHei" panose="020B0604030504040204" pitchFamily="34" charset="-120"/>
+                <a:cs typeface="+mj-cs"/>
+              </a:rPr>
+              <a:t>袮</a:t>
+            </a:r>
+            <a:r>
+              <a:rPr lang="zh-TW" altLang="en-US" sz="5400" b="1" dirty="0" smtClean="0">
+                <a:latin typeface="Microsoft JhengHei" panose="020B0604030504040204" pitchFamily="34" charset="-120"/>
+                <a:ea typeface="Microsoft JhengHei" panose="020B0604030504040204" pitchFamily="34" charset="-120"/>
+                <a:cs typeface="+mj-cs"/>
+              </a:rPr>
+              <a:t>為</a:t>
+            </a:r>
+            <a:r>
+              <a:rPr lang="zh-TW" altLang="en-US" sz="5400" b="1" dirty="0">
+                <a:latin typeface="Microsoft JhengHei" panose="020B0604030504040204" pitchFamily="34" charset="-120"/>
+                <a:ea typeface="Microsoft JhengHei" panose="020B0604030504040204" pitchFamily="34" charset="-120"/>
+                <a:cs typeface="+mj-cs"/>
+              </a:rPr>
+              <a:t>王 榮耀都歸</a:t>
+            </a:r>
+            <a:r>
+              <a:rPr lang="zh-TW" altLang="en-US" sz="5400" b="1" dirty="0" smtClean="0">
+                <a:latin typeface="Microsoft JhengHei" panose="020B0604030504040204" pitchFamily="34" charset="-120"/>
+                <a:ea typeface="Microsoft JhengHei" panose="020B0604030504040204" pitchFamily="34" charset="-120"/>
+                <a:cs typeface="+mj-cs"/>
+              </a:rPr>
+              <a:t>於</a:t>
+            </a:r>
+            <a:r>
+              <a:rPr lang="zh-CN" altLang="en-US" sz="5400" b="1" dirty="0">
+                <a:latin typeface="Microsoft JhengHei" panose="020B0604030504040204" pitchFamily="34" charset="-120"/>
+                <a:ea typeface="Microsoft JhengHei" panose="020B0604030504040204" pitchFamily="34" charset="-120"/>
+              </a:rPr>
+              <a:t>袮</a:t>
+            </a:r>
+            <a:endParaRPr lang="en-US" altLang="zh-TW" sz="5400" b="1" dirty="0">
+              <a:latin typeface="Microsoft JhengHei" panose="020B0604030504040204" pitchFamily="34" charset="-120"/>
+              <a:ea typeface="Microsoft JhengHei" panose="020B0604030504040204" pitchFamily="34" charset="-120"/>
+              <a:cs typeface="+mj-cs"/>
+            </a:endParaRPr>
+          </a:p>
+          <a:p>
+            <a:pPr marL="0" indent="0" algn="ctr">
+              <a:buNone/>
+            </a:pPr>
+            <a:r>
+              <a:rPr lang="zh-TW" altLang="en-US" sz="5400" b="1" dirty="0">
+                <a:latin typeface="Microsoft JhengHei" panose="020B0604030504040204" pitchFamily="34" charset="-120"/>
+                <a:ea typeface="Microsoft JhengHei" panose="020B0604030504040204" pitchFamily="34" charset="-120"/>
+                <a:cs typeface="+mj-cs"/>
+              </a:rPr>
+              <a:t>君王就在這裡 大能彰顯這地 </a:t>
+            </a:r>
+            <a:endParaRPr lang="en-US" altLang="zh-TW" sz="5400" b="1" dirty="0">
+              <a:latin typeface="Microsoft JhengHei" panose="020B0604030504040204" pitchFamily="34" charset="-120"/>
+              <a:ea typeface="Microsoft JhengHei" panose="020B0604030504040204" pitchFamily="34" charset="-120"/>
+              <a:cs typeface="+mj-cs"/>
+            </a:endParaRPr>
+          </a:p>
+          <a:p>
+            <a:pPr marL="0" indent="0" algn="ctr">
+              <a:buNone/>
+            </a:pPr>
+            <a:r>
+              <a:rPr lang="zh-TW" altLang="en-US" sz="5400" b="1" dirty="0">
+                <a:latin typeface="Microsoft JhengHei" panose="020B0604030504040204" pitchFamily="34" charset="-120"/>
+                <a:ea typeface="Microsoft JhengHei" panose="020B0604030504040204" pitchFamily="34" charset="-120"/>
+                <a:cs typeface="+mj-cs"/>
+              </a:rPr>
+              <a:t>和散那歸於 至高神主耶穌</a:t>
+            </a:r>
+            <a:endParaRPr lang="en-US" sz="5400" b="1" dirty="0">
+              <a:latin typeface="Microsoft JhengHei" panose="020B0604030504040204" pitchFamily="34" charset="-120"/>
+              <a:ea typeface="Microsoft JhengHei" panose="020B0604030504040204" pitchFamily="34" charset="-120"/>
+              <a:cs typeface="+mj-cs"/>
+            </a:endParaRPr>
+          </a:p>
+        </p:txBody>
+      </p:sp>
+    </p:spTree>
+    <p:extLst>
+      <p:ext uri="{BB962C8B-B14F-4D97-AF65-F5344CB8AC3E}">
+        <p14:creationId xmlns="" xmlns:p14="http://schemas.microsoft.com/office/powerpoint/2010/main" val="1195095475"/>
+      </p:ext>
+    </p:extLst>
+  </p:cSld>
+  <p:clrMapOvr>
+    <a:masterClrMapping/>
+  </p:clrMapOvr>
+</p:sld>
+</file>
+
+<file path=ppt/slides/slide7.xml><?xml version="1.0" encoding="utf-8"?>
+<p:sld xmlns:a="http://schemas.openxmlformats.org/drawingml/2006/main" xmlns:r="http://schemas.openxmlformats.org/officeDocument/2006/relationships" xmlns:p="http://schemas.openxmlformats.org/presentationml/2006/main">
+  <p:cSld>
+    <p:spTree>
+      <p:nvGrpSpPr>
+        <p:cNvPr id="1" name=""/>
+        <p:cNvGrpSpPr/>
+        <p:nvPr/>
+      </p:nvGrpSpPr>
+      <p:grpSpPr>
+        <a:xfrm>
+          <a:off x="0" y="0"/>
+          <a:ext cx="0" cy="0"/>
+          <a:chOff x="0" y="0"/>
+          <a:chExt cx="0" cy="0"/>
+        </a:xfrm>
+      </p:grpSpPr>
+      <p:sp>
+        <p:nvSpPr>
+          <p:cNvPr id="2" name="Title 1">
+            <a:extLst>
+              <a:ext uri="{FF2B5EF4-FFF2-40B4-BE49-F238E27FC236}">
+                <a16:creationId xmlns="" xmlns:a16="http://schemas.microsoft.com/office/drawing/2014/main" id="{48BD1D8E-9BB3-4D96-928A-29F0C8229131}"/>
+              </a:ext>
+            </a:extLst>
+          </p:cNvPr>
+          <p:cNvSpPr>
+            <a:spLocks noGrp="1"/>
+          </p:cNvSpPr>
+          <p:nvPr>
+            <p:ph type="title"/>
+          </p:nvPr>
+        </p:nvSpPr>
+        <p:spPr/>
+        <p:txBody>
+          <a:bodyPr>
+            <a:normAutofit/>
+          </a:bodyPr>
+          <a:lstStyle/>
+          <a:p>
+            <a:pPr algn="ctr"/>
+            <a:r>
+              <a:rPr lang="zh-TW" altLang="en-US" sz="4800" b="1" dirty="0">
+                <a:latin typeface="Microsoft JhengHei" panose="020B0604030504040204" pitchFamily="34" charset="-120"/>
+                <a:ea typeface="Microsoft JhengHei" panose="020B0604030504040204" pitchFamily="34" charset="-120"/>
+              </a:rPr>
+              <a:t>君王就在這裡</a:t>
+            </a:r>
+            <a:endParaRPr lang="en-US" sz="4800" b="1" dirty="0">
+              <a:latin typeface="Microsoft JhengHei" panose="020B0604030504040204" pitchFamily="34" charset="-120"/>
+              <a:ea typeface="Microsoft JhengHei" panose="020B0604030504040204" pitchFamily="34" charset="-120"/>
+            </a:endParaRPr>
+          </a:p>
+        </p:txBody>
+      </p:sp>
+      <p:sp>
+        <p:nvSpPr>
+          <p:cNvPr id="3" name="Content Placeholder 2">
+            <a:extLst>
+              <a:ext uri="{FF2B5EF4-FFF2-40B4-BE49-F238E27FC236}">
+                <a16:creationId xmlns="" xmlns:a16="http://schemas.microsoft.com/office/drawing/2014/main" id="{E22CC9E4-8F8E-42EB-9D61-9016F65A0B41}"/>
+              </a:ext>
+            </a:extLst>
+          </p:cNvPr>
+          <p:cNvSpPr>
+            <a:spLocks noGrp="1"/>
+          </p:cNvSpPr>
+          <p:nvPr>
+            <p:ph idx="1"/>
+          </p:nvPr>
+        </p:nvSpPr>
+        <p:spPr>
+          <a:xfrm>
+            <a:off x="1524000" y="1825625"/>
+            <a:ext cx="9144000" cy="4351338"/>
+          </a:xfrm>
+        </p:spPr>
+        <p:txBody>
+          <a:bodyPr>
+            <a:normAutofit/>
+          </a:bodyPr>
+          <a:lstStyle/>
+          <a:p>
+            <a:pPr marL="0" indent="0" algn="ctr">
+              <a:buNone/>
+            </a:pPr>
+            <a:r>
+              <a:rPr lang="zh-TW" altLang="en-US" sz="5400" b="1" dirty="0">
+                <a:latin typeface="Microsoft JhengHei" panose="020B0604030504040204" pitchFamily="34" charset="-120"/>
+                <a:ea typeface="Microsoft JhengHei" panose="020B0604030504040204" pitchFamily="34" charset="-120"/>
+                <a:cs typeface="+mj-cs"/>
+              </a:rPr>
+              <a:t>更多更多 來高</a:t>
+            </a:r>
+            <a:r>
+              <a:rPr lang="zh-TW" altLang="en-US" sz="5400" b="1" dirty="0" smtClean="0">
+                <a:latin typeface="Microsoft JhengHei" panose="020B0604030504040204" pitchFamily="34" charset="-120"/>
+                <a:ea typeface="Microsoft JhengHei" panose="020B0604030504040204" pitchFamily="34" charset="-120"/>
+                <a:cs typeface="+mj-cs"/>
+              </a:rPr>
+              <a:t>舉</a:t>
+            </a:r>
+            <a:r>
+              <a:rPr lang="zh-CN" altLang="en-US" sz="5400" b="1" dirty="0">
+                <a:latin typeface="Microsoft JhengHei" panose="020B0604030504040204" pitchFamily="34" charset="-120"/>
+                <a:ea typeface="Microsoft JhengHei" panose="020B0604030504040204" pitchFamily="34" charset="-120"/>
+              </a:rPr>
+              <a:t>袮</a:t>
+            </a:r>
+            <a:r>
+              <a:rPr lang="zh-TW" altLang="en-US" sz="5400" b="1" dirty="0" smtClean="0">
+                <a:latin typeface="Microsoft JhengHei" panose="020B0604030504040204" pitchFamily="34" charset="-120"/>
+                <a:ea typeface="Microsoft JhengHei" panose="020B0604030504040204" pitchFamily="34" charset="-120"/>
+                <a:cs typeface="+mj-cs"/>
+              </a:rPr>
+              <a:t>的</a:t>
+            </a:r>
+            <a:r>
+              <a:rPr lang="zh-TW" altLang="en-US" sz="5400" b="1" dirty="0">
+                <a:latin typeface="Microsoft JhengHei" panose="020B0604030504040204" pitchFamily="34" charset="-120"/>
+                <a:ea typeface="Microsoft JhengHei" panose="020B0604030504040204" pitchFamily="34" charset="-120"/>
+                <a:cs typeface="+mj-cs"/>
+              </a:rPr>
+              <a:t>名 </a:t>
+            </a:r>
+            <a:endParaRPr lang="en-US" altLang="zh-TW" sz="5400" b="1" dirty="0">
+              <a:latin typeface="Microsoft JhengHei" panose="020B0604030504040204" pitchFamily="34" charset="-120"/>
+              <a:ea typeface="Microsoft JhengHei" panose="020B0604030504040204" pitchFamily="34" charset="-120"/>
+              <a:cs typeface="+mj-cs"/>
+            </a:endParaRPr>
+          </a:p>
+          <a:p>
+            <a:pPr marL="0" indent="0" algn="ctr">
+              <a:buNone/>
+            </a:pPr>
+            <a:r>
+              <a:rPr lang="zh-TW" altLang="en-US" sz="5400" b="1" dirty="0">
+                <a:latin typeface="Microsoft JhengHei" panose="020B0604030504040204" pitchFamily="34" charset="-120"/>
+                <a:ea typeface="Microsoft JhengHei" panose="020B0604030504040204" pitchFamily="34" charset="-120"/>
+                <a:cs typeface="+mj-cs"/>
+              </a:rPr>
+              <a:t>更多更多 來呼</a:t>
+            </a:r>
+            <a:r>
+              <a:rPr lang="zh-TW" altLang="en-US" sz="5400" b="1" dirty="0" smtClean="0">
+                <a:latin typeface="Microsoft JhengHei" panose="020B0604030504040204" pitchFamily="34" charset="-120"/>
+                <a:ea typeface="Microsoft JhengHei" panose="020B0604030504040204" pitchFamily="34" charset="-120"/>
+                <a:cs typeface="+mj-cs"/>
+              </a:rPr>
+              <a:t>喊</a:t>
+            </a:r>
+            <a:r>
+              <a:rPr lang="zh-CN" altLang="en-US" sz="5400" b="1" dirty="0">
+                <a:latin typeface="Microsoft JhengHei" panose="020B0604030504040204" pitchFamily="34" charset="-120"/>
+                <a:ea typeface="Microsoft JhengHei" panose="020B0604030504040204" pitchFamily="34" charset="-120"/>
+              </a:rPr>
+              <a:t>袮</a:t>
+            </a:r>
+            <a:r>
+              <a:rPr lang="zh-TW" altLang="en-US" sz="5400" b="1" dirty="0" smtClean="0">
+                <a:latin typeface="Microsoft JhengHei" panose="020B0604030504040204" pitchFamily="34" charset="-120"/>
+                <a:ea typeface="Microsoft JhengHei" panose="020B0604030504040204" pitchFamily="34" charset="-120"/>
+                <a:cs typeface="+mj-cs"/>
+              </a:rPr>
+              <a:t>的</a:t>
+            </a:r>
+            <a:r>
+              <a:rPr lang="zh-TW" altLang="en-US" sz="5400" b="1" dirty="0">
+                <a:latin typeface="Microsoft JhengHei" panose="020B0604030504040204" pitchFamily="34" charset="-120"/>
+                <a:ea typeface="Microsoft JhengHei" panose="020B0604030504040204" pitchFamily="34" charset="-120"/>
+                <a:cs typeface="+mj-cs"/>
+              </a:rPr>
+              <a:t>名 </a:t>
+            </a:r>
+            <a:endParaRPr lang="en-US" altLang="zh-TW" sz="5400" b="1" dirty="0">
+              <a:latin typeface="Microsoft JhengHei" panose="020B0604030504040204" pitchFamily="34" charset="-120"/>
+              <a:ea typeface="Microsoft JhengHei" panose="020B0604030504040204" pitchFamily="34" charset="-120"/>
+              <a:cs typeface="+mj-cs"/>
+            </a:endParaRPr>
+          </a:p>
+          <a:p>
+            <a:pPr marL="0" indent="0" algn="ctr">
+              <a:buNone/>
+            </a:pPr>
+            <a:r>
+              <a:rPr lang="zh-TW" altLang="en-US" sz="5400" b="1" dirty="0">
+                <a:latin typeface="Microsoft JhengHei" panose="020B0604030504040204" pitchFamily="34" charset="-120"/>
+                <a:ea typeface="Microsoft JhengHei" panose="020B0604030504040204" pitchFamily="34" charset="-120"/>
+                <a:cs typeface="+mj-cs"/>
+              </a:rPr>
+              <a:t>更多更多 來承</a:t>
+            </a:r>
+            <a:r>
+              <a:rPr lang="zh-TW" altLang="en-US" sz="5400" b="1" dirty="0" smtClean="0">
+                <a:latin typeface="Microsoft JhengHei" panose="020B0604030504040204" pitchFamily="34" charset="-120"/>
+                <a:ea typeface="Microsoft JhengHei" panose="020B0604030504040204" pitchFamily="34" charset="-120"/>
+                <a:cs typeface="+mj-cs"/>
+              </a:rPr>
+              <a:t>認</a:t>
+            </a:r>
+            <a:r>
+              <a:rPr lang="zh-CN" altLang="en-US" sz="5400" b="1" dirty="0">
+                <a:latin typeface="Microsoft JhengHei" panose="020B0604030504040204" pitchFamily="34" charset="-120"/>
+                <a:ea typeface="Microsoft JhengHei" panose="020B0604030504040204" pitchFamily="34" charset="-120"/>
+              </a:rPr>
+              <a:t>袮</a:t>
+            </a:r>
+            <a:r>
+              <a:rPr lang="zh-TW" altLang="en-US" sz="5400" b="1" dirty="0" smtClean="0">
+                <a:latin typeface="Microsoft JhengHei" panose="020B0604030504040204" pitchFamily="34" charset="-120"/>
+                <a:ea typeface="Microsoft JhengHei" panose="020B0604030504040204" pitchFamily="34" charset="-120"/>
+                <a:cs typeface="+mj-cs"/>
+              </a:rPr>
+              <a:t>是</a:t>
+            </a:r>
+            <a:r>
+              <a:rPr lang="zh-TW" altLang="en-US" sz="5400" b="1" dirty="0">
+                <a:latin typeface="Microsoft JhengHei" panose="020B0604030504040204" pitchFamily="34" charset="-120"/>
+                <a:ea typeface="Microsoft JhengHei" panose="020B0604030504040204" pitchFamily="34" charset="-120"/>
+                <a:cs typeface="+mj-cs"/>
+              </a:rPr>
+              <a:t>主 </a:t>
+            </a:r>
+            <a:endParaRPr lang="en-US" altLang="zh-TW" sz="5400" b="1" dirty="0">
+              <a:latin typeface="Microsoft JhengHei" panose="020B0604030504040204" pitchFamily="34" charset="-120"/>
+              <a:ea typeface="Microsoft JhengHei" panose="020B0604030504040204" pitchFamily="34" charset="-120"/>
+              <a:cs typeface="+mj-cs"/>
+            </a:endParaRPr>
+          </a:p>
+          <a:p>
+            <a:pPr marL="0" indent="0" algn="ctr">
+              <a:buNone/>
+            </a:pPr>
+            <a:r>
+              <a:rPr lang="zh-TW" altLang="en-US" sz="5400" b="1" dirty="0">
+                <a:latin typeface="Microsoft JhengHei" panose="020B0604030504040204" pitchFamily="34" charset="-120"/>
+                <a:ea typeface="Microsoft JhengHei" panose="020B0604030504040204" pitchFamily="34" charset="-120"/>
+                <a:cs typeface="+mj-cs"/>
+              </a:rPr>
+              <a:t>直到那日 我再</a:t>
+            </a:r>
+            <a:r>
+              <a:rPr lang="zh-TW" altLang="en-US" sz="5400" b="1" dirty="0" smtClean="0">
+                <a:latin typeface="Microsoft JhengHei" panose="020B0604030504040204" pitchFamily="34" charset="-120"/>
+                <a:ea typeface="Microsoft JhengHei" panose="020B0604030504040204" pitchFamily="34" charset="-120"/>
+                <a:cs typeface="+mj-cs"/>
+              </a:rPr>
+              <a:t>見</a:t>
+            </a:r>
+            <a:r>
+              <a:rPr lang="zh-CN" altLang="en-US" sz="5400" b="1" dirty="0">
+                <a:latin typeface="Microsoft JhengHei" panose="020B0604030504040204" pitchFamily="34" charset="-120"/>
+                <a:ea typeface="Microsoft JhengHei" panose="020B0604030504040204" pitchFamily="34" charset="-120"/>
+              </a:rPr>
+              <a:t>袮</a:t>
+            </a:r>
+            <a:r>
+              <a:rPr lang="zh-TW" altLang="en-US" sz="5400" b="1" dirty="0" smtClean="0">
+                <a:latin typeface="Microsoft JhengHei" panose="020B0604030504040204" pitchFamily="34" charset="-120"/>
+                <a:ea typeface="Microsoft JhengHei" panose="020B0604030504040204" pitchFamily="34" charset="-120"/>
+                <a:cs typeface="+mj-cs"/>
+              </a:rPr>
+              <a:t>的</a:t>
+            </a:r>
+            <a:r>
+              <a:rPr lang="zh-TW" altLang="en-US" sz="5400" b="1" dirty="0">
+                <a:latin typeface="Microsoft JhengHei" panose="020B0604030504040204" pitchFamily="34" charset="-120"/>
+                <a:ea typeface="Microsoft JhengHei" panose="020B0604030504040204" pitchFamily="34" charset="-120"/>
+                <a:cs typeface="+mj-cs"/>
+              </a:rPr>
+              <a:t>面</a:t>
+            </a:r>
+            <a:endParaRPr lang="en-US" sz="5400" b="1" dirty="0">
+              <a:latin typeface="Microsoft JhengHei" panose="020B0604030504040204" pitchFamily="34" charset="-120"/>
+              <a:ea typeface="Microsoft JhengHei" panose="020B0604030504040204" pitchFamily="34" charset="-120"/>
+              <a:cs typeface="+mj-cs"/>
+            </a:endParaRPr>
+          </a:p>
+        </p:txBody>
+      </p:sp>
+    </p:spTree>
+    <p:extLst>
+      <p:ext uri="{BB962C8B-B14F-4D97-AF65-F5344CB8AC3E}">
+        <p14:creationId xmlns="" xmlns:p14="http://schemas.microsoft.com/office/powerpoint/2010/main" val="2372209404"/>
+      </p:ext>
+    </p:extLst>
+  </p:cSld>
+  <p:clrMapOvr>
+    <a:masterClrMapping/>
+  </p:clrMapOvr>
+</p:sld>
+</file>
+
+<file path=ppt/slides/slide8.xml><?xml version="1.0" encoding="utf-8"?>
+<p:sld xmlns:a="http://schemas.openxmlformats.org/drawingml/2006/main" xmlns:r="http://schemas.openxmlformats.org/officeDocument/2006/relationships" xmlns:p="http://schemas.openxmlformats.org/presentationml/2006/main">
+  <p:cSld>
+    <p:spTree>
+      <p:nvGrpSpPr>
+        <p:cNvPr id="1" name=""/>
+        <p:cNvGrpSpPr/>
+        <p:nvPr/>
+      </p:nvGrpSpPr>
+      <p:grpSpPr>
+        <a:xfrm>
+          <a:off x="0" y="0"/>
+          <a:ext cx="0" cy="0"/>
+          <a:chOff x="0" y="0"/>
+          <a:chExt cx="0" cy="0"/>
+        </a:xfrm>
+      </p:grpSpPr>
+      <p:sp>
+        <p:nvSpPr>
+          <p:cNvPr id="2" name="Title 1">
+            <a:extLst>
+              <a:ext uri="{FF2B5EF4-FFF2-40B4-BE49-F238E27FC236}">
+                <a16:creationId xmlns="" xmlns:a16="http://schemas.microsoft.com/office/drawing/2014/main" id="{48BD1D8E-9BB3-4D96-928A-29F0C8229131}"/>
+              </a:ext>
+            </a:extLst>
+          </p:cNvPr>
+          <p:cNvSpPr>
+            <a:spLocks noGrp="1"/>
+          </p:cNvSpPr>
+          <p:nvPr>
+            <p:ph type="title"/>
+          </p:nvPr>
+        </p:nvSpPr>
+        <p:spPr/>
+        <p:txBody>
+          <a:bodyPr>
+            <a:normAutofit/>
+          </a:bodyPr>
+          <a:lstStyle/>
+          <a:p>
+            <a:pPr algn="ctr"/>
+            <a:r>
+              <a:rPr lang="zh-TW" altLang="en-US" sz="4800" b="1" dirty="0">
+                <a:latin typeface="Microsoft JhengHei" panose="020B0604030504040204" pitchFamily="34" charset="-120"/>
+                <a:ea typeface="Microsoft JhengHei" panose="020B0604030504040204" pitchFamily="34" charset="-120"/>
+              </a:rPr>
+              <a:t>君王就在這裡</a:t>
+            </a:r>
+            <a:endParaRPr lang="en-US" sz="4800" b="1" dirty="0">
+              <a:latin typeface="Microsoft JhengHei" panose="020B0604030504040204" pitchFamily="34" charset="-120"/>
+              <a:ea typeface="Microsoft JhengHei" panose="020B0604030504040204" pitchFamily="34" charset="-120"/>
+            </a:endParaRPr>
+          </a:p>
+        </p:txBody>
+      </p:sp>
+      <p:sp>
+        <p:nvSpPr>
+          <p:cNvPr id="3" name="Content Placeholder 2">
+            <a:extLst>
+              <a:ext uri="{FF2B5EF4-FFF2-40B4-BE49-F238E27FC236}">
+                <a16:creationId xmlns="" xmlns:a16="http://schemas.microsoft.com/office/drawing/2014/main" id="{E22CC9E4-8F8E-42EB-9D61-9016F65A0B41}"/>
+              </a:ext>
+            </a:extLst>
+          </p:cNvPr>
+          <p:cNvSpPr>
+            <a:spLocks noGrp="1"/>
+          </p:cNvSpPr>
+          <p:nvPr>
+            <p:ph idx="1"/>
+          </p:nvPr>
+        </p:nvSpPr>
+        <p:spPr>
+          <a:xfrm>
+            <a:off x="1524000" y="1825625"/>
+            <a:ext cx="9144000" cy="4351338"/>
+          </a:xfrm>
+        </p:spPr>
+        <p:txBody>
+          <a:bodyPr>
+            <a:normAutofit/>
+          </a:bodyPr>
+          <a:lstStyle/>
+          <a:p>
+            <a:pPr marL="0" indent="0" algn="ctr">
+              <a:buNone/>
+            </a:pPr>
+            <a:r>
+              <a:rPr lang="zh-TW" altLang="en-US" sz="5400" b="1" dirty="0">
+                <a:latin typeface="Microsoft JhengHei" panose="020B0604030504040204" pitchFamily="34" charset="-120"/>
+                <a:ea typeface="Microsoft JhengHei" panose="020B0604030504040204" pitchFamily="34" charset="-120"/>
+                <a:cs typeface="+mj-cs"/>
+              </a:rPr>
+              <a:t>君王就在這裡 我們歡然獻祭 </a:t>
+            </a:r>
+            <a:endParaRPr lang="en-US" altLang="zh-TW" sz="5400" b="1" dirty="0">
+              <a:latin typeface="Microsoft JhengHei" panose="020B0604030504040204" pitchFamily="34" charset="-120"/>
+              <a:ea typeface="Microsoft JhengHei" panose="020B0604030504040204" pitchFamily="34" charset="-120"/>
+              <a:cs typeface="+mj-cs"/>
+            </a:endParaRPr>
+          </a:p>
+          <a:p>
+            <a:pPr marL="0" indent="0" algn="ctr">
+              <a:buNone/>
+            </a:pPr>
+            <a:r>
+              <a:rPr lang="zh-TW" altLang="en-US" sz="5400" b="1" dirty="0">
+                <a:latin typeface="Microsoft JhengHei" panose="020B0604030504040204" pitchFamily="34" charset="-120"/>
+                <a:ea typeface="Microsoft JhengHei" panose="020B0604030504040204" pitchFamily="34" charset="-120"/>
+                <a:cs typeface="+mj-cs"/>
+              </a:rPr>
+              <a:t>擁</a:t>
+            </a:r>
+            <a:r>
+              <a:rPr lang="zh-TW" altLang="en-US" sz="5400" b="1" dirty="0" smtClean="0">
+                <a:latin typeface="Microsoft JhengHei" panose="020B0604030504040204" pitchFamily="34" charset="-120"/>
+                <a:ea typeface="Microsoft JhengHei" panose="020B0604030504040204" pitchFamily="34" charset="-120"/>
+                <a:cs typeface="+mj-cs"/>
+              </a:rPr>
+              <a:t>戴</a:t>
+            </a:r>
+            <a:r>
+              <a:rPr lang="zh-CN" altLang="en-US" sz="5400" b="1" dirty="0" smtClean="0">
+                <a:latin typeface="Microsoft JhengHei" panose="020B0604030504040204" pitchFamily="34" charset="-120"/>
+                <a:ea typeface="Microsoft JhengHei" panose="020B0604030504040204" pitchFamily="34" charset="-120"/>
+                <a:cs typeface="+mj-cs"/>
+              </a:rPr>
+              <a:t>袮</a:t>
+            </a:r>
+            <a:r>
+              <a:rPr lang="zh-TW" altLang="en-US" sz="5400" b="1" dirty="0" smtClean="0">
+                <a:latin typeface="Microsoft JhengHei" panose="020B0604030504040204" pitchFamily="34" charset="-120"/>
+                <a:ea typeface="Microsoft JhengHei" panose="020B0604030504040204" pitchFamily="34" charset="-120"/>
+                <a:cs typeface="+mj-cs"/>
+              </a:rPr>
+              <a:t>為</a:t>
+            </a:r>
+            <a:r>
+              <a:rPr lang="zh-TW" altLang="en-US" sz="5400" b="1" dirty="0">
+                <a:latin typeface="Microsoft JhengHei" panose="020B0604030504040204" pitchFamily="34" charset="-120"/>
+                <a:ea typeface="Microsoft JhengHei" panose="020B0604030504040204" pitchFamily="34" charset="-120"/>
+                <a:cs typeface="+mj-cs"/>
+              </a:rPr>
+              <a:t>王 榮耀都歸</a:t>
+            </a:r>
+            <a:r>
+              <a:rPr lang="zh-TW" altLang="en-US" sz="5400" b="1" dirty="0" smtClean="0">
+                <a:latin typeface="Microsoft JhengHei" panose="020B0604030504040204" pitchFamily="34" charset="-120"/>
+                <a:ea typeface="Microsoft JhengHei" panose="020B0604030504040204" pitchFamily="34" charset="-120"/>
+                <a:cs typeface="+mj-cs"/>
+              </a:rPr>
+              <a:t>於</a:t>
+            </a:r>
+            <a:r>
+              <a:rPr lang="zh-CN" altLang="en-US" sz="5400" b="1" dirty="0">
+                <a:latin typeface="Microsoft JhengHei" panose="020B0604030504040204" pitchFamily="34" charset="-120"/>
+                <a:ea typeface="Microsoft JhengHei" panose="020B0604030504040204" pitchFamily="34" charset="-120"/>
+              </a:rPr>
+              <a:t>袮</a:t>
+            </a:r>
+            <a:endParaRPr lang="en-US" altLang="zh-TW" sz="5400" b="1" dirty="0">
+              <a:latin typeface="Microsoft JhengHei" panose="020B0604030504040204" pitchFamily="34" charset="-120"/>
+              <a:ea typeface="Microsoft JhengHei" panose="020B0604030504040204" pitchFamily="34" charset="-120"/>
+              <a:cs typeface="+mj-cs"/>
+            </a:endParaRPr>
+          </a:p>
+          <a:p>
+            <a:pPr marL="0" indent="0" algn="ctr">
+              <a:buNone/>
+            </a:pPr>
+            <a:r>
+              <a:rPr lang="zh-TW" altLang="en-US" sz="5400" b="1" dirty="0">
+                <a:latin typeface="Microsoft JhengHei" panose="020B0604030504040204" pitchFamily="34" charset="-120"/>
+                <a:ea typeface="Microsoft JhengHei" panose="020B0604030504040204" pitchFamily="34" charset="-120"/>
+                <a:cs typeface="+mj-cs"/>
+              </a:rPr>
+              <a:t>君王就在這裡 大能彰顯這地 </a:t>
+            </a:r>
+            <a:endParaRPr lang="en-US" altLang="zh-TW" sz="5400" b="1" dirty="0">
+              <a:latin typeface="Microsoft JhengHei" panose="020B0604030504040204" pitchFamily="34" charset="-120"/>
+              <a:ea typeface="Microsoft JhengHei" panose="020B0604030504040204" pitchFamily="34" charset="-120"/>
+              <a:cs typeface="+mj-cs"/>
+            </a:endParaRPr>
+          </a:p>
+          <a:p>
+            <a:pPr marL="0" indent="0" algn="ctr">
+              <a:buNone/>
+            </a:pPr>
+            <a:r>
+              <a:rPr lang="zh-TW" altLang="en-US" sz="5400" b="1" dirty="0">
+                <a:latin typeface="Microsoft JhengHei" panose="020B0604030504040204" pitchFamily="34" charset="-120"/>
+                <a:ea typeface="Microsoft JhengHei" panose="020B0604030504040204" pitchFamily="34" charset="-120"/>
+                <a:cs typeface="+mj-cs"/>
+              </a:rPr>
+              <a:t>和散那歸於 至高神主耶穌</a:t>
+            </a:r>
+            <a:endParaRPr lang="en-US" sz="5400" b="1" dirty="0">
+              <a:latin typeface="Microsoft JhengHei" panose="020B0604030504040204" pitchFamily="34" charset="-120"/>
+              <a:ea typeface="Microsoft JhengHei" panose="020B0604030504040204" pitchFamily="34" charset="-120"/>
+              <a:cs typeface="+mj-cs"/>
+            </a:endParaRPr>
+          </a:p>
+        </p:txBody>
+      </p:sp>
+    </p:spTree>
+    <p:extLst>
+      <p:ext uri="{BB962C8B-B14F-4D97-AF65-F5344CB8AC3E}">
+        <p14:creationId xmlns="" xmlns:p14="http://schemas.microsoft.com/office/powerpoint/2010/main" val="1195095475"/>
       </p:ext>
     </p:extLst>
   </p:cSld>

--- a/君王就在這裡.pptx
+++ b/君王就在這裡.pptx
@@ -5,14 +5,12 @@
     <p:sldMasterId id="2147483672" r:id="rId1"/>
   </p:sldMasterIdLst>
   <p:sldIdLst>
-    <p:sldId id="257" r:id="rId2"/>
-    <p:sldId id="262" r:id="rId3"/>
-    <p:sldId id="258" r:id="rId4"/>
-    <p:sldId id="260" r:id="rId5"/>
-    <p:sldId id="261" r:id="rId6"/>
-    <p:sldId id="264" r:id="rId7"/>
-    <p:sldId id="263" r:id="rId8"/>
-    <p:sldId id="265" r:id="rId9"/>
+    <p:sldId id="506" r:id="rId2"/>
+    <p:sldId id="507" r:id="rId3"/>
+    <p:sldId id="508" r:id="rId4"/>
+    <p:sldId id="509" r:id="rId5"/>
+    <p:sldId id="510" r:id="rId6"/>
+    <p:sldId id="511" r:id="rId7"/>
   </p:sldIdLst>
   <p:sldSz cx="12192000" cy="6858000"/>
   <p:notesSz cx="6858000" cy="9144000"/>
@@ -113,7 +111,7 @@
   </p:defaultTextStyle>
   <p:extLst>
     <p:ext uri="{EFAFB233-063F-42B5-8137-9DF3F51BA10A}">
-      <p15:sldGuideLst xmlns="" xmlns:p15="http://schemas.microsoft.com/office/powerpoint/2012/main">
+      <p15:sldGuideLst xmlns:p15="http://schemas.microsoft.com/office/powerpoint/2012/main">
         <p15:guide id="1" orient="horz" pos="2160" userDrawn="1">
           <p15:clr>
             <a:srgbClr val="A4A3A4"/>
@@ -128,10 +126,6 @@
     </p:ext>
   </p:extLst>
 </p:presentation>
-</file>
-
-<file path=ppt/revisionInfo.xml><?xml version="1.0" encoding="utf-8"?>
-<p1510:revInfo xmlns:a="http://schemas.openxmlformats.org/drawingml/2006/main" xmlns:r="http://schemas.openxmlformats.org/officeDocument/2006/relationships" xmlns:p1510="http://schemas.microsoft.com/office/powerpoint/2015/10/main"/>
 </file>
 
 <file path=ppt/slideLayouts/slideLayout1.xml><?xml version="1.0" encoding="utf-8"?>
@@ -172,10 +166,9 @@
           <a:lstStyle/>
           <a:p>
             <a:r>
-              <a:rPr lang="zh-TW" altLang="en-US" smtClean="0"/>
+              <a:rPr lang="zh-TW" altLang="en-US"/>
               <a:t>按一下以編輯母片標題樣式</a:t>
             </a:r>
-            <a:endParaRPr lang="zh-TW" altLang="en-US"/>
           </a:p>
         </p:txBody>
       </p:sp>
@@ -291,10 +284,9 @@
           </a:lstStyle>
           <a:p>
             <a:r>
-              <a:rPr lang="zh-TW" altLang="en-US" smtClean="0"/>
+              <a:rPr lang="zh-TW" altLang="en-US"/>
               <a:t>按一下以編輯母片副標題樣式</a:t>
             </a:r>
-            <a:endParaRPr lang="zh-TW" altLang="en-US"/>
           </a:p>
         </p:txBody>
       </p:sp>
@@ -316,7 +308,7 @@
             <a:fld id="{B4397B52-E6AB-4D37-B982-3B5B9DBDC60C}" type="datetimeFigureOut">
               <a:rPr lang="en-US" smtClean="0"/>
               <a:pPr/>
-              <a:t>2/7/2021</a:t>
+              <a:t>12/9/2023</a:t>
             </a:fld>
             <a:endParaRPr lang="en-US"/>
           </a:p>
@@ -368,7 +360,7 @@
     </p:spTree>
     <p:extLst>
       <p:ext uri="{BB962C8B-B14F-4D97-AF65-F5344CB8AC3E}">
-        <p14:creationId xmlns="" xmlns:p14="http://schemas.microsoft.com/office/powerpoint/2010/main" val="564002923"/>
+        <p14:creationId xmlns:p14="http://schemas.microsoft.com/office/powerpoint/2010/main" val="564002923"/>
       </p:ext>
     </p:extLst>
   </p:cSld>
@@ -411,10 +403,9 @@
           <a:lstStyle/>
           <a:p>
             <a:r>
-              <a:rPr lang="zh-TW" altLang="en-US" smtClean="0"/>
+              <a:rPr lang="zh-TW" altLang="en-US"/>
               <a:t>按一下以編輯母片標題樣式</a:t>
             </a:r>
-            <a:endParaRPr lang="zh-TW" altLang="en-US"/>
           </a:p>
         </p:txBody>
       </p:sp>
@@ -435,38 +426,37 @@
           <a:p>
             <a:pPr lvl="0"/>
             <a:r>
-              <a:rPr lang="zh-TW" altLang="en-US" smtClean="0"/>
+              <a:rPr lang="zh-TW" altLang="en-US"/>
               <a:t>按一下以編輯母片文字樣式</a:t>
             </a:r>
           </a:p>
           <a:p>
             <a:pPr lvl="1"/>
             <a:r>
-              <a:rPr lang="zh-TW" altLang="en-US" smtClean="0"/>
+              <a:rPr lang="zh-TW" altLang="en-US"/>
               <a:t>第二層</a:t>
             </a:r>
           </a:p>
           <a:p>
             <a:pPr lvl="2"/>
             <a:r>
-              <a:rPr lang="zh-TW" altLang="en-US" smtClean="0"/>
+              <a:rPr lang="zh-TW" altLang="en-US"/>
               <a:t>第三層</a:t>
             </a:r>
           </a:p>
           <a:p>
             <a:pPr lvl="3"/>
             <a:r>
-              <a:rPr lang="zh-TW" altLang="en-US" smtClean="0"/>
+              <a:rPr lang="zh-TW" altLang="en-US"/>
               <a:t>第四層</a:t>
             </a:r>
           </a:p>
           <a:p>
             <a:pPr lvl="4"/>
             <a:r>
-              <a:rPr lang="zh-TW" altLang="en-US" smtClean="0"/>
+              <a:rPr lang="zh-TW" altLang="en-US"/>
               <a:t>第五層</a:t>
             </a:r>
-            <a:endParaRPr lang="zh-TW" altLang="en-US"/>
           </a:p>
         </p:txBody>
       </p:sp>
@@ -488,7 +478,7 @@
             <a:fld id="{B4397B52-E6AB-4D37-B982-3B5B9DBDC60C}" type="datetimeFigureOut">
               <a:rPr lang="en-US" smtClean="0"/>
               <a:pPr/>
-              <a:t>2/7/2021</a:t>
+              <a:t>12/9/2023</a:t>
             </a:fld>
             <a:endParaRPr lang="en-US"/>
           </a:p>
@@ -540,7 +530,7 @@
     </p:spTree>
     <p:extLst>
       <p:ext uri="{BB962C8B-B14F-4D97-AF65-F5344CB8AC3E}">
-        <p14:creationId xmlns="" xmlns:p14="http://schemas.microsoft.com/office/powerpoint/2010/main" val="1203237180"/>
+        <p14:creationId xmlns:p14="http://schemas.microsoft.com/office/powerpoint/2010/main" val="1203237180"/>
       </p:ext>
     </p:extLst>
   </p:cSld>
@@ -588,10 +578,9 @@
           <a:lstStyle/>
           <a:p>
             <a:r>
-              <a:rPr lang="zh-TW" altLang="en-US" smtClean="0"/>
+              <a:rPr lang="zh-TW" altLang="en-US"/>
               <a:t>按一下以編輯母片標題樣式</a:t>
             </a:r>
-            <a:endParaRPr lang="zh-TW" altLang="en-US"/>
           </a:p>
         </p:txBody>
       </p:sp>
@@ -617,38 +606,37 @@
           <a:p>
             <a:pPr lvl="0"/>
             <a:r>
-              <a:rPr lang="zh-TW" altLang="en-US" smtClean="0"/>
+              <a:rPr lang="zh-TW" altLang="en-US"/>
               <a:t>按一下以編輯母片文字樣式</a:t>
             </a:r>
           </a:p>
           <a:p>
             <a:pPr lvl="1"/>
             <a:r>
-              <a:rPr lang="zh-TW" altLang="en-US" smtClean="0"/>
+              <a:rPr lang="zh-TW" altLang="en-US"/>
               <a:t>第二層</a:t>
             </a:r>
           </a:p>
           <a:p>
             <a:pPr lvl="2"/>
             <a:r>
-              <a:rPr lang="zh-TW" altLang="en-US" smtClean="0"/>
+              <a:rPr lang="zh-TW" altLang="en-US"/>
               <a:t>第三層</a:t>
             </a:r>
           </a:p>
           <a:p>
             <a:pPr lvl="3"/>
             <a:r>
-              <a:rPr lang="zh-TW" altLang="en-US" smtClean="0"/>
+              <a:rPr lang="zh-TW" altLang="en-US"/>
               <a:t>第四層</a:t>
             </a:r>
           </a:p>
           <a:p>
             <a:pPr lvl="4"/>
             <a:r>
-              <a:rPr lang="zh-TW" altLang="en-US" smtClean="0"/>
+              <a:rPr lang="zh-TW" altLang="en-US"/>
               <a:t>第五層</a:t>
             </a:r>
-            <a:endParaRPr lang="zh-TW" altLang="en-US"/>
           </a:p>
         </p:txBody>
       </p:sp>
@@ -670,7 +658,7 @@
             <a:fld id="{B4397B52-E6AB-4D37-B982-3B5B9DBDC60C}" type="datetimeFigureOut">
               <a:rPr lang="en-US" smtClean="0"/>
               <a:pPr/>
-              <a:t>2/7/2021</a:t>
+              <a:t>12/9/2023</a:t>
             </a:fld>
             <a:endParaRPr lang="en-US"/>
           </a:p>
@@ -722,7 +710,7 @@
     </p:spTree>
     <p:extLst>
       <p:ext uri="{BB962C8B-B14F-4D97-AF65-F5344CB8AC3E}">
-        <p14:creationId xmlns="" xmlns:p14="http://schemas.microsoft.com/office/powerpoint/2010/main" val="3313262176"/>
+        <p14:creationId xmlns:p14="http://schemas.microsoft.com/office/powerpoint/2010/main" val="3313262176"/>
       </p:ext>
     </p:extLst>
   </p:cSld>
@@ -765,10 +753,9 @@
           <a:lstStyle/>
           <a:p>
             <a:r>
-              <a:rPr lang="zh-TW" altLang="en-US" smtClean="0"/>
+              <a:rPr lang="zh-TW" altLang="en-US"/>
               <a:t>按一下以編輯母片標題樣式</a:t>
             </a:r>
-            <a:endParaRPr lang="zh-TW" altLang="en-US"/>
           </a:p>
         </p:txBody>
       </p:sp>
@@ -789,38 +776,37 @@
           <a:p>
             <a:pPr lvl="0"/>
             <a:r>
-              <a:rPr lang="zh-TW" altLang="en-US" smtClean="0"/>
+              <a:rPr lang="zh-TW" altLang="en-US"/>
               <a:t>按一下以編輯母片文字樣式</a:t>
             </a:r>
           </a:p>
           <a:p>
             <a:pPr lvl="1"/>
             <a:r>
-              <a:rPr lang="zh-TW" altLang="en-US" smtClean="0"/>
+              <a:rPr lang="zh-TW" altLang="en-US"/>
               <a:t>第二層</a:t>
             </a:r>
           </a:p>
           <a:p>
             <a:pPr lvl="2"/>
             <a:r>
-              <a:rPr lang="zh-TW" altLang="en-US" smtClean="0"/>
+              <a:rPr lang="zh-TW" altLang="en-US"/>
               <a:t>第三層</a:t>
             </a:r>
           </a:p>
           <a:p>
             <a:pPr lvl="3"/>
             <a:r>
-              <a:rPr lang="zh-TW" altLang="en-US" smtClean="0"/>
+              <a:rPr lang="zh-TW" altLang="en-US"/>
               <a:t>第四層</a:t>
             </a:r>
           </a:p>
           <a:p>
             <a:pPr lvl="4"/>
             <a:r>
-              <a:rPr lang="zh-TW" altLang="en-US" smtClean="0"/>
+              <a:rPr lang="zh-TW" altLang="en-US"/>
               <a:t>第五層</a:t>
             </a:r>
-            <a:endParaRPr lang="zh-TW" altLang="en-US"/>
           </a:p>
         </p:txBody>
       </p:sp>
@@ -842,7 +828,7 @@
             <a:fld id="{B4397B52-E6AB-4D37-B982-3B5B9DBDC60C}" type="datetimeFigureOut">
               <a:rPr lang="en-US" smtClean="0"/>
               <a:pPr/>
-              <a:t>2/7/2021</a:t>
+              <a:t>12/9/2023</a:t>
             </a:fld>
             <a:endParaRPr lang="en-US"/>
           </a:p>
@@ -894,7 +880,7 @@
     </p:spTree>
     <p:extLst>
       <p:ext uri="{BB962C8B-B14F-4D97-AF65-F5344CB8AC3E}">
-        <p14:creationId xmlns="" xmlns:p14="http://schemas.microsoft.com/office/powerpoint/2010/main" val="2534147719"/>
+        <p14:creationId xmlns:p14="http://schemas.microsoft.com/office/powerpoint/2010/main" val="2534147719"/>
       </p:ext>
     </p:extLst>
   </p:cSld>
@@ -946,10 +932,9 @@
           </a:lstStyle>
           <a:p>
             <a:r>
-              <a:rPr lang="zh-TW" altLang="en-US" smtClean="0"/>
+              <a:rPr lang="zh-TW" altLang="en-US"/>
               <a:t>按一下以編輯母片標題樣式</a:t>
             </a:r>
-            <a:endParaRPr lang="zh-TW" altLang="en-US"/>
           </a:p>
         </p:txBody>
       </p:sp>
@@ -1066,7 +1051,7 @@
           <a:p>
             <a:pPr lvl="0"/>
             <a:r>
-              <a:rPr lang="zh-TW" altLang="en-US" smtClean="0"/>
+              <a:rPr lang="zh-TW" altLang="en-US"/>
               <a:t>按一下以編輯母片文字樣式</a:t>
             </a:r>
           </a:p>
@@ -1090,7 +1075,7 @@
             <a:fld id="{B4397B52-E6AB-4D37-B982-3B5B9DBDC60C}" type="datetimeFigureOut">
               <a:rPr lang="en-US" smtClean="0"/>
               <a:pPr/>
-              <a:t>2/7/2021</a:t>
+              <a:t>12/9/2023</a:t>
             </a:fld>
             <a:endParaRPr lang="en-US"/>
           </a:p>
@@ -1142,7 +1127,7 @@
     </p:spTree>
     <p:extLst>
       <p:ext uri="{BB962C8B-B14F-4D97-AF65-F5344CB8AC3E}">
-        <p14:creationId xmlns="" xmlns:p14="http://schemas.microsoft.com/office/powerpoint/2010/main" val="2138387205"/>
+        <p14:creationId xmlns:p14="http://schemas.microsoft.com/office/powerpoint/2010/main" val="2138387205"/>
       </p:ext>
     </p:extLst>
   </p:cSld>
@@ -1185,10 +1170,9 @@
           <a:lstStyle/>
           <a:p>
             <a:r>
-              <a:rPr lang="zh-TW" altLang="en-US" smtClean="0"/>
+              <a:rPr lang="zh-TW" altLang="en-US"/>
               <a:t>按一下以編輯母片標題樣式</a:t>
             </a:r>
-            <a:endParaRPr lang="zh-TW" altLang="en-US"/>
           </a:p>
         </p:txBody>
       </p:sp>
@@ -1242,38 +1226,37 @@
           <a:p>
             <a:pPr lvl="0"/>
             <a:r>
-              <a:rPr lang="zh-TW" altLang="en-US" smtClean="0"/>
+              <a:rPr lang="zh-TW" altLang="en-US"/>
               <a:t>按一下以編輯母片文字樣式</a:t>
             </a:r>
           </a:p>
           <a:p>
             <a:pPr lvl="1"/>
             <a:r>
-              <a:rPr lang="zh-TW" altLang="en-US" smtClean="0"/>
+              <a:rPr lang="zh-TW" altLang="en-US"/>
               <a:t>第二層</a:t>
             </a:r>
           </a:p>
           <a:p>
             <a:pPr lvl="2"/>
             <a:r>
-              <a:rPr lang="zh-TW" altLang="en-US" smtClean="0"/>
+              <a:rPr lang="zh-TW" altLang="en-US"/>
               <a:t>第三層</a:t>
             </a:r>
           </a:p>
           <a:p>
             <a:pPr lvl="3"/>
             <a:r>
-              <a:rPr lang="zh-TW" altLang="en-US" smtClean="0"/>
+              <a:rPr lang="zh-TW" altLang="en-US"/>
               <a:t>第四層</a:t>
             </a:r>
           </a:p>
           <a:p>
             <a:pPr lvl="4"/>
             <a:r>
-              <a:rPr lang="zh-TW" altLang="en-US" smtClean="0"/>
+              <a:rPr lang="zh-TW" altLang="en-US"/>
               <a:t>第五層</a:t>
             </a:r>
-            <a:endParaRPr lang="zh-TW" altLang="en-US"/>
           </a:p>
         </p:txBody>
       </p:sp>
@@ -1327,38 +1310,37 @@
           <a:p>
             <a:pPr lvl="0"/>
             <a:r>
-              <a:rPr lang="zh-TW" altLang="en-US" smtClean="0"/>
+              <a:rPr lang="zh-TW" altLang="en-US"/>
               <a:t>按一下以編輯母片文字樣式</a:t>
             </a:r>
           </a:p>
           <a:p>
             <a:pPr lvl="1"/>
             <a:r>
-              <a:rPr lang="zh-TW" altLang="en-US" smtClean="0"/>
+              <a:rPr lang="zh-TW" altLang="en-US"/>
               <a:t>第二層</a:t>
             </a:r>
           </a:p>
           <a:p>
             <a:pPr lvl="2"/>
             <a:r>
-              <a:rPr lang="zh-TW" altLang="en-US" smtClean="0"/>
+              <a:rPr lang="zh-TW" altLang="en-US"/>
               <a:t>第三層</a:t>
             </a:r>
           </a:p>
           <a:p>
             <a:pPr lvl="3"/>
             <a:r>
-              <a:rPr lang="zh-TW" altLang="en-US" smtClean="0"/>
+              <a:rPr lang="zh-TW" altLang="en-US"/>
               <a:t>第四層</a:t>
             </a:r>
           </a:p>
           <a:p>
             <a:pPr lvl="4"/>
             <a:r>
-              <a:rPr lang="zh-TW" altLang="en-US" smtClean="0"/>
+              <a:rPr lang="zh-TW" altLang="en-US"/>
               <a:t>第五層</a:t>
             </a:r>
-            <a:endParaRPr lang="zh-TW" altLang="en-US"/>
           </a:p>
         </p:txBody>
       </p:sp>
@@ -1380,7 +1362,7 @@
             <a:fld id="{B4397B52-E6AB-4D37-B982-3B5B9DBDC60C}" type="datetimeFigureOut">
               <a:rPr lang="en-US" smtClean="0"/>
               <a:pPr/>
-              <a:t>2/7/2021</a:t>
+              <a:t>12/9/2023</a:t>
             </a:fld>
             <a:endParaRPr lang="en-US"/>
           </a:p>
@@ -1432,7 +1414,7 @@
     </p:spTree>
     <p:extLst>
       <p:ext uri="{BB962C8B-B14F-4D97-AF65-F5344CB8AC3E}">
-        <p14:creationId xmlns="" xmlns:p14="http://schemas.microsoft.com/office/powerpoint/2010/main" val="2424735610"/>
+        <p14:creationId xmlns:p14="http://schemas.microsoft.com/office/powerpoint/2010/main" val="2424735610"/>
       </p:ext>
     </p:extLst>
   </p:cSld>
@@ -1479,10 +1461,9 @@
           </a:lstStyle>
           <a:p>
             <a:r>
-              <a:rPr lang="zh-TW" altLang="en-US" smtClean="0"/>
+              <a:rPr lang="zh-TW" altLang="en-US"/>
               <a:t>按一下以編輯母片標題樣式</a:t>
             </a:r>
-            <a:endParaRPr lang="zh-TW" altLang="en-US"/>
           </a:p>
         </p:txBody>
       </p:sp>
@@ -1545,7 +1526,7 @@
           <a:p>
             <a:pPr lvl="0"/>
             <a:r>
-              <a:rPr lang="zh-TW" altLang="en-US" smtClean="0"/>
+              <a:rPr lang="zh-TW" altLang="en-US"/>
               <a:t>按一下以編輯母片文字樣式</a:t>
             </a:r>
           </a:p>
@@ -1601,38 +1582,37 @@
           <a:p>
             <a:pPr lvl="0"/>
             <a:r>
-              <a:rPr lang="zh-TW" altLang="en-US" smtClean="0"/>
+              <a:rPr lang="zh-TW" altLang="en-US"/>
               <a:t>按一下以編輯母片文字樣式</a:t>
             </a:r>
           </a:p>
           <a:p>
             <a:pPr lvl="1"/>
             <a:r>
-              <a:rPr lang="zh-TW" altLang="en-US" smtClean="0"/>
+              <a:rPr lang="zh-TW" altLang="en-US"/>
               <a:t>第二層</a:t>
             </a:r>
           </a:p>
           <a:p>
             <a:pPr lvl="2"/>
             <a:r>
-              <a:rPr lang="zh-TW" altLang="en-US" smtClean="0"/>
+              <a:rPr lang="zh-TW" altLang="en-US"/>
               <a:t>第三層</a:t>
             </a:r>
           </a:p>
           <a:p>
             <a:pPr lvl="3"/>
             <a:r>
-              <a:rPr lang="zh-TW" altLang="en-US" smtClean="0"/>
+              <a:rPr lang="zh-TW" altLang="en-US"/>
               <a:t>第四層</a:t>
             </a:r>
           </a:p>
           <a:p>
             <a:pPr lvl="4"/>
             <a:r>
-              <a:rPr lang="zh-TW" altLang="en-US" smtClean="0"/>
+              <a:rPr lang="zh-TW" altLang="en-US"/>
               <a:t>第五層</a:t>
             </a:r>
-            <a:endParaRPr lang="zh-TW" altLang="en-US"/>
           </a:p>
         </p:txBody>
       </p:sp>
@@ -1695,7 +1675,7 @@
           <a:p>
             <a:pPr lvl="0"/>
             <a:r>
-              <a:rPr lang="zh-TW" altLang="en-US" smtClean="0"/>
+              <a:rPr lang="zh-TW" altLang="en-US"/>
               <a:t>按一下以編輯母片文字樣式</a:t>
             </a:r>
           </a:p>
@@ -1751,38 +1731,37 @@
           <a:p>
             <a:pPr lvl="0"/>
             <a:r>
-              <a:rPr lang="zh-TW" altLang="en-US" smtClean="0"/>
+              <a:rPr lang="zh-TW" altLang="en-US"/>
               <a:t>按一下以編輯母片文字樣式</a:t>
             </a:r>
           </a:p>
           <a:p>
             <a:pPr lvl="1"/>
             <a:r>
-              <a:rPr lang="zh-TW" altLang="en-US" smtClean="0"/>
+              <a:rPr lang="zh-TW" altLang="en-US"/>
               <a:t>第二層</a:t>
             </a:r>
           </a:p>
           <a:p>
             <a:pPr lvl="2"/>
             <a:r>
-              <a:rPr lang="zh-TW" altLang="en-US" smtClean="0"/>
+              <a:rPr lang="zh-TW" altLang="en-US"/>
               <a:t>第三層</a:t>
             </a:r>
           </a:p>
           <a:p>
             <a:pPr lvl="3"/>
             <a:r>
-              <a:rPr lang="zh-TW" altLang="en-US" smtClean="0"/>
+              <a:rPr lang="zh-TW" altLang="en-US"/>
               <a:t>第四層</a:t>
             </a:r>
           </a:p>
           <a:p>
             <a:pPr lvl="4"/>
             <a:r>
-              <a:rPr lang="zh-TW" altLang="en-US" smtClean="0"/>
+              <a:rPr lang="zh-TW" altLang="en-US"/>
               <a:t>第五層</a:t>
             </a:r>
-            <a:endParaRPr lang="zh-TW" altLang="en-US"/>
           </a:p>
         </p:txBody>
       </p:sp>
@@ -1804,7 +1783,7 @@
             <a:fld id="{B4397B52-E6AB-4D37-B982-3B5B9DBDC60C}" type="datetimeFigureOut">
               <a:rPr lang="en-US" smtClean="0"/>
               <a:pPr/>
-              <a:t>2/7/2021</a:t>
+              <a:t>12/9/2023</a:t>
             </a:fld>
             <a:endParaRPr lang="en-US"/>
           </a:p>
@@ -1856,7 +1835,7 @@
     </p:spTree>
     <p:extLst>
       <p:ext uri="{BB962C8B-B14F-4D97-AF65-F5344CB8AC3E}">
-        <p14:creationId xmlns="" xmlns:p14="http://schemas.microsoft.com/office/powerpoint/2010/main" val="2680884968"/>
+        <p14:creationId xmlns:p14="http://schemas.microsoft.com/office/powerpoint/2010/main" val="2680884968"/>
       </p:ext>
     </p:extLst>
   </p:cSld>
@@ -1899,10 +1878,9 @@
           <a:lstStyle/>
           <a:p>
             <a:r>
-              <a:rPr lang="zh-TW" altLang="en-US" smtClean="0"/>
+              <a:rPr lang="zh-TW" altLang="en-US"/>
               <a:t>按一下以編輯母片標題樣式</a:t>
             </a:r>
-            <a:endParaRPr lang="zh-TW" altLang="en-US"/>
           </a:p>
         </p:txBody>
       </p:sp>
@@ -1924,7 +1902,7 @@
             <a:fld id="{B4397B52-E6AB-4D37-B982-3B5B9DBDC60C}" type="datetimeFigureOut">
               <a:rPr lang="en-US" smtClean="0"/>
               <a:pPr/>
-              <a:t>2/7/2021</a:t>
+              <a:t>12/9/2023</a:t>
             </a:fld>
             <a:endParaRPr lang="en-US"/>
           </a:p>
@@ -1976,7 +1954,7 @@
     </p:spTree>
     <p:extLst>
       <p:ext uri="{BB962C8B-B14F-4D97-AF65-F5344CB8AC3E}">
-        <p14:creationId xmlns="" xmlns:p14="http://schemas.microsoft.com/office/powerpoint/2010/main" val="1570479887"/>
+        <p14:creationId xmlns:p14="http://schemas.microsoft.com/office/powerpoint/2010/main" val="1570479887"/>
       </p:ext>
     </p:extLst>
   </p:cSld>
@@ -2021,7 +1999,7 @@
             <a:fld id="{B4397B52-E6AB-4D37-B982-3B5B9DBDC60C}" type="datetimeFigureOut">
               <a:rPr lang="en-US" smtClean="0"/>
               <a:pPr/>
-              <a:t>2/7/2021</a:t>
+              <a:t>12/9/2023</a:t>
             </a:fld>
             <a:endParaRPr lang="en-US"/>
           </a:p>
@@ -2073,7 +2051,7 @@
     </p:spTree>
     <p:extLst>
       <p:ext uri="{BB962C8B-B14F-4D97-AF65-F5344CB8AC3E}">
-        <p14:creationId xmlns="" xmlns:p14="http://schemas.microsoft.com/office/powerpoint/2010/main" val="2678508546"/>
+        <p14:creationId xmlns:p14="http://schemas.microsoft.com/office/powerpoint/2010/main" val="2678508546"/>
       </p:ext>
     </p:extLst>
   </p:cSld>
@@ -2125,10 +2103,9 @@
           </a:lstStyle>
           <a:p>
             <a:r>
-              <a:rPr lang="zh-TW" altLang="en-US" smtClean="0"/>
+              <a:rPr lang="zh-TW" altLang="en-US"/>
               <a:t>按一下以編輯母片標題樣式</a:t>
             </a:r>
-            <a:endParaRPr lang="zh-TW" altLang="en-US"/>
           </a:p>
         </p:txBody>
       </p:sp>
@@ -2182,38 +2159,37 @@
           <a:p>
             <a:pPr lvl="0"/>
             <a:r>
-              <a:rPr lang="zh-TW" altLang="en-US" smtClean="0"/>
+              <a:rPr lang="zh-TW" altLang="en-US"/>
               <a:t>按一下以編輯母片文字樣式</a:t>
             </a:r>
           </a:p>
           <a:p>
             <a:pPr lvl="1"/>
             <a:r>
-              <a:rPr lang="zh-TW" altLang="en-US" smtClean="0"/>
+              <a:rPr lang="zh-TW" altLang="en-US"/>
               <a:t>第二層</a:t>
             </a:r>
           </a:p>
           <a:p>
             <a:pPr lvl="2"/>
             <a:r>
-              <a:rPr lang="zh-TW" altLang="en-US" smtClean="0"/>
+              <a:rPr lang="zh-TW" altLang="en-US"/>
               <a:t>第三層</a:t>
             </a:r>
           </a:p>
           <a:p>
             <a:pPr lvl="3"/>
             <a:r>
-              <a:rPr lang="zh-TW" altLang="en-US" smtClean="0"/>
+              <a:rPr lang="zh-TW" altLang="en-US"/>
               <a:t>第四層</a:t>
             </a:r>
           </a:p>
           <a:p>
             <a:pPr lvl="4"/>
             <a:r>
-              <a:rPr lang="zh-TW" altLang="en-US" smtClean="0"/>
+              <a:rPr lang="zh-TW" altLang="en-US"/>
               <a:t>第五層</a:t>
             </a:r>
-            <a:endParaRPr lang="zh-TW" altLang="en-US"/>
           </a:p>
         </p:txBody>
       </p:sp>
@@ -2276,7 +2252,7 @@
           <a:p>
             <a:pPr lvl="0"/>
             <a:r>
-              <a:rPr lang="zh-TW" altLang="en-US" smtClean="0"/>
+              <a:rPr lang="zh-TW" altLang="en-US"/>
               <a:t>按一下以編輯母片文字樣式</a:t>
             </a:r>
           </a:p>
@@ -2300,7 +2276,7 @@
             <a:fld id="{B4397B52-E6AB-4D37-B982-3B5B9DBDC60C}" type="datetimeFigureOut">
               <a:rPr lang="en-US" smtClean="0"/>
               <a:pPr/>
-              <a:t>2/7/2021</a:t>
+              <a:t>12/9/2023</a:t>
             </a:fld>
             <a:endParaRPr lang="en-US"/>
           </a:p>
@@ -2352,7 +2328,7 @@
     </p:spTree>
     <p:extLst>
       <p:ext uri="{BB962C8B-B14F-4D97-AF65-F5344CB8AC3E}">
-        <p14:creationId xmlns="" xmlns:p14="http://schemas.microsoft.com/office/powerpoint/2010/main" val="1939385693"/>
+        <p14:creationId xmlns:p14="http://schemas.microsoft.com/office/powerpoint/2010/main" val="1939385693"/>
       </p:ext>
     </p:extLst>
   </p:cSld>
@@ -2404,10 +2380,9 @@
           </a:lstStyle>
           <a:p>
             <a:r>
-              <a:rPr lang="zh-TW" altLang="en-US" smtClean="0"/>
+              <a:rPr lang="zh-TW" altLang="en-US"/>
               <a:t>按一下以編輯母片標題樣式</a:t>
             </a:r>
-            <a:endParaRPr lang="zh-TW" altLang="en-US"/>
           </a:p>
         </p:txBody>
       </p:sp>
@@ -2469,10 +2444,9 @@
           </a:lstStyle>
           <a:p>
             <a:r>
-              <a:rPr lang="zh-TW" altLang="en-US" smtClean="0"/>
+              <a:rPr lang="zh-TW" altLang="en-US"/>
               <a:t>按一下圖示以新增圖片</a:t>
             </a:r>
-            <a:endParaRPr lang="zh-TW" altLang="en-US"/>
           </a:p>
         </p:txBody>
       </p:sp>
@@ -2535,7 +2509,7 @@
           <a:p>
             <a:pPr lvl="0"/>
             <a:r>
-              <a:rPr lang="zh-TW" altLang="en-US" smtClean="0"/>
+              <a:rPr lang="zh-TW" altLang="en-US"/>
               <a:t>按一下以編輯母片文字樣式</a:t>
             </a:r>
           </a:p>
@@ -2559,7 +2533,7 @@
             <a:fld id="{B4397B52-E6AB-4D37-B982-3B5B9DBDC60C}" type="datetimeFigureOut">
               <a:rPr lang="en-US" smtClean="0"/>
               <a:pPr/>
-              <a:t>2/7/2021</a:t>
+              <a:t>12/9/2023</a:t>
             </a:fld>
             <a:endParaRPr lang="en-US"/>
           </a:p>
@@ -2611,7 +2585,7 @@
     </p:spTree>
     <p:extLst>
       <p:ext uri="{BB962C8B-B14F-4D97-AF65-F5344CB8AC3E}">
-        <p14:creationId xmlns="" xmlns:p14="http://schemas.microsoft.com/office/powerpoint/2010/main" val="3011331480"/>
+        <p14:creationId xmlns:p14="http://schemas.microsoft.com/office/powerpoint/2010/main" val="3011331480"/>
       </p:ext>
     </p:extLst>
   </p:cSld>
@@ -2674,10 +2648,9 @@
           <a:lstStyle/>
           <a:p>
             <a:r>
-              <a:rPr lang="zh-TW" altLang="en-US" smtClean="0"/>
+              <a:rPr lang="zh-TW" altLang="en-US"/>
               <a:t>按一下以編輯母片標題樣式</a:t>
             </a:r>
-            <a:endParaRPr lang="zh-TW" altLang="en-US"/>
           </a:p>
         </p:txBody>
       </p:sp>
@@ -2708,38 +2681,37 @@
           <a:p>
             <a:pPr lvl="0"/>
             <a:r>
-              <a:rPr lang="zh-TW" altLang="en-US" smtClean="0"/>
+              <a:rPr lang="zh-TW" altLang="en-US"/>
               <a:t>按一下以編輯母片文字樣式</a:t>
             </a:r>
           </a:p>
           <a:p>
             <a:pPr lvl="1"/>
             <a:r>
-              <a:rPr lang="zh-TW" altLang="en-US" smtClean="0"/>
+              <a:rPr lang="zh-TW" altLang="en-US"/>
               <a:t>第二層</a:t>
             </a:r>
           </a:p>
           <a:p>
             <a:pPr lvl="2"/>
             <a:r>
-              <a:rPr lang="zh-TW" altLang="en-US" smtClean="0"/>
+              <a:rPr lang="zh-TW" altLang="en-US"/>
               <a:t>第三層</a:t>
             </a:r>
           </a:p>
           <a:p>
             <a:pPr lvl="3"/>
             <a:r>
-              <a:rPr lang="zh-TW" altLang="en-US" smtClean="0"/>
+              <a:rPr lang="zh-TW" altLang="en-US"/>
               <a:t>第四層</a:t>
             </a:r>
           </a:p>
           <a:p>
             <a:pPr lvl="4"/>
             <a:r>
-              <a:rPr lang="zh-TW" altLang="en-US" smtClean="0"/>
+              <a:rPr lang="zh-TW" altLang="en-US"/>
               <a:t>第五層</a:t>
             </a:r>
-            <a:endParaRPr lang="zh-TW" altLang="en-US"/>
           </a:p>
         </p:txBody>
       </p:sp>
@@ -2779,7 +2751,7 @@
             <a:fld id="{B4397B52-E6AB-4D37-B982-3B5B9DBDC60C}" type="datetimeFigureOut">
               <a:rPr lang="en-US" smtClean="0"/>
               <a:pPr/>
-              <a:t>2/7/2021</a:t>
+              <a:t>12/9/2023</a:t>
             </a:fld>
             <a:endParaRPr lang="en-US"/>
           </a:p>
@@ -2867,7 +2839,7 @@
     </p:spTree>
     <p:extLst>
       <p:ext uri="{BB962C8B-B14F-4D97-AF65-F5344CB8AC3E}">
-        <p14:creationId xmlns="" xmlns:p14="http://schemas.microsoft.com/office/powerpoint/2010/main" val="14577905"/>
+        <p14:creationId xmlns:p14="http://schemas.microsoft.com/office/powerpoint/2010/main" val="14577905"/>
       </p:ext>
     </p:extLst>
   </p:cSld>
@@ -3157,13 +3129,7 @@
       </p:grpSpPr>
       <p:sp>
         <p:nvSpPr>
-          <p:cNvPr id="2" name="Title 1">
-            <a:extLst>
-              <a:ext uri="{FF2B5EF4-FFF2-40B4-BE49-F238E27FC236}">
-                <a16:creationId xmlns="" xmlns:a16="http://schemas.microsoft.com/office/drawing/2014/main" id="{48BD1D8E-9BB3-4D96-928A-29F0C8229131}"/>
-              </a:ext>
-            </a:extLst>
-          </p:cNvPr>
+          <p:cNvPr id="4" name="標題 3"/>
           <p:cNvSpPr>
             <a:spLocks noGrp="1"/>
           </p:cNvSpPr>
@@ -3171,232 +3137,39 @@
             <p:ph type="title"/>
           </p:nvPr>
         </p:nvSpPr>
-        <p:spPr/>
+        <p:spPr>
+          <a:xfrm>
+            <a:off x="0" y="2660915"/>
+            <a:ext cx="12192000" cy="1143000"/>
+          </a:xfrm>
+        </p:spPr>
         <p:txBody>
           <a:bodyPr>
-            <a:normAutofit/>
+            <a:noAutofit/>
           </a:bodyPr>
           <a:lstStyle/>
           <a:p>
-            <a:pPr algn="ctr"/>
-            <a:r>
-              <a:rPr lang="zh-TW" altLang="en-US" sz="4800" b="1" dirty="0">
-                <a:latin typeface="Microsoft JhengHei" panose="020B0604030504040204" pitchFamily="34" charset="-120"/>
-                <a:ea typeface="Microsoft JhengHei" panose="020B0604030504040204" pitchFamily="34" charset="-120"/>
+            <a:r>
+              <a:rPr lang="zh-TW" altLang="en-US" sz="7200" b="1" i="1" dirty="0">
+                <a:solidFill>
+                  <a:srgbClr val="000066"/>
+                </a:solidFill>
+                <a:effectLst>
+                  <a:outerShdw blurRad="38100" dist="38100" dir="2700000" algn="tl">
+                    <a:srgbClr val="000000">
+                      <a:alpha val="43137"/>
+                    </a:srgbClr>
+                  </a:outerShdw>
+                </a:effectLst>
+                <a:latin typeface="微軟正黑體" pitchFamily="34" charset="-120"/>
+                <a:ea typeface="微軟正黑體" pitchFamily="34" charset="-120"/>
               </a:rPr>
               <a:t>君王就在這裡</a:t>
             </a:r>
-            <a:endParaRPr lang="en-US" sz="4800" b="1" dirty="0">
-              <a:latin typeface="Microsoft JhengHei" panose="020B0604030504040204" pitchFamily="34" charset="-120"/>
-              <a:ea typeface="Microsoft JhengHei" panose="020B0604030504040204" pitchFamily="34" charset="-120"/>
-            </a:endParaRPr>
-          </a:p>
-        </p:txBody>
-      </p:sp>
-      <p:sp>
-        <p:nvSpPr>
-          <p:cNvPr id="3" name="Content Placeholder 2">
-            <a:extLst>
-              <a:ext uri="{FF2B5EF4-FFF2-40B4-BE49-F238E27FC236}">
-                <a16:creationId xmlns="" xmlns:a16="http://schemas.microsoft.com/office/drawing/2014/main" id="{E22CC9E4-8F8E-42EB-9D61-9016F65A0B41}"/>
-              </a:ext>
-            </a:extLst>
-          </p:cNvPr>
-          <p:cNvSpPr>
-            <a:spLocks noGrp="1"/>
-          </p:cNvSpPr>
-          <p:nvPr>
-            <p:ph idx="1"/>
-          </p:nvPr>
-        </p:nvSpPr>
-        <p:spPr>
-          <a:xfrm>
-            <a:off x="1524000" y="1825625"/>
-            <a:ext cx="9144000" cy="4351338"/>
-          </a:xfrm>
-        </p:spPr>
-        <p:txBody>
-          <a:bodyPr>
-            <a:normAutofit/>
-          </a:bodyPr>
-          <a:lstStyle/>
-          <a:p>
-            <a:pPr marL="0" indent="0" algn="ctr">
-              <a:buNone/>
-            </a:pPr>
-            <a:r>
-              <a:rPr lang="zh-TW" altLang="en-US" sz="5400" b="1" dirty="0">
-                <a:latin typeface="Microsoft JhengHei" panose="020B0604030504040204" pitchFamily="34" charset="-120"/>
-                <a:ea typeface="Microsoft JhengHei" panose="020B0604030504040204" pitchFamily="34" charset="-120"/>
-              </a:rPr>
-              <a:t>聖潔耶穌 </a:t>
-            </a:r>
-            <a:r>
-              <a:rPr lang="zh-CN" altLang="en-US" sz="5400" b="1" dirty="0" smtClean="0">
-                <a:latin typeface="Microsoft JhengHei" panose="020B0604030504040204" pitchFamily="34" charset="-120"/>
-                <a:ea typeface="Microsoft JhengHei" panose="020B0604030504040204" pitchFamily="34" charset="-120"/>
-              </a:rPr>
-              <a:t>袮</a:t>
-            </a:r>
-            <a:r>
-              <a:rPr lang="zh-TW" altLang="en-US" sz="5400" b="1" dirty="0" smtClean="0">
-                <a:latin typeface="Microsoft JhengHei" panose="020B0604030504040204" pitchFamily="34" charset="-120"/>
-                <a:ea typeface="Microsoft JhengHei" panose="020B0604030504040204" pitchFamily="34" charset="-120"/>
-              </a:rPr>
-              <a:t>寶</a:t>
-            </a:r>
-            <a:r>
-              <a:rPr lang="zh-TW" altLang="en-US" sz="5400" b="1" dirty="0">
-                <a:latin typeface="Microsoft JhengHei" panose="020B0604030504040204" pitchFamily="34" charset="-120"/>
-                <a:ea typeface="Microsoft JhengHei" panose="020B0604030504040204" pitchFamily="34" charset="-120"/>
-              </a:rPr>
-              <a:t>座在這裡 </a:t>
-            </a:r>
-            <a:endParaRPr lang="en-US" altLang="zh-TW" sz="5400" b="1" dirty="0">
-              <a:latin typeface="Microsoft JhengHei" panose="020B0604030504040204" pitchFamily="34" charset="-120"/>
-              <a:ea typeface="Microsoft JhengHei" panose="020B0604030504040204" pitchFamily="34" charset="-120"/>
-            </a:endParaRPr>
-          </a:p>
-          <a:p>
-            <a:pPr marL="0" indent="0" algn="ctr">
-              <a:buNone/>
-            </a:pPr>
-            <a:r>
-              <a:rPr lang="zh-TW" altLang="en-US" sz="5400" b="1" dirty="0">
-                <a:latin typeface="Microsoft JhengHei" panose="020B0604030504040204" pitchFamily="34" charset="-120"/>
-                <a:ea typeface="Microsoft JhengHei" panose="020B0604030504040204" pitchFamily="34" charset="-120"/>
-              </a:rPr>
-              <a:t>哈利路</a:t>
-            </a:r>
-            <a:r>
-              <a:rPr lang="zh-TW" altLang="en-US" sz="5400" b="1" dirty="0" smtClean="0">
-                <a:latin typeface="Microsoft JhengHei" panose="020B0604030504040204" pitchFamily="34" charset="-120"/>
-                <a:ea typeface="Microsoft JhengHei" panose="020B0604030504040204" pitchFamily="34" charset="-120"/>
-              </a:rPr>
-              <a:t>亞 </a:t>
-            </a:r>
-            <a:r>
-              <a:rPr lang="zh-CN" altLang="en-US" sz="5400" b="1" dirty="0" smtClean="0">
-                <a:latin typeface="Microsoft JhengHei" panose="020B0604030504040204" pitchFamily="34" charset="-120"/>
-                <a:ea typeface="Microsoft JhengHei" panose="020B0604030504040204" pitchFamily="34" charset="-120"/>
-              </a:rPr>
-              <a:t>袮</a:t>
-            </a:r>
-            <a:r>
-              <a:rPr lang="zh-TW" altLang="en-US" sz="5400" b="1" dirty="0" smtClean="0">
-                <a:latin typeface="Microsoft JhengHei" panose="020B0604030504040204" pitchFamily="34" charset="-120"/>
-                <a:ea typeface="Microsoft JhengHei" panose="020B0604030504040204" pitchFamily="34" charset="-120"/>
-              </a:rPr>
-              <a:t>榮</a:t>
-            </a:r>
-            <a:r>
-              <a:rPr lang="zh-TW" altLang="en-US" sz="5400" b="1" dirty="0">
-                <a:latin typeface="Microsoft JhengHei" panose="020B0604030504040204" pitchFamily="34" charset="-120"/>
-                <a:ea typeface="Microsoft JhengHei" panose="020B0604030504040204" pitchFamily="34" charset="-120"/>
-              </a:rPr>
-              <a:t>耀在這裡 </a:t>
-            </a:r>
-            <a:endParaRPr lang="en-US" altLang="zh-TW" sz="5400" b="1" dirty="0">
-              <a:latin typeface="Microsoft JhengHei" panose="020B0604030504040204" pitchFamily="34" charset="-120"/>
-              <a:ea typeface="Microsoft JhengHei" panose="020B0604030504040204" pitchFamily="34" charset="-120"/>
-            </a:endParaRPr>
-          </a:p>
-          <a:p>
-            <a:pPr marL="0" indent="0" algn="ctr">
-              <a:buNone/>
-            </a:pPr>
-            <a:r>
-              <a:rPr lang="zh-TW" altLang="en-US" sz="5400" b="1" dirty="0">
-                <a:latin typeface="Microsoft JhengHei" panose="020B0604030504040204" pitchFamily="34" charset="-120"/>
-                <a:ea typeface="Microsoft JhengHei" panose="020B0604030504040204" pitchFamily="34" charset="-120"/>
-              </a:rPr>
-              <a:t>聖潔耶</a:t>
-            </a:r>
-            <a:r>
-              <a:rPr lang="zh-TW" altLang="en-US" sz="5400" b="1" dirty="0" smtClean="0">
-                <a:latin typeface="Microsoft JhengHei" panose="020B0604030504040204" pitchFamily="34" charset="-120"/>
-                <a:ea typeface="Microsoft JhengHei" panose="020B0604030504040204" pitchFamily="34" charset="-120"/>
-              </a:rPr>
-              <a:t>穌 </a:t>
-            </a:r>
-            <a:r>
-              <a:rPr lang="zh-CN" altLang="en-US" sz="5400" b="1" dirty="0" smtClean="0">
-                <a:latin typeface="Microsoft JhengHei" panose="020B0604030504040204" pitchFamily="34" charset="-120"/>
-                <a:ea typeface="Microsoft JhengHei" panose="020B0604030504040204" pitchFamily="34" charset="-120"/>
-              </a:rPr>
-              <a:t>袮</a:t>
-            </a:r>
-            <a:r>
-              <a:rPr lang="zh-TW" altLang="en-US" sz="5400" b="1" dirty="0" smtClean="0">
-                <a:latin typeface="Microsoft JhengHei" panose="020B0604030504040204" pitchFamily="34" charset="-120"/>
-                <a:ea typeface="Microsoft JhengHei" panose="020B0604030504040204" pitchFamily="34" charset="-120"/>
-              </a:rPr>
-              <a:t>寶</a:t>
-            </a:r>
-            <a:r>
-              <a:rPr lang="zh-TW" altLang="en-US" sz="5400" b="1" dirty="0">
-                <a:latin typeface="Microsoft JhengHei" panose="020B0604030504040204" pitchFamily="34" charset="-120"/>
-                <a:ea typeface="Microsoft JhengHei" panose="020B0604030504040204" pitchFamily="34" charset="-120"/>
-              </a:rPr>
-              <a:t>座在這裡 </a:t>
-            </a:r>
-            <a:endParaRPr lang="en-US" altLang="zh-TW" sz="5400" b="1" dirty="0">
-              <a:latin typeface="Microsoft JhengHei" panose="020B0604030504040204" pitchFamily="34" charset="-120"/>
-              <a:ea typeface="Microsoft JhengHei" panose="020B0604030504040204" pitchFamily="34" charset="-120"/>
-            </a:endParaRPr>
-          </a:p>
-          <a:p>
-            <a:pPr marL="0" indent="0" algn="ctr">
-              <a:buNone/>
-            </a:pPr>
-            <a:r>
-              <a:rPr lang="zh-TW" altLang="en-US" sz="5400" b="1" dirty="0">
-                <a:latin typeface="Microsoft JhengHei" panose="020B0604030504040204" pitchFamily="34" charset="-120"/>
-                <a:ea typeface="Microsoft JhengHei" panose="020B0604030504040204" pitchFamily="34" charset="-120"/>
-              </a:rPr>
-              <a:t>哈利路</a:t>
-            </a:r>
-            <a:r>
-              <a:rPr lang="zh-TW" altLang="en-US" sz="5400" b="1" dirty="0" smtClean="0">
-                <a:latin typeface="Microsoft JhengHei" panose="020B0604030504040204" pitchFamily="34" charset="-120"/>
-                <a:ea typeface="Microsoft JhengHei" panose="020B0604030504040204" pitchFamily="34" charset="-120"/>
-              </a:rPr>
-              <a:t>亞 </a:t>
-            </a:r>
-            <a:r>
-              <a:rPr lang="zh-CN" altLang="en-US" sz="5400" b="1" dirty="0" smtClean="0">
-                <a:latin typeface="Microsoft JhengHei" panose="020B0604030504040204" pitchFamily="34" charset="-120"/>
-                <a:ea typeface="Microsoft JhengHei" panose="020B0604030504040204" pitchFamily="34" charset="-120"/>
-              </a:rPr>
-              <a:t>袮</a:t>
-            </a:r>
-            <a:r>
-              <a:rPr lang="zh-TW" altLang="en-US" sz="5400" b="1" dirty="0" smtClean="0">
-                <a:latin typeface="Microsoft JhengHei" panose="020B0604030504040204" pitchFamily="34" charset="-120"/>
-                <a:ea typeface="Microsoft JhengHei" panose="020B0604030504040204" pitchFamily="34" charset="-120"/>
-              </a:rPr>
-              <a:t>榮</a:t>
-            </a:r>
-            <a:r>
-              <a:rPr lang="zh-TW" altLang="en-US" sz="5400" b="1" dirty="0">
-                <a:latin typeface="Microsoft JhengHei" panose="020B0604030504040204" pitchFamily="34" charset="-120"/>
-                <a:ea typeface="Microsoft JhengHei" panose="020B0604030504040204" pitchFamily="34" charset="-120"/>
-              </a:rPr>
-              <a:t>耀在這裡</a:t>
-            </a:r>
-            <a:endParaRPr lang="en-US" sz="5400" b="1" dirty="0">
-              <a:latin typeface="Microsoft JhengHei" panose="020B0604030504040204" pitchFamily="34" charset="-120"/>
-              <a:ea typeface="Microsoft JhengHei" panose="020B0604030504040204" pitchFamily="34" charset="-120"/>
-            </a:endParaRPr>
           </a:p>
         </p:txBody>
       </p:sp>
     </p:spTree>
-    <p:extLst>
-      <p:ext uri="{BB962C8B-B14F-4D97-AF65-F5344CB8AC3E}">
-        <p14:creationId xmlns="" xmlns:p14="http://schemas.microsoft.com/office/powerpoint/2010/main" val="3345349781"/>
-      </p:ext>
-    </p:extLst>
   </p:cSld>
   <p:clrMapOvr>
     <a:masterClrMapping/>
@@ -3423,246 +3196,204 @@
       </p:grpSpPr>
       <p:sp>
         <p:nvSpPr>
-          <p:cNvPr id="2" name="Title 1">
-            <a:extLst>
-              <a:ext uri="{FF2B5EF4-FFF2-40B4-BE49-F238E27FC236}">
-                <a16:creationId xmlns="" xmlns:a16="http://schemas.microsoft.com/office/drawing/2014/main" id="{48BD1D8E-9BB3-4D96-928A-29F0C8229131}"/>
-              </a:ext>
-            </a:extLst>
-          </p:cNvPr>
-          <p:cNvSpPr>
-            <a:spLocks noGrp="1"/>
-          </p:cNvSpPr>
-          <p:nvPr>
-            <p:ph type="title"/>
-          </p:nvPr>
-        </p:nvSpPr>
-        <p:spPr/>
-        <p:txBody>
-          <a:bodyPr>
+          <p:cNvPr id="5" name="內容版面配置區 4"/>
+          <p:cNvSpPr>
+            <a:spLocks noGrp="1"/>
+          </p:cNvSpPr>
+          <p:nvPr>
+            <p:ph idx="1"/>
+          </p:nvPr>
+        </p:nvSpPr>
+        <p:spPr>
+          <a:xfrm>
+            <a:off x="0" y="2084851"/>
+            <a:ext cx="12192000" cy="2404863"/>
+          </a:xfrm>
+        </p:spPr>
+        <p:txBody>
+          <a:bodyPr anchor="ctr">
             <a:normAutofit/>
           </a:bodyPr>
           <a:lstStyle/>
           <a:p>
+            <a:pPr marL="0" indent="0" algn="ctr">
+              <a:buNone/>
+            </a:pPr>
+            <a:r>
+              <a:rPr lang="zh-TW" altLang="en-US" sz="6400" b="1" dirty="0">
+                <a:solidFill>
+                  <a:srgbClr val="000066"/>
+                </a:solidFill>
+                <a:latin typeface="微軟正黑體" pitchFamily="34" charset="-120"/>
+                <a:ea typeface="微軟正黑體" pitchFamily="34" charset="-120"/>
+              </a:rPr>
+              <a:t>聖潔耶穌  </a:t>
+            </a:r>
+            <a:r>
+              <a:rPr lang="zh-CN" altLang="en-US" sz="6400" b="1" dirty="0">
+                <a:solidFill>
+                  <a:srgbClr val="000066"/>
+                </a:solidFill>
+                <a:latin typeface="微軟正黑體" pitchFamily="34" charset="-120"/>
+                <a:ea typeface="微軟正黑體" pitchFamily="34" charset="-120"/>
+              </a:rPr>
+              <a:t>祢</a:t>
+            </a:r>
+            <a:r>
+              <a:rPr lang="zh-TW" altLang="en-US" sz="6400" b="1" dirty="0">
+                <a:solidFill>
+                  <a:srgbClr val="000066"/>
+                </a:solidFill>
+                <a:latin typeface="微軟正黑體" pitchFamily="34" charset="-120"/>
+                <a:ea typeface="微軟正黑體" pitchFamily="34" charset="-120"/>
+              </a:rPr>
+              <a:t>寶座在這裡 </a:t>
+            </a:r>
+            <a:endParaRPr lang="en-US" altLang="zh-TW" sz="6400" b="1" dirty="0">
+              <a:solidFill>
+                <a:srgbClr val="000066"/>
+              </a:solidFill>
+              <a:latin typeface="微軟正黑體" pitchFamily="34" charset="-120"/>
+              <a:ea typeface="微軟正黑體" pitchFamily="34" charset="-120"/>
+            </a:endParaRPr>
+          </a:p>
+          <a:p>
+            <a:pPr marL="0" indent="0" algn="ctr">
+              <a:buNone/>
+            </a:pPr>
+            <a:r>
+              <a:rPr lang="zh-TW" altLang="en-US" sz="6400" b="1" dirty="0">
+                <a:solidFill>
+                  <a:srgbClr val="000066"/>
+                </a:solidFill>
+                <a:latin typeface="微軟正黑體" pitchFamily="34" charset="-120"/>
+                <a:ea typeface="微軟正黑體" pitchFamily="34" charset="-120"/>
+              </a:rPr>
+              <a:t>哈利路亞  </a:t>
+            </a:r>
+            <a:r>
+              <a:rPr lang="zh-CN" altLang="en-US" sz="6400" b="1" dirty="0">
+                <a:solidFill>
+                  <a:srgbClr val="000066"/>
+                </a:solidFill>
+                <a:latin typeface="微軟正黑體" pitchFamily="34" charset="-120"/>
+                <a:ea typeface="微軟正黑體" pitchFamily="34" charset="-120"/>
+              </a:rPr>
+              <a:t>祢</a:t>
+            </a:r>
+            <a:r>
+              <a:rPr lang="zh-TW" altLang="en-US" sz="6400" b="1" dirty="0">
+                <a:solidFill>
+                  <a:srgbClr val="000066"/>
+                </a:solidFill>
+                <a:latin typeface="微軟正黑體" pitchFamily="34" charset="-120"/>
+                <a:ea typeface="微軟正黑體" pitchFamily="34" charset="-120"/>
+              </a:rPr>
+              <a:t>榮耀在這裡 </a:t>
+            </a:r>
+            <a:endParaRPr lang="en-US" altLang="zh-TW" sz="6400" b="1" dirty="0">
+              <a:solidFill>
+                <a:srgbClr val="000066"/>
+              </a:solidFill>
+              <a:latin typeface="微軟正黑體" pitchFamily="34" charset="-120"/>
+              <a:ea typeface="微軟正黑體" pitchFamily="34" charset="-120"/>
+            </a:endParaRPr>
+          </a:p>
+        </p:txBody>
+      </p:sp>
+      <p:sp>
+        <p:nvSpPr>
+          <p:cNvPr id="3" name="TextBox 2"/>
+          <p:cNvSpPr txBox="1"/>
+          <p:nvPr/>
+        </p:nvSpPr>
+        <p:spPr>
+          <a:xfrm>
+            <a:off x="0" y="5157192"/>
+            <a:ext cx="12192000" cy="666786"/>
+          </a:xfrm>
+          <a:prstGeom prst="rect">
+            <a:avLst/>
+          </a:prstGeom>
+          <a:noFill/>
+        </p:spPr>
+        <p:txBody>
+          <a:bodyPr wrap="square" rtlCol="0">
+            <a:spAutoFit/>
+          </a:bodyPr>
+          <a:lstStyle/>
+          <a:p>
             <a:pPr algn="ctr"/>
             <a:r>
-              <a:rPr lang="zh-TW" altLang="en-US" sz="4800" b="1" dirty="0">
+              <a:rPr lang="en-US" sz="3733" b="1" dirty="0">
+                <a:solidFill>
+                  <a:srgbClr val="000066"/>
+                </a:solidFill>
                 <a:latin typeface="Microsoft JhengHei" panose="020B0604030504040204" pitchFamily="34" charset="-120"/>
                 <a:ea typeface="Microsoft JhengHei" panose="020B0604030504040204" pitchFamily="34" charset="-120"/>
               </a:rPr>
-              <a:t>君王就在這裡</a:t>
-            </a:r>
-            <a:endParaRPr lang="en-US" sz="4800" b="1" dirty="0">
-              <a:latin typeface="Microsoft JhengHei" panose="020B0604030504040204" pitchFamily="34" charset="-120"/>
-              <a:ea typeface="Microsoft JhengHei" panose="020B0604030504040204" pitchFamily="34" charset="-120"/>
-            </a:endParaRPr>
-          </a:p>
-        </p:txBody>
-      </p:sp>
-      <p:sp>
-        <p:nvSpPr>
-          <p:cNvPr id="3" name="Content Placeholder 2">
-            <a:extLst>
-              <a:ext uri="{FF2B5EF4-FFF2-40B4-BE49-F238E27FC236}">
-                <a16:creationId xmlns="" xmlns:a16="http://schemas.microsoft.com/office/drawing/2014/main" id="{E22CC9E4-8F8E-42EB-9D61-9016F65A0B41}"/>
-              </a:ext>
-            </a:extLst>
-          </p:cNvPr>
-          <p:cNvSpPr>
-            <a:spLocks noGrp="1"/>
-          </p:cNvSpPr>
-          <p:nvPr>
-            <p:ph idx="1"/>
-          </p:nvPr>
-        </p:nvSpPr>
-        <p:spPr>
-          <a:xfrm>
-            <a:off x="1524000" y="1825625"/>
-            <a:ext cx="9144000" cy="4351338"/>
-          </a:xfrm>
-        </p:spPr>
-        <p:txBody>
-          <a:bodyPr>
-            <a:normAutofit/>
-          </a:bodyPr>
-          <a:lstStyle/>
-          <a:p>
-            <a:pPr marL="0" indent="0" algn="ctr">
-              <a:buNone/>
-            </a:pPr>
-            <a:r>
-              <a:rPr lang="zh-TW" altLang="en-US" sz="5400" b="1" dirty="0">
+              <a:t>( </a:t>
+            </a:r>
+            <a:r>
+              <a:rPr lang="zh-CN" altLang="en-US" sz="3733" b="1" dirty="0">
+                <a:solidFill>
+                  <a:srgbClr val="000066"/>
+                </a:solidFill>
                 <a:latin typeface="Microsoft JhengHei" panose="020B0604030504040204" pitchFamily="34" charset="-120"/>
                 <a:ea typeface="Microsoft JhengHei" panose="020B0604030504040204" pitchFamily="34" charset="-120"/>
               </a:rPr>
-              <a:t>聖潔耶穌 </a:t>
-            </a:r>
-            <a:r>
-              <a:rPr lang="zh-CN" altLang="en-US" sz="5400" b="1" dirty="0" smtClean="0">
+              <a:t>正歌</a:t>
+            </a:r>
+            <a:r>
+              <a:rPr lang="en-US" sz="3733" b="1" dirty="0">
+                <a:solidFill>
+                  <a:srgbClr val="000066"/>
+                </a:solidFill>
                 <a:latin typeface="Microsoft JhengHei" panose="020B0604030504040204" pitchFamily="34" charset="-120"/>
                 <a:ea typeface="Microsoft JhengHei" panose="020B0604030504040204" pitchFamily="34" charset="-120"/>
               </a:rPr>
-              <a:t>袮</a:t>
-            </a:r>
-            <a:r>
-              <a:rPr lang="zh-TW" altLang="en-US" sz="5400" b="1" dirty="0" smtClean="0">
+              <a:t> )</a:t>
+            </a:r>
+            <a:r>
+              <a:rPr lang="zh-CN" altLang="en-US" sz="3733" b="1" dirty="0">
+                <a:solidFill>
+                  <a:srgbClr val="000066"/>
+                </a:solidFill>
                 <a:latin typeface="Microsoft JhengHei" panose="020B0604030504040204" pitchFamily="34" charset="-120"/>
                 <a:ea typeface="Microsoft JhengHei" panose="020B0604030504040204" pitchFamily="34" charset="-120"/>
               </a:rPr>
-              <a:t>寶</a:t>
-            </a:r>
-            <a:r>
-              <a:rPr lang="zh-TW" altLang="en-US" sz="5400" b="1" dirty="0">
+              <a:t>（</a:t>
+            </a:r>
+            <a:r>
+              <a:rPr lang="en-US" altLang="zh-CN" sz="3733" b="1" dirty="0">
+                <a:solidFill>
+                  <a:srgbClr val="000066"/>
+                </a:solidFill>
                 <a:latin typeface="Microsoft JhengHei" panose="020B0604030504040204" pitchFamily="34" charset="-120"/>
                 <a:ea typeface="Microsoft JhengHei" panose="020B0604030504040204" pitchFamily="34" charset="-120"/>
               </a:rPr>
-              <a:t>座在這裡 </a:t>
-            </a:r>
-            <a:endParaRPr lang="en-US" altLang="zh-TW" sz="5400" b="1" dirty="0">
-              <a:latin typeface="Microsoft JhengHei" panose="020B0604030504040204" pitchFamily="34" charset="-120"/>
-              <a:ea typeface="Microsoft JhengHei" panose="020B0604030504040204" pitchFamily="34" charset="-120"/>
-            </a:endParaRPr>
-          </a:p>
-          <a:p>
-            <a:pPr marL="0" indent="0" algn="ctr">
-              <a:buNone/>
-            </a:pPr>
-            <a:r>
-              <a:rPr lang="zh-TW" altLang="en-US" sz="5400" b="1" dirty="0">
+              <a:t>2</a:t>
+            </a:r>
+            <a:r>
+              <a:rPr lang="zh-CN" altLang="en-US" sz="3733" b="1" dirty="0">
+                <a:solidFill>
+                  <a:srgbClr val="000066"/>
+                </a:solidFill>
                 <a:latin typeface="Microsoft JhengHei" panose="020B0604030504040204" pitchFamily="34" charset="-120"/>
                 <a:ea typeface="Microsoft JhengHei" panose="020B0604030504040204" pitchFamily="34" charset="-120"/>
               </a:rPr>
-              <a:t>哈利路</a:t>
-            </a:r>
-            <a:r>
-              <a:rPr lang="zh-TW" altLang="en-US" sz="5400" b="1" dirty="0" smtClean="0">
-                <a:latin typeface="Microsoft JhengHei" panose="020B0604030504040204" pitchFamily="34" charset="-120"/>
-                <a:ea typeface="Microsoft JhengHei" panose="020B0604030504040204" pitchFamily="34" charset="-120"/>
-              </a:rPr>
-              <a:t>亞 </a:t>
-            </a:r>
-            <a:r>
-              <a:rPr lang="zh-CN" altLang="en-US" sz="5400" b="1" dirty="0" smtClean="0">
-                <a:latin typeface="Microsoft JhengHei" panose="020B0604030504040204" pitchFamily="34" charset="-120"/>
-                <a:ea typeface="Microsoft JhengHei" panose="020B0604030504040204" pitchFamily="34" charset="-120"/>
-              </a:rPr>
-              <a:t>袮</a:t>
-            </a:r>
-            <a:r>
-              <a:rPr lang="zh-TW" altLang="en-US" sz="5400" b="1" dirty="0" smtClean="0">
-                <a:latin typeface="Microsoft JhengHei" panose="020B0604030504040204" pitchFamily="34" charset="-120"/>
-                <a:ea typeface="Microsoft JhengHei" panose="020B0604030504040204" pitchFamily="34" charset="-120"/>
-              </a:rPr>
-              <a:t>榮</a:t>
-            </a:r>
-            <a:r>
-              <a:rPr lang="zh-TW" altLang="en-US" sz="5400" b="1" dirty="0">
-                <a:latin typeface="Microsoft JhengHei" panose="020B0604030504040204" pitchFamily="34" charset="-120"/>
-                <a:ea typeface="Microsoft JhengHei" panose="020B0604030504040204" pitchFamily="34" charset="-120"/>
-              </a:rPr>
-              <a:t>耀在這裡 </a:t>
-            </a:r>
-            <a:endParaRPr lang="en-US" altLang="zh-TW" sz="5400" b="1" dirty="0">
-              <a:latin typeface="Microsoft JhengHei" panose="020B0604030504040204" pitchFamily="34" charset="-120"/>
+              <a:t>次）</a:t>
+            </a:r>
+            <a:endParaRPr lang="vi-VN" sz="3733" b="1" dirty="0">
+              <a:solidFill>
+                <a:srgbClr val="000066"/>
+              </a:solidFill>
               <a:ea typeface="Microsoft JhengHei" panose="020B0604030504040204" pitchFamily="34" charset="-120"/>
             </a:endParaRPr>
           </a:p>
-          <a:p>
-            <a:pPr marL="0" indent="0" algn="ctr">
-              <a:buNone/>
-            </a:pPr>
-            <a:r>
-              <a:rPr lang="zh-TW" altLang="en-US" sz="5400" b="1" dirty="0">
-                <a:latin typeface="Microsoft JhengHei" panose="020B0604030504040204" pitchFamily="34" charset="-120"/>
-                <a:ea typeface="Microsoft JhengHei" panose="020B0604030504040204" pitchFamily="34" charset="-120"/>
-              </a:rPr>
-              <a:t>聖潔耶</a:t>
-            </a:r>
-            <a:r>
-              <a:rPr lang="zh-TW" altLang="en-US" sz="5400" b="1" dirty="0" smtClean="0">
-                <a:latin typeface="Microsoft JhengHei" panose="020B0604030504040204" pitchFamily="34" charset="-120"/>
-                <a:ea typeface="Microsoft JhengHei" panose="020B0604030504040204" pitchFamily="34" charset="-120"/>
-              </a:rPr>
-              <a:t>穌 </a:t>
-            </a:r>
-            <a:r>
-              <a:rPr lang="zh-CN" altLang="en-US" sz="5400" b="1" dirty="0" smtClean="0">
-                <a:latin typeface="Microsoft JhengHei" panose="020B0604030504040204" pitchFamily="34" charset="-120"/>
-                <a:ea typeface="Microsoft JhengHei" panose="020B0604030504040204" pitchFamily="34" charset="-120"/>
-              </a:rPr>
-              <a:t>袮</a:t>
-            </a:r>
-            <a:r>
-              <a:rPr lang="zh-TW" altLang="en-US" sz="5400" b="1" dirty="0" smtClean="0">
-                <a:latin typeface="Microsoft JhengHei" panose="020B0604030504040204" pitchFamily="34" charset="-120"/>
-                <a:ea typeface="Microsoft JhengHei" panose="020B0604030504040204" pitchFamily="34" charset="-120"/>
-              </a:rPr>
-              <a:t>寶</a:t>
-            </a:r>
-            <a:r>
-              <a:rPr lang="zh-TW" altLang="en-US" sz="5400" b="1" dirty="0">
-                <a:latin typeface="Microsoft JhengHei" panose="020B0604030504040204" pitchFamily="34" charset="-120"/>
-                <a:ea typeface="Microsoft JhengHei" panose="020B0604030504040204" pitchFamily="34" charset="-120"/>
-              </a:rPr>
-              <a:t>座在這裡 </a:t>
-            </a:r>
-            <a:endParaRPr lang="en-US" altLang="zh-TW" sz="5400" b="1" dirty="0">
-              <a:latin typeface="Microsoft JhengHei" panose="020B0604030504040204" pitchFamily="34" charset="-120"/>
-              <a:ea typeface="Microsoft JhengHei" panose="020B0604030504040204" pitchFamily="34" charset="-120"/>
-            </a:endParaRPr>
-          </a:p>
-          <a:p>
-            <a:pPr marL="0" indent="0" algn="ctr">
-              <a:buNone/>
-            </a:pPr>
-            <a:r>
-              <a:rPr lang="zh-TW" altLang="en-US" sz="5400" b="1" dirty="0">
-                <a:latin typeface="Microsoft JhengHei" panose="020B0604030504040204" pitchFamily="34" charset="-120"/>
-                <a:ea typeface="Microsoft JhengHei" panose="020B0604030504040204" pitchFamily="34" charset="-120"/>
-              </a:rPr>
-              <a:t>哈利路</a:t>
-            </a:r>
-            <a:r>
-              <a:rPr lang="zh-TW" altLang="en-US" sz="5400" b="1" dirty="0" smtClean="0">
-                <a:latin typeface="Microsoft JhengHei" panose="020B0604030504040204" pitchFamily="34" charset="-120"/>
-                <a:ea typeface="Microsoft JhengHei" panose="020B0604030504040204" pitchFamily="34" charset="-120"/>
-              </a:rPr>
-              <a:t>亞 </a:t>
-            </a:r>
-            <a:r>
-              <a:rPr lang="zh-CN" altLang="en-US" sz="5400" b="1" dirty="0" smtClean="0">
-                <a:latin typeface="Microsoft JhengHei" panose="020B0604030504040204" pitchFamily="34" charset="-120"/>
-                <a:ea typeface="Microsoft JhengHei" panose="020B0604030504040204" pitchFamily="34" charset="-120"/>
-              </a:rPr>
-              <a:t>袮</a:t>
-            </a:r>
-            <a:r>
-              <a:rPr lang="zh-TW" altLang="en-US" sz="5400" b="1" dirty="0" smtClean="0">
-                <a:latin typeface="Microsoft JhengHei" panose="020B0604030504040204" pitchFamily="34" charset="-120"/>
-                <a:ea typeface="Microsoft JhengHei" panose="020B0604030504040204" pitchFamily="34" charset="-120"/>
-              </a:rPr>
-              <a:t>榮</a:t>
-            </a:r>
-            <a:r>
-              <a:rPr lang="zh-TW" altLang="en-US" sz="5400" b="1" dirty="0">
-                <a:latin typeface="Microsoft JhengHei" panose="020B0604030504040204" pitchFamily="34" charset="-120"/>
-                <a:ea typeface="Microsoft JhengHei" panose="020B0604030504040204" pitchFamily="34" charset="-120"/>
-              </a:rPr>
-              <a:t>耀在這裡</a:t>
-            </a:r>
-            <a:endParaRPr lang="en-US" sz="5400" b="1" dirty="0">
-              <a:latin typeface="Microsoft JhengHei" panose="020B0604030504040204" pitchFamily="34" charset="-120"/>
-              <a:ea typeface="Microsoft JhengHei" panose="020B0604030504040204" pitchFamily="34" charset="-120"/>
-            </a:endParaRPr>
-          </a:p>
         </p:txBody>
       </p:sp>
     </p:spTree>
-    <p:extLst>
-      <p:ext uri="{BB962C8B-B14F-4D97-AF65-F5344CB8AC3E}">
-        <p14:creationId xmlns="" xmlns:p14="http://schemas.microsoft.com/office/powerpoint/2010/main" val="3345349781"/>
-      </p:ext>
-    </p:extLst>
   </p:cSld>
   <p:clrMapOvr>
     <a:masterClrMapping/>
@@ -3689,186 +3420,159 @@
       </p:grpSpPr>
       <p:sp>
         <p:nvSpPr>
-          <p:cNvPr id="2" name="Title 1">
-            <a:extLst>
-              <a:ext uri="{FF2B5EF4-FFF2-40B4-BE49-F238E27FC236}">
-                <a16:creationId xmlns="" xmlns:a16="http://schemas.microsoft.com/office/drawing/2014/main" id="{48BD1D8E-9BB3-4D96-928A-29F0C8229131}"/>
-              </a:ext>
-            </a:extLst>
-          </p:cNvPr>
-          <p:cNvSpPr>
-            <a:spLocks noGrp="1"/>
-          </p:cNvSpPr>
-          <p:nvPr>
-            <p:ph type="title"/>
-          </p:nvPr>
-        </p:nvSpPr>
-        <p:spPr/>
-        <p:txBody>
-          <a:bodyPr>
+          <p:cNvPr id="5" name="內容版面配置區 4"/>
+          <p:cNvSpPr>
+            <a:spLocks noGrp="1"/>
+          </p:cNvSpPr>
+          <p:nvPr>
+            <p:ph idx="1"/>
+          </p:nvPr>
+        </p:nvSpPr>
+        <p:spPr>
+          <a:xfrm>
+            <a:off x="0" y="2084851"/>
+            <a:ext cx="12192000" cy="2404863"/>
+          </a:xfrm>
+        </p:spPr>
+        <p:txBody>
+          <a:bodyPr anchor="ctr">
             <a:normAutofit/>
           </a:bodyPr>
           <a:lstStyle/>
           <a:p>
+            <a:pPr marL="0" indent="0" algn="ctr">
+              <a:buNone/>
+            </a:pPr>
+            <a:r>
+              <a:rPr lang="zh-TW" altLang="en-US" sz="6400" b="1" dirty="0">
+                <a:solidFill>
+                  <a:srgbClr val="000066"/>
+                </a:solidFill>
+                <a:latin typeface="微軟正黑體" pitchFamily="34" charset="-120"/>
+                <a:ea typeface="微軟正黑體" pitchFamily="34" charset="-120"/>
+              </a:rPr>
+              <a:t>君王就在這裡  我們歡然獻祭 </a:t>
+            </a:r>
+            <a:endParaRPr lang="en-US" altLang="zh-TW" sz="6400" b="1" dirty="0">
+              <a:solidFill>
+                <a:srgbClr val="000066"/>
+              </a:solidFill>
+              <a:latin typeface="微軟正黑體" pitchFamily="34" charset="-120"/>
+              <a:ea typeface="微軟正黑體" pitchFamily="34" charset="-120"/>
+            </a:endParaRPr>
+          </a:p>
+          <a:p>
+            <a:pPr marL="0" indent="0" algn="ctr">
+              <a:buNone/>
+            </a:pPr>
+            <a:r>
+              <a:rPr lang="zh-TW" altLang="en-US" sz="6400" b="1" dirty="0">
+                <a:solidFill>
+                  <a:srgbClr val="000066"/>
+                </a:solidFill>
+                <a:latin typeface="微軟正黑體" pitchFamily="34" charset="-120"/>
+                <a:ea typeface="微軟正黑體" pitchFamily="34" charset="-120"/>
+              </a:rPr>
+              <a:t>擁戴</a:t>
+            </a:r>
+            <a:r>
+              <a:rPr lang="zh-CN" altLang="en-US" sz="6400" b="1" dirty="0">
+                <a:solidFill>
+                  <a:srgbClr val="000066"/>
+                </a:solidFill>
+                <a:latin typeface="微軟正黑體" pitchFamily="34" charset="-120"/>
+                <a:ea typeface="微軟正黑體" pitchFamily="34" charset="-120"/>
+              </a:rPr>
+              <a:t>祢</a:t>
+            </a:r>
+            <a:r>
+              <a:rPr lang="zh-TW" altLang="en-US" sz="6400" b="1" dirty="0">
+                <a:solidFill>
+                  <a:srgbClr val="000066"/>
+                </a:solidFill>
+                <a:latin typeface="微軟正黑體" pitchFamily="34" charset="-120"/>
+                <a:ea typeface="微軟正黑體" pitchFamily="34" charset="-120"/>
+              </a:rPr>
+              <a:t>為王  榮耀都歸於</a:t>
+            </a:r>
+            <a:r>
+              <a:rPr lang="zh-CN" altLang="en-US" sz="6400" b="1" dirty="0">
+                <a:solidFill>
+                  <a:srgbClr val="000066"/>
+                </a:solidFill>
+                <a:latin typeface="微軟正黑體" pitchFamily="34" charset="-120"/>
+                <a:ea typeface="微軟正黑體" pitchFamily="34" charset="-120"/>
+              </a:rPr>
+              <a:t>祢</a:t>
+            </a:r>
+            <a:endParaRPr lang="en-US" altLang="zh-TW" sz="6400" b="1" dirty="0">
+              <a:solidFill>
+                <a:srgbClr val="000066"/>
+              </a:solidFill>
+              <a:latin typeface="微軟正黑體" pitchFamily="34" charset="-120"/>
+              <a:ea typeface="微軟正黑體" pitchFamily="34" charset="-120"/>
+            </a:endParaRPr>
+          </a:p>
+        </p:txBody>
+      </p:sp>
+      <p:sp>
+        <p:nvSpPr>
+          <p:cNvPr id="3" name="TextBox 2"/>
+          <p:cNvSpPr txBox="1"/>
+          <p:nvPr/>
+        </p:nvSpPr>
+        <p:spPr>
+          <a:xfrm>
+            <a:off x="0" y="5157192"/>
+            <a:ext cx="12192000" cy="666786"/>
+          </a:xfrm>
+          <a:prstGeom prst="rect">
+            <a:avLst/>
+          </a:prstGeom>
+          <a:noFill/>
+        </p:spPr>
+        <p:txBody>
+          <a:bodyPr wrap="square" rtlCol="0">
+            <a:spAutoFit/>
+          </a:bodyPr>
+          <a:lstStyle/>
+          <a:p>
             <a:pPr algn="ctr"/>
             <a:r>
-              <a:rPr lang="zh-TW" altLang="en-US" sz="4800" b="1" dirty="0">
+              <a:rPr lang="en-US" sz="3733" b="1" dirty="0">
+                <a:solidFill>
+                  <a:srgbClr val="000066"/>
+                </a:solidFill>
                 <a:latin typeface="Microsoft JhengHei" panose="020B0604030504040204" pitchFamily="34" charset="-120"/>
                 <a:ea typeface="Microsoft JhengHei" panose="020B0604030504040204" pitchFamily="34" charset="-120"/>
               </a:rPr>
-              <a:t>君王就在這裡</a:t>
-            </a:r>
-            <a:endParaRPr lang="en-US" sz="4800" b="1" dirty="0">
-              <a:latin typeface="Microsoft JhengHei" panose="020B0604030504040204" pitchFamily="34" charset="-120"/>
-              <a:ea typeface="Microsoft JhengHei" panose="020B0604030504040204" pitchFamily="34" charset="-120"/>
-            </a:endParaRPr>
-          </a:p>
-        </p:txBody>
-      </p:sp>
-      <p:sp>
-        <p:nvSpPr>
-          <p:cNvPr id="3" name="Content Placeholder 2">
-            <a:extLst>
-              <a:ext uri="{FF2B5EF4-FFF2-40B4-BE49-F238E27FC236}">
-                <a16:creationId xmlns="" xmlns:a16="http://schemas.microsoft.com/office/drawing/2014/main" id="{E22CC9E4-8F8E-42EB-9D61-9016F65A0B41}"/>
-              </a:ext>
-            </a:extLst>
-          </p:cNvPr>
-          <p:cNvSpPr>
-            <a:spLocks noGrp="1"/>
-          </p:cNvSpPr>
-          <p:nvPr>
-            <p:ph idx="1"/>
-          </p:nvPr>
-        </p:nvSpPr>
-        <p:spPr>
-          <a:xfrm>
-            <a:off x="1524000" y="1825625"/>
-            <a:ext cx="9144000" cy="4351338"/>
-          </a:xfrm>
-        </p:spPr>
-        <p:txBody>
-          <a:bodyPr>
-            <a:normAutofit/>
-          </a:bodyPr>
-          <a:lstStyle/>
-          <a:p>
-            <a:pPr marL="0" indent="0" algn="ctr">
-              <a:buNone/>
-            </a:pPr>
-            <a:r>
-              <a:rPr lang="zh-TW" altLang="en-US" sz="5400" b="1" dirty="0">
-                <a:latin typeface="Microsoft JhengHei" panose="020B0604030504040204" pitchFamily="34" charset="-120"/>
-                <a:ea typeface="Microsoft JhengHei" panose="020B0604030504040204" pitchFamily="34" charset="-120"/>
-                <a:cs typeface="+mj-cs"/>
-              </a:rPr>
-              <a:t>君王就在這裡 我們歡然獻祭 </a:t>
-            </a:r>
-            <a:endParaRPr lang="en-US" altLang="zh-TW" sz="5400" b="1" dirty="0">
-              <a:latin typeface="Microsoft JhengHei" panose="020B0604030504040204" pitchFamily="34" charset="-120"/>
-              <a:ea typeface="Microsoft JhengHei" panose="020B0604030504040204" pitchFamily="34" charset="-120"/>
-              <a:cs typeface="+mj-cs"/>
-            </a:endParaRPr>
-          </a:p>
-          <a:p>
-            <a:pPr marL="0" indent="0" algn="ctr">
-              <a:buNone/>
-            </a:pPr>
-            <a:r>
-              <a:rPr lang="zh-TW" altLang="en-US" sz="5400" b="1" dirty="0">
-                <a:latin typeface="Microsoft JhengHei" panose="020B0604030504040204" pitchFamily="34" charset="-120"/>
-                <a:ea typeface="Microsoft JhengHei" panose="020B0604030504040204" pitchFamily="34" charset="-120"/>
-                <a:cs typeface="+mj-cs"/>
-              </a:rPr>
-              <a:t>擁</a:t>
-            </a:r>
-            <a:r>
-              <a:rPr lang="zh-TW" altLang="en-US" sz="5400" b="1" dirty="0" smtClean="0">
-                <a:latin typeface="Microsoft JhengHei" panose="020B0604030504040204" pitchFamily="34" charset="-120"/>
-                <a:ea typeface="Microsoft JhengHei" panose="020B0604030504040204" pitchFamily="34" charset="-120"/>
-                <a:cs typeface="+mj-cs"/>
-              </a:rPr>
-              <a:t>戴</a:t>
-            </a:r>
-            <a:r>
-              <a:rPr lang="zh-CN" altLang="en-US" sz="5400" b="1" dirty="0" smtClean="0">
-                <a:latin typeface="Microsoft JhengHei" panose="020B0604030504040204" pitchFamily="34" charset="-120"/>
-                <a:ea typeface="Microsoft JhengHei" panose="020B0604030504040204" pitchFamily="34" charset="-120"/>
-                <a:cs typeface="+mj-cs"/>
-              </a:rPr>
-              <a:t>袮</a:t>
-            </a:r>
-            <a:r>
-              <a:rPr lang="zh-TW" altLang="en-US" sz="5400" b="1" dirty="0" smtClean="0">
-                <a:latin typeface="Microsoft JhengHei" panose="020B0604030504040204" pitchFamily="34" charset="-120"/>
-                <a:ea typeface="Microsoft JhengHei" panose="020B0604030504040204" pitchFamily="34" charset="-120"/>
-                <a:cs typeface="+mj-cs"/>
-              </a:rPr>
-              <a:t>為</a:t>
-            </a:r>
-            <a:r>
-              <a:rPr lang="zh-TW" altLang="en-US" sz="5400" b="1" dirty="0">
-                <a:latin typeface="Microsoft JhengHei" panose="020B0604030504040204" pitchFamily="34" charset="-120"/>
-                <a:ea typeface="Microsoft JhengHei" panose="020B0604030504040204" pitchFamily="34" charset="-120"/>
-                <a:cs typeface="+mj-cs"/>
-              </a:rPr>
-              <a:t>王 榮耀都歸</a:t>
-            </a:r>
-            <a:r>
-              <a:rPr lang="zh-TW" altLang="en-US" sz="5400" b="1" dirty="0" smtClean="0">
-                <a:latin typeface="Microsoft JhengHei" panose="020B0604030504040204" pitchFamily="34" charset="-120"/>
-                <a:ea typeface="Microsoft JhengHei" panose="020B0604030504040204" pitchFamily="34" charset="-120"/>
-                <a:cs typeface="+mj-cs"/>
-              </a:rPr>
-              <a:t>於</a:t>
-            </a:r>
-            <a:r>
-              <a:rPr lang="zh-CN" altLang="en-US" sz="5400" b="1" dirty="0">
+              <a:t>( </a:t>
+            </a:r>
+            <a:r>
+              <a:rPr lang="zh-CN" altLang="en-US" sz="3733" b="1" dirty="0">
+                <a:solidFill>
+                  <a:srgbClr val="000066"/>
+                </a:solidFill>
                 <a:latin typeface="Microsoft JhengHei" panose="020B0604030504040204" pitchFamily="34" charset="-120"/>
                 <a:ea typeface="Microsoft JhengHei" panose="020B0604030504040204" pitchFamily="34" charset="-120"/>
               </a:rPr>
-              <a:t>袮</a:t>
-            </a:r>
-            <a:endParaRPr lang="en-US" altLang="zh-TW" sz="5400" b="1" dirty="0">
-              <a:latin typeface="Microsoft JhengHei" panose="020B0604030504040204" pitchFamily="34" charset="-120"/>
-              <a:ea typeface="Microsoft JhengHei" panose="020B0604030504040204" pitchFamily="34" charset="-120"/>
-              <a:cs typeface="+mj-cs"/>
-            </a:endParaRPr>
-          </a:p>
-          <a:p>
-            <a:pPr marL="0" indent="0" algn="ctr">
-              <a:buNone/>
-            </a:pPr>
-            <a:r>
-              <a:rPr lang="zh-TW" altLang="en-US" sz="5400" b="1" dirty="0">
+              <a:t>副歌</a:t>
+            </a:r>
+            <a:r>
+              <a:rPr lang="en-US" sz="3733" b="1" dirty="0">
+                <a:solidFill>
+                  <a:srgbClr val="000066"/>
+                </a:solidFill>
                 <a:latin typeface="Microsoft JhengHei" panose="020B0604030504040204" pitchFamily="34" charset="-120"/>
                 <a:ea typeface="Microsoft JhengHei" panose="020B0604030504040204" pitchFamily="34" charset="-120"/>
-                <a:cs typeface="+mj-cs"/>
               </a:rPr>
-              <a:t>君王就在這裡 大能彰顯這地 </a:t>
-            </a:r>
-            <a:endParaRPr lang="en-US" altLang="zh-TW" sz="5400" b="1" dirty="0">
-              <a:latin typeface="Microsoft JhengHei" panose="020B0604030504040204" pitchFamily="34" charset="-120"/>
+              <a:t> )</a:t>
+            </a:r>
+            <a:endParaRPr lang="vi-VN" sz="3733" b="1" dirty="0">
+              <a:solidFill>
+                <a:srgbClr val="000066"/>
+              </a:solidFill>
               <a:ea typeface="Microsoft JhengHei" panose="020B0604030504040204" pitchFamily="34" charset="-120"/>
-              <a:cs typeface="+mj-cs"/>
-            </a:endParaRPr>
-          </a:p>
-          <a:p>
-            <a:pPr marL="0" indent="0" algn="ctr">
-              <a:buNone/>
-            </a:pPr>
-            <a:r>
-              <a:rPr lang="zh-TW" altLang="en-US" sz="5400" b="1" dirty="0">
-                <a:latin typeface="Microsoft JhengHei" panose="020B0604030504040204" pitchFamily="34" charset="-120"/>
-                <a:ea typeface="Microsoft JhengHei" panose="020B0604030504040204" pitchFamily="34" charset="-120"/>
-                <a:cs typeface="+mj-cs"/>
-              </a:rPr>
-              <a:t>和散那歸於 至高神主耶穌</a:t>
-            </a:r>
-            <a:endParaRPr lang="en-US" sz="5400" b="1" dirty="0">
-              <a:latin typeface="Microsoft JhengHei" panose="020B0604030504040204" pitchFamily="34" charset="-120"/>
-              <a:ea typeface="Microsoft JhengHei" panose="020B0604030504040204" pitchFamily="34" charset="-120"/>
-              <a:cs typeface="+mj-cs"/>
             </a:endParaRPr>
           </a:p>
         </p:txBody>
@@ -3876,7 +3580,7 @@
     </p:spTree>
     <p:extLst>
       <p:ext uri="{BB962C8B-B14F-4D97-AF65-F5344CB8AC3E}">
-        <p14:creationId xmlns="" xmlns:p14="http://schemas.microsoft.com/office/powerpoint/2010/main" val="1195095475"/>
+        <p14:creationId xmlns:p14="http://schemas.microsoft.com/office/powerpoint/2010/main" val="1798191122"/>
       </p:ext>
     </p:extLst>
   </p:cSld>
@@ -3905,235 +3609,128 @@
       </p:grpSpPr>
       <p:sp>
         <p:nvSpPr>
-          <p:cNvPr id="2" name="Title 1">
-            <a:extLst>
-              <a:ext uri="{FF2B5EF4-FFF2-40B4-BE49-F238E27FC236}">
-                <a16:creationId xmlns="" xmlns:a16="http://schemas.microsoft.com/office/drawing/2014/main" id="{48BD1D8E-9BB3-4D96-928A-29F0C8229131}"/>
-              </a:ext>
-            </a:extLst>
-          </p:cNvPr>
-          <p:cNvSpPr>
-            <a:spLocks noGrp="1"/>
-          </p:cNvSpPr>
-          <p:nvPr>
-            <p:ph type="title"/>
-          </p:nvPr>
-        </p:nvSpPr>
-        <p:spPr/>
-        <p:txBody>
-          <a:bodyPr>
+          <p:cNvPr id="5" name="內容版面配置區 4"/>
+          <p:cNvSpPr>
+            <a:spLocks noGrp="1"/>
+          </p:cNvSpPr>
+          <p:nvPr>
+            <p:ph idx="1"/>
+          </p:nvPr>
+        </p:nvSpPr>
+        <p:spPr>
+          <a:xfrm>
+            <a:off x="0" y="2084851"/>
+            <a:ext cx="12192000" cy="2404863"/>
+          </a:xfrm>
+        </p:spPr>
+        <p:txBody>
+          <a:bodyPr anchor="ctr">
             <a:normAutofit/>
           </a:bodyPr>
           <a:lstStyle/>
           <a:p>
+            <a:pPr marL="0" indent="0" algn="ctr">
+              <a:buNone/>
+            </a:pPr>
+            <a:r>
+              <a:rPr lang="zh-TW" altLang="en-US" sz="6400" b="1" dirty="0">
+                <a:solidFill>
+                  <a:srgbClr val="000066"/>
+                </a:solidFill>
+                <a:latin typeface="微軟正黑體" pitchFamily="34" charset="-120"/>
+                <a:ea typeface="微軟正黑體" pitchFamily="34" charset="-120"/>
+              </a:rPr>
+              <a:t>君王就在這裡  大能彰顯這地 </a:t>
+            </a:r>
+            <a:endParaRPr lang="en-US" altLang="zh-TW" sz="6400" b="1" dirty="0">
+              <a:solidFill>
+                <a:srgbClr val="000066"/>
+              </a:solidFill>
+              <a:latin typeface="微軟正黑體" pitchFamily="34" charset="-120"/>
+              <a:ea typeface="微軟正黑體" pitchFamily="34" charset="-120"/>
+            </a:endParaRPr>
+          </a:p>
+          <a:p>
+            <a:pPr marL="0" indent="0" algn="ctr">
+              <a:buNone/>
+            </a:pPr>
+            <a:r>
+              <a:rPr lang="zh-TW" altLang="en-US" sz="6400" b="1" dirty="0">
+                <a:solidFill>
+                  <a:srgbClr val="000066"/>
+                </a:solidFill>
+                <a:latin typeface="微軟正黑體" pitchFamily="34" charset="-120"/>
+                <a:ea typeface="微軟正黑體" pitchFamily="34" charset="-120"/>
+              </a:rPr>
+              <a:t>和散那歸於  至高神主耶穌</a:t>
+            </a:r>
+            <a:endParaRPr lang="en-US" sz="6400" b="1" dirty="0">
+              <a:solidFill>
+                <a:srgbClr val="000066"/>
+              </a:solidFill>
+              <a:latin typeface="微軟正黑體" pitchFamily="34" charset="-120"/>
+              <a:ea typeface="微軟正黑體" pitchFamily="34" charset="-120"/>
+            </a:endParaRPr>
+          </a:p>
+        </p:txBody>
+      </p:sp>
+      <p:sp>
+        <p:nvSpPr>
+          <p:cNvPr id="3" name="TextBox 2"/>
+          <p:cNvSpPr txBox="1"/>
+          <p:nvPr/>
+        </p:nvSpPr>
+        <p:spPr>
+          <a:xfrm>
+            <a:off x="0" y="5157192"/>
+            <a:ext cx="12192000" cy="666786"/>
+          </a:xfrm>
+          <a:prstGeom prst="rect">
+            <a:avLst/>
+          </a:prstGeom>
+          <a:noFill/>
+        </p:spPr>
+        <p:txBody>
+          <a:bodyPr wrap="square" rtlCol="0">
+            <a:spAutoFit/>
+          </a:bodyPr>
+          <a:lstStyle/>
+          <a:p>
             <a:pPr algn="ctr"/>
             <a:r>
-              <a:rPr lang="zh-TW" altLang="en-US" sz="4800" b="1" dirty="0">
+              <a:rPr lang="en-US" sz="3733" b="1" dirty="0">
+                <a:solidFill>
+                  <a:srgbClr val="000066"/>
+                </a:solidFill>
                 <a:latin typeface="Microsoft JhengHei" panose="020B0604030504040204" pitchFamily="34" charset="-120"/>
                 <a:ea typeface="Microsoft JhengHei" panose="020B0604030504040204" pitchFamily="34" charset="-120"/>
               </a:rPr>
-              <a:t>君王就在這裡</a:t>
-            </a:r>
-            <a:endParaRPr lang="en-US" sz="4800" b="1" dirty="0">
-              <a:latin typeface="Microsoft JhengHei" panose="020B0604030504040204" pitchFamily="34" charset="-120"/>
-              <a:ea typeface="Microsoft JhengHei" panose="020B0604030504040204" pitchFamily="34" charset="-120"/>
-            </a:endParaRPr>
-          </a:p>
-        </p:txBody>
-      </p:sp>
-      <p:sp>
-        <p:nvSpPr>
-          <p:cNvPr id="3" name="Content Placeholder 2">
-            <a:extLst>
-              <a:ext uri="{FF2B5EF4-FFF2-40B4-BE49-F238E27FC236}">
-                <a16:creationId xmlns="" xmlns:a16="http://schemas.microsoft.com/office/drawing/2014/main" id="{E22CC9E4-8F8E-42EB-9D61-9016F65A0B41}"/>
-              </a:ext>
-            </a:extLst>
-          </p:cNvPr>
-          <p:cNvSpPr>
-            <a:spLocks noGrp="1"/>
-          </p:cNvSpPr>
-          <p:nvPr>
-            <p:ph idx="1"/>
-          </p:nvPr>
-        </p:nvSpPr>
-        <p:spPr>
-          <a:xfrm>
-            <a:off x="1524000" y="1825625"/>
-            <a:ext cx="9144000" cy="4351338"/>
-          </a:xfrm>
-        </p:spPr>
-        <p:txBody>
-          <a:bodyPr>
-            <a:normAutofit/>
-          </a:bodyPr>
-          <a:lstStyle/>
-          <a:p>
-            <a:pPr marL="0" indent="0" algn="ctr">
-              <a:buNone/>
-            </a:pPr>
-            <a:r>
-              <a:rPr lang="zh-TW" altLang="en-US" sz="5400" b="1" dirty="0">
+              <a:t>( </a:t>
+            </a:r>
+            <a:r>
+              <a:rPr lang="zh-CN" altLang="en-US" sz="3733" b="1" dirty="0">
+                <a:solidFill>
+                  <a:srgbClr val="000066"/>
+                </a:solidFill>
                 <a:latin typeface="Microsoft JhengHei" panose="020B0604030504040204" pitchFamily="34" charset="-120"/>
                 <a:ea typeface="Microsoft JhengHei" panose="020B0604030504040204" pitchFamily="34" charset="-120"/>
               </a:rPr>
-              <a:t>聖潔耶穌 </a:t>
-            </a:r>
-            <a:r>
-              <a:rPr lang="zh-CN" altLang="en-US" sz="5400" b="1" dirty="0" smtClean="0">
+              <a:t>副歌</a:t>
+            </a:r>
+            <a:r>
+              <a:rPr lang="en-US" sz="3733" b="1" dirty="0">
+                <a:solidFill>
+                  <a:srgbClr val="000066"/>
+                </a:solidFill>
                 <a:latin typeface="Microsoft JhengHei" panose="020B0604030504040204" pitchFamily="34" charset="-120"/>
                 <a:ea typeface="Microsoft JhengHei" panose="020B0604030504040204" pitchFamily="34" charset="-120"/>
               </a:rPr>
-              <a:t>袮</a:t>
-            </a:r>
-            <a:r>
-              <a:rPr lang="zh-TW" altLang="en-US" sz="5400" b="1" dirty="0" smtClean="0">
-                <a:latin typeface="Microsoft JhengHei" panose="020B0604030504040204" pitchFamily="34" charset="-120"/>
-                <a:ea typeface="Microsoft JhengHei" panose="020B0604030504040204" pitchFamily="34" charset="-120"/>
-              </a:rPr>
-              <a:t>寶</a:t>
-            </a:r>
-            <a:r>
-              <a:rPr lang="zh-TW" altLang="en-US" sz="5400" b="1" dirty="0">
-                <a:latin typeface="Microsoft JhengHei" panose="020B0604030504040204" pitchFamily="34" charset="-120"/>
-                <a:ea typeface="Microsoft JhengHei" panose="020B0604030504040204" pitchFamily="34" charset="-120"/>
-              </a:rPr>
-              <a:t>座在這裡 </a:t>
-            </a:r>
-            <a:endParaRPr lang="en-US" altLang="zh-TW" sz="5400" b="1" dirty="0">
-              <a:latin typeface="Microsoft JhengHei" panose="020B0604030504040204" pitchFamily="34" charset="-120"/>
-              <a:ea typeface="Microsoft JhengHei" panose="020B0604030504040204" pitchFamily="34" charset="-120"/>
-            </a:endParaRPr>
-          </a:p>
-          <a:p>
-            <a:pPr marL="0" indent="0" algn="ctr">
-              <a:buNone/>
-            </a:pPr>
-            <a:r>
-              <a:rPr lang="zh-TW" altLang="en-US" sz="5400" b="1" dirty="0">
-                <a:latin typeface="Microsoft JhengHei" panose="020B0604030504040204" pitchFamily="34" charset="-120"/>
-                <a:ea typeface="Microsoft JhengHei" panose="020B0604030504040204" pitchFamily="34" charset="-120"/>
-              </a:rPr>
-              <a:t>哈利路</a:t>
-            </a:r>
-            <a:r>
-              <a:rPr lang="zh-TW" altLang="en-US" sz="5400" b="1" dirty="0" smtClean="0">
-                <a:latin typeface="Microsoft JhengHei" panose="020B0604030504040204" pitchFamily="34" charset="-120"/>
-                <a:ea typeface="Microsoft JhengHei" panose="020B0604030504040204" pitchFamily="34" charset="-120"/>
-              </a:rPr>
-              <a:t>亞 </a:t>
-            </a:r>
-            <a:r>
-              <a:rPr lang="zh-CN" altLang="en-US" sz="5400" b="1" dirty="0" smtClean="0">
-                <a:latin typeface="Microsoft JhengHei" panose="020B0604030504040204" pitchFamily="34" charset="-120"/>
-                <a:ea typeface="Microsoft JhengHei" panose="020B0604030504040204" pitchFamily="34" charset="-120"/>
-              </a:rPr>
-              <a:t>袮</a:t>
-            </a:r>
-            <a:r>
-              <a:rPr lang="zh-TW" altLang="en-US" sz="5400" b="1" dirty="0" smtClean="0">
-                <a:latin typeface="Microsoft JhengHei" panose="020B0604030504040204" pitchFamily="34" charset="-120"/>
-                <a:ea typeface="Microsoft JhengHei" panose="020B0604030504040204" pitchFamily="34" charset="-120"/>
-              </a:rPr>
-              <a:t>榮</a:t>
-            </a:r>
-            <a:r>
-              <a:rPr lang="zh-TW" altLang="en-US" sz="5400" b="1" dirty="0">
-                <a:latin typeface="Microsoft JhengHei" panose="020B0604030504040204" pitchFamily="34" charset="-120"/>
-                <a:ea typeface="Microsoft JhengHei" panose="020B0604030504040204" pitchFamily="34" charset="-120"/>
-              </a:rPr>
-              <a:t>耀在這裡 </a:t>
-            </a:r>
-            <a:endParaRPr lang="en-US" altLang="zh-TW" sz="5400" b="1" dirty="0">
-              <a:latin typeface="Microsoft JhengHei" panose="020B0604030504040204" pitchFamily="34" charset="-120"/>
-              <a:ea typeface="Microsoft JhengHei" panose="020B0604030504040204" pitchFamily="34" charset="-120"/>
-            </a:endParaRPr>
-          </a:p>
-          <a:p>
-            <a:pPr marL="0" indent="0" algn="ctr">
-              <a:buNone/>
-            </a:pPr>
-            <a:r>
-              <a:rPr lang="zh-TW" altLang="en-US" sz="5400" b="1" dirty="0">
-                <a:latin typeface="Microsoft JhengHei" panose="020B0604030504040204" pitchFamily="34" charset="-120"/>
-                <a:ea typeface="Microsoft JhengHei" panose="020B0604030504040204" pitchFamily="34" charset="-120"/>
-              </a:rPr>
-              <a:t>聖潔耶</a:t>
-            </a:r>
-            <a:r>
-              <a:rPr lang="zh-TW" altLang="en-US" sz="5400" b="1" dirty="0" smtClean="0">
-                <a:latin typeface="Microsoft JhengHei" panose="020B0604030504040204" pitchFamily="34" charset="-120"/>
-                <a:ea typeface="Microsoft JhengHei" panose="020B0604030504040204" pitchFamily="34" charset="-120"/>
-              </a:rPr>
-              <a:t>穌 </a:t>
-            </a:r>
-            <a:r>
-              <a:rPr lang="zh-CN" altLang="en-US" sz="5400" b="1" dirty="0" smtClean="0">
-                <a:latin typeface="Microsoft JhengHei" panose="020B0604030504040204" pitchFamily="34" charset="-120"/>
-                <a:ea typeface="Microsoft JhengHei" panose="020B0604030504040204" pitchFamily="34" charset="-120"/>
-              </a:rPr>
-              <a:t>袮</a:t>
-            </a:r>
-            <a:r>
-              <a:rPr lang="zh-TW" altLang="en-US" sz="5400" b="1" dirty="0" smtClean="0">
-                <a:latin typeface="Microsoft JhengHei" panose="020B0604030504040204" pitchFamily="34" charset="-120"/>
-                <a:ea typeface="Microsoft JhengHei" panose="020B0604030504040204" pitchFamily="34" charset="-120"/>
-              </a:rPr>
-              <a:t>寶</a:t>
-            </a:r>
-            <a:r>
-              <a:rPr lang="zh-TW" altLang="en-US" sz="5400" b="1" dirty="0">
-                <a:latin typeface="Microsoft JhengHei" panose="020B0604030504040204" pitchFamily="34" charset="-120"/>
-                <a:ea typeface="Microsoft JhengHei" panose="020B0604030504040204" pitchFamily="34" charset="-120"/>
-              </a:rPr>
-              <a:t>座在這裡 </a:t>
-            </a:r>
-            <a:endParaRPr lang="en-US" altLang="zh-TW" sz="5400" b="1" dirty="0">
-              <a:latin typeface="Microsoft JhengHei" panose="020B0604030504040204" pitchFamily="34" charset="-120"/>
-              <a:ea typeface="Microsoft JhengHei" panose="020B0604030504040204" pitchFamily="34" charset="-120"/>
-            </a:endParaRPr>
-          </a:p>
-          <a:p>
-            <a:pPr marL="0" indent="0" algn="ctr">
-              <a:buNone/>
-            </a:pPr>
-            <a:r>
-              <a:rPr lang="zh-TW" altLang="en-US" sz="5400" b="1" dirty="0">
-                <a:latin typeface="Microsoft JhengHei" panose="020B0604030504040204" pitchFamily="34" charset="-120"/>
-                <a:ea typeface="Microsoft JhengHei" panose="020B0604030504040204" pitchFamily="34" charset="-120"/>
-              </a:rPr>
-              <a:t>哈利路</a:t>
-            </a:r>
-            <a:r>
-              <a:rPr lang="zh-TW" altLang="en-US" sz="5400" b="1" dirty="0" smtClean="0">
-                <a:latin typeface="Microsoft JhengHei" panose="020B0604030504040204" pitchFamily="34" charset="-120"/>
-                <a:ea typeface="Microsoft JhengHei" panose="020B0604030504040204" pitchFamily="34" charset="-120"/>
-              </a:rPr>
-              <a:t>亞 </a:t>
-            </a:r>
-            <a:r>
-              <a:rPr lang="zh-CN" altLang="en-US" sz="5400" b="1" dirty="0" smtClean="0">
-                <a:latin typeface="Microsoft JhengHei" panose="020B0604030504040204" pitchFamily="34" charset="-120"/>
-                <a:ea typeface="Microsoft JhengHei" panose="020B0604030504040204" pitchFamily="34" charset="-120"/>
-              </a:rPr>
-              <a:t>袮</a:t>
-            </a:r>
-            <a:r>
-              <a:rPr lang="zh-TW" altLang="en-US" sz="5400" b="1" dirty="0" smtClean="0">
-                <a:latin typeface="Microsoft JhengHei" panose="020B0604030504040204" pitchFamily="34" charset="-120"/>
-                <a:ea typeface="Microsoft JhengHei" panose="020B0604030504040204" pitchFamily="34" charset="-120"/>
-              </a:rPr>
-              <a:t>榮</a:t>
-            </a:r>
-            <a:r>
-              <a:rPr lang="zh-TW" altLang="en-US" sz="5400" b="1" dirty="0">
-                <a:latin typeface="Microsoft JhengHei" panose="020B0604030504040204" pitchFamily="34" charset="-120"/>
-                <a:ea typeface="Microsoft JhengHei" panose="020B0604030504040204" pitchFamily="34" charset="-120"/>
-              </a:rPr>
-              <a:t>耀在這裡</a:t>
-            </a:r>
-            <a:endParaRPr lang="en-US" sz="5400" b="1" dirty="0">
-              <a:latin typeface="Microsoft JhengHei" panose="020B0604030504040204" pitchFamily="34" charset="-120"/>
+              <a:t> )</a:t>
+            </a:r>
+            <a:endParaRPr lang="vi-VN" sz="3733" b="1" dirty="0">
+              <a:solidFill>
+                <a:srgbClr val="000066"/>
+              </a:solidFill>
               <a:ea typeface="Microsoft JhengHei" panose="020B0604030504040204" pitchFamily="34" charset="-120"/>
             </a:endParaRPr>
           </a:p>
@@ -4142,7 +3739,7 @@
     </p:spTree>
     <p:extLst>
       <p:ext uri="{BB962C8B-B14F-4D97-AF65-F5344CB8AC3E}">
-        <p14:creationId xmlns="" xmlns:p14="http://schemas.microsoft.com/office/powerpoint/2010/main" val="3345349781"/>
+        <p14:creationId xmlns:p14="http://schemas.microsoft.com/office/powerpoint/2010/main" val="2947153856"/>
       </p:ext>
     </p:extLst>
   </p:cSld>
@@ -4171,186 +3768,169 @@
       </p:grpSpPr>
       <p:sp>
         <p:nvSpPr>
-          <p:cNvPr id="2" name="Title 1">
-            <a:extLst>
-              <a:ext uri="{FF2B5EF4-FFF2-40B4-BE49-F238E27FC236}">
-                <a16:creationId xmlns="" xmlns:a16="http://schemas.microsoft.com/office/drawing/2014/main" id="{48BD1D8E-9BB3-4D96-928A-29F0C8229131}"/>
-              </a:ext>
-            </a:extLst>
-          </p:cNvPr>
-          <p:cNvSpPr>
-            <a:spLocks noGrp="1"/>
-          </p:cNvSpPr>
-          <p:nvPr>
-            <p:ph type="title"/>
-          </p:nvPr>
-        </p:nvSpPr>
-        <p:spPr/>
-        <p:txBody>
-          <a:bodyPr>
+          <p:cNvPr id="5" name="內容版面配置區 4"/>
+          <p:cNvSpPr>
+            <a:spLocks noGrp="1"/>
+          </p:cNvSpPr>
+          <p:nvPr>
+            <p:ph idx="1"/>
+          </p:nvPr>
+        </p:nvSpPr>
+        <p:spPr>
+          <a:xfrm>
+            <a:off x="0" y="2084851"/>
+            <a:ext cx="12192000" cy="2404863"/>
+          </a:xfrm>
+        </p:spPr>
+        <p:txBody>
+          <a:bodyPr anchor="ctr">
             <a:normAutofit/>
           </a:bodyPr>
           <a:lstStyle/>
           <a:p>
+            <a:pPr marL="0" indent="0" algn="ctr">
+              <a:buNone/>
+            </a:pPr>
+            <a:r>
+              <a:rPr lang="zh-TW" altLang="en-US" sz="6400" b="1" dirty="0">
+                <a:solidFill>
+                  <a:srgbClr val="000066"/>
+                </a:solidFill>
+                <a:latin typeface="微軟正黑體" pitchFamily="34" charset="-120"/>
+                <a:ea typeface="微軟正黑體" pitchFamily="34" charset="-120"/>
+              </a:rPr>
+              <a:t>更多更多  來高舉</a:t>
+            </a:r>
+            <a:r>
+              <a:rPr lang="zh-CN" altLang="en-US" sz="6400" b="1" dirty="0">
+                <a:solidFill>
+                  <a:srgbClr val="000066"/>
+                </a:solidFill>
+                <a:latin typeface="微軟正黑體" pitchFamily="34" charset="-120"/>
+                <a:ea typeface="微軟正黑體" pitchFamily="34" charset="-120"/>
+              </a:rPr>
+              <a:t>祢</a:t>
+            </a:r>
+            <a:r>
+              <a:rPr lang="zh-TW" altLang="en-US" sz="6400" b="1" dirty="0">
+                <a:solidFill>
+                  <a:srgbClr val="000066"/>
+                </a:solidFill>
+                <a:latin typeface="微軟正黑體" pitchFamily="34" charset="-120"/>
+                <a:ea typeface="微軟正黑體" pitchFamily="34" charset="-120"/>
+              </a:rPr>
+              <a:t>的名 </a:t>
+            </a:r>
+            <a:endParaRPr lang="en-US" altLang="zh-TW" sz="6400" b="1" dirty="0">
+              <a:solidFill>
+                <a:srgbClr val="000066"/>
+              </a:solidFill>
+              <a:latin typeface="微軟正黑體" pitchFamily="34" charset="-120"/>
+              <a:ea typeface="微軟正黑體" pitchFamily="34" charset="-120"/>
+            </a:endParaRPr>
+          </a:p>
+          <a:p>
+            <a:pPr marL="0" indent="0" algn="ctr">
+              <a:buNone/>
+            </a:pPr>
+            <a:r>
+              <a:rPr lang="zh-TW" altLang="en-US" sz="6400" b="1" dirty="0">
+                <a:solidFill>
+                  <a:srgbClr val="000066"/>
+                </a:solidFill>
+                <a:latin typeface="微軟正黑體" pitchFamily="34" charset="-120"/>
+                <a:ea typeface="微軟正黑體" pitchFamily="34" charset="-120"/>
+              </a:rPr>
+              <a:t>更多更多  來呼喊</a:t>
+            </a:r>
+            <a:r>
+              <a:rPr lang="zh-CN" altLang="en-US" sz="6400" b="1" dirty="0">
+                <a:solidFill>
+                  <a:srgbClr val="000066"/>
+                </a:solidFill>
+                <a:latin typeface="微軟正黑體" pitchFamily="34" charset="-120"/>
+                <a:ea typeface="微軟正黑體" pitchFamily="34" charset="-120"/>
+              </a:rPr>
+              <a:t>祢</a:t>
+            </a:r>
+            <a:r>
+              <a:rPr lang="zh-TW" altLang="en-US" sz="6400" b="1" dirty="0">
+                <a:solidFill>
+                  <a:srgbClr val="000066"/>
+                </a:solidFill>
+                <a:latin typeface="微軟正黑體" pitchFamily="34" charset="-120"/>
+                <a:ea typeface="微軟正黑體" pitchFamily="34" charset="-120"/>
+              </a:rPr>
+              <a:t>的名 </a:t>
+            </a:r>
+            <a:endParaRPr lang="en-US" altLang="zh-TW" sz="6400" b="1" dirty="0">
+              <a:solidFill>
+                <a:srgbClr val="000066"/>
+              </a:solidFill>
+              <a:latin typeface="微軟正黑體" pitchFamily="34" charset="-120"/>
+              <a:ea typeface="微軟正黑體" pitchFamily="34" charset="-120"/>
+            </a:endParaRPr>
+          </a:p>
+        </p:txBody>
+      </p:sp>
+      <p:sp>
+        <p:nvSpPr>
+          <p:cNvPr id="3" name="TextBox 2"/>
+          <p:cNvSpPr txBox="1"/>
+          <p:nvPr/>
+        </p:nvSpPr>
+        <p:spPr>
+          <a:xfrm>
+            <a:off x="0" y="5157192"/>
+            <a:ext cx="12192000" cy="666786"/>
+          </a:xfrm>
+          <a:prstGeom prst="rect">
+            <a:avLst/>
+          </a:prstGeom>
+          <a:noFill/>
+        </p:spPr>
+        <p:txBody>
+          <a:bodyPr wrap="square" rtlCol="0">
+            <a:spAutoFit/>
+          </a:bodyPr>
+          <a:lstStyle/>
+          <a:p>
             <a:pPr algn="ctr"/>
             <a:r>
-              <a:rPr lang="zh-TW" altLang="en-US" sz="4800" b="1" dirty="0">
+              <a:rPr lang="en-US" sz="3733" b="1" dirty="0">
+                <a:solidFill>
+                  <a:srgbClr val="000066"/>
+                </a:solidFill>
                 <a:latin typeface="Microsoft JhengHei" panose="020B0604030504040204" pitchFamily="34" charset="-120"/>
                 <a:ea typeface="Microsoft JhengHei" panose="020B0604030504040204" pitchFamily="34" charset="-120"/>
               </a:rPr>
-              <a:t>君王就在這裡</a:t>
-            </a:r>
-            <a:endParaRPr lang="en-US" sz="4800" b="1" dirty="0">
-              <a:latin typeface="Microsoft JhengHei" panose="020B0604030504040204" pitchFamily="34" charset="-120"/>
-              <a:ea typeface="Microsoft JhengHei" panose="020B0604030504040204" pitchFamily="34" charset="-120"/>
-            </a:endParaRPr>
-          </a:p>
-        </p:txBody>
-      </p:sp>
-      <p:sp>
-        <p:nvSpPr>
-          <p:cNvPr id="3" name="Content Placeholder 2">
-            <a:extLst>
-              <a:ext uri="{FF2B5EF4-FFF2-40B4-BE49-F238E27FC236}">
-                <a16:creationId xmlns="" xmlns:a16="http://schemas.microsoft.com/office/drawing/2014/main" id="{E22CC9E4-8F8E-42EB-9D61-9016F65A0B41}"/>
-              </a:ext>
-            </a:extLst>
-          </p:cNvPr>
-          <p:cNvSpPr>
-            <a:spLocks noGrp="1"/>
-          </p:cNvSpPr>
-          <p:nvPr>
-            <p:ph idx="1"/>
-          </p:nvPr>
-        </p:nvSpPr>
-        <p:spPr>
-          <a:xfrm>
-            <a:off x="1524000" y="1825625"/>
-            <a:ext cx="9144000" cy="4351338"/>
-          </a:xfrm>
-        </p:spPr>
-        <p:txBody>
-          <a:bodyPr>
-            <a:normAutofit/>
-          </a:bodyPr>
-          <a:lstStyle/>
-          <a:p>
-            <a:pPr marL="0" indent="0" algn="ctr">
-              <a:buNone/>
-            </a:pPr>
-            <a:r>
-              <a:rPr lang="zh-TW" altLang="en-US" sz="5400" b="1" dirty="0">
-                <a:latin typeface="Microsoft JhengHei" panose="020B0604030504040204" pitchFamily="34" charset="-120"/>
-                <a:ea typeface="Microsoft JhengHei" panose="020B0604030504040204" pitchFamily="34" charset="-120"/>
-                <a:cs typeface="+mj-cs"/>
-              </a:rPr>
-              <a:t>君王就在這裡 我們歡然獻祭 </a:t>
-            </a:r>
-            <a:endParaRPr lang="en-US" altLang="zh-TW" sz="5400" b="1" dirty="0">
-              <a:latin typeface="Microsoft JhengHei" panose="020B0604030504040204" pitchFamily="34" charset="-120"/>
-              <a:ea typeface="Microsoft JhengHei" panose="020B0604030504040204" pitchFamily="34" charset="-120"/>
-              <a:cs typeface="+mj-cs"/>
-            </a:endParaRPr>
-          </a:p>
-          <a:p>
-            <a:pPr marL="0" indent="0" algn="ctr">
-              <a:buNone/>
-            </a:pPr>
-            <a:r>
-              <a:rPr lang="zh-TW" altLang="en-US" sz="5400" b="1" dirty="0">
-                <a:latin typeface="Microsoft JhengHei" panose="020B0604030504040204" pitchFamily="34" charset="-120"/>
-                <a:ea typeface="Microsoft JhengHei" panose="020B0604030504040204" pitchFamily="34" charset="-120"/>
-                <a:cs typeface="+mj-cs"/>
-              </a:rPr>
-              <a:t>擁</a:t>
-            </a:r>
-            <a:r>
-              <a:rPr lang="zh-TW" altLang="en-US" sz="5400" b="1" dirty="0" smtClean="0">
-                <a:latin typeface="Microsoft JhengHei" panose="020B0604030504040204" pitchFamily="34" charset="-120"/>
-                <a:ea typeface="Microsoft JhengHei" panose="020B0604030504040204" pitchFamily="34" charset="-120"/>
-                <a:cs typeface="+mj-cs"/>
-              </a:rPr>
-              <a:t>戴</a:t>
-            </a:r>
-            <a:r>
-              <a:rPr lang="zh-CN" altLang="en-US" sz="5400" b="1" dirty="0" smtClean="0">
-                <a:latin typeface="Microsoft JhengHei" panose="020B0604030504040204" pitchFamily="34" charset="-120"/>
-                <a:ea typeface="Microsoft JhengHei" panose="020B0604030504040204" pitchFamily="34" charset="-120"/>
-                <a:cs typeface="+mj-cs"/>
-              </a:rPr>
-              <a:t>袮</a:t>
-            </a:r>
-            <a:r>
-              <a:rPr lang="zh-TW" altLang="en-US" sz="5400" b="1" dirty="0" smtClean="0">
-                <a:latin typeface="Microsoft JhengHei" panose="020B0604030504040204" pitchFamily="34" charset="-120"/>
-                <a:ea typeface="Microsoft JhengHei" panose="020B0604030504040204" pitchFamily="34" charset="-120"/>
-                <a:cs typeface="+mj-cs"/>
-              </a:rPr>
-              <a:t>為</a:t>
-            </a:r>
-            <a:r>
-              <a:rPr lang="zh-TW" altLang="en-US" sz="5400" b="1" dirty="0">
-                <a:latin typeface="Microsoft JhengHei" panose="020B0604030504040204" pitchFamily="34" charset="-120"/>
-                <a:ea typeface="Microsoft JhengHei" panose="020B0604030504040204" pitchFamily="34" charset="-120"/>
-                <a:cs typeface="+mj-cs"/>
-              </a:rPr>
-              <a:t>王 榮耀都歸</a:t>
-            </a:r>
-            <a:r>
-              <a:rPr lang="zh-TW" altLang="en-US" sz="5400" b="1" dirty="0" smtClean="0">
-                <a:latin typeface="Microsoft JhengHei" panose="020B0604030504040204" pitchFamily="34" charset="-120"/>
-                <a:ea typeface="Microsoft JhengHei" panose="020B0604030504040204" pitchFamily="34" charset="-120"/>
-                <a:cs typeface="+mj-cs"/>
-              </a:rPr>
-              <a:t>於</a:t>
-            </a:r>
-            <a:r>
-              <a:rPr lang="zh-CN" altLang="en-US" sz="5400" b="1" dirty="0">
+              <a:t>( </a:t>
+            </a:r>
+            <a:r>
+              <a:rPr lang="zh-CN" altLang="en-US" sz="3733" b="1" dirty="0">
+                <a:solidFill>
+                  <a:srgbClr val="000066"/>
+                </a:solidFill>
                 <a:latin typeface="Microsoft JhengHei" panose="020B0604030504040204" pitchFamily="34" charset="-120"/>
                 <a:ea typeface="Microsoft JhengHei" panose="020B0604030504040204" pitchFamily="34" charset="-120"/>
               </a:rPr>
-              <a:t>袮</a:t>
-            </a:r>
-            <a:endParaRPr lang="en-US" altLang="zh-TW" sz="5400" b="1" dirty="0">
-              <a:latin typeface="Microsoft JhengHei" panose="020B0604030504040204" pitchFamily="34" charset="-120"/>
-              <a:ea typeface="Microsoft JhengHei" panose="020B0604030504040204" pitchFamily="34" charset="-120"/>
-              <a:cs typeface="+mj-cs"/>
-            </a:endParaRPr>
-          </a:p>
-          <a:p>
-            <a:pPr marL="0" indent="0" algn="ctr">
-              <a:buNone/>
-            </a:pPr>
-            <a:r>
-              <a:rPr lang="zh-TW" altLang="en-US" sz="5400" b="1" dirty="0">
+              <a:t>橋</a:t>
+            </a:r>
+            <a:r>
+              <a:rPr lang="en-US" sz="3733" b="1" dirty="0">
+                <a:solidFill>
+                  <a:srgbClr val="000066"/>
+                </a:solidFill>
                 <a:latin typeface="Microsoft JhengHei" panose="020B0604030504040204" pitchFamily="34" charset="-120"/>
                 <a:ea typeface="Microsoft JhengHei" panose="020B0604030504040204" pitchFamily="34" charset="-120"/>
-                <a:cs typeface="+mj-cs"/>
               </a:rPr>
-              <a:t>君王就在這裡 大能彰顯這地 </a:t>
-            </a:r>
-            <a:endParaRPr lang="en-US" altLang="zh-TW" sz="5400" b="1" dirty="0">
-              <a:latin typeface="Microsoft JhengHei" panose="020B0604030504040204" pitchFamily="34" charset="-120"/>
+              <a:t> )</a:t>
+            </a:r>
+            <a:endParaRPr lang="vi-VN" sz="3733" b="1" dirty="0">
+              <a:solidFill>
+                <a:srgbClr val="000066"/>
+              </a:solidFill>
               <a:ea typeface="Microsoft JhengHei" panose="020B0604030504040204" pitchFamily="34" charset="-120"/>
-              <a:cs typeface="+mj-cs"/>
-            </a:endParaRPr>
-          </a:p>
-          <a:p>
-            <a:pPr marL="0" indent="0" algn="ctr">
-              <a:buNone/>
-            </a:pPr>
-            <a:r>
-              <a:rPr lang="zh-TW" altLang="en-US" sz="5400" b="1" dirty="0">
-                <a:latin typeface="Microsoft JhengHei" panose="020B0604030504040204" pitchFamily="34" charset="-120"/>
-                <a:ea typeface="Microsoft JhengHei" panose="020B0604030504040204" pitchFamily="34" charset="-120"/>
-                <a:cs typeface="+mj-cs"/>
-              </a:rPr>
-              <a:t>和散那歸於 至高神主耶穌</a:t>
-            </a:r>
-            <a:endParaRPr lang="en-US" sz="5400" b="1" dirty="0">
-              <a:latin typeface="Microsoft JhengHei" panose="020B0604030504040204" pitchFamily="34" charset="-120"/>
-              <a:ea typeface="Microsoft JhengHei" panose="020B0604030504040204" pitchFamily="34" charset="-120"/>
-              <a:cs typeface="+mj-cs"/>
             </a:endParaRPr>
           </a:p>
         </p:txBody>
@@ -4358,7 +3938,7 @@
     </p:spTree>
     <p:extLst>
       <p:ext uri="{BB962C8B-B14F-4D97-AF65-F5344CB8AC3E}">
-        <p14:creationId xmlns="" xmlns:p14="http://schemas.microsoft.com/office/powerpoint/2010/main" val="1195095475"/>
+        <p14:creationId xmlns:p14="http://schemas.microsoft.com/office/powerpoint/2010/main" val="1211583194"/>
       </p:ext>
     </p:extLst>
   </p:cSld>
@@ -4387,186 +3967,169 @@
       </p:grpSpPr>
       <p:sp>
         <p:nvSpPr>
-          <p:cNvPr id="2" name="Title 1">
-            <a:extLst>
-              <a:ext uri="{FF2B5EF4-FFF2-40B4-BE49-F238E27FC236}">
-                <a16:creationId xmlns="" xmlns:a16="http://schemas.microsoft.com/office/drawing/2014/main" id="{48BD1D8E-9BB3-4D96-928A-29F0C8229131}"/>
-              </a:ext>
-            </a:extLst>
-          </p:cNvPr>
-          <p:cNvSpPr>
-            <a:spLocks noGrp="1"/>
-          </p:cNvSpPr>
-          <p:nvPr>
-            <p:ph type="title"/>
-          </p:nvPr>
-        </p:nvSpPr>
-        <p:spPr/>
-        <p:txBody>
-          <a:bodyPr>
+          <p:cNvPr id="5" name="內容版面配置區 4"/>
+          <p:cNvSpPr>
+            <a:spLocks noGrp="1"/>
+          </p:cNvSpPr>
+          <p:nvPr>
+            <p:ph idx="1"/>
+          </p:nvPr>
+        </p:nvSpPr>
+        <p:spPr>
+          <a:xfrm>
+            <a:off x="0" y="2084851"/>
+            <a:ext cx="12192000" cy="2404863"/>
+          </a:xfrm>
+        </p:spPr>
+        <p:txBody>
+          <a:bodyPr anchor="ctr">
             <a:normAutofit/>
           </a:bodyPr>
           <a:lstStyle/>
           <a:p>
+            <a:pPr marL="0" indent="0" algn="ctr">
+              <a:buNone/>
+            </a:pPr>
+            <a:r>
+              <a:rPr lang="zh-TW" altLang="en-US" sz="6400" b="1" dirty="0">
+                <a:solidFill>
+                  <a:srgbClr val="000066"/>
+                </a:solidFill>
+                <a:latin typeface="微軟正黑體" pitchFamily="34" charset="-120"/>
+                <a:ea typeface="微軟正黑體" pitchFamily="34" charset="-120"/>
+              </a:rPr>
+              <a:t>更多更多  來承認</a:t>
+            </a:r>
+            <a:r>
+              <a:rPr lang="zh-CN" altLang="en-US" sz="6400" b="1" dirty="0">
+                <a:solidFill>
+                  <a:srgbClr val="000066"/>
+                </a:solidFill>
+                <a:latin typeface="微軟正黑體" pitchFamily="34" charset="-120"/>
+                <a:ea typeface="微軟正黑體" pitchFamily="34" charset="-120"/>
+              </a:rPr>
+              <a:t>祢</a:t>
+            </a:r>
+            <a:r>
+              <a:rPr lang="zh-TW" altLang="en-US" sz="6400" b="1" dirty="0">
+                <a:solidFill>
+                  <a:srgbClr val="000066"/>
+                </a:solidFill>
+                <a:latin typeface="微軟正黑體" pitchFamily="34" charset="-120"/>
+                <a:ea typeface="微軟正黑體" pitchFamily="34" charset="-120"/>
+              </a:rPr>
+              <a:t>是主 </a:t>
+            </a:r>
+            <a:endParaRPr lang="en-US" altLang="zh-TW" sz="6400" b="1" dirty="0">
+              <a:solidFill>
+                <a:srgbClr val="000066"/>
+              </a:solidFill>
+              <a:latin typeface="微軟正黑體" pitchFamily="34" charset="-120"/>
+              <a:ea typeface="微軟正黑體" pitchFamily="34" charset="-120"/>
+            </a:endParaRPr>
+          </a:p>
+          <a:p>
+            <a:pPr marL="0" indent="0" algn="ctr">
+              <a:buNone/>
+            </a:pPr>
+            <a:r>
+              <a:rPr lang="zh-TW" altLang="en-US" sz="6400" b="1" dirty="0">
+                <a:solidFill>
+                  <a:srgbClr val="000066"/>
+                </a:solidFill>
+                <a:latin typeface="微軟正黑體" pitchFamily="34" charset="-120"/>
+                <a:ea typeface="微軟正黑體" pitchFamily="34" charset="-120"/>
+              </a:rPr>
+              <a:t>直到那日  我再見</a:t>
+            </a:r>
+            <a:r>
+              <a:rPr lang="zh-CN" altLang="en-US" sz="6400" b="1" dirty="0">
+                <a:solidFill>
+                  <a:srgbClr val="000066"/>
+                </a:solidFill>
+                <a:latin typeface="微軟正黑體" pitchFamily="34" charset="-120"/>
+                <a:ea typeface="微軟正黑體" pitchFamily="34" charset="-120"/>
+              </a:rPr>
+              <a:t>祢</a:t>
+            </a:r>
+            <a:r>
+              <a:rPr lang="zh-TW" altLang="en-US" sz="6400" b="1" dirty="0">
+                <a:solidFill>
+                  <a:srgbClr val="000066"/>
+                </a:solidFill>
+                <a:latin typeface="微軟正黑體" pitchFamily="34" charset="-120"/>
+                <a:ea typeface="微軟正黑體" pitchFamily="34" charset="-120"/>
+              </a:rPr>
+              <a:t>的面</a:t>
+            </a:r>
+            <a:endParaRPr lang="en-US" sz="6400" b="1" dirty="0">
+              <a:solidFill>
+                <a:srgbClr val="000066"/>
+              </a:solidFill>
+              <a:latin typeface="微軟正黑體" pitchFamily="34" charset="-120"/>
+              <a:ea typeface="微軟正黑體" pitchFamily="34" charset="-120"/>
+            </a:endParaRPr>
+          </a:p>
+        </p:txBody>
+      </p:sp>
+      <p:sp>
+        <p:nvSpPr>
+          <p:cNvPr id="3" name="TextBox 2"/>
+          <p:cNvSpPr txBox="1"/>
+          <p:nvPr/>
+        </p:nvSpPr>
+        <p:spPr>
+          <a:xfrm>
+            <a:off x="0" y="5157192"/>
+            <a:ext cx="12192000" cy="666786"/>
+          </a:xfrm>
+          <a:prstGeom prst="rect">
+            <a:avLst/>
+          </a:prstGeom>
+          <a:noFill/>
+        </p:spPr>
+        <p:txBody>
+          <a:bodyPr wrap="square" rtlCol="0">
+            <a:spAutoFit/>
+          </a:bodyPr>
+          <a:lstStyle/>
+          <a:p>
             <a:pPr algn="ctr"/>
             <a:r>
-              <a:rPr lang="zh-TW" altLang="en-US" sz="4800" b="1" dirty="0">
+              <a:rPr lang="en-US" sz="3733" b="1" dirty="0">
+                <a:solidFill>
+                  <a:srgbClr val="000066"/>
+                </a:solidFill>
                 <a:latin typeface="Microsoft JhengHei" panose="020B0604030504040204" pitchFamily="34" charset="-120"/>
                 <a:ea typeface="Microsoft JhengHei" panose="020B0604030504040204" pitchFamily="34" charset="-120"/>
               </a:rPr>
-              <a:t>君王就在這裡</a:t>
-            </a:r>
-            <a:endParaRPr lang="en-US" sz="4800" b="1" dirty="0">
-              <a:latin typeface="Microsoft JhengHei" panose="020B0604030504040204" pitchFamily="34" charset="-120"/>
-              <a:ea typeface="Microsoft JhengHei" panose="020B0604030504040204" pitchFamily="34" charset="-120"/>
-            </a:endParaRPr>
-          </a:p>
-        </p:txBody>
-      </p:sp>
-      <p:sp>
-        <p:nvSpPr>
-          <p:cNvPr id="3" name="Content Placeholder 2">
-            <a:extLst>
-              <a:ext uri="{FF2B5EF4-FFF2-40B4-BE49-F238E27FC236}">
-                <a16:creationId xmlns="" xmlns:a16="http://schemas.microsoft.com/office/drawing/2014/main" id="{E22CC9E4-8F8E-42EB-9D61-9016F65A0B41}"/>
-              </a:ext>
-            </a:extLst>
-          </p:cNvPr>
-          <p:cNvSpPr>
-            <a:spLocks noGrp="1"/>
-          </p:cNvSpPr>
-          <p:nvPr>
-            <p:ph idx="1"/>
-          </p:nvPr>
-        </p:nvSpPr>
-        <p:spPr>
-          <a:xfrm>
-            <a:off x="1524000" y="1825625"/>
-            <a:ext cx="9144000" cy="4351338"/>
-          </a:xfrm>
-        </p:spPr>
-        <p:txBody>
-          <a:bodyPr>
-            <a:normAutofit/>
-          </a:bodyPr>
-          <a:lstStyle/>
-          <a:p>
-            <a:pPr marL="0" indent="0" algn="ctr">
-              <a:buNone/>
-            </a:pPr>
-            <a:r>
-              <a:rPr lang="zh-TW" altLang="en-US" sz="5400" b="1" dirty="0">
-                <a:latin typeface="Microsoft JhengHei" panose="020B0604030504040204" pitchFamily="34" charset="-120"/>
-                <a:ea typeface="Microsoft JhengHei" panose="020B0604030504040204" pitchFamily="34" charset="-120"/>
-                <a:cs typeface="+mj-cs"/>
-              </a:rPr>
-              <a:t>君王就在這裡 我們歡然獻祭 </a:t>
-            </a:r>
-            <a:endParaRPr lang="en-US" altLang="zh-TW" sz="5400" b="1" dirty="0">
-              <a:latin typeface="Microsoft JhengHei" panose="020B0604030504040204" pitchFamily="34" charset="-120"/>
-              <a:ea typeface="Microsoft JhengHei" panose="020B0604030504040204" pitchFamily="34" charset="-120"/>
-              <a:cs typeface="+mj-cs"/>
-            </a:endParaRPr>
-          </a:p>
-          <a:p>
-            <a:pPr marL="0" indent="0" algn="ctr">
-              <a:buNone/>
-            </a:pPr>
-            <a:r>
-              <a:rPr lang="zh-TW" altLang="en-US" sz="5400" b="1" dirty="0">
-                <a:latin typeface="Microsoft JhengHei" panose="020B0604030504040204" pitchFamily="34" charset="-120"/>
-                <a:ea typeface="Microsoft JhengHei" panose="020B0604030504040204" pitchFamily="34" charset="-120"/>
-                <a:cs typeface="+mj-cs"/>
-              </a:rPr>
-              <a:t>擁</a:t>
-            </a:r>
-            <a:r>
-              <a:rPr lang="zh-TW" altLang="en-US" sz="5400" b="1" dirty="0" smtClean="0">
-                <a:latin typeface="Microsoft JhengHei" panose="020B0604030504040204" pitchFamily="34" charset="-120"/>
-                <a:ea typeface="Microsoft JhengHei" panose="020B0604030504040204" pitchFamily="34" charset="-120"/>
-                <a:cs typeface="+mj-cs"/>
-              </a:rPr>
-              <a:t>戴</a:t>
-            </a:r>
-            <a:r>
-              <a:rPr lang="zh-CN" altLang="en-US" sz="5400" b="1" dirty="0" smtClean="0">
-                <a:latin typeface="Microsoft JhengHei" panose="020B0604030504040204" pitchFamily="34" charset="-120"/>
-                <a:ea typeface="Microsoft JhengHei" panose="020B0604030504040204" pitchFamily="34" charset="-120"/>
-                <a:cs typeface="+mj-cs"/>
-              </a:rPr>
-              <a:t>袮</a:t>
-            </a:r>
-            <a:r>
-              <a:rPr lang="zh-TW" altLang="en-US" sz="5400" b="1" dirty="0" smtClean="0">
-                <a:latin typeface="Microsoft JhengHei" panose="020B0604030504040204" pitchFamily="34" charset="-120"/>
-                <a:ea typeface="Microsoft JhengHei" panose="020B0604030504040204" pitchFamily="34" charset="-120"/>
-                <a:cs typeface="+mj-cs"/>
-              </a:rPr>
-              <a:t>為</a:t>
-            </a:r>
-            <a:r>
-              <a:rPr lang="zh-TW" altLang="en-US" sz="5400" b="1" dirty="0">
-                <a:latin typeface="Microsoft JhengHei" panose="020B0604030504040204" pitchFamily="34" charset="-120"/>
-                <a:ea typeface="Microsoft JhengHei" panose="020B0604030504040204" pitchFamily="34" charset="-120"/>
-                <a:cs typeface="+mj-cs"/>
-              </a:rPr>
-              <a:t>王 榮耀都歸</a:t>
-            </a:r>
-            <a:r>
-              <a:rPr lang="zh-TW" altLang="en-US" sz="5400" b="1" dirty="0" smtClean="0">
-                <a:latin typeface="Microsoft JhengHei" panose="020B0604030504040204" pitchFamily="34" charset="-120"/>
-                <a:ea typeface="Microsoft JhengHei" panose="020B0604030504040204" pitchFamily="34" charset="-120"/>
-                <a:cs typeface="+mj-cs"/>
-              </a:rPr>
-              <a:t>於</a:t>
-            </a:r>
-            <a:r>
-              <a:rPr lang="zh-CN" altLang="en-US" sz="5400" b="1" dirty="0">
+              <a:t>( </a:t>
+            </a:r>
+            <a:r>
+              <a:rPr lang="zh-CN" altLang="en-US" sz="3733" b="1" dirty="0">
+                <a:solidFill>
+                  <a:srgbClr val="000066"/>
+                </a:solidFill>
                 <a:latin typeface="Microsoft JhengHei" panose="020B0604030504040204" pitchFamily="34" charset="-120"/>
                 <a:ea typeface="Microsoft JhengHei" panose="020B0604030504040204" pitchFamily="34" charset="-120"/>
               </a:rPr>
-              <a:t>袮</a:t>
-            </a:r>
-            <a:endParaRPr lang="en-US" altLang="zh-TW" sz="5400" b="1" dirty="0">
-              <a:latin typeface="Microsoft JhengHei" panose="020B0604030504040204" pitchFamily="34" charset="-120"/>
-              <a:ea typeface="Microsoft JhengHei" panose="020B0604030504040204" pitchFamily="34" charset="-120"/>
-              <a:cs typeface="+mj-cs"/>
-            </a:endParaRPr>
-          </a:p>
-          <a:p>
-            <a:pPr marL="0" indent="0" algn="ctr">
-              <a:buNone/>
-            </a:pPr>
-            <a:r>
-              <a:rPr lang="zh-TW" altLang="en-US" sz="5400" b="1" dirty="0">
+              <a:t>橋</a:t>
+            </a:r>
+            <a:r>
+              <a:rPr lang="en-US" sz="3733" b="1" dirty="0">
+                <a:solidFill>
+                  <a:srgbClr val="000066"/>
+                </a:solidFill>
                 <a:latin typeface="Microsoft JhengHei" panose="020B0604030504040204" pitchFamily="34" charset="-120"/>
                 <a:ea typeface="Microsoft JhengHei" panose="020B0604030504040204" pitchFamily="34" charset="-120"/>
-                <a:cs typeface="+mj-cs"/>
               </a:rPr>
-              <a:t>君王就在這裡 大能彰顯這地 </a:t>
-            </a:r>
-            <a:endParaRPr lang="en-US" altLang="zh-TW" sz="5400" b="1" dirty="0">
-              <a:latin typeface="Microsoft JhengHei" panose="020B0604030504040204" pitchFamily="34" charset="-120"/>
+              <a:t> )</a:t>
+            </a:r>
+            <a:endParaRPr lang="vi-VN" sz="3733" b="1" dirty="0">
+              <a:solidFill>
+                <a:srgbClr val="000066"/>
+              </a:solidFill>
               <a:ea typeface="Microsoft JhengHei" panose="020B0604030504040204" pitchFamily="34" charset="-120"/>
-              <a:cs typeface="+mj-cs"/>
-            </a:endParaRPr>
-          </a:p>
-          <a:p>
-            <a:pPr marL="0" indent="0" algn="ctr">
-              <a:buNone/>
-            </a:pPr>
-            <a:r>
-              <a:rPr lang="zh-TW" altLang="en-US" sz="5400" b="1" dirty="0">
-                <a:latin typeface="Microsoft JhengHei" panose="020B0604030504040204" pitchFamily="34" charset="-120"/>
-                <a:ea typeface="Microsoft JhengHei" panose="020B0604030504040204" pitchFamily="34" charset="-120"/>
-                <a:cs typeface="+mj-cs"/>
-              </a:rPr>
-              <a:t>和散那歸於 至高神主耶穌</a:t>
-            </a:r>
-            <a:endParaRPr lang="en-US" sz="5400" b="1" dirty="0">
-              <a:latin typeface="Microsoft JhengHei" panose="020B0604030504040204" pitchFamily="34" charset="-120"/>
-              <a:ea typeface="Microsoft JhengHei" panose="020B0604030504040204" pitchFamily="34" charset="-120"/>
-              <a:cs typeface="+mj-cs"/>
             </a:endParaRPr>
           </a:p>
         </p:txBody>
@@ -4574,516 +4137,7 @@
     </p:spTree>
     <p:extLst>
       <p:ext uri="{BB962C8B-B14F-4D97-AF65-F5344CB8AC3E}">
-        <p14:creationId xmlns="" xmlns:p14="http://schemas.microsoft.com/office/powerpoint/2010/main" val="1195095475"/>
-      </p:ext>
-    </p:extLst>
-  </p:cSld>
-  <p:clrMapOvr>
-    <a:masterClrMapping/>
-  </p:clrMapOvr>
-</p:sld>
-</file>
-
-<file path=ppt/slides/slide7.xml><?xml version="1.0" encoding="utf-8"?>
-<p:sld xmlns:a="http://schemas.openxmlformats.org/drawingml/2006/main" xmlns:r="http://schemas.openxmlformats.org/officeDocument/2006/relationships" xmlns:p="http://schemas.openxmlformats.org/presentationml/2006/main">
-  <p:cSld>
-    <p:spTree>
-      <p:nvGrpSpPr>
-        <p:cNvPr id="1" name=""/>
-        <p:cNvGrpSpPr/>
-        <p:nvPr/>
-      </p:nvGrpSpPr>
-      <p:grpSpPr>
-        <a:xfrm>
-          <a:off x="0" y="0"/>
-          <a:ext cx="0" cy="0"/>
-          <a:chOff x="0" y="0"/>
-          <a:chExt cx="0" cy="0"/>
-        </a:xfrm>
-      </p:grpSpPr>
-      <p:sp>
-        <p:nvSpPr>
-          <p:cNvPr id="2" name="Title 1">
-            <a:extLst>
-              <a:ext uri="{FF2B5EF4-FFF2-40B4-BE49-F238E27FC236}">
-                <a16:creationId xmlns="" xmlns:a16="http://schemas.microsoft.com/office/drawing/2014/main" id="{48BD1D8E-9BB3-4D96-928A-29F0C8229131}"/>
-              </a:ext>
-            </a:extLst>
-          </p:cNvPr>
-          <p:cNvSpPr>
-            <a:spLocks noGrp="1"/>
-          </p:cNvSpPr>
-          <p:nvPr>
-            <p:ph type="title"/>
-          </p:nvPr>
-        </p:nvSpPr>
-        <p:spPr/>
-        <p:txBody>
-          <a:bodyPr>
-            <a:normAutofit/>
-          </a:bodyPr>
-          <a:lstStyle/>
-          <a:p>
-            <a:pPr algn="ctr"/>
-            <a:r>
-              <a:rPr lang="zh-TW" altLang="en-US" sz="4800" b="1" dirty="0">
-                <a:latin typeface="Microsoft JhengHei" panose="020B0604030504040204" pitchFamily="34" charset="-120"/>
-                <a:ea typeface="Microsoft JhengHei" panose="020B0604030504040204" pitchFamily="34" charset="-120"/>
-              </a:rPr>
-              <a:t>君王就在這裡</a:t>
-            </a:r>
-            <a:endParaRPr lang="en-US" sz="4800" b="1" dirty="0">
-              <a:latin typeface="Microsoft JhengHei" panose="020B0604030504040204" pitchFamily="34" charset="-120"/>
-              <a:ea typeface="Microsoft JhengHei" panose="020B0604030504040204" pitchFamily="34" charset="-120"/>
-            </a:endParaRPr>
-          </a:p>
-        </p:txBody>
-      </p:sp>
-      <p:sp>
-        <p:nvSpPr>
-          <p:cNvPr id="3" name="Content Placeholder 2">
-            <a:extLst>
-              <a:ext uri="{FF2B5EF4-FFF2-40B4-BE49-F238E27FC236}">
-                <a16:creationId xmlns="" xmlns:a16="http://schemas.microsoft.com/office/drawing/2014/main" id="{E22CC9E4-8F8E-42EB-9D61-9016F65A0B41}"/>
-              </a:ext>
-            </a:extLst>
-          </p:cNvPr>
-          <p:cNvSpPr>
-            <a:spLocks noGrp="1"/>
-          </p:cNvSpPr>
-          <p:nvPr>
-            <p:ph idx="1"/>
-          </p:nvPr>
-        </p:nvSpPr>
-        <p:spPr>
-          <a:xfrm>
-            <a:off x="1524000" y="1825625"/>
-            <a:ext cx="9144000" cy="4351338"/>
-          </a:xfrm>
-        </p:spPr>
-        <p:txBody>
-          <a:bodyPr>
-            <a:normAutofit/>
-          </a:bodyPr>
-          <a:lstStyle/>
-          <a:p>
-            <a:pPr marL="0" indent="0" algn="ctr">
-              <a:buNone/>
-            </a:pPr>
-            <a:r>
-              <a:rPr lang="zh-TW" altLang="en-US" sz="5400" b="1" dirty="0">
-                <a:latin typeface="Microsoft JhengHei" panose="020B0604030504040204" pitchFamily="34" charset="-120"/>
-                <a:ea typeface="Microsoft JhengHei" panose="020B0604030504040204" pitchFamily="34" charset="-120"/>
-                <a:cs typeface="+mj-cs"/>
-              </a:rPr>
-              <a:t>更多更多 來高</a:t>
-            </a:r>
-            <a:r>
-              <a:rPr lang="zh-TW" altLang="en-US" sz="5400" b="1" dirty="0" smtClean="0">
-                <a:latin typeface="Microsoft JhengHei" panose="020B0604030504040204" pitchFamily="34" charset="-120"/>
-                <a:ea typeface="Microsoft JhengHei" panose="020B0604030504040204" pitchFamily="34" charset="-120"/>
-                <a:cs typeface="+mj-cs"/>
-              </a:rPr>
-              <a:t>舉</a:t>
-            </a:r>
-            <a:r>
-              <a:rPr lang="zh-CN" altLang="en-US" sz="5400" b="1" dirty="0">
-                <a:latin typeface="Microsoft JhengHei" panose="020B0604030504040204" pitchFamily="34" charset="-120"/>
-                <a:ea typeface="Microsoft JhengHei" panose="020B0604030504040204" pitchFamily="34" charset="-120"/>
-              </a:rPr>
-              <a:t>袮</a:t>
-            </a:r>
-            <a:r>
-              <a:rPr lang="zh-TW" altLang="en-US" sz="5400" b="1" dirty="0" smtClean="0">
-                <a:latin typeface="Microsoft JhengHei" panose="020B0604030504040204" pitchFamily="34" charset="-120"/>
-                <a:ea typeface="Microsoft JhengHei" panose="020B0604030504040204" pitchFamily="34" charset="-120"/>
-                <a:cs typeface="+mj-cs"/>
-              </a:rPr>
-              <a:t>的</a:t>
-            </a:r>
-            <a:r>
-              <a:rPr lang="zh-TW" altLang="en-US" sz="5400" b="1" dirty="0">
-                <a:latin typeface="Microsoft JhengHei" panose="020B0604030504040204" pitchFamily="34" charset="-120"/>
-                <a:ea typeface="Microsoft JhengHei" panose="020B0604030504040204" pitchFamily="34" charset="-120"/>
-                <a:cs typeface="+mj-cs"/>
-              </a:rPr>
-              <a:t>名 </a:t>
-            </a:r>
-            <a:endParaRPr lang="en-US" altLang="zh-TW" sz="5400" b="1" dirty="0">
-              <a:latin typeface="Microsoft JhengHei" panose="020B0604030504040204" pitchFamily="34" charset="-120"/>
-              <a:ea typeface="Microsoft JhengHei" panose="020B0604030504040204" pitchFamily="34" charset="-120"/>
-              <a:cs typeface="+mj-cs"/>
-            </a:endParaRPr>
-          </a:p>
-          <a:p>
-            <a:pPr marL="0" indent="0" algn="ctr">
-              <a:buNone/>
-            </a:pPr>
-            <a:r>
-              <a:rPr lang="zh-TW" altLang="en-US" sz="5400" b="1" dirty="0">
-                <a:latin typeface="Microsoft JhengHei" panose="020B0604030504040204" pitchFamily="34" charset="-120"/>
-                <a:ea typeface="Microsoft JhengHei" panose="020B0604030504040204" pitchFamily="34" charset="-120"/>
-                <a:cs typeface="+mj-cs"/>
-              </a:rPr>
-              <a:t>更多更多 來呼</a:t>
-            </a:r>
-            <a:r>
-              <a:rPr lang="zh-TW" altLang="en-US" sz="5400" b="1" dirty="0" smtClean="0">
-                <a:latin typeface="Microsoft JhengHei" panose="020B0604030504040204" pitchFamily="34" charset="-120"/>
-                <a:ea typeface="Microsoft JhengHei" panose="020B0604030504040204" pitchFamily="34" charset="-120"/>
-                <a:cs typeface="+mj-cs"/>
-              </a:rPr>
-              <a:t>喊</a:t>
-            </a:r>
-            <a:r>
-              <a:rPr lang="zh-CN" altLang="en-US" sz="5400" b="1" dirty="0">
-                <a:latin typeface="Microsoft JhengHei" panose="020B0604030504040204" pitchFamily="34" charset="-120"/>
-                <a:ea typeface="Microsoft JhengHei" panose="020B0604030504040204" pitchFamily="34" charset="-120"/>
-              </a:rPr>
-              <a:t>袮</a:t>
-            </a:r>
-            <a:r>
-              <a:rPr lang="zh-TW" altLang="en-US" sz="5400" b="1" dirty="0" smtClean="0">
-                <a:latin typeface="Microsoft JhengHei" panose="020B0604030504040204" pitchFamily="34" charset="-120"/>
-                <a:ea typeface="Microsoft JhengHei" panose="020B0604030504040204" pitchFamily="34" charset="-120"/>
-                <a:cs typeface="+mj-cs"/>
-              </a:rPr>
-              <a:t>的</a:t>
-            </a:r>
-            <a:r>
-              <a:rPr lang="zh-TW" altLang="en-US" sz="5400" b="1" dirty="0">
-                <a:latin typeface="Microsoft JhengHei" panose="020B0604030504040204" pitchFamily="34" charset="-120"/>
-                <a:ea typeface="Microsoft JhengHei" panose="020B0604030504040204" pitchFamily="34" charset="-120"/>
-                <a:cs typeface="+mj-cs"/>
-              </a:rPr>
-              <a:t>名 </a:t>
-            </a:r>
-            <a:endParaRPr lang="en-US" altLang="zh-TW" sz="5400" b="1" dirty="0">
-              <a:latin typeface="Microsoft JhengHei" panose="020B0604030504040204" pitchFamily="34" charset="-120"/>
-              <a:ea typeface="Microsoft JhengHei" panose="020B0604030504040204" pitchFamily="34" charset="-120"/>
-              <a:cs typeface="+mj-cs"/>
-            </a:endParaRPr>
-          </a:p>
-          <a:p>
-            <a:pPr marL="0" indent="0" algn="ctr">
-              <a:buNone/>
-            </a:pPr>
-            <a:r>
-              <a:rPr lang="zh-TW" altLang="en-US" sz="5400" b="1" dirty="0">
-                <a:latin typeface="Microsoft JhengHei" panose="020B0604030504040204" pitchFamily="34" charset="-120"/>
-                <a:ea typeface="Microsoft JhengHei" panose="020B0604030504040204" pitchFamily="34" charset="-120"/>
-                <a:cs typeface="+mj-cs"/>
-              </a:rPr>
-              <a:t>更多更多 來承</a:t>
-            </a:r>
-            <a:r>
-              <a:rPr lang="zh-TW" altLang="en-US" sz="5400" b="1" dirty="0" smtClean="0">
-                <a:latin typeface="Microsoft JhengHei" panose="020B0604030504040204" pitchFamily="34" charset="-120"/>
-                <a:ea typeface="Microsoft JhengHei" panose="020B0604030504040204" pitchFamily="34" charset="-120"/>
-                <a:cs typeface="+mj-cs"/>
-              </a:rPr>
-              <a:t>認</a:t>
-            </a:r>
-            <a:r>
-              <a:rPr lang="zh-CN" altLang="en-US" sz="5400" b="1" dirty="0">
-                <a:latin typeface="Microsoft JhengHei" panose="020B0604030504040204" pitchFamily="34" charset="-120"/>
-                <a:ea typeface="Microsoft JhengHei" panose="020B0604030504040204" pitchFamily="34" charset="-120"/>
-              </a:rPr>
-              <a:t>袮</a:t>
-            </a:r>
-            <a:r>
-              <a:rPr lang="zh-TW" altLang="en-US" sz="5400" b="1" dirty="0" smtClean="0">
-                <a:latin typeface="Microsoft JhengHei" panose="020B0604030504040204" pitchFamily="34" charset="-120"/>
-                <a:ea typeface="Microsoft JhengHei" panose="020B0604030504040204" pitchFamily="34" charset="-120"/>
-                <a:cs typeface="+mj-cs"/>
-              </a:rPr>
-              <a:t>是</a:t>
-            </a:r>
-            <a:r>
-              <a:rPr lang="zh-TW" altLang="en-US" sz="5400" b="1" dirty="0">
-                <a:latin typeface="Microsoft JhengHei" panose="020B0604030504040204" pitchFamily="34" charset="-120"/>
-                <a:ea typeface="Microsoft JhengHei" panose="020B0604030504040204" pitchFamily="34" charset="-120"/>
-                <a:cs typeface="+mj-cs"/>
-              </a:rPr>
-              <a:t>主 </a:t>
-            </a:r>
-            <a:endParaRPr lang="en-US" altLang="zh-TW" sz="5400" b="1" dirty="0">
-              <a:latin typeface="Microsoft JhengHei" panose="020B0604030504040204" pitchFamily="34" charset="-120"/>
-              <a:ea typeface="Microsoft JhengHei" panose="020B0604030504040204" pitchFamily="34" charset="-120"/>
-              <a:cs typeface="+mj-cs"/>
-            </a:endParaRPr>
-          </a:p>
-          <a:p>
-            <a:pPr marL="0" indent="0" algn="ctr">
-              <a:buNone/>
-            </a:pPr>
-            <a:r>
-              <a:rPr lang="zh-TW" altLang="en-US" sz="5400" b="1" dirty="0">
-                <a:latin typeface="Microsoft JhengHei" panose="020B0604030504040204" pitchFamily="34" charset="-120"/>
-                <a:ea typeface="Microsoft JhengHei" panose="020B0604030504040204" pitchFamily="34" charset="-120"/>
-                <a:cs typeface="+mj-cs"/>
-              </a:rPr>
-              <a:t>直到那日 我再</a:t>
-            </a:r>
-            <a:r>
-              <a:rPr lang="zh-TW" altLang="en-US" sz="5400" b="1" dirty="0" smtClean="0">
-                <a:latin typeface="Microsoft JhengHei" panose="020B0604030504040204" pitchFamily="34" charset="-120"/>
-                <a:ea typeface="Microsoft JhengHei" panose="020B0604030504040204" pitchFamily="34" charset="-120"/>
-                <a:cs typeface="+mj-cs"/>
-              </a:rPr>
-              <a:t>見</a:t>
-            </a:r>
-            <a:r>
-              <a:rPr lang="zh-CN" altLang="en-US" sz="5400" b="1" dirty="0">
-                <a:latin typeface="Microsoft JhengHei" panose="020B0604030504040204" pitchFamily="34" charset="-120"/>
-                <a:ea typeface="Microsoft JhengHei" panose="020B0604030504040204" pitchFamily="34" charset="-120"/>
-              </a:rPr>
-              <a:t>袮</a:t>
-            </a:r>
-            <a:r>
-              <a:rPr lang="zh-TW" altLang="en-US" sz="5400" b="1" dirty="0" smtClean="0">
-                <a:latin typeface="Microsoft JhengHei" panose="020B0604030504040204" pitchFamily="34" charset="-120"/>
-                <a:ea typeface="Microsoft JhengHei" panose="020B0604030504040204" pitchFamily="34" charset="-120"/>
-                <a:cs typeface="+mj-cs"/>
-              </a:rPr>
-              <a:t>的</a:t>
-            </a:r>
-            <a:r>
-              <a:rPr lang="zh-TW" altLang="en-US" sz="5400" b="1" dirty="0">
-                <a:latin typeface="Microsoft JhengHei" panose="020B0604030504040204" pitchFamily="34" charset="-120"/>
-                <a:ea typeface="Microsoft JhengHei" panose="020B0604030504040204" pitchFamily="34" charset="-120"/>
-                <a:cs typeface="+mj-cs"/>
-              </a:rPr>
-              <a:t>面</a:t>
-            </a:r>
-            <a:endParaRPr lang="en-US" sz="5400" b="1" dirty="0">
-              <a:latin typeface="Microsoft JhengHei" panose="020B0604030504040204" pitchFamily="34" charset="-120"/>
-              <a:ea typeface="Microsoft JhengHei" panose="020B0604030504040204" pitchFamily="34" charset="-120"/>
-              <a:cs typeface="+mj-cs"/>
-            </a:endParaRPr>
-          </a:p>
-        </p:txBody>
-      </p:sp>
-    </p:spTree>
-    <p:extLst>
-      <p:ext uri="{BB962C8B-B14F-4D97-AF65-F5344CB8AC3E}">
-        <p14:creationId xmlns="" xmlns:p14="http://schemas.microsoft.com/office/powerpoint/2010/main" val="2372209404"/>
-      </p:ext>
-    </p:extLst>
-  </p:cSld>
-  <p:clrMapOvr>
-    <a:masterClrMapping/>
-  </p:clrMapOvr>
-</p:sld>
-</file>
-
-<file path=ppt/slides/slide8.xml><?xml version="1.0" encoding="utf-8"?>
-<p:sld xmlns:a="http://schemas.openxmlformats.org/drawingml/2006/main" xmlns:r="http://schemas.openxmlformats.org/officeDocument/2006/relationships" xmlns:p="http://schemas.openxmlformats.org/presentationml/2006/main">
-  <p:cSld>
-    <p:spTree>
-      <p:nvGrpSpPr>
-        <p:cNvPr id="1" name=""/>
-        <p:cNvGrpSpPr/>
-        <p:nvPr/>
-      </p:nvGrpSpPr>
-      <p:grpSpPr>
-        <a:xfrm>
-          <a:off x="0" y="0"/>
-          <a:ext cx="0" cy="0"/>
-          <a:chOff x="0" y="0"/>
-          <a:chExt cx="0" cy="0"/>
-        </a:xfrm>
-      </p:grpSpPr>
-      <p:sp>
-        <p:nvSpPr>
-          <p:cNvPr id="2" name="Title 1">
-            <a:extLst>
-              <a:ext uri="{FF2B5EF4-FFF2-40B4-BE49-F238E27FC236}">
-                <a16:creationId xmlns="" xmlns:a16="http://schemas.microsoft.com/office/drawing/2014/main" id="{48BD1D8E-9BB3-4D96-928A-29F0C8229131}"/>
-              </a:ext>
-            </a:extLst>
-          </p:cNvPr>
-          <p:cNvSpPr>
-            <a:spLocks noGrp="1"/>
-          </p:cNvSpPr>
-          <p:nvPr>
-            <p:ph type="title"/>
-          </p:nvPr>
-        </p:nvSpPr>
-        <p:spPr/>
-        <p:txBody>
-          <a:bodyPr>
-            <a:normAutofit/>
-          </a:bodyPr>
-          <a:lstStyle/>
-          <a:p>
-            <a:pPr algn="ctr"/>
-            <a:r>
-              <a:rPr lang="zh-TW" altLang="en-US" sz="4800" b="1" dirty="0">
-                <a:latin typeface="Microsoft JhengHei" panose="020B0604030504040204" pitchFamily="34" charset="-120"/>
-                <a:ea typeface="Microsoft JhengHei" panose="020B0604030504040204" pitchFamily="34" charset="-120"/>
-              </a:rPr>
-              <a:t>君王就在這裡</a:t>
-            </a:r>
-            <a:endParaRPr lang="en-US" sz="4800" b="1" dirty="0">
-              <a:latin typeface="Microsoft JhengHei" panose="020B0604030504040204" pitchFamily="34" charset="-120"/>
-              <a:ea typeface="Microsoft JhengHei" panose="020B0604030504040204" pitchFamily="34" charset="-120"/>
-            </a:endParaRPr>
-          </a:p>
-        </p:txBody>
-      </p:sp>
-      <p:sp>
-        <p:nvSpPr>
-          <p:cNvPr id="3" name="Content Placeholder 2">
-            <a:extLst>
-              <a:ext uri="{FF2B5EF4-FFF2-40B4-BE49-F238E27FC236}">
-                <a16:creationId xmlns="" xmlns:a16="http://schemas.microsoft.com/office/drawing/2014/main" id="{E22CC9E4-8F8E-42EB-9D61-9016F65A0B41}"/>
-              </a:ext>
-            </a:extLst>
-          </p:cNvPr>
-          <p:cNvSpPr>
-            <a:spLocks noGrp="1"/>
-          </p:cNvSpPr>
-          <p:nvPr>
-            <p:ph idx="1"/>
-          </p:nvPr>
-        </p:nvSpPr>
-        <p:spPr>
-          <a:xfrm>
-            <a:off x="1524000" y="1825625"/>
-            <a:ext cx="9144000" cy="4351338"/>
-          </a:xfrm>
-        </p:spPr>
-        <p:txBody>
-          <a:bodyPr>
-            <a:normAutofit/>
-          </a:bodyPr>
-          <a:lstStyle/>
-          <a:p>
-            <a:pPr marL="0" indent="0" algn="ctr">
-              <a:buNone/>
-            </a:pPr>
-            <a:r>
-              <a:rPr lang="zh-TW" altLang="en-US" sz="5400" b="1" dirty="0">
-                <a:latin typeface="Microsoft JhengHei" panose="020B0604030504040204" pitchFamily="34" charset="-120"/>
-                <a:ea typeface="Microsoft JhengHei" panose="020B0604030504040204" pitchFamily="34" charset="-120"/>
-                <a:cs typeface="+mj-cs"/>
-              </a:rPr>
-              <a:t>君王就在這裡 我們歡然獻祭 </a:t>
-            </a:r>
-            <a:endParaRPr lang="en-US" altLang="zh-TW" sz="5400" b="1" dirty="0">
-              <a:latin typeface="Microsoft JhengHei" panose="020B0604030504040204" pitchFamily="34" charset="-120"/>
-              <a:ea typeface="Microsoft JhengHei" panose="020B0604030504040204" pitchFamily="34" charset="-120"/>
-              <a:cs typeface="+mj-cs"/>
-            </a:endParaRPr>
-          </a:p>
-          <a:p>
-            <a:pPr marL="0" indent="0" algn="ctr">
-              <a:buNone/>
-            </a:pPr>
-            <a:r>
-              <a:rPr lang="zh-TW" altLang="en-US" sz="5400" b="1" dirty="0">
-                <a:latin typeface="Microsoft JhengHei" panose="020B0604030504040204" pitchFamily="34" charset="-120"/>
-                <a:ea typeface="Microsoft JhengHei" panose="020B0604030504040204" pitchFamily="34" charset="-120"/>
-                <a:cs typeface="+mj-cs"/>
-              </a:rPr>
-              <a:t>擁</a:t>
-            </a:r>
-            <a:r>
-              <a:rPr lang="zh-TW" altLang="en-US" sz="5400" b="1" dirty="0" smtClean="0">
-                <a:latin typeface="Microsoft JhengHei" panose="020B0604030504040204" pitchFamily="34" charset="-120"/>
-                <a:ea typeface="Microsoft JhengHei" panose="020B0604030504040204" pitchFamily="34" charset="-120"/>
-                <a:cs typeface="+mj-cs"/>
-              </a:rPr>
-              <a:t>戴</a:t>
-            </a:r>
-            <a:r>
-              <a:rPr lang="zh-CN" altLang="en-US" sz="5400" b="1" dirty="0" smtClean="0">
-                <a:latin typeface="Microsoft JhengHei" panose="020B0604030504040204" pitchFamily="34" charset="-120"/>
-                <a:ea typeface="Microsoft JhengHei" panose="020B0604030504040204" pitchFamily="34" charset="-120"/>
-                <a:cs typeface="+mj-cs"/>
-              </a:rPr>
-              <a:t>袮</a:t>
-            </a:r>
-            <a:r>
-              <a:rPr lang="zh-TW" altLang="en-US" sz="5400" b="1" dirty="0" smtClean="0">
-                <a:latin typeface="Microsoft JhengHei" panose="020B0604030504040204" pitchFamily="34" charset="-120"/>
-                <a:ea typeface="Microsoft JhengHei" panose="020B0604030504040204" pitchFamily="34" charset="-120"/>
-                <a:cs typeface="+mj-cs"/>
-              </a:rPr>
-              <a:t>為</a:t>
-            </a:r>
-            <a:r>
-              <a:rPr lang="zh-TW" altLang="en-US" sz="5400" b="1" dirty="0">
-                <a:latin typeface="Microsoft JhengHei" panose="020B0604030504040204" pitchFamily="34" charset="-120"/>
-                <a:ea typeface="Microsoft JhengHei" panose="020B0604030504040204" pitchFamily="34" charset="-120"/>
-                <a:cs typeface="+mj-cs"/>
-              </a:rPr>
-              <a:t>王 榮耀都歸</a:t>
-            </a:r>
-            <a:r>
-              <a:rPr lang="zh-TW" altLang="en-US" sz="5400" b="1" dirty="0" smtClean="0">
-                <a:latin typeface="Microsoft JhengHei" panose="020B0604030504040204" pitchFamily="34" charset="-120"/>
-                <a:ea typeface="Microsoft JhengHei" panose="020B0604030504040204" pitchFamily="34" charset="-120"/>
-                <a:cs typeface="+mj-cs"/>
-              </a:rPr>
-              <a:t>於</a:t>
-            </a:r>
-            <a:r>
-              <a:rPr lang="zh-CN" altLang="en-US" sz="5400" b="1" dirty="0">
-                <a:latin typeface="Microsoft JhengHei" panose="020B0604030504040204" pitchFamily="34" charset="-120"/>
-                <a:ea typeface="Microsoft JhengHei" panose="020B0604030504040204" pitchFamily="34" charset="-120"/>
-              </a:rPr>
-              <a:t>袮</a:t>
-            </a:r>
-            <a:endParaRPr lang="en-US" altLang="zh-TW" sz="5400" b="1" dirty="0">
-              <a:latin typeface="Microsoft JhengHei" panose="020B0604030504040204" pitchFamily="34" charset="-120"/>
-              <a:ea typeface="Microsoft JhengHei" panose="020B0604030504040204" pitchFamily="34" charset="-120"/>
-              <a:cs typeface="+mj-cs"/>
-            </a:endParaRPr>
-          </a:p>
-          <a:p>
-            <a:pPr marL="0" indent="0" algn="ctr">
-              <a:buNone/>
-            </a:pPr>
-            <a:r>
-              <a:rPr lang="zh-TW" altLang="en-US" sz="5400" b="1" dirty="0">
-                <a:latin typeface="Microsoft JhengHei" panose="020B0604030504040204" pitchFamily="34" charset="-120"/>
-                <a:ea typeface="Microsoft JhengHei" panose="020B0604030504040204" pitchFamily="34" charset="-120"/>
-                <a:cs typeface="+mj-cs"/>
-              </a:rPr>
-              <a:t>君王就在這裡 大能彰顯這地 </a:t>
-            </a:r>
-            <a:endParaRPr lang="en-US" altLang="zh-TW" sz="5400" b="1" dirty="0">
-              <a:latin typeface="Microsoft JhengHei" panose="020B0604030504040204" pitchFamily="34" charset="-120"/>
-              <a:ea typeface="Microsoft JhengHei" panose="020B0604030504040204" pitchFamily="34" charset="-120"/>
-              <a:cs typeface="+mj-cs"/>
-            </a:endParaRPr>
-          </a:p>
-          <a:p>
-            <a:pPr marL="0" indent="0" algn="ctr">
-              <a:buNone/>
-            </a:pPr>
-            <a:r>
-              <a:rPr lang="zh-TW" altLang="en-US" sz="5400" b="1" dirty="0">
-                <a:latin typeface="Microsoft JhengHei" panose="020B0604030504040204" pitchFamily="34" charset="-120"/>
-                <a:ea typeface="Microsoft JhengHei" panose="020B0604030504040204" pitchFamily="34" charset="-120"/>
-                <a:cs typeface="+mj-cs"/>
-              </a:rPr>
-              <a:t>和散那歸於 至高神主耶穌</a:t>
-            </a:r>
-            <a:endParaRPr lang="en-US" sz="5400" b="1" dirty="0">
-              <a:latin typeface="Microsoft JhengHei" panose="020B0604030504040204" pitchFamily="34" charset="-120"/>
-              <a:ea typeface="Microsoft JhengHei" panose="020B0604030504040204" pitchFamily="34" charset="-120"/>
-              <a:cs typeface="+mj-cs"/>
-            </a:endParaRPr>
-          </a:p>
-        </p:txBody>
-      </p:sp>
-    </p:spTree>
-    <p:extLst>
-      <p:ext uri="{BB962C8B-B14F-4D97-AF65-F5344CB8AC3E}">
-        <p14:creationId xmlns="" xmlns:p14="http://schemas.microsoft.com/office/powerpoint/2010/main" val="1195095475"/>
+        <p14:creationId xmlns:p14="http://schemas.microsoft.com/office/powerpoint/2010/main" val="1643227088"/>
       </p:ext>
     </p:extLst>
   </p:cSld>
